--- a/졸업 논문/JCCI 발표.pptx
+++ b/졸업 논문/JCCI 발표.pptx
@@ -20,18 +20,18 @@
     <p:sldId id="345" r:id="rId8"/>
     <p:sldId id="367" r:id="rId9"/>
     <p:sldId id="364" r:id="rId10"/>
-    <p:sldId id="346" r:id="rId11"/>
-    <p:sldId id="343" r:id="rId12"/>
-    <p:sldId id="365" r:id="rId13"/>
-    <p:sldId id="354" r:id="rId14"/>
-    <p:sldId id="342" r:id="rId15"/>
-    <p:sldId id="348" r:id="rId16"/>
-    <p:sldId id="349" r:id="rId17"/>
-    <p:sldId id="352" r:id="rId18"/>
-    <p:sldId id="368" r:id="rId19"/>
-    <p:sldId id="369" r:id="rId20"/>
-    <p:sldId id="355" r:id="rId21"/>
-    <p:sldId id="358" r:id="rId22"/>
+    <p:sldId id="343" r:id="rId11"/>
+    <p:sldId id="365" r:id="rId12"/>
+    <p:sldId id="354" r:id="rId13"/>
+    <p:sldId id="342" r:id="rId14"/>
+    <p:sldId id="348" r:id="rId15"/>
+    <p:sldId id="349" r:id="rId16"/>
+    <p:sldId id="352" r:id="rId17"/>
+    <p:sldId id="368" r:id="rId18"/>
+    <p:sldId id="369" r:id="rId19"/>
+    <p:sldId id="355" r:id="rId20"/>
+    <p:sldId id="358" r:id="rId21"/>
+    <p:sldId id="370" r:id="rId22"/>
     <p:sldId id="359" r:id="rId23"/>
   </p:sldIdLst>
   <p:sldSz cx="12192000" cy="6858000"/>
@@ -247,7 +247,7 @@
           <a:p>
             <a:fld id="{D1DA2BEC-7E6F-47A9-9115-3EED439C6DA5}" type="datetimeFigureOut">
               <a:rPr lang="ko-KR" altLang="en-US" smtClean="0"/>
-              <a:t>2024-04-18</a:t>
+              <a:t>2024-04-21</a:t>
             </a:fld>
             <a:endParaRPr lang="ko-KR" altLang="en-US"/>
           </a:p>
@@ -425,7 +425,7 @@
           <a:p>
             <a:fld id="{BF98C93F-AAD7-4410-AA25-972027873478}" type="datetimeFigureOut">
               <a:rPr lang="ko-KR" altLang="en-US" smtClean="0"/>
-              <a:t>2024-04-18</a:t>
+              <a:t>2024-04-21</a:t>
             </a:fld>
             <a:endParaRPr lang="ko-KR" altLang="en-US"/>
           </a:p>
@@ -854,7 +854,7 @@
     </p:spTree>
     <p:extLst>
       <p:ext uri="{BB962C8B-B14F-4D97-AF65-F5344CB8AC3E}">
-        <p14:creationId xmlns:p14="http://schemas.microsoft.com/office/powerpoint/2010/main" val="490336187"/>
+        <p14:creationId xmlns:p14="http://schemas.microsoft.com/office/powerpoint/2010/main" val="718433974"/>
       </p:ext>
     </p:extLst>
   </p:cSld>
@@ -938,7 +938,7 @@
     </p:spTree>
     <p:extLst>
       <p:ext uri="{BB962C8B-B14F-4D97-AF65-F5344CB8AC3E}">
-        <p14:creationId xmlns:p14="http://schemas.microsoft.com/office/powerpoint/2010/main" val="718433974"/>
+        <p14:creationId xmlns:p14="http://schemas.microsoft.com/office/powerpoint/2010/main" val="218855688"/>
       </p:ext>
     </p:extLst>
   </p:cSld>
@@ -1022,7 +1022,7 @@
     </p:spTree>
     <p:extLst>
       <p:ext uri="{BB962C8B-B14F-4D97-AF65-F5344CB8AC3E}">
-        <p14:creationId xmlns:p14="http://schemas.microsoft.com/office/powerpoint/2010/main" val="218855688"/>
+        <p14:creationId xmlns:p14="http://schemas.microsoft.com/office/powerpoint/2010/main" val="1268227352"/>
       </p:ext>
     </p:extLst>
   </p:cSld>
@@ -1106,7 +1106,7 @@
     </p:spTree>
     <p:extLst>
       <p:ext uri="{BB962C8B-B14F-4D97-AF65-F5344CB8AC3E}">
-        <p14:creationId xmlns:p14="http://schemas.microsoft.com/office/powerpoint/2010/main" val="1268227352"/>
+        <p14:creationId xmlns:p14="http://schemas.microsoft.com/office/powerpoint/2010/main" val="2144259240"/>
       </p:ext>
     </p:extLst>
   </p:cSld>
@@ -1190,7 +1190,7 @@
     </p:spTree>
     <p:extLst>
       <p:ext uri="{BB962C8B-B14F-4D97-AF65-F5344CB8AC3E}">
-        <p14:creationId xmlns:p14="http://schemas.microsoft.com/office/powerpoint/2010/main" val="2144259240"/>
+        <p14:creationId xmlns:p14="http://schemas.microsoft.com/office/powerpoint/2010/main" val="538901562"/>
       </p:ext>
     </p:extLst>
   </p:cSld>
@@ -1274,7 +1274,7 @@
     </p:spTree>
     <p:extLst>
       <p:ext uri="{BB962C8B-B14F-4D97-AF65-F5344CB8AC3E}">
-        <p14:creationId xmlns:p14="http://schemas.microsoft.com/office/powerpoint/2010/main" val="538901562"/>
+        <p14:creationId xmlns:p14="http://schemas.microsoft.com/office/powerpoint/2010/main" val="2058760174"/>
       </p:ext>
     </p:extLst>
   </p:cSld>
@@ -1358,7 +1358,7 @@
     </p:spTree>
     <p:extLst>
       <p:ext uri="{BB962C8B-B14F-4D97-AF65-F5344CB8AC3E}">
-        <p14:creationId xmlns:p14="http://schemas.microsoft.com/office/powerpoint/2010/main" val="2058760174"/>
+        <p14:creationId xmlns:p14="http://schemas.microsoft.com/office/powerpoint/2010/main" val="1070007083"/>
       </p:ext>
     </p:extLst>
   </p:cSld>
@@ -1442,7 +1442,7 @@
     </p:spTree>
     <p:extLst>
       <p:ext uri="{BB962C8B-B14F-4D97-AF65-F5344CB8AC3E}">
-        <p14:creationId xmlns:p14="http://schemas.microsoft.com/office/powerpoint/2010/main" val="1070007083"/>
+        <p14:creationId xmlns:p14="http://schemas.microsoft.com/office/powerpoint/2010/main" val="1456885359"/>
       </p:ext>
     </p:extLst>
   </p:cSld>
@@ -1526,7 +1526,7 @@
     </p:spTree>
     <p:extLst>
       <p:ext uri="{BB962C8B-B14F-4D97-AF65-F5344CB8AC3E}">
-        <p14:creationId xmlns:p14="http://schemas.microsoft.com/office/powerpoint/2010/main" val="1456885359"/>
+        <p14:creationId xmlns:p14="http://schemas.microsoft.com/office/powerpoint/2010/main" val="1787610890"/>
       </p:ext>
     </p:extLst>
   </p:cSld>
@@ -1610,7 +1610,7 @@
     </p:spTree>
     <p:extLst>
       <p:ext uri="{BB962C8B-B14F-4D97-AF65-F5344CB8AC3E}">
-        <p14:creationId xmlns:p14="http://schemas.microsoft.com/office/powerpoint/2010/main" val="1787610890"/>
+        <p14:creationId xmlns:p14="http://schemas.microsoft.com/office/powerpoint/2010/main" val="929818328"/>
       </p:ext>
     </p:extLst>
   </p:cSld>
@@ -1876,90 +1876,6 @@
             <a:fld id="{C9D3DC29-C20B-4A99-A3AC-B5CC8D20ABB4}" type="slidenum">
               <a:rPr lang="ko-KR" altLang="en-US" smtClean="0"/>
               <a:t>20</a:t>
-            </a:fld>
-            <a:endParaRPr lang="ko-KR" altLang="en-US"/>
-          </a:p>
-        </p:txBody>
-      </p:sp>
-    </p:spTree>
-    <p:extLst>
-      <p:ext uri="{BB962C8B-B14F-4D97-AF65-F5344CB8AC3E}">
-        <p14:creationId xmlns:p14="http://schemas.microsoft.com/office/powerpoint/2010/main" val="929818328"/>
-      </p:ext>
-    </p:extLst>
-  </p:cSld>
-  <p:clrMapOvr>
-    <a:masterClrMapping/>
-  </p:clrMapOvr>
-</p:notes>
-</file>
-
-<file path=ppt/notesSlides/notesSlide21.xml><?xml version="1.0" encoding="utf-8"?>
-<p:notes xmlns:a="http://schemas.openxmlformats.org/drawingml/2006/main" xmlns:r="http://schemas.openxmlformats.org/officeDocument/2006/relationships" xmlns:p="http://schemas.openxmlformats.org/presentationml/2006/main">
-  <p:cSld>
-    <p:spTree>
-      <p:nvGrpSpPr>
-        <p:cNvPr id="1" name=""/>
-        <p:cNvGrpSpPr/>
-        <p:nvPr/>
-      </p:nvGrpSpPr>
-      <p:grpSpPr>
-        <a:xfrm>
-          <a:off x="0" y="0"/>
-          <a:ext cx="0" cy="0"/>
-          <a:chOff x="0" y="0"/>
-          <a:chExt cx="0" cy="0"/>
-        </a:xfrm>
-      </p:grpSpPr>
-      <p:sp>
-        <p:nvSpPr>
-          <p:cNvPr id="2" name="슬라이드 이미지 개체 틀 1"/>
-          <p:cNvSpPr>
-            <a:spLocks noGrp="1" noRot="1" noChangeAspect="1"/>
-          </p:cNvSpPr>
-          <p:nvPr>
-            <p:ph type="sldImg"/>
-          </p:nvPr>
-        </p:nvSpPr>
-        <p:spPr/>
-      </p:sp>
-      <p:sp>
-        <p:nvSpPr>
-          <p:cNvPr id="3" name="슬라이드 노트 개체 틀 2"/>
-          <p:cNvSpPr>
-            <a:spLocks noGrp="1"/>
-          </p:cNvSpPr>
-          <p:nvPr>
-            <p:ph type="body" idx="1"/>
-          </p:nvPr>
-        </p:nvSpPr>
-        <p:spPr/>
-        <p:txBody>
-          <a:bodyPr/>
-          <a:lstStyle/>
-          <a:p>
-            <a:endParaRPr lang="ko-KR" altLang="en-US" dirty="0"/>
-          </a:p>
-        </p:txBody>
-      </p:sp>
-      <p:sp>
-        <p:nvSpPr>
-          <p:cNvPr id="4" name="슬라이드 번호 개체 틀 3"/>
-          <p:cNvSpPr>
-            <a:spLocks noGrp="1"/>
-          </p:cNvSpPr>
-          <p:nvPr>
-            <p:ph type="sldNum" sz="quarter" idx="5"/>
-          </p:nvPr>
-        </p:nvSpPr>
-        <p:spPr/>
-        <p:txBody>
-          <a:bodyPr/>
-          <a:lstStyle/>
-          <a:p>
-            <a:fld id="{C9D3DC29-C20B-4A99-A3AC-B5CC8D20ABB4}" type="slidenum">
-              <a:rPr lang="ko-KR" altLang="en-US" smtClean="0"/>
-              <a:t>21</a:t>
             </a:fld>
             <a:endParaRPr lang="ko-KR" altLang="en-US"/>
           </a:p>
@@ -5075,7 +4991,7 @@
           <a:p>
             <a:r>
               <a:rPr lang="en-US" altLang="ko-KR" dirty="0"/>
-              <a:t>Model Design</a:t>
+              <a:t>Sliding Mode Control</a:t>
             </a:r>
             <a:endParaRPr lang="ko-KR" altLang="en-US" dirty="0"/>
           </a:p>
@@ -5106,2691 +5022,6 @@
               <a:rPr lang="ko-KR" altLang="en-US" smtClean="0"/>
               <a:pPr/>
               <a:t>10</a:t>
-            </a:fld>
-            <a:endParaRPr lang="ko-KR" altLang="en-US"/>
-          </a:p>
-        </p:txBody>
-      </p:sp>
-      <p:sp>
-        <p:nvSpPr>
-          <p:cNvPr id="13" name="TextBox 12">
-            <a:extLst>
-              <a:ext uri="{FF2B5EF4-FFF2-40B4-BE49-F238E27FC236}">
-                <a16:creationId xmlns:a16="http://schemas.microsoft.com/office/drawing/2014/main" id="{03141D91-2094-BCFC-508C-9FCFECA950BE}"/>
-              </a:ext>
-            </a:extLst>
-          </p:cNvPr>
-          <p:cNvSpPr txBox="1"/>
-          <p:nvPr/>
-        </p:nvSpPr>
-        <p:spPr>
-          <a:xfrm>
-            <a:off x="2661954" y="7220348"/>
-            <a:ext cx="954044" cy="369332"/>
-          </a:xfrm>
-          <a:prstGeom prst="rect">
-            <a:avLst/>
-          </a:prstGeom>
-          <a:noFill/>
-        </p:spPr>
-        <p:txBody>
-          <a:bodyPr wrap="none" rtlCol="0">
-            <a:spAutoFit/>
-          </a:bodyPr>
-          <a:lstStyle/>
-          <a:p>
-            <a:r>
-              <a:rPr lang="en-US" altLang="ko-KR" dirty="0"/>
-              <a:t>Control</a:t>
-            </a:r>
-            <a:endParaRPr lang="ko-KR" altLang="en-US" dirty="0"/>
-          </a:p>
-        </p:txBody>
-      </p:sp>
-      <mc:AlternateContent xmlns:mc="http://schemas.openxmlformats.org/markup-compatibility/2006">
-        <mc:Choice xmlns:a14="http://schemas.microsoft.com/office/drawing/2010/main" Requires="a14">
-          <p:sp>
-            <p:nvSpPr>
-              <p:cNvPr id="48" name="내용 개체 틀 2">
-                <a:extLst>
-                  <a:ext uri="{FF2B5EF4-FFF2-40B4-BE49-F238E27FC236}">
-                    <a16:creationId xmlns:a16="http://schemas.microsoft.com/office/drawing/2014/main" id="{73CEA41C-8C08-724D-4D99-359E3675516C}"/>
-                  </a:ext>
-                </a:extLst>
-              </p:cNvPr>
-              <p:cNvSpPr txBox="1">
-                <a:spLocks/>
-              </p:cNvSpPr>
-              <p:nvPr/>
-            </p:nvSpPr>
-            <p:spPr>
-              <a:xfrm>
-                <a:off x="796925" y="1130075"/>
-                <a:ext cx="10220325" cy="5053013"/>
-              </a:xfrm>
-              <a:prstGeom prst="rect">
-                <a:avLst/>
-              </a:prstGeom>
-            </p:spPr>
-            <p:txBody>
-              <a:bodyPr/>
-              <a:lstStyle>
-                <a:lvl1pPr marL="228584" indent="-228584" algn="l" defTabSz="914332" rtl="0" eaLnBrk="1" latinLnBrk="1" hangingPunct="1">
-                  <a:lnSpc>
-                    <a:spcPct val="90000"/>
-                  </a:lnSpc>
-                  <a:spcBef>
-                    <a:spcPts val="1000"/>
-                  </a:spcBef>
-                  <a:buFont typeface="Arial" panose="020B0604020202020204" pitchFamily="34" charset="0"/>
-                  <a:buChar char="•"/>
-                  <a:defRPr sz="2800" kern="1200">
-                    <a:solidFill>
-                      <a:schemeClr val="tx1"/>
-                    </a:solidFill>
-                    <a:latin typeface="+mn-lt"/>
-                    <a:ea typeface="+mn-ea"/>
-                    <a:cs typeface="+mn-cs"/>
-                  </a:defRPr>
-                </a:lvl1pPr>
-                <a:lvl2pPr marL="685750" indent="-228584" algn="l" defTabSz="914332" rtl="0" eaLnBrk="1" latinLnBrk="1" hangingPunct="1">
-                  <a:lnSpc>
-                    <a:spcPct val="90000"/>
-                  </a:lnSpc>
-                  <a:spcBef>
-                    <a:spcPts val="500"/>
-                  </a:spcBef>
-                  <a:buFont typeface="Arial" panose="020B0604020202020204" pitchFamily="34" charset="0"/>
-                  <a:buChar char="•"/>
-                  <a:defRPr sz="2400" kern="1200">
-                    <a:solidFill>
-                      <a:schemeClr val="tx1"/>
-                    </a:solidFill>
-                    <a:latin typeface="+mn-lt"/>
-                    <a:ea typeface="+mn-ea"/>
-                    <a:cs typeface="+mn-cs"/>
-                  </a:defRPr>
-                </a:lvl2pPr>
-                <a:lvl3pPr marL="1142914" indent="-228584" algn="l" defTabSz="914332" rtl="0" eaLnBrk="1" latinLnBrk="1" hangingPunct="1">
-                  <a:lnSpc>
-                    <a:spcPct val="90000"/>
-                  </a:lnSpc>
-                  <a:spcBef>
-                    <a:spcPts val="500"/>
-                  </a:spcBef>
-                  <a:buFont typeface="Arial" panose="020B0604020202020204" pitchFamily="34" charset="0"/>
-                  <a:buChar char="•"/>
-                  <a:defRPr sz="2000" kern="1200">
-                    <a:solidFill>
-                      <a:schemeClr val="tx1"/>
-                    </a:solidFill>
-                    <a:latin typeface="+mn-lt"/>
-                    <a:ea typeface="+mn-ea"/>
-                    <a:cs typeface="+mn-cs"/>
-                  </a:defRPr>
-                </a:lvl3pPr>
-                <a:lvl4pPr marL="1600080" indent="-228584" algn="l" defTabSz="914332" rtl="0" eaLnBrk="1" latinLnBrk="1" hangingPunct="1">
-                  <a:lnSpc>
-                    <a:spcPct val="90000"/>
-                  </a:lnSpc>
-                  <a:spcBef>
-                    <a:spcPts val="500"/>
-                  </a:spcBef>
-                  <a:buFont typeface="Arial" panose="020B0604020202020204" pitchFamily="34" charset="0"/>
-                  <a:buChar char="•"/>
-                  <a:defRPr sz="1800" kern="1200">
-                    <a:solidFill>
-                      <a:schemeClr val="tx1"/>
-                    </a:solidFill>
-                    <a:latin typeface="+mn-lt"/>
-                    <a:ea typeface="+mn-ea"/>
-                    <a:cs typeface="+mn-cs"/>
-                  </a:defRPr>
-                </a:lvl4pPr>
-                <a:lvl5pPr marL="2057247" indent="-228584" algn="l" defTabSz="914332" rtl="0" eaLnBrk="1" latinLnBrk="1" hangingPunct="1">
-                  <a:lnSpc>
-                    <a:spcPct val="90000"/>
-                  </a:lnSpc>
-                  <a:spcBef>
-                    <a:spcPts val="500"/>
-                  </a:spcBef>
-                  <a:buFont typeface="Arial" panose="020B0604020202020204" pitchFamily="34" charset="0"/>
-                  <a:buChar char="•"/>
-                  <a:defRPr sz="1800" kern="1200">
-                    <a:solidFill>
-                      <a:schemeClr val="tx1"/>
-                    </a:solidFill>
-                    <a:latin typeface="+mn-lt"/>
-                    <a:ea typeface="+mn-ea"/>
-                    <a:cs typeface="+mn-cs"/>
-                  </a:defRPr>
-                </a:lvl5pPr>
-                <a:lvl6pPr marL="2514412" indent="-228584" algn="l" defTabSz="914332" rtl="0" eaLnBrk="1" latinLnBrk="1" hangingPunct="1">
-                  <a:lnSpc>
-                    <a:spcPct val="90000"/>
-                  </a:lnSpc>
-                  <a:spcBef>
-                    <a:spcPts val="500"/>
-                  </a:spcBef>
-                  <a:buFont typeface="Arial" panose="020B0604020202020204" pitchFamily="34" charset="0"/>
-                  <a:buChar char="•"/>
-                  <a:defRPr sz="1800" kern="1200">
-                    <a:solidFill>
-                      <a:schemeClr val="tx1"/>
-                    </a:solidFill>
-                    <a:latin typeface="+mn-lt"/>
-                    <a:ea typeface="+mn-ea"/>
-                    <a:cs typeface="+mn-cs"/>
-                  </a:defRPr>
-                </a:lvl6pPr>
-                <a:lvl7pPr marL="2971578" indent="-228584" algn="l" defTabSz="914332" rtl="0" eaLnBrk="1" latinLnBrk="1" hangingPunct="1">
-                  <a:lnSpc>
-                    <a:spcPct val="90000"/>
-                  </a:lnSpc>
-                  <a:spcBef>
-                    <a:spcPts val="500"/>
-                  </a:spcBef>
-                  <a:buFont typeface="Arial" panose="020B0604020202020204" pitchFamily="34" charset="0"/>
-                  <a:buChar char="•"/>
-                  <a:defRPr sz="1800" kern="1200">
-                    <a:solidFill>
-                      <a:schemeClr val="tx1"/>
-                    </a:solidFill>
-                    <a:latin typeface="+mn-lt"/>
-                    <a:ea typeface="+mn-ea"/>
-                    <a:cs typeface="+mn-cs"/>
-                  </a:defRPr>
-                </a:lvl7pPr>
-                <a:lvl8pPr marL="3428744" indent="-228584" algn="l" defTabSz="914332" rtl="0" eaLnBrk="1" latinLnBrk="1" hangingPunct="1">
-                  <a:lnSpc>
-                    <a:spcPct val="90000"/>
-                  </a:lnSpc>
-                  <a:spcBef>
-                    <a:spcPts val="500"/>
-                  </a:spcBef>
-                  <a:buFont typeface="Arial" panose="020B0604020202020204" pitchFamily="34" charset="0"/>
-                  <a:buChar char="•"/>
-                  <a:defRPr sz="1800" kern="1200">
-                    <a:solidFill>
-                      <a:schemeClr val="tx1"/>
-                    </a:solidFill>
-                    <a:latin typeface="+mn-lt"/>
-                    <a:ea typeface="+mn-ea"/>
-                    <a:cs typeface="+mn-cs"/>
-                  </a:defRPr>
-                </a:lvl8pPr>
-                <a:lvl9pPr marL="3885910" indent="-228584" algn="l" defTabSz="914332" rtl="0" eaLnBrk="1" latinLnBrk="1" hangingPunct="1">
-                  <a:lnSpc>
-                    <a:spcPct val="90000"/>
-                  </a:lnSpc>
-                  <a:spcBef>
-                    <a:spcPts val="500"/>
-                  </a:spcBef>
-                  <a:buFont typeface="Arial" panose="020B0604020202020204" pitchFamily="34" charset="0"/>
-                  <a:buChar char="•"/>
-                  <a:defRPr sz="1800" kern="1200">
-                    <a:solidFill>
-                      <a:schemeClr val="tx1"/>
-                    </a:solidFill>
-                    <a:latin typeface="+mn-lt"/>
-                    <a:ea typeface="+mn-ea"/>
-                    <a:cs typeface="+mn-cs"/>
-                  </a:defRPr>
-                </a:lvl9pPr>
-              </a:lstStyle>
-              <a:p>
-                <a:pPr>
-                  <a:lnSpc>
-                    <a:spcPct val="150000"/>
-                  </a:lnSpc>
-                  <a:buFont typeface="Wingdings" panose="05000000000000000000" pitchFamily="2" charset="2"/>
-                  <a:buChar char="Ø"/>
-                </a:pPr>
-                <a:r>
-                  <a:rPr lang="en-US" altLang="ko-KR" sz="2400" dirty="0"/>
-                  <a:t>Tire Model</a:t>
-                </a:r>
-                <a:r>
-                  <a:rPr lang="ko-KR" altLang="en-US" sz="2000" dirty="0"/>
-                  <a:t> </a:t>
-                </a:r>
-                <a:endParaRPr lang="en-US" altLang="ko-KR" sz="1800" dirty="0"/>
-              </a:p>
-              <a:p>
-                <a:pPr lvl="1">
-                  <a:lnSpc>
-                    <a:spcPct val="150000"/>
-                  </a:lnSpc>
-                  <a:buFont typeface="Wingdings" panose="05000000000000000000" pitchFamily="2" charset="2"/>
-                  <a:buChar char="Ø"/>
-                </a:pPr>
-                <a:r>
-                  <a:rPr lang="ko-KR" altLang="en-US" sz="1800" dirty="0"/>
-                  <a:t>타이어에 작용하는 힘의 방향에 따라 </a:t>
-                </a:r>
-                <a14:m>
-                  <m:oMath xmlns:m="http://schemas.openxmlformats.org/officeDocument/2006/math">
-                    <m:sSub>
-                      <m:sSubPr>
-                        <m:ctrlPr>
-                          <a:rPr lang="en-US" altLang="ko-KR" sz="1800" b="0" i="1" kern="100" smtClean="0">
-                            <a:solidFill>
-                              <a:schemeClr val="tx1"/>
-                            </a:solidFill>
-                            <a:effectLst/>
-                            <a:latin typeface="Cambria Math" panose="02040503050406030204" pitchFamily="18" charset="0"/>
-                            <a:ea typeface="HY신명조" panose="02030600000101010101" pitchFamily="18" charset="-127"/>
-                            <a:cs typeface="Times New Roman" panose="02020603050405020304" pitchFamily="18" charset="0"/>
-                          </a:rPr>
-                        </m:ctrlPr>
-                      </m:sSubPr>
-                      <m:e>
-                        <m:r>
-                          <a:rPr lang="en-US" altLang="ko-KR" sz="1800" b="0" i="1" kern="100" smtClean="0">
-                            <a:solidFill>
-                              <a:schemeClr val="tx1"/>
-                            </a:solidFill>
-                            <a:effectLst/>
-                            <a:latin typeface="Cambria Math" panose="02040503050406030204" pitchFamily="18" charset="0"/>
-                            <a:ea typeface="HY신명조" panose="02030600000101010101" pitchFamily="18" charset="-127"/>
-                            <a:cs typeface="Times New Roman" panose="02020603050405020304" pitchFamily="18" charset="0"/>
-                          </a:rPr>
-                          <m:t>𝐹</m:t>
-                        </m:r>
-                      </m:e>
-                      <m:sub>
-                        <m:r>
-                          <a:rPr lang="en-US" altLang="ko-KR" sz="1800" b="0" i="1" kern="100" smtClean="0">
-                            <a:solidFill>
-                              <a:schemeClr val="tx1"/>
-                            </a:solidFill>
-                            <a:effectLst/>
-                            <a:latin typeface="Cambria Math" panose="02040503050406030204" pitchFamily="18" charset="0"/>
-                            <a:ea typeface="HY신명조" panose="02030600000101010101" pitchFamily="18" charset="-127"/>
-                            <a:cs typeface="Times New Roman" panose="02020603050405020304" pitchFamily="18" charset="0"/>
-                          </a:rPr>
-                          <m:t>𝑥</m:t>
-                        </m:r>
-                      </m:sub>
-                    </m:sSub>
-                    <m:r>
-                      <a:rPr lang="en-US" altLang="ko-KR" sz="1800" b="0" i="1" kern="100" smtClean="0">
-                        <a:solidFill>
-                          <a:schemeClr val="tx1"/>
-                        </a:solidFill>
-                        <a:effectLst/>
-                        <a:latin typeface="Cambria Math" panose="02040503050406030204" pitchFamily="18" charset="0"/>
-                        <a:ea typeface="HY신명조" panose="02030600000101010101" pitchFamily="18" charset="-127"/>
-                        <a:cs typeface="Times New Roman" panose="02020603050405020304" pitchFamily="18" charset="0"/>
-                      </a:rPr>
-                      <m:t> </m:t>
-                    </m:r>
-                    <m:r>
-                      <a:rPr lang="ko-KR" altLang="en-US" sz="1800" i="1" kern="100">
-                        <a:latin typeface="Cambria Math" panose="02040503050406030204" pitchFamily="18" charset="0"/>
-                        <a:ea typeface="HY신명조" panose="02030600000101010101" pitchFamily="18" charset="-127"/>
-                        <a:cs typeface="Times New Roman" panose="02020603050405020304" pitchFamily="18" charset="0"/>
-                      </a:rPr>
-                      <m:t>와</m:t>
-                    </m:r>
-                  </m:oMath>
-                </a14:m>
-                <a:r>
-                  <a:rPr lang="en-US" altLang="ko-KR" sz="1800" dirty="0"/>
-                  <a:t> </a:t>
-                </a:r>
-                <a14:m>
-                  <m:oMath xmlns:m="http://schemas.openxmlformats.org/officeDocument/2006/math">
-                    <m:sSub>
-                      <m:sSubPr>
-                        <m:ctrlPr>
-                          <a:rPr lang="en-US" altLang="ko-KR" sz="1800" i="1">
-                            <a:latin typeface="Cambria Math" panose="02040503050406030204" pitchFamily="18" charset="0"/>
-                          </a:rPr>
-                        </m:ctrlPr>
-                      </m:sSubPr>
-                      <m:e>
-                        <m:r>
-                          <a:rPr lang="en-US" altLang="ko-KR" sz="1800" i="1">
-                            <a:latin typeface="Cambria Math" panose="02040503050406030204" pitchFamily="18" charset="0"/>
-                          </a:rPr>
-                          <m:t>𝐹</m:t>
-                        </m:r>
-                      </m:e>
-                      <m:sub>
-                        <m:r>
-                          <a:rPr lang="en-US" altLang="ko-KR" sz="1800" i="1">
-                            <a:latin typeface="Cambria Math" panose="02040503050406030204" pitchFamily="18" charset="0"/>
-                          </a:rPr>
-                          <m:t>𝑦</m:t>
-                        </m:r>
-                      </m:sub>
-                    </m:sSub>
-                    <m:r>
-                      <a:rPr lang="ko-KR" altLang="en-US" sz="1800" i="1" smtClean="0">
-                        <a:latin typeface="Cambria Math" panose="02040503050406030204" pitchFamily="18" charset="0"/>
-                      </a:rPr>
-                      <m:t>의</m:t>
-                    </m:r>
-                  </m:oMath>
-                </a14:m>
-                <a:r>
-                  <a:rPr lang="ko-KR" altLang="en-US" sz="1800" dirty="0"/>
-                  <a:t> 식으로 구분 가능</a:t>
-                </a:r>
-                <a:endParaRPr lang="en-US" altLang="ko-KR" sz="1800" dirty="0"/>
-              </a:p>
-              <a:p>
-                <a:pPr lvl="1">
-                  <a:lnSpc>
-                    <a:spcPct val="150000"/>
-                  </a:lnSpc>
-                  <a:buFont typeface="Wingdings" panose="05000000000000000000" pitchFamily="2" charset="2"/>
-                  <a:buChar char="Ø"/>
-                </a:pPr>
-                <a:r>
-                  <a:rPr lang="ko-KR" altLang="en-US" sz="1800" dirty="0"/>
-                  <a:t>타이어의</a:t>
-                </a:r>
-                <a:r>
-                  <a:rPr lang="en-US" altLang="ko-KR" sz="1800" dirty="0"/>
-                  <a:t> </a:t>
-                </a:r>
-                <a14:m>
-                  <m:oMath xmlns:m="http://schemas.openxmlformats.org/officeDocument/2006/math">
-                    <m:sSub>
-                      <m:sSubPr>
-                        <m:ctrlPr>
-                          <a:rPr lang="en-US" altLang="ko-KR" sz="1800" b="0" i="1" kern="100" smtClean="0">
-                            <a:solidFill>
-                              <a:schemeClr val="tx1"/>
-                            </a:solidFill>
-                            <a:effectLst/>
-                            <a:latin typeface="Cambria Math" panose="02040503050406030204" pitchFamily="18" charset="0"/>
-                            <a:ea typeface="HY신명조" panose="02030600000101010101" pitchFamily="18" charset="-127"/>
-                            <a:cs typeface="Times New Roman" panose="02020603050405020304" pitchFamily="18" charset="0"/>
-                          </a:rPr>
-                        </m:ctrlPr>
-                      </m:sSubPr>
-                      <m:e>
-                        <m:r>
-                          <a:rPr lang="en-US" altLang="ko-KR" sz="1800" b="0" i="1" kern="100" smtClean="0">
-                            <a:solidFill>
-                              <a:schemeClr val="tx1"/>
-                            </a:solidFill>
-                            <a:effectLst/>
-                            <a:latin typeface="Cambria Math" panose="02040503050406030204" pitchFamily="18" charset="0"/>
-                            <a:ea typeface="HY신명조" panose="02030600000101010101" pitchFamily="18" charset="-127"/>
-                            <a:cs typeface="Times New Roman" panose="02020603050405020304" pitchFamily="18" charset="0"/>
-                          </a:rPr>
-                          <m:t>𝐹</m:t>
-                        </m:r>
-                      </m:e>
-                      <m:sub>
-                        <m:r>
-                          <a:rPr lang="en-US" altLang="ko-KR" sz="1800" b="0" i="1" kern="100" smtClean="0">
-                            <a:solidFill>
-                              <a:schemeClr val="tx1"/>
-                            </a:solidFill>
-                            <a:effectLst/>
-                            <a:latin typeface="Cambria Math" panose="02040503050406030204" pitchFamily="18" charset="0"/>
-                            <a:ea typeface="HY신명조" panose="02030600000101010101" pitchFamily="18" charset="-127"/>
-                            <a:cs typeface="Times New Roman" panose="02020603050405020304" pitchFamily="18" charset="0"/>
-                          </a:rPr>
-                          <m:t>𝑥</m:t>
-                        </m:r>
-                      </m:sub>
-                    </m:sSub>
-                  </m:oMath>
-                </a14:m>
-                <a:r>
-                  <a:rPr lang="ko-KR" altLang="en-US" sz="1800" dirty="0"/>
-                  <a:t>는 구동계의 출력으로 예측 및 조절 가능</a:t>
-                </a:r>
-                <a:endParaRPr lang="en-US" altLang="ko-KR" sz="1800" dirty="0"/>
-              </a:p>
-              <a:p>
-                <a:pPr lvl="1">
-                  <a:lnSpc>
-                    <a:spcPct val="150000"/>
-                  </a:lnSpc>
-                  <a:buFont typeface="Wingdings" panose="05000000000000000000" pitchFamily="2" charset="2"/>
-                  <a:buChar char="Ø"/>
-                </a:pPr>
-                <a:r>
-                  <a:rPr lang="ko-KR" altLang="en-US" sz="1800" dirty="0"/>
-                  <a:t>타이어의 </a:t>
-                </a:r>
-                <a14:m>
-                  <m:oMath xmlns:m="http://schemas.openxmlformats.org/officeDocument/2006/math">
-                    <m:sSub>
-                      <m:sSubPr>
-                        <m:ctrlPr>
-                          <a:rPr lang="en-US" altLang="ko-KR" sz="1800" b="0" i="1" kern="100" smtClean="0">
-                            <a:solidFill>
-                              <a:schemeClr val="tx1"/>
-                            </a:solidFill>
-                            <a:effectLst/>
-                            <a:latin typeface="Cambria Math" panose="02040503050406030204" pitchFamily="18" charset="0"/>
-                            <a:ea typeface="HY신명조" panose="02030600000101010101" pitchFamily="18" charset="-127"/>
-                            <a:cs typeface="Times New Roman" panose="02020603050405020304" pitchFamily="18" charset="0"/>
-                          </a:rPr>
-                        </m:ctrlPr>
-                      </m:sSubPr>
-                      <m:e>
-                        <m:r>
-                          <a:rPr lang="en-US" altLang="ko-KR" sz="1800" b="0" i="1" kern="100" smtClean="0">
-                            <a:solidFill>
-                              <a:schemeClr val="tx1"/>
-                            </a:solidFill>
-                            <a:effectLst/>
-                            <a:latin typeface="Cambria Math" panose="02040503050406030204" pitchFamily="18" charset="0"/>
-                            <a:ea typeface="HY신명조" panose="02030600000101010101" pitchFamily="18" charset="-127"/>
-                            <a:cs typeface="Times New Roman" panose="02020603050405020304" pitchFamily="18" charset="0"/>
-                          </a:rPr>
-                          <m:t>𝐹</m:t>
-                        </m:r>
-                      </m:e>
-                      <m:sub>
-                        <m:r>
-                          <a:rPr lang="en-US" altLang="ko-KR" sz="1800" b="0" i="1" kern="100" smtClean="0">
-                            <a:solidFill>
-                              <a:schemeClr val="tx1"/>
-                            </a:solidFill>
-                            <a:effectLst/>
-                            <a:latin typeface="Cambria Math" panose="02040503050406030204" pitchFamily="18" charset="0"/>
-                            <a:ea typeface="HY신명조" panose="02030600000101010101" pitchFamily="18" charset="-127"/>
-                            <a:cs typeface="Times New Roman" panose="02020603050405020304" pitchFamily="18" charset="0"/>
-                          </a:rPr>
-                          <m:t>𝑦</m:t>
-                        </m:r>
-                      </m:sub>
-                    </m:sSub>
-                  </m:oMath>
-                </a14:m>
-                <a:r>
-                  <a:rPr lang="ko-KR" altLang="en-US" sz="1800" dirty="0"/>
-                  <a:t>는 차량의 방향과 실제 진행 방향의 차이 </a:t>
-                </a:r>
-                <a:r>
-                  <a:rPr lang="en-US" altLang="ko-KR" sz="1800" dirty="0"/>
-                  <a:t>Slip Angle</a:t>
-                </a:r>
-                <a:r>
-                  <a:rPr lang="ko-KR" altLang="en-US" sz="1800" dirty="0"/>
-                  <a:t>에 변화</a:t>
-                </a:r>
-                <a:endParaRPr lang="en-US" altLang="ko-KR" sz="1800" dirty="0"/>
-              </a:p>
-              <a:p>
-                <a:pPr lvl="1">
-                  <a:lnSpc>
-                    <a:spcPct val="150000"/>
-                  </a:lnSpc>
-                  <a:buFont typeface="Wingdings" panose="05000000000000000000" pitchFamily="2" charset="2"/>
-                  <a:buChar char="Ø"/>
-                </a:pPr>
-                <a:endParaRPr lang="en-US" altLang="ko-KR" sz="1800" dirty="0"/>
-              </a:p>
-            </p:txBody>
-          </p:sp>
-        </mc:Choice>
-        <mc:Fallback>
-          <p:sp>
-            <p:nvSpPr>
-              <p:cNvPr id="48" name="내용 개체 틀 2">
-                <a:extLst>
-                  <a:ext uri="{FF2B5EF4-FFF2-40B4-BE49-F238E27FC236}">
-                    <a16:creationId xmlns:a16="http://schemas.microsoft.com/office/drawing/2014/main" id="{73CEA41C-8C08-724D-4D99-359E3675516C}"/>
-                  </a:ext>
-                </a:extLst>
-              </p:cNvPr>
-              <p:cNvSpPr txBox="1">
-                <a:spLocks noRot="1" noChangeAspect="1" noMove="1" noResize="1" noEditPoints="1" noAdjustHandles="1" noChangeArrowheads="1" noChangeShapeType="1" noTextEdit="1"/>
-              </p:cNvSpPr>
-              <p:nvPr/>
-            </p:nvSpPr>
-            <p:spPr>
-              <a:xfrm>
-                <a:off x="796925" y="1130075"/>
-                <a:ext cx="10220325" cy="5053013"/>
-              </a:xfrm>
-              <a:prstGeom prst="rect">
-                <a:avLst/>
-              </a:prstGeom>
-              <a:blipFill>
-                <a:blip r:embed="rId3"/>
-                <a:stretch>
-                  <a:fillRect l="-835"/>
-                </a:stretch>
-              </a:blipFill>
-            </p:spPr>
-            <p:txBody>
-              <a:bodyPr/>
-              <a:lstStyle/>
-              <a:p>
-                <a:r>
-                  <a:rPr lang="ko-KR" altLang="en-US">
-                    <a:noFill/>
-                  </a:rPr>
-                  <a:t> </a:t>
-                </a:r>
-              </a:p>
-            </p:txBody>
-          </p:sp>
-        </mc:Fallback>
-      </mc:AlternateContent>
-      <p:grpSp>
-        <p:nvGrpSpPr>
-          <p:cNvPr id="51" name="그룹 50">
-            <a:extLst>
-              <a:ext uri="{FF2B5EF4-FFF2-40B4-BE49-F238E27FC236}">
-                <a16:creationId xmlns:a16="http://schemas.microsoft.com/office/drawing/2014/main" id="{427E4BE3-56F9-EA2D-AD3C-50A90998B711}"/>
-              </a:ext>
-            </a:extLst>
-          </p:cNvPr>
-          <p:cNvGrpSpPr/>
-          <p:nvPr/>
-        </p:nvGrpSpPr>
-        <p:grpSpPr>
-          <a:xfrm>
-            <a:off x="8453455" y="3508620"/>
-            <a:ext cx="2997066" cy="2840650"/>
-            <a:chOff x="4457699" y="1634212"/>
-            <a:chExt cx="2296723" cy="2737942"/>
-          </a:xfrm>
-        </p:grpSpPr>
-        <p:cxnSp>
-          <p:nvCxnSpPr>
-            <p:cNvPr id="52" name="직선 연결선 51">
-              <a:extLst>
-                <a:ext uri="{FF2B5EF4-FFF2-40B4-BE49-F238E27FC236}">
-                  <a16:creationId xmlns:a16="http://schemas.microsoft.com/office/drawing/2014/main" id="{837D4C0E-531A-7184-00A5-07374284924E}"/>
-                </a:ext>
-              </a:extLst>
-            </p:cNvPr>
-            <p:cNvCxnSpPr>
-              <a:cxnSpLocks/>
-            </p:cNvCxnSpPr>
-            <p:nvPr/>
-          </p:nvCxnSpPr>
-          <p:spPr>
-            <a:xfrm flipH="1">
-              <a:off x="4457699" y="2957513"/>
-              <a:ext cx="728663" cy="1126807"/>
-            </a:xfrm>
-            <a:prstGeom prst="line">
-              <a:avLst/>
-            </a:prstGeom>
-            <a:ln w="28575"/>
-          </p:spPr>
-          <p:style>
-            <a:lnRef idx="2">
-              <a:schemeClr val="dk1"/>
-            </a:lnRef>
-            <a:fillRef idx="0">
-              <a:schemeClr val="dk1"/>
-            </a:fillRef>
-            <a:effectRef idx="1">
-              <a:schemeClr val="dk1"/>
-            </a:effectRef>
-            <a:fontRef idx="minor">
-              <a:schemeClr val="tx1"/>
-            </a:fontRef>
-          </p:style>
-        </p:cxnSp>
-        <p:sp>
-          <p:nvSpPr>
-            <p:cNvPr id="53" name="자유형: 도형 52">
-              <a:extLst>
-                <a:ext uri="{FF2B5EF4-FFF2-40B4-BE49-F238E27FC236}">
-                  <a16:creationId xmlns:a16="http://schemas.microsoft.com/office/drawing/2014/main" id="{8DA8FC3A-DB9E-0EF1-50A8-D5D2C78353C5}"/>
-                </a:ext>
-              </a:extLst>
-            </p:cNvPr>
-            <p:cNvSpPr/>
-            <p:nvPr/>
-          </p:nvSpPr>
-          <p:spPr>
-            <a:xfrm>
-              <a:off x="5186363" y="2228850"/>
-              <a:ext cx="1100138" cy="728662"/>
-            </a:xfrm>
-            <a:custGeom>
-              <a:avLst/>
-              <a:gdLst>
-                <a:gd name="connsiteX0" fmla="*/ 0 w 1100137"/>
-                <a:gd name="connsiteY0" fmla="*/ 704850 h 704850"/>
-                <a:gd name="connsiteX1" fmla="*/ 442912 w 1100137"/>
-                <a:gd name="connsiteY1" fmla="*/ 219075 h 704850"/>
-                <a:gd name="connsiteX2" fmla="*/ 1100137 w 1100137"/>
-                <a:gd name="connsiteY2" fmla="*/ 0 h 704850"/>
-              </a:gdLst>
-              <a:ahLst/>
-              <a:cxnLst>
-                <a:cxn ang="0">
-                  <a:pos x="connsiteX0" y="connsiteY0"/>
-                </a:cxn>
-                <a:cxn ang="0">
-                  <a:pos x="connsiteX1" y="connsiteY1"/>
-                </a:cxn>
-                <a:cxn ang="0">
-                  <a:pos x="connsiteX2" y="connsiteY2"/>
-                </a:cxn>
-              </a:cxnLst>
-              <a:rect l="l" t="t" r="r" b="b"/>
-              <a:pathLst>
-                <a:path w="1100137" h="704850">
-                  <a:moveTo>
-                    <a:pt x="0" y="704850"/>
-                  </a:moveTo>
-                  <a:cubicBezTo>
-                    <a:pt x="129778" y="520700"/>
-                    <a:pt x="259556" y="336550"/>
-                    <a:pt x="442912" y="219075"/>
-                  </a:cubicBezTo>
-                  <a:cubicBezTo>
-                    <a:pt x="626268" y="101600"/>
-                    <a:pt x="970756" y="37306"/>
-                    <a:pt x="1100137" y="0"/>
-                  </a:cubicBezTo>
-                </a:path>
-              </a:pathLst>
-            </a:custGeom>
-            <a:ln w="28575"/>
-          </p:spPr>
-          <p:style>
-            <a:lnRef idx="1">
-              <a:schemeClr val="dk1"/>
-            </a:lnRef>
-            <a:fillRef idx="0">
-              <a:schemeClr val="dk1"/>
-            </a:fillRef>
-            <a:effectRef idx="0">
-              <a:schemeClr val="dk1"/>
-            </a:effectRef>
-            <a:fontRef idx="minor">
-              <a:schemeClr val="tx1"/>
-            </a:fontRef>
-          </p:style>
-          <p:txBody>
-            <a:bodyPr rtlCol="0" anchor="ctr"/>
-            <a:lstStyle/>
-            <a:p>
-              <a:pPr algn="ctr"/>
-              <a:endParaRPr lang="ko-KR" altLang="en-US" dirty="0"/>
-            </a:p>
-          </p:txBody>
-        </p:sp>
-        <p:cxnSp>
-          <p:nvCxnSpPr>
-            <p:cNvPr id="54" name="직선 연결선 53">
-              <a:extLst>
-                <a:ext uri="{FF2B5EF4-FFF2-40B4-BE49-F238E27FC236}">
-                  <a16:creationId xmlns:a16="http://schemas.microsoft.com/office/drawing/2014/main" id="{7AE1E8A6-D477-0DB4-DB60-AE46F086937E}"/>
-                </a:ext>
-              </a:extLst>
-            </p:cNvPr>
-            <p:cNvCxnSpPr>
-              <a:cxnSpLocks/>
-            </p:cNvCxnSpPr>
-            <p:nvPr/>
-          </p:nvCxnSpPr>
-          <p:spPr>
-            <a:xfrm>
-              <a:off x="5505370" y="1893092"/>
-              <a:ext cx="0" cy="1638301"/>
-            </a:xfrm>
-            <a:prstGeom prst="line">
-              <a:avLst/>
-            </a:prstGeom>
-            <a:ln w="28575">
-              <a:prstDash val="dash"/>
-            </a:ln>
-          </p:spPr>
-          <p:style>
-            <a:lnRef idx="2">
-              <a:schemeClr val="dk1"/>
-            </a:lnRef>
-            <a:fillRef idx="0">
-              <a:schemeClr val="dk1"/>
-            </a:fillRef>
-            <a:effectRef idx="1">
-              <a:schemeClr val="dk1"/>
-            </a:effectRef>
-            <a:fontRef idx="minor">
-              <a:schemeClr val="tx1"/>
-            </a:fontRef>
-          </p:style>
-        </p:cxnSp>
-        <p:cxnSp>
-          <p:nvCxnSpPr>
-            <p:cNvPr id="55" name="직선 연결선 54">
-              <a:extLst>
-                <a:ext uri="{FF2B5EF4-FFF2-40B4-BE49-F238E27FC236}">
-                  <a16:creationId xmlns:a16="http://schemas.microsoft.com/office/drawing/2014/main" id="{378D4610-8B1B-6338-05F3-218A9E2CE292}"/>
-                </a:ext>
-              </a:extLst>
-            </p:cNvPr>
-            <p:cNvCxnSpPr>
-              <a:cxnSpLocks/>
-            </p:cNvCxnSpPr>
-            <p:nvPr/>
-          </p:nvCxnSpPr>
-          <p:spPr>
-            <a:xfrm>
-              <a:off x="6286501" y="1882615"/>
-              <a:ext cx="0" cy="1638301"/>
-            </a:xfrm>
-            <a:prstGeom prst="line">
-              <a:avLst/>
-            </a:prstGeom>
-            <a:ln w="28575">
-              <a:prstDash val="dash"/>
-            </a:ln>
-          </p:spPr>
-          <p:style>
-            <a:lnRef idx="2">
-              <a:schemeClr val="dk1"/>
-            </a:lnRef>
-            <a:fillRef idx="0">
-              <a:schemeClr val="dk1"/>
-            </a:fillRef>
-            <a:effectRef idx="1">
-              <a:schemeClr val="dk1"/>
-            </a:effectRef>
-            <a:fontRef idx="minor">
-              <a:schemeClr val="tx1"/>
-            </a:fontRef>
-          </p:style>
-        </p:cxnSp>
-        <mc:AlternateContent xmlns:mc="http://schemas.openxmlformats.org/markup-compatibility/2006" xmlns:a14="http://schemas.microsoft.com/office/drawing/2010/main">
-          <mc:Choice Requires="a14">
-            <p:sp>
-              <p:nvSpPr>
-                <p:cNvPr id="56" name="TextBox 55">
-                  <a:extLst>
-                    <a:ext uri="{FF2B5EF4-FFF2-40B4-BE49-F238E27FC236}">
-                      <a16:creationId xmlns:a16="http://schemas.microsoft.com/office/drawing/2014/main" id="{F192538B-8D76-52EB-CEA5-C6C508561B6E}"/>
-                    </a:ext>
-                  </a:extLst>
-                </p:cNvPr>
-                <p:cNvSpPr txBox="1"/>
-                <p:nvPr/>
-              </p:nvSpPr>
-              <p:spPr>
-                <a:xfrm>
-                  <a:off x="4659258" y="2018578"/>
-                  <a:ext cx="567897" cy="261971"/>
-                </a:xfrm>
-                <a:prstGeom prst="rect">
-                  <a:avLst/>
-                </a:prstGeom>
-                <a:noFill/>
-                <a:ln w="28575">
-                  <a:noFill/>
-                </a:ln>
-              </p:spPr>
-              <p:txBody>
-                <a:bodyPr wrap="none" rtlCol="0">
-                  <a:spAutoFit/>
-                </a:bodyPr>
-                <a:lstStyle/>
-                <a:p>
-                  <a:pPr/>
-                  <a14:m>
-                    <m:oMathPara xmlns:m="http://schemas.openxmlformats.org/officeDocument/2006/math">
-                      <m:oMathParaPr>
-                        <m:jc m:val="centerGroup"/>
-                      </m:oMathParaPr>
-                      <m:oMath xmlns:m="http://schemas.openxmlformats.org/officeDocument/2006/math">
-                        <m:r>
-                          <a:rPr lang="en-US" altLang="ko-KR" sz="1400" b="0" i="1" smtClean="0">
-                            <a:latin typeface="Cambria Math" panose="02040503050406030204" pitchFamily="18" charset="0"/>
-                          </a:rPr>
-                          <m:t>𝐿𝑖𝑛𝑒𝑎𝑟</m:t>
-                        </m:r>
-                      </m:oMath>
-                    </m:oMathPara>
-                  </a14:m>
-                  <a:endParaRPr lang="ko-KR" altLang="en-US" sz="1400" dirty="0"/>
-                </a:p>
-              </p:txBody>
-            </p:sp>
-          </mc:Choice>
-          <mc:Fallback xmlns="">
-            <p:sp>
-              <p:nvSpPr>
-                <p:cNvPr id="56" name="TextBox 55">
-                  <a:extLst>
-                    <a:ext uri="{FF2B5EF4-FFF2-40B4-BE49-F238E27FC236}">
-                      <a16:creationId xmlns:a16="http://schemas.microsoft.com/office/drawing/2014/main" id="{F192538B-8D76-52EB-CEA5-C6C508561B6E}"/>
-                    </a:ext>
-                  </a:extLst>
-                </p:cNvPr>
-                <p:cNvSpPr txBox="1">
-                  <a:spLocks noRot="1" noChangeAspect="1" noMove="1" noResize="1" noEditPoints="1" noAdjustHandles="1" noChangeArrowheads="1" noChangeShapeType="1" noTextEdit="1"/>
-                </p:cNvSpPr>
-                <p:nvPr/>
-              </p:nvSpPr>
-              <p:spPr>
-                <a:xfrm>
-                  <a:off x="4659258" y="2018578"/>
-                  <a:ext cx="567897" cy="261971"/>
-                </a:xfrm>
-                <a:prstGeom prst="rect">
-                  <a:avLst/>
-                </a:prstGeom>
-                <a:blipFill>
-                  <a:blip r:embed="rId4"/>
-                  <a:stretch>
-                    <a:fillRect b="-6818"/>
-                  </a:stretch>
-                </a:blipFill>
-                <a:ln w="28575">
-                  <a:noFill/>
-                </a:ln>
-              </p:spPr>
-              <p:txBody>
-                <a:bodyPr/>
-                <a:lstStyle/>
-                <a:p>
-                  <a:r>
-                    <a:rPr lang="ko-KR" altLang="en-US">
-                      <a:noFill/>
-                    </a:rPr>
-                    <a:t> </a:t>
-                  </a:r>
-                </a:p>
-              </p:txBody>
-            </p:sp>
-          </mc:Fallback>
-        </mc:AlternateContent>
-        <mc:AlternateContent xmlns:mc="http://schemas.openxmlformats.org/markup-compatibility/2006" xmlns:a14="http://schemas.microsoft.com/office/drawing/2010/main">
-          <mc:Choice Requires="a14">
-            <p:sp>
-              <p:nvSpPr>
-                <p:cNvPr id="57" name="TextBox 56">
-                  <a:extLst>
-                    <a:ext uri="{FF2B5EF4-FFF2-40B4-BE49-F238E27FC236}">
-                      <a16:creationId xmlns:a16="http://schemas.microsoft.com/office/drawing/2014/main" id="{B2254693-0864-8D37-743E-914EAF3A7737}"/>
-                    </a:ext>
-                  </a:extLst>
-                </p:cNvPr>
-                <p:cNvSpPr txBox="1"/>
-                <p:nvPr/>
-              </p:nvSpPr>
-              <p:spPr>
-                <a:xfrm>
-                  <a:off x="5451402" y="1997542"/>
-                  <a:ext cx="922722" cy="261971"/>
-                </a:xfrm>
-                <a:prstGeom prst="rect">
-                  <a:avLst/>
-                </a:prstGeom>
-                <a:noFill/>
-                <a:ln w="28575">
-                  <a:noFill/>
-                </a:ln>
-              </p:spPr>
-              <p:txBody>
-                <a:bodyPr wrap="none" rtlCol="0">
-                  <a:spAutoFit/>
-                </a:bodyPr>
-                <a:lstStyle/>
-                <a:p>
-                  <a:pPr/>
-                  <a14:m>
-                    <m:oMathPara xmlns:m="http://schemas.openxmlformats.org/officeDocument/2006/math">
-                      <m:oMathParaPr>
-                        <m:jc m:val="centerGroup"/>
-                      </m:oMathParaPr>
-                      <m:oMath xmlns:m="http://schemas.openxmlformats.org/officeDocument/2006/math">
-                        <m:r>
-                          <a:rPr lang="en-US" altLang="ko-KR" sz="1400" b="0" i="1" smtClean="0">
-                            <a:latin typeface="Cambria Math" panose="02040503050406030204" pitchFamily="18" charset="0"/>
-                          </a:rPr>
-                          <m:t>𝑇𝑟𝑎𝑛𝑠𝑖𝑡𝑖𝑜𝑛𝑎𝑙</m:t>
-                        </m:r>
-                      </m:oMath>
-                    </m:oMathPara>
-                  </a14:m>
-                  <a:endParaRPr lang="ko-KR" altLang="en-US" sz="1400" dirty="0"/>
-                </a:p>
-              </p:txBody>
-            </p:sp>
-          </mc:Choice>
-          <mc:Fallback xmlns="">
-            <p:sp>
-              <p:nvSpPr>
-                <p:cNvPr id="57" name="TextBox 56">
-                  <a:extLst>
-                    <a:ext uri="{FF2B5EF4-FFF2-40B4-BE49-F238E27FC236}">
-                      <a16:creationId xmlns:a16="http://schemas.microsoft.com/office/drawing/2014/main" id="{B2254693-0864-8D37-743E-914EAF3A7737}"/>
-                    </a:ext>
-                  </a:extLst>
-                </p:cNvPr>
-                <p:cNvSpPr txBox="1">
-                  <a:spLocks noRot="1" noChangeAspect="1" noMove="1" noResize="1" noEditPoints="1" noAdjustHandles="1" noChangeArrowheads="1" noChangeShapeType="1" noTextEdit="1"/>
-                </p:cNvSpPr>
-                <p:nvPr/>
-              </p:nvSpPr>
-              <p:spPr>
-                <a:xfrm>
-                  <a:off x="5451402" y="1997542"/>
-                  <a:ext cx="922722" cy="261971"/>
-                </a:xfrm>
-                <a:prstGeom prst="rect">
-                  <a:avLst/>
-                </a:prstGeom>
-                <a:blipFill>
-                  <a:blip r:embed="rId5"/>
-                  <a:stretch>
-                    <a:fillRect b="-4444"/>
-                  </a:stretch>
-                </a:blipFill>
-                <a:ln w="28575">
-                  <a:noFill/>
-                </a:ln>
-              </p:spPr>
-              <p:txBody>
-                <a:bodyPr/>
-                <a:lstStyle/>
-                <a:p>
-                  <a:r>
-                    <a:rPr lang="ko-KR" altLang="en-US">
-                      <a:noFill/>
-                    </a:rPr>
-                    <a:t> </a:t>
-                  </a:r>
-                </a:p>
-              </p:txBody>
-            </p:sp>
-          </mc:Fallback>
-        </mc:AlternateContent>
-        <p:grpSp>
-          <p:nvGrpSpPr>
-            <p:cNvPr id="58" name="그룹 57">
-              <a:extLst>
-                <a:ext uri="{FF2B5EF4-FFF2-40B4-BE49-F238E27FC236}">
-                  <a16:creationId xmlns:a16="http://schemas.microsoft.com/office/drawing/2014/main" id="{A08BBA09-8B4C-772E-8D63-9ED7290B164A}"/>
-                </a:ext>
-              </a:extLst>
-            </p:cNvPr>
-            <p:cNvGrpSpPr/>
-            <p:nvPr/>
-          </p:nvGrpSpPr>
-          <p:grpSpPr>
-            <a:xfrm>
-              <a:off x="4457700" y="1634212"/>
-              <a:ext cx="2296722" cy="2737942"/>
-              <a:chOff x="4457700" y="1634212"/>
-              <a:chExt cx="2296722" cy="2737942"/>
-            </a:xfrm>
-          </p:grpSpPr>
-          <p:grpSp>
-            <p:nvGrpSpPr>
-              <p:cNvPr id="59" name="그룹 58">
-                <a:extLst>
-                  <a:ext uri="{FF2B5EF4-FFF2-40B4-BE49-F238E27FC236}">
-                    <a16:creationId xmlns:a16="http://schemas.microsoft.com/office/drawing/2014/main" id="{381B201E-7AB0-E546-0A71-C932493714EB}"/>
-                  </a:ext>
-                </a:extLst>
-              </p:cNvPr>
-              <p:cNvGrpSpPr/>
-              <p:nvPr/>
-            </p:nvGrpSpPr>
-            <p:grpSpPr>
-              <a:xfrm>
-                <a:off x="4457700" y="1924320"/>
-                <a:ext cx="2160000" cy="2160000"/>
-                <a:chOff x="4457700" y="1924320"/>
-                <a:chExt cx="2160000" cy="2160000"/>
-              </a:xfrm>
-            </p:grpSpPr>
-            <p:cxnSp>
-              <p:nvCxnSpPr>
-                <p:cNvPr id="62" name="직선 연결선 61">
-                  <a:extLst>
-                    <a:ext uri="{FF2B5EF4-FFF2-40B4-BE49-F238E27FC236}">
-                      <a16:creationId xmlns:a16="http://schemas.microsoft.com/office/drawing/2014/main" id="{CD2B8E6E-83CB-288D-AEAE-B5A13FD040A7}"/>
-                    </a:ext>
-                  </a:extLst>
-                </p:cNvPr>
-                <p:cNvCxnSpPr>
-                  <a:cxnSpLocks/>
-                </p:cNvCxnSpPr>
-                <p:nvPr/>
-              </p:nvCxnSpPr>
-              <p:spPr>
-                <a:xfrm>
-                  <a:off x="4457700" y="4084320"/>
-                  <a:ext cx="2160000" cy="0"/>
-                </a:xfrm>
-                <a:prstGeom prst="line">
-                  <a:avLst/>
-                </a:prstGeom>
-                <a:ln w="28575"/>
-              </p:spPr>
-              <p:style>
-                <a:lnRef idx="2">
-                  <a:schemeClr val="dk1"/>
-                </a:lnRef>
-                <a:fillRef idx="0">
-                  <a:schemeClr val="dk1"/>
-                </a:fillRef>
-                <a:effectRef idx="1">
-                  <a:schemeClr val="dk1"/>
-                </a:effectRef>
-                <a:fontRef idx="minor">
-                  <a:schemeClr val="tx1"/>
-                </a:fontRef>
-              </p:style>
-            </p:cxnSp>
-            <p:cxnSp>
-              <p:nvCxnSpPr>
-                <p:cNvPr id="63" name="직선 연결선 62">
-                  <a:extLst>
-                    <a:ext uri="{FF2B5EF4-FFF2-40B4-BE49-F238E27FC236}">
-                      <a16:creationId xmlns:a16="http://schemas.microsoft.com/office/drawing/2014/main" id="{A024419D-063F-A8BB-D5EF-B3DD7368F1C3}"/>
-                    </a:ext>
-                  </a:extLst>
-                </p:cNvPr>
-                <p:cNvCxnSpPr>
-                  <a:cxnSpLocks/>
-                </p:cNvCxnSpPr>
-                <p:nvPr/>
-              </p:nvCxnSpPr>
-              <p:spPr>
-                <a:xfrm>
-                  <a:off x="4462461" y="1924320"/>
-                  <a:ext cx="0" cy="2160000"/>
-                </a:xfrm>
-                <a:prstGeom prst="line">
-                  <a:avLst/>
-                </a:prstGeom>
-                <a:ln w="28575"/>
-              </p:spPr>
-              <p:style>
-                <a:lnRef idx="2">
-                  <a:schemeClr val="dk1"/>
-                </a:lnRef>
-                <a:fillRef idx="0">
-                  <a:schemeClr val="dk1"/>
-                </a:fillRef>
-                <a:effectRef idx="1">
-                  <a:schemeClr val="dk1"/>
-                </a:effectRef>
-                <a:fontRef idx="minor">
-                  <a:schemeClr val="tx1"/>
-                </a:fontRef>
-              </p:style>
-            </p:cxnSp>
-          </p:grpSp>
-          <mc:AlternateContent xmlns:mc="http://schemas.openxmlformats.org/markup-compatibility/2006" xmlns:a14="http://schemas.microsoft.com/office/drawing/2010/main">
-            <mc:Choice Requires="a14">
-              <p:sp>
-                <p:nvSpPr>
-                  <p:cNvPr id="60" name="TextBox 59">
-                    <a:extLst>
-                      <a:ext uri="{FF2B5EF4-FFF2-40B4-BE49-F238E27FC236}">
-                        <a16:creationId xmlns:a16="http://schemas.microsoft.com/office/drawing/2014/main" id="{6FB016C9-8A66-E2D7-D5FD-FDABC3EFF0FD}"/>
-                      </a:ext>
-                    </a:extLst>
-                  </p:cNvPr>
-                  <p:cNvSpPr txBox="1"/>
-                  <p:nvPr/>
-                </p:nvSpPr>
-                <p:spPr>
-                  <a:xfrm>
-                    <a:off x="5853960" y="4104880"/>
-                    <a:ext cx="900462" cy="267274"/>
-                  </a:xfrm>
-                  <a:prstGeom prst="rect">
-                    <a:avLst/>
-                  </a:prstGeom>
-                  <a:noFill/>
-                  <a:ln w="28575">
-                    <a:noFill/>
-                  </a:ln>
-                </p:spPr>
-                <p:txBody>
-                  <a:bodyPr wrap="none" rtlCol="0">
-                    <a:spAutoFit/>
-                  </a:bodyPr>
-                  <a:lstStyle/>
-                  <a:p>
-                    <a:pPr/>
-                    <a14:m>
-                      <m:oMathPara xmlns:m="http://schemas.openxmlformats.org/officeDocument/2006/math">
-                        <m:oMathParaPr>
-                          <m:jc m:val="centerGroup"/>
-                        </m:oMathParaPr>
-                        <m:oMath xmlns:m="http://schemas.openxmlformats.org/officeDocument/2006/math">
-                          <m:r>
-                            <a:rPr lang="en-US" altLang="ko-KR" sz="1400" b="0" i="1" smtClean="0">
-                              <a:latin typeface="Cambria Math" panose="02040503050406030204" pitchFamily="18" charset="0"/>
-                            </a:rPr>
-                            <m:t>𝑆𝑙𝑖𝑝</m:t>
-                          </m:r>
-                          <m:r>
-                            <a:rPr lang="en-US" altLang="ko-KR" sz="1400" b="0" i="1" smtClean="0">
-                              <a:latin typeface="Cambria Math" panose="02040503050406030204" pitchFamily="18" charset="0"/>
-                            </a:rPr>
-                            <m:t> </m:t>
-                          </m:r>
-                          <m:r>
-                            <a:rPr lang="en-US" altLang="ko-KR" sz="1400" b="0" i="1" smtClean="0">
-                              <a:latin typeface="Cambria Math" panose="02040503050406030204" pitchFamily="18" charset="0"/>
-                            </a:rPr>
-                            <m:t>𝐴𝑛𝑔𝑙𝑒</m:t>
-                          </m:r>
-                          <m:r>
-                            <a:rPr lang="en-US" altLang="ko-KR" sz="1400" b="0" i="1" smtClean="0">
-                              <a:latin typeface="Cambria Math" panose="02040503050406030204" pitchFamily="18" charset="0"/>
-                            </a:rPr>
-                            <m:t>(</m:t>
-                          </m:r>
-                          <m:r>
-                            <a:rPr lang="en-US" altLang="ko-KR" sz="1400" b="0" i="1" smtClean="0">
-                              <a:latin typeface="Cambria Math" panose="02040503050406030204" pitchFamily="18" charset="0"/>
-                            </a:rPr>
-                            <m:t>𝛼</m:t>
-                          </m:r>
-                          <m:r>
-                            <a:rPr lang="en-US" altLang="ko-KR" sz="1400" b="0" i="1" smtClean="0">
-                              <a:latin typeface="Cambria Math" panose="02040503050406030204" pitchFamily="18" charset="0"/>
-                            </a:rPr>
-                            <m:t>)</m:t>
-                          </m:r>
-                        </m:oMath>
-                      </m:oMathPara>
-                    </a14:m>
-                    <a:endParaRPr lang="ko-KR" altLang="en-US" sz="1400" dirty="0"/>
-                  </a:p>
-                </p:txBody>
-              </p:sp>
-            </mc:Choice>
-            <mc:Fallback xmlns="">
-              <p:sp>
-                <p:nvSpPr>
-                  <p:cNvPr id="60" name="TextBox 59">
-                    <a:extLst>
-                      <a:ext uri="{FF2B5EF4-FFF2-40B4-BE49-F238E27FC236}">
-                        <a16:creationId xmlns:a16="http://schemas.microsoft.com/office/drawing/2014/main" id="{6FB016C9-8A66-E2D7-D5FD-FDABC3EFF0FD}"/>
-                      </a:ext>
-                    </a:extLst>
-                  </p:cNvPr>
-                  <p:cNvSpPr txBox="1">
-                    <a:spLocks noRot="1" noChangeAspect="1" noMove="1" noResize="1" noEditPoints="1" noAdjustHandles="1" noChangeArrowheads="1" noChangeShapeType="1" noTextEdit="1"/>
-                  </p:cNvSpPr>
-                  <p:nvPr/>
-                </p:nvSpPr>
-                <p:spPr>
-                  <a:xfrm>
-                    <a:off x="5853960" y="4104880"/>
-                    <a:ext cx="900462" cy="267274"/>
-                  </a:xfrm>
-                  <a:prstGeom prst="rect">
-                    <a:avLst/>
-                  </a:prstGeom>
-                  <a:blipFill>
-                    <a:blip r:embed="rId6"/>
-                    <a:stretch>
-                      <a:fillRect r="-6218" b="-24444"/>
-                    </a:stretch>
-                  </a:blipFill>
-                  <a:ln w="28575">
-                    <a:noFill/>
-                  </a:ln>
-                </p:spPr>
-                <p:txBody>
-                  <a:bodyPr/>
-                  <a:lstStyle/>
-                  <a:p>
-                    <a:r>
-                      <a:rPr lang="ko-KR" altLang="en-US">
-                        <a:noFill/>
-                      </a:rPr>
-                      <a:t> </a:t>
-                    </a:r>
-                  </a:p>
-                </p:txBody>
-              </p:sp>
-            </mc:Fallback>
-          </mc:AlternateContent>
-          <mc:AlternateContent xmlns:mc="http://schemas.openxmlformats.org/markup-compatibility/2006" xmlns:a14="http://schemas.microsoft.com/office/drawing/2010/main">
-            <mc:Choice Requires="a14">
-              <p:sp>
-                <p:nvSpPr>
-                  <p:cNvPr id="61" name="TextBox 60">
-                    <a:extLst>
-                      <a:ext uri="{FF2B5EF4-FFF2-40B4-BE49-F238E27FC236}">
-                        <a16:creationId xmlns:a16="http://schemas.microsoft.com/office/drawing/2014/main" id="{9CE86568-BBC4-00AE-EBA5-7C90642C9A33}"/>
-                      </a:ext>
-                    </a:extLst>
-                  </p:cNvPr>
-                  <p:cNvSpPr txBox="1"/>
-                  <p:nvPr/>
-                </p:nvSpPr>
-                <p:spPr>
-                  <a:xfrm>
-                    <a:off x="4479660" y="1634212"/>
-                    <a:ext cx="987459" cy="261971"/>
-                  </a:xfrm>
-                  <a:prstGeom prst="rect">
-                    <a:avLst/>
-                  </a:prstGeom>
-                  <a:noFill/>
-                  <a:ln w="28575">
-                    <a:noFill/>
-                  </a:ln>
-                </p:spPr>
-                <p:txBody>
-                  <a:bodyPr wrap="none" rtlCol="0">
-                    <a:spAutoFit/>
-                  </a:bodyPr>
-                  <a:lstStyle/>
-                  <a:p>
-                    <a:pPr/>
-                    <a14:m>
-                      <m:oMathPara xmlns:m="http://schemas.openxmlformats.org/officeDocument/2006/math">
-                        <m:oMathParaPr>
-                          <m:jc m:val="centerGroup"/>
-                        </m:oMathParaPr>
-                        <m:oMath xmlns:m="http://schemas.openxmlformats.org/officeDocument/2006/math">
-                          <m:r>
-                            <a:rPr lang="en-US" altLang="ko-KR" sz="1400" b="0" i="1" smtClean="0">
-                              <a:latin typeface="Cambria Math" panose="02040503050406030204" pitchFamily="18" charset="0"/>
-                            </a:rPr>
-                            <m:t>𝐿𝑎𝑡𝑒𝑟𝑎𝑙</m:t>
-                          </m:r>
-                          <m:r>
-                            <a:rPr lang="en-US" altLang="ko-KR" sz="1400" b="0" i="1" smtClean="0">
-                              <a:latin typeface="Cambria Math" panose="02040503050406030204" pitchFamily="18" charset="0"/>
-                            </a:rPr>
-                            <m:t> </m:t>
-                          </m:r>
-                          <m:r>
-                            <a:rPr lang="en-US" altLang="ko-KR" sz="1400" b="0" i="1" smtClean="0">
-                              <a:latin typeface="Cambria Math" panose="02040503050406030204" pitchFamily="18" charset="0"/>
-                            </a:rPr>
-                            <m:t>𝐹𝑜𝑟𝑐𝑒</m:t>
-                          </m:r>
-                        </m:oMath>
-                      </m:oMathPara>
-                    </a14:m>
-                    <a:endParaRPr lang="ko-KR" altLang="en-US" sz="1400" dirty="0"/>
-                  </a:p>
-                </p:txBody>
-              </p:sp>
-            </mc:Choice>
-            <mc:Fallback xmlns="">
-              <p:sp>
-                <p:nvSpPr>
-                  <p:cNvPr id="61" name="TextBox 60">
-                    <a:extLst>
-                      <a:ext uri="{FF2B5EF4-FFF2-40B4-BE49-F238E27FC236}">
-                        <a16:creationId xmlns:a16="http://schemas.microsoft.com/office/drawing/2014/main" id="{9CE86568-BBC4-00AE-EBA5-7C90642C9A33}"/>
-                      </a:ext>
-                    </a:extLst>
-                  </p:cNvPr>
-                  <p:cNvSpPr txBox="1">
-                    <a:spLocks noRot="1" noChangeAspect="1" noMove="1" noResize="1" noEditPoints="1" noAdjustHandles="1" noChangeArrowheads="1" noChangeShapeType="1" noTextEdit="1"/>
-                  </p:cNvSpPr>
-                  <p:nvPr/>
-                </p:nvSpPr>
-                <p:spPr>
-                  <a:xfrm>
-                    <a:off x="4479660" y="1634212"/>
-                    <a:ext cx="987459" cy="261971"/>
-                  </a:xfrm>
-                  <a:prstGeom prst="rect">
-                    <a:avLst/>
-                  </a:prstGeom>
-                  <a:blipFill>
-                    <a:blip r:embed="rId7"/>
-                    <a:stretch>
-                      <a:fillRect b="-4444"/>
-                    </a:stretch>
-                  </a:blipFill>
-                  <a:ln w="28575">
-                    <a:noFill/>
-                  </a:ln>
-                </p:spPr>
-                <p:txBody>
-                  <a:bodyPr/>
-                  <a:lstStyle/>
-                  <a:p>
-                    <a:r>
-                      <a:rPr lang="ko-KR" altLang="en-US">
-                        <a:noFill/>
-                      </a:rPr>
-                      <a:t> </a:t>
-                    </a:r>
-                  </a:p>
-                </p:txBody>
-              </p:sp>
-            </mc:Fallback>
-          </mc:AlternateContent>
-        </p:grpSp>
-      </p:grpSp>
-      <p:grpSp>
-        <p:nvGrpSpPr>
-          <p:cNvPr id="67" name="그룹 66">
-            <a:extLst>
-              <a:ext uri="{FF2B5EF4-FFF2-40B4-BE49-F238E27FC236}">
-                <a16:creationId xmlns:a16="http://schemas.microsoft.com/office/drawing/2014/main" id="{7776F4F4-6112-2978-EA9B-A73F75AA0620}"/>
-              </a:ext>
-            </a:extLst>
-          </p:cNvPr>
-          <p:cNvGrpSpPr/>
-          <p:nvPr/>
-        </p:nvGrpSpPr>
-        <p:grpSpPr>
-          <a:xfrm>
-            <a:off x="3641546" y="3552067"/>
-            <a:ext cx="3880661" cy="2599365"/>
-            <a:chOff x="995242" y="3323376"/>
-            <a:chExt cx="4256624" cy="2810408"/>
-          </a:xfrm>
-        </p:grpSpPr>
-        <p:grpSp>
-          <p:nvGrpSpPr>
-            <p:cNvPr id="43" name="그룹 42">
-              <a:extLst>
-                <a:ext uri="{FF2B5EF4-FFF2-40B4-BE49-F238E27FC236}">
-                  <a16:creationId xmlns:a16="http://schemas.microsoft.com/office/drawing/2014/main" id="{E53291C5-94B8-BCC6-5440-F17637145EE6}"/>
-                </a:ext>
-              </a:extLst>
-            </p:cNvPr>
-            <p:cNvGrpSpPr/>
-            <p:nvPr/>
-          </p:nvGrpSpPr>
-          <p:grpSpPr>
-            <a:xfrm>
-              <a:off x="3199294" y="3323376"/>
-              <a:ext cx="2052572" cy="2810408"/>
-              <a:chOff x="5510273" y="3117933"/>
-              <a:chExt cx="1997531" cy="3073547"/>
-            </a:xfrm>
-          </p:grpSpPr>
-          <p:grpSp>
-            <p:nvGrpSpPr>
-              <p:cNvPr id="31" name="그룹 30">
-                <a:extLst>
-                  <a:ext uri="{FF2B5EF4-FFF2-40B4-BE49-F238E27FC236}">
-                    <a16:creationId xmlns:a16="http://schemas.microsoft.com/office/drawing/2014/main" id="{7DC5FBCF-5E57-B401-6BC1-AC8C0B4D7545}"/>
-                  </a:ext>
-                </a:extLst>
-              </p:cNvPr>
-              <p:cNvGrpSpPr/>
-              <p:nvPr/>
-            </p:nvGrpSpPr>
-            <p:grpSpPr>
-              <a:xfrm>
-                <a:off x="5510273" y="3117933"/>
-                <a:ext cx="1997531" cy="2540565"/>
-                <a:chOff x="5322038" y="683490"/>
-                <a:chExt cx="2181190" cy="2764073"/>
-              </a:xfrm>
-            </p:grpSpPr>
-            <p:grpSp>
-              <p:nvGrpSpPr>
-                <p:cNvPr id="32" name="그룹 31">
-                  <a:extLst>
-                    <a:ext uri="{FF2B5EF4-FFF2-40B4-BE49-F238E27FC236}">
-                      <a16:creationId xmlns:a16="http://schemas.microsoft.com/office/drawing/2014/main" id="{35D82A98-3179-AAAD-A79D-9645ADCD49AA}"/>
-                    </a:ext>
-                  </a:extLst>
-                </p:cNvPr>
-                <p:cNvGrpSpPr/>
-                <p:nvPr/>
-              </p:nvGrpSpPr>
-              <p:grpSpPr>
-                <a:xfrm>
-                  <a:off x="5322038" y="683490"/>
-                  <a:ext cx="2181190" cy="2764073"/>
-                  <a:chOff x="5322038" y="683490"/>
-                  <a:chExt cx="2181190" cy="2764073"/>
-                </a:xfrm>
-              </p:grpSpPr>
-              <p:sp>
-                <p:nvSpPr>
-                  <p:cNvPr id="34" name="직사각형 33">
-                    <a:extLst>
-                      <a:ext uri="{FF2B5EF4-FFF2-40B4-BE49-F238E27FC236}">
-                        <a16:creationId xmlns:a16="http://schemas.microsoft.com/office/drawing/2014/main" id="{F7059D63-0E0D-B745-7E71-2B9C29DAC079}"/>
-                      </a:ext>
-                    </a:extLst>
-                  </p:cNvPr>
-                  <p:cNvSpPr/>
-                  <p:nvPr/>
-                </p:nvSpPr>
-                <p:spPr>
-                  <a:xfrm rot="14111534">
-                    <a:off x="5510121" y="2469997"/>
-                    <a:ext cx="1431758" cy="523374"/>
-                  </a:xfrm>
-                  <a:prstGeom prst="rect">
-                    <a:avLst/>
-                  </a:prstGeom>
-                  <a:solidFill>
-                    <a:schemeClr val="bg2"/>
-                  </a:solidFill>
-                </p:spPr>
-                <p:style>
-                  <a:lnRef idx="2">
-                    <a:schemeClr val="accent1">
-                      <a:shade val="15000"/>
-                    </a:schemeClr>
-                  </a:lnRef>
-                  <a:fillRef idx="1">
-                    <a:schemeClr val="accent1"/>
-                  </a:fillRef>
-                  <a:effectRef idx="0">
-                    <a:schemeClr val="accent1"/>
-                  </a:effectRef>
-                  <a:fontRef idx="minor">
-                    <a:schemeClr val="lt1"/>
-                  </a:fontRef>
-                </p:style>
-                <p:txBody>
-                  <a:bodyPr rtlCol="0" anchor="ctr"/>
-                  <a:lstStyle/>
-                  <a:p>
-                    <a:pPr algn="ctr"/>
-                    <a:endParaRPr lang="ko-KR" altLang="en-US"/>
-                  </a:p>
-                </p:txBody>
-              </p:sp>
-              <p:cxnSp>
-                <p:nvCxnSpPr>
-                  <p:cNvPr id="36" name="직선 연결선 35">
-                    <a:extLst>
-                      <a:ext uri="{FF2B5EF4-FFF2-40B4-BE49-F238E27FC236}">
-                        <a16:creationId xmlns:a16="http://schemas.microsoft.com/office/drawing/2014/main" id="{E3179D7D-8F25-001D-7813-948867150D0C}"/>
-                      </a:ext>
-                    </a:extLst>
-                  </p:cNvPr>
-                  <p:cNvCxnSpPr>
-                    <a:cxnSpLocks/>
-                  </p:cNvCxnSpPr>
-                  <p:nvPr/>
-                </p:nvCxnSpPr>
-                <p:spPr>
-                  <a:xfrm flipH="1" flipV="1">
-                    <a:off x="5384800" y="683490"/>
-                    <a:ext cx="813491" cy="1974303"/>
-                  </a:xfrm>
-                  <a:prstGeom prst="line">
-                    <a:avLst/>
-                  </a:prstGeom>
-                  <a:ln w="38100">
-                    <a:solidFill>
-                      <a:srgbClr val="FF0000"/>
-                    </a:solidFill>
-                    <a:prstDash val="solid"/>
-                    <a:headEnd type="none" w="med" len="med"/>
-                    <a:tailEnd type="triangle" w="med" len="med"/>
-                  </a:ln>
-                </p:spPr>
-                <p:style>
-                  <a:lnRef idx="2">
-                    <a:schemeClr val="dk1"/>
-                  </a:lnRef>
-                  <a:fillRef idx="0">
-                    <a:schemeClr val="dk1"/>
-                  </a:fillRef>
-                  <a:effectRef idx="1">
-                    <a:schemeClr val="dk1"/>
-                  </a:effectRef>
-                  <a:fontRef idx="minor">
-                    <a:schemeClr val="tx1"/>
-                  </a:fontRef>
-                </p:style>
-              </p:cxnSp>
-              <mc:AlternateContent xmlns:mc="http://schemas.openxmlformats.org/markup-compatibility/2006" xmlns:a14="http://schemas.microsoft.com/office/drawing/2010/main">
-                <mc:Choice Requires="a14">
-                  <p:sp>
-                    <p:nvSpPr>
-                      <p:cNvPr id="37" name="TextBox 36">
-                        <a:extLst>
-                          <a:ext uri="{FF2B5EF4-FFF2-40B4-BE49-F238E27FC236}">
-                            <a16:creationId xmlns:a16="http://schemas.microsoft.com/office/drawing/2014/main" id="{F5E8B8B7-E761-FD90-76D1-872982F6E05B}"/>
-                          </a:ext>
-                        </a:extLst>
-                      </p:cNvPr>
-                      <p:cNvSpPr txBox="1"/>
-                      <p:nvPr/>
-                    </p:nvSpPr>
-                    <p:spPr>
-                      <a:xfrm>
-                        <a:off x="5513054" y="683490"/>
-                        <a:ext cx="1990174" cy="366206"/>
-                      </a:xfrm>
-                      <a:prstGeom prst="rect">
-                        <a:avLst/>
-                      </a:prstGeom>
-                      <a:noFill/>
-                    </p:spPr>
-                    <p:txBody>
-                      <a:bodyPr wrap="none" rtlCol="0">
-                        <a:spAutoFit/>
-                      </a:bodyPr>
-                      <a:lstStyle/>
-                      <a:p>
-                        <a:pPr/>
-                        <a14:m>
-                          <m:oMathPara xmlns:m="http://schemas.openxmlformats.org/officeDocument/2006/math">
-                            <m:oMathParaPr>
-                              <m:jc m:val="centerGroup"/>
-                            </m:oMathParaPr>
-                            <m:oMath xmlns:m="http://schemas.openxmlformats.org/officeDocument/2006/math">
-                              <m:r>
-                                <a:rPr lang="en-US" altLang="ko-KR" sz="1400" b="0" i="1" smtClean="0">
-                                  <a:latin typeface="Cambria Math" panose="02040503050406030204" pitchFamily="18" charset="0"/>
-                                </a:rPr>
-                                <m:t>𝐷𝑖𝑟𝑒𝑐𝑡𝑖𝑜𝑛</m:t>
-                              </m:r>
-                              <m:r>
-                                <a:rPr lang="en-US" altLang="ko-KR" sz="1400" b="0" i="1" smtClean="0">
-                                  <a:latin typeface="Cambria Math" panose="02040503050406030204" pitchFamily="18" charset="0"/>
-                                </a:rPr>
-                                <m:t> </m:t>
-                              </m:r>
-                              <m:r>
-                                <a:rPr lang="en-US" altLang="ko-KR" sz="1400" b="0" i="1" smtClean="0">
-                                  <a:latin typeface="Cambria Math" panose="02040503050406030204" pitchFamily="18" charset="0"/>
-                                </a:rPr>
-                                <m:t>𝑜𝑓</m:t>
-                              </m:r>
-                              <m:r>
-                                <a:rPr lang="en-US" altLang="ko-KR" sz="1400" b="0" i="1" smtClean="0">
-                                  <a:latin typeface="Cambria Math" panose="02040503050406030204" pitchFamily="18" charset="0"/>
-                                </a:rPr>
-                                <m:t> </m:t>
-                              </m:r>
-                              <m:r>
-                                <a:rPr lang="en-US" altLang="ko-KR" sz="1400" b="0" i="1" smtClean="0">
-                                  <a:latin typeface="Cambria Math" panose="02040503050406030204" pitchFamily="18" charset="0"/>
-                                </a:rPr>
-                                <m:t>𝑀𝑜𝑡𝑖𝑜𝑛</m:t>
-                              </m:r>
-                            </m:oMath>
-                          </m:oMathPara>
-                        </a14:m>
-                        <a:endParaRPr lang="ko-KR" altLang="en-US" sz="1400" dirty="0"/>
-                      </a:p>
-                    </p:txBody>
-                  </p:sp>
-                </mc:Choice>
-                <mc:Fallback xmlns="">
-                  <p:sp>
-                    <p:nvSpPr>
-                      <p:cNvPr id="37" name="TextBox 36">
-                        <a:extLst>
-                          <a:ext uri="{FF2B5EF4-FFF2-40B4-BE49-F238E27FC236}">
-                            <a16:creationId xmlns:a16="http://schemas.microsoft.com/office/drawing/2014/main" id="{F5E8B8B7-E761-FD90-76D1-872982F6E05B}"/>
-                          </a:ext>
-                        </a:extLst>
-                      </p:cNvPr>
-                      <p:cNvSpPr txBox="1">
-                        <a:spLocks noRot="1" noChangeAspect="1" noMove="1" noResize="1" noEditPoints="1" noAdjustHandles="1" noChangeArrowheads="1" noChangeShapeType="1" noTextEdit="1"/>
-                      </p:cNvSpPr>
-                      <p:nvPr/>
-                    </p:nvSpPr>
-                    <p:spPr>
-                      <a:xfrm>
-                        <a:off x="5513054" y="683490"/>
-                        <a:ext cx="1990174" cy="366206"/>
-                      </a:xfrm>
-                      <a:prstGeom prst="rect">
-                        <a:avLst/>
-                      </a:prstGeom>
-                      <a:blipFill>
-                        <a:blip r:embed="rId8"/>
-                        <a:stretch>
-                          <a:fillRect r="-3214" b="-19149"/>
-                        </a:stretch>
-                      </a:blipFill>
-                    </p:spPr>
-                    <p:txBody>
-                      <a:bodyPr/>
-                      <a:lstStyle/>
-                      <a:p>
-                        <a:r>
-                          <a:rPr lang="ko-KR" altLang="en-US">
-                            <a:noFill/>
-                          </a:rPr>
-                          <a:t> </a:t>
-                        </a:r>
-                      </a:p>
-                    </p:txBody>
-                  </p:sp>
-                </mc:Fallback>
-              </mc:AlternateContent>
-              <p:sp>
-                <p:nvSpPr>
-                  <p:cNvPr id="38" name="원호 37">
-                    <a:extLst>
-                      <a:ext uri="{FF2B5EF4-FFF2-40B4-BE49-F238E27FC236}">
-                        <a16:creationId xmlns:a16="http://schemas.microsoft.com/office/drawing/2014/main" id="{D86CCE1B-FD33-7C1D-9935-BD77EFCA6F2C}"/>
-                      </a:ext>
-                    </a:extLst>
-                  </p:cNvPr>
-                  <p:cNvSpPr/>
-                  <p:nvPr/>
-                </p:nvSpPr>
-                <p:spPr>
-                  <a:xfrm rot="3506336">
-                    <a:off x="5466610" y="1500666"/>
-                    <a:ext cx="505287" cy="573912"/>
-                  </a:xfrm>
-                  <a:prstGeom prst="arc">
-                    <a:avLst>
-                      <a:gd name="adj1" fmla="val 8830780"/>
-                      <a:gd name="adj2" fmla="val 13149219"/>
-                    </a:avLst>
-                  </a:prstGeom>
-                  <a:noFill/>
-                  <a:ln w="3175">
-                    <a:solidFill>
-                      <a:schemeClr val="tx1"/>
-                    </a:solidFill>
-                  </a:ln>
-                </p:spPr>
-                <p:style>
-                  <a:lnRef idx="2">
-                    <a:schemeClr val="accent1">
-                      <a:shade val="15000"/>
-                    </a:schemeClr>
-                  </a:lnRef>
-                  <a:fillRef idx="1">
-                    <a:schemeClr val="accent1"/>
-                  </a:fillRef>
-                  <a:effectRef idx="0">
-                    <a:schemeClr val="accent1"/>
-                  </a:effectRef>
-                  <a:fontRef idx="minor">
-                    <a:schemeClr val="lt1"/>
-                  </a:fontRef>
-                </p:style>
-                <p:txBody>
-                  <a:bodyPr rtlCol="0" anchor="ctr"/>
-                  <a:lstStyle/>
-                  <a:p>
-                    <a:pPr algn="ctr"/>
-                    <a:endParaRPr lang="ko-KR" altLang="en-US"/>
-                  </a:p>
-                </p:txBody>
-              </p:sp>
-              <mc:AlternateContent xmlns:mc="http://schemas.openxmlformats.org/markup-compatibility/2006" xmlns:a14="http://schemas.microsoft.com/office/drawing/2010/main">
-                <mc:Choice Requires="a14">
-                  <p:sp>
-                    <p:nvSpPr>
-                      <p:cNvPr id="39" name="TextBox 38">
-                        <a:extLst>
-                          <a:ext uri="{FF2B5EF4-FFF2-40B4-BE49-F238E27FC236}">
-                            <a16:creationId xmlns:a16="http://schemas.microsoft.com/office/drawing/2014/main" id="{A5E6EEE4-C246-9FAE-2114-0E3754331088}"/>
-                          </a:ext>
-                        </a:extLst>
-                      </p:cNvPr>
-                      <p:cNvSpPr txBox="1"/>
-                      <p:nvPr/>
-                    </p:nvSpPr>
-                    <p:spPr>
-                      <a:xfrm>
-                        <a:off x="5322038" y="1198995"/>
-                        <a:ext cx="411266" cy="369332"/>
-                      </a:xfrm>
-                      <a:prstGeom prst="rect">
-                        <a:avLst/>
-                      </a:prstGeom>
-                      <a:noFill/>
-                    </p:spPr>
-                    <p:txBody>
-                      <a:bodyPr wrap="none" rtlCol="0">
-                        <a:spAutoFit/>
-                      </a:bodyPr>
-                      <a:lstStyle/>
-                      <a:p>
-                        <a:pPr/>
-                        <a14:m>
-                          <m:oMathPara xmlns:m="http://schemas.openxmlformats.org/officeDocument/2006/math">
-                            <m:oMathParaPr>
-                              <m:jc m:val="centerGroup"/>
-                            </m:oMathParaPr>
-                            <m:oMath xmlns:m="http://schemas.openxmlformats.org/officeDocument/2006/math">
-                              <m:r>
-                                <a:rPr lang="en-US" altLang="ko-KR" b="0" i="1" smtClean="0">
-                                  <a:latin typeface="Cambria Math" panose="02040503050406030204" pitchFamily="18" charset="0"/>
-                                </a:rPr>
-                                <m:t>𝛼</m:t>
-                              </m:r>
-                            </m:oMath>
-                          </m:oMathPara>
-                        </a14:m>
-                        <a:endParaRPr lang="ko-KR" altLang="en-US" dirty="0"/>
-                      </a:p>
-                    </p:txBody>
-                  </p:sp>
-                </mc:Choice>
-                <mc:Fallback xmlns="">
-                  <p:sp>
-                    <p:nvSpPr>
-                      <p:cNvPr id="38" name="TextBox 37">
-                        <a:extLst>
-                          <a:ext uri="{FF2B5EF4-FFF2-40B4-BE49-F238E27FC236}">
-                            <a16:creationId xmlns:a16="http://schemas.microsoft.com/office/drawing/2014/main" id="{BAEFE6B2-8AFD-E88B-29FF-79E92EF00CCE}"/>
-                          </a:ext>
-                        </a:extLst>
-                      </p:cNvPr>
-                      <p:cNvSpPr txBox="1">
-                        <a:spLocks noRot="1" noChangeAspect="1" noMove="1" noResize="1" noEditPoints="1" noAdjustHandles="1" noChangeArrowheads="1" noChangeShapeType="1" noTextEdit="1"/>
-                      </p:cNvSpPr>
-                      <p:nvPr/>
-                    </p:nvSpPr>
-                    <p:spPr>
-                      <a:xfrm>
-                        <a:off x="5322038" y="1198995"/>
-                        <a:ext cx="411266" cy="369332"/>
-                      </a:xfrm>
-                      <a:prstGeom prst="rect">
-                        <a:avLst/>
-                      </a:prstGeom>
-                      <a:blipFill>
-                        <a:blip r:embed="rId11"/>
-                        <a:stretch>
-                          <a:fillRect/>
-                        </a:stretch>
-                      </a:blipFill>
-                    </p:spPr>
-                    <p:txBody>
-                      <a:bodyPr/>
-                      <a:lstStyle/>
-                      <a:p>
-                        <a:r>
-                          <a:rPr lang="ko-KR" altLang="en-US">
-                            <a:noFill/>
-                          </a:rPr>
-                          <a:t> </a:t>
-                        </a:r>
-                      </a:p>
-                    </p:txBody>
-                  </p:sp>
-                </mc:Fallback>
-              </mc:AlternateContent>
-              <p:cxnSp>
-                <p:nvCxnSpPr>
-                  <p:cNvPr id="40" name="직선 화살표 연결선 39">
-                    <a:extLst>
-                      <a:ext uri="{FF2B5EF4-FFF2-40B4-BE49-F238E27FC236}">
-                        <a16:creationId xmlns:a16="http://schemas.microsoft.com/office/drawing/2014/main" id="{0CD208F6-CE5E-915F-1466-AFC69C3E8174}"/>
-                      </a:ext>
-                    </a:extLst>
-                  </p:cNvPr>
-                  <p:cNvCxnSpPr>
-                    <a:cxnSpLocks/>
-                  </p:cNvCxnSpPr>
-                  <p:nvPr/>
-                </p:nvCxnSpPr>
-                <p:spPr>
-                  <a:xfrm flipH="1">
-                    <a:off x="5602494" y="2657793"/>
-                    <a:ext cx="595797" cy="369332"/>
-                  </a:xfrm>
-                  <a:prstGeom prst="straightConnector1">
-                    <a:avLst/>
-                  </a:prstGeom>
-                  <a:ln>
-                    <a:tailEnd type="triangle"/>
-                  </a:ln>
-                </p:spPr>
-                <p:style>
-                  <a:lnRef idx="2">
-                    <a:schemeClr val="dk1"/>
-                  </a:lnRef>
-                  <a:fillRef idx="0">
-                    <a:schemeClr val="dk1"/>
-                  </a:fillRef>
-                  <a:effectRef idx="1">
-                    <a:schemeClr val="dk1"/>
-                  </a:effectRef>
-                  <a:fontRef idx="minor">
-                    <a:schemeClr val="tx1"/>
-                  </a:fontRef>
-                </p:style>
-              </p:cxnSp>
-            </p:grpSp>
-            <mc:AlternateContent xmlns:mc="http://schemas.openxmlformats.org/markup-compatibility/2006" xmlns:a14="http://schemas.microsoft.com/office/drawing/2010/main">
-              <mc:Choice Requires="a14">
-                <p:sp>
-                  <p:nvSpPr>
-                    <p:cNvPr id="33" name="TextBox 32">
-                      <a:extLst>
-                        <a:ext uri="{FF2B5EF4-FFF2-40B4-BE49-F238E27FC236}">
-                          <a16:creationId xmlns:a16="http://schemas.microsoft.com/office/drawing/2014/main" id="{71323F1B-27DB-BCD7-9C92-365DE9731155}"/>
-                        </a:ext>
-                      </a:extLst>
-                    </p:cNvPr>
-                    <p:cNvSpPr txBox="1"/>
-                    <p:nvPr/>
-                  </p:nvSpPr>
-                  <p:spPr>
-                    <a:xfrm>
-                      <a:off x="5649882" y="2899155"/>
-                      <a:ext cx="483466" cy="391261"/>
-                    </a:xfrm>
-                    <a:prstGeom prst="rect">
-                      <a:avLst/>
-                    </a:prstGeom>
-                    <a:noFill/>
-                  </p:spPr>
-                  <p:txBody>
-                    <a:bodyPr wrap="none" rtlCol="0">
-                      <a:spAutoFit/>
-                    </a:bodyPr>
-                    <a:lstStyle/>
-                    <a:p>
-                      <a:pPr/>
-                      <a14:m>
-                        <m:oMathPara xmlns:m="http://schemas.openxmlformats.org/officeDocument/2006/math">
-                          <m:oMathParaPr>
-                            <m:jc m:val="centerGroup"/>
-                          </m:oMathParaPr>
-                          <m:oMath xmlns:m="http://schemas.openxmlformats.org/officeDocument/2006/math">
-                            <m:sSub>
-                              <m:sSubPr>
-                                <m:ctrlPr>
-                                  <a:rPr lang="en-US" altLang="ko-KR" b="0" i="1" smtClean="0">
-                                    <a:latin typeface="Cambria Math" panose="02040503050406030204" pitchFamily="18" charset="0"/>
-                                  </a:rPr>
-                                </m:ctrlPr>
-                              </m:sSubPr>
-                              <m:e>
-                                <m:r>
-                                  <a:rPr lang="en-US" altLang="ko-KR" b="0" i="1" smtClean="0">
-                                    <a:latin typeface="Cambria Math" panose="02040503050406030204" pitchFamily="18" charset="0"/>
-                                  </a:rPr>
-                                  <m:t>𝐹</m:t>
-                                </m:r>
-                              </m:e>
-                              <m:sub>
-                                <m:r>
-                                  <a:rPr lang="en-US" altLang="ko-KR" b="0" i="1" smtClean="0">
-                                    <a:latin typeface="Cambria Math" panose="02040503050406030204" pitchFamily="18" charset="0"/>
-                                  </a:rPr>
-                                  <m:t>𝑦</m:t>
-                                </m:r>
-                              </m:sub>
-                            </m:sSub>
-                          </m:oMath>
-                        </m:oMathPara>
-                      </a14:m>
-                      <a:endParaRPr lang="ko-KR" altLang="en-US" dirty="0"/>
-                    </a:p>
-                  </p:txBody>
-                </p:sp>
-              </mc:Choice>
-              <mc:Fallback xmlns="">
-                <p:sp>
-                  <p:nvSpPr>
-                    <p:cNvPr id="52" name="TextBox 51">
-                      <a:extLst>
-                        <a:ext uri="{FF2B5EF4-FFF2-40B4-BE49-F238E27FC236}">
-                          <a16:creationId xmlns:a16="http://schemas.microsoft.com/office/drawing/2014/main" id="{95F5B4B2-7340-F542-20B0-482F4DE25980}"/>
-                        </a:ext>
-                      </a:extLst>
-                    </p:cNvPr>
-                    <p:cNvSpPr txBox="1">
-                      <a:spLocks noRot="1" noChangeAspect="1" noMove="1" noResize="1" noEditPoints="1" noAdjustHandles="1" noChangeArrowheads="1" noChangeShapeType="1" noTextEdit="1"/>
-                    </p:cNvSpPr>
-                    <p:nvPr/>
-                  </p:nvSpPr>
-                  <p:spPr>
-                    <a:xfrm>
-                      <a:off x="5649882" y="2899155"/>
-                      <a:ext cx="483466" cy="391261"/>
-                    </a:xfrm>
-                    <a:prstGeom prst="rect">
-                      <a:avLst/>
-                    </a:prstGeom>
-                    <a:blipFill>
-                      <a:blip r:embed="rId12"/>
-                      <a:stretch>
-                        <a:fillRect b="-3125"/>
-                      </a:stretch>
-                    </a:blipFill>
-                  </p:spPr>
-                  <p:txBody>
-                    <a:bodyPr/>
-                    <a:lstStyle/>
-                    <a:p>
-                      <a:r>
-                        <a:rPr lang="ko-KR" altLang="en-US">
-                          <a:noFill/>
-                        </a:rPr>
-                        <a:t> </a:t>
-                      </a:r>
-                    </a:p>
-                  </p:txBody>
-                </p:sp>
-              </mc:Fallback>
-            </mc:AlternateContent>
-          </p:grpSp>
-          <p:sp>
-            <p:nvSpPr>
-              <p:cNvPr id="41" name="TextBox 40">
-                <a:extLst>
-                  <a:ext uri="{FF2B5EF4-FFF2-40B4-BE49-F238E27FC236}">
-                    <a16:creationId xmlns:a16="http://schemas.microsoft.com/office/drawing/2014/main" id="{D3150B3B-58D2-7EB9-2F97-A93061D07083}"/>
-                  </a:ext>
-                </a:extLst>
-              </p:cNvPr>
-              <p:cNvSpPr txBox="1"/>
-              <p:nvPr/>
-            </p:nvSpPr>
-            <p:spPr>
-              <a:xfrm>
-                <a:off x="5941758" y="5883703"/>
-                <a:ext cx="1013419" cy="307777"/>
-              </a:xfrm>
-              <a:prstGeom prst="rect">
-                <a:avLst/>
-              </a:prstGeom>
-              <a:noFill/>
-            </p:spPr>
-            <p:txBody>
-              <a:bodyPr wrap="none" rtlCol="0">
-                <a:spAutoFit/>
-              </a:bodyPr>
-              <a:lstStyle/>
-              <a:p>
-                <a:r>
-                  <a:rPr lang="en-US" altLang="ko-KR" sz="1400" dirty="0"/>
-                  <a:t>Slip Angle</a:t>
-                </a:r>
-                <a:endParaRPr lang="ko-KR" altLang="en-US" sz="1400" dirty="0"/>
-              </a:p>
-            </p:txBody>
-          </p:sp>
-        </p:grpSp>
-        <mc:AlternateContent xmlns:mc="http://schemas.openxmlformats.org/markup-compatibility/2006" xmlns:a14="http://schemas.microsoft.com/office/drawing/2010/main">
-          <mc:Choice Requires="a14">
-            <p:sp>
-              <p:nvSpPr>
-                <p:cNvPr id="44" name="TextBox 43">
-                  <a:extLst>
-                    <a:ext uri="{FF2B5EF4-FFF2-40B4-BE49-F238E27FC236}">
-                      <a16:creationId xmlns:a16="http://schemas.microsoft.com/office/drawing/2014/main" id="{35808857-D86A-3490-E2C3-33B0CE1BF14A}"/>
-                    </a:ext>
-                  </a:extLst>
-                </p:cNvPr>
-                <p:cNvSpPr txBox="1"/>
-                <p:nvPr/>
-              </p:nvSpPr>
-              <p:spPr>
-                <a:xfrm>
-                  <a:off x="995242" y="3843339"/>
-                  <a:ext cx="1993048" cy="307778"/>
-                </a:xfrm>
-                <a:prstGeom prst="rect">
-                  <a:avLst/>
-                </a:prstGeom>
-                <a:noFill/>
-              </p:spPr>
-              <p:txBody>
-                <a:bodyPr wrap="none" rtlCol="0">
-                  <a:spAutoFit/>
-                </a:bodyPr>
-                <a:lstStyle/>
-                <a:p>
-                  <a:pPr/>
-                  <a14:m>
-                    <m:oMathPara xmlns:m="http://schemas.openxmlformats.org/officeDocument/2006/math">
-                      <m:oMathParaPr>
-                        <m:jc m:val="centerGroup"/>
-                      </m:oMathParaPr>
-                      <m:oMath xmlns:m="http://schemas.openxmlformats.org/officeDocument/2006/math">
-                        <m:r>
-                          <a:rPr lang="en-US" altLang="ko-KR" sz="1400" b="0" i="1" smtClean="0">
-                            <a:latin typeface="Cambria Math" panose="02040503050406030204" pitchFamily="18" charset="0"/>
-                          </a:rPr>
-                          <m:t>𝐷𝑖𝑟𝑒𝑐𝑡𝑖𝑜𝑛</m:t>
-                        </m:r>
-                        <m:r>
-                          <a:rPr lang="en-US" altLang="ko-KR" sz="1400" b="0" i="1" smtClean="0">
-                            <a:latin typeface="Cambria Math" panose="02040503050406030204" pitchFamily="18" charset="0"/>
-                          </a:rPr>
-                          <m:t> </m:t>
-                        </m:r>
-                        <m:r>
-                          <a:rPr lang="en-US" altLang="ko-KR" sz="1400" b="0" i="1" smtClean="0">
-                            <a:latin typeface="Cambria Math" panose="02040503050406030204" pitchFamily="18" charset="0"/>
-                          </a:rPr>
-                          <m:t>𝑜𝑓</m:t>
-                        </m:r>
-                        <m:r>
-                          <a:rPr lang="en-US" altLang="ko-KR" sz="1400" b="0" i="1" smtClean="0">
-                            <a:latin typeface="Cambria Math" panose="02040503050406030204" pitchFamily="18" charset="0"/>
-                          </a:rPr>
-                          <m:t> </m:t>
-                        </m:r>
-                        <m:r>
-                          <a:rPr lang="en-US" altLang="ko-KR" sz="1400" b="0" i="1" smtClean="0">
-                            <a:latin typeface="Cambria Math" panose="02040503050406030204" pitchFamily="18" charset="0"/>
-                          </a:rPr>
-                          <m:t>𝐻𝑒𝑎𝑑𝑖𝑛𝑔</m:t>
-                        </m:r>
-                      </m:oMath>
-                    </m:oMathPara>
-                  </a14:m>
-                  <a:endParaRPr lang="ko-KR" altLang="en-US" sz="1400" dirty="0"/>
-                </a:p>
-              </p:txBody>
-            </p:sp>
-          </mc:Choice>
-          <mc:Fallback xmlns="">
-            <p:sp>
-              <p:nvSpPr>
-                <p:cNvPr id="44" name="TextBox 43">
-                  <a:extLst>
-                    <a:ext uri="{FF2B5EF4-FFF2-40B4-BE49-F238E27FC236}">
-                      <a16:creationId xmlns:a16="http://schemas.microsoft.com/office/drawing/2014/main" id="{35808857-D86A-3490-E2C3-33B0CE1BF14A}"/>
-                    </a:ext>
-                  </a:extLst>
-                </p:cNvPr>
-                <p:cNvSpPr txBox="1">
-                  <a:spLocks noRot="1" noChangeAspect="1" noMove="1" noResize="1" noEditPoints="1" noAdjustHandles="1" noChangeArrowheads="1" noChangeShapeType="1" noTextEdit="1"/>
-                </p:cNvSpPr>
-                <p:nvPr/>
-              </p:nvSpPr>
-              <p:spPr>
-                <a:xfrm>
-                  <a:off x="995242" y="3843339"/>
-                  <a:ext cx="1993048" cy="307778"/>
-                </a:xfrm>
-                <a:prstGeom prst="rect">
-                  <a:avLst/>
-                </a:prstGeom>
-                <a:blipFill>
-                  <a:blip r:embed="rId13"/>
-                  <a:stretch>
-                    <a:fillRect r="-4027" b="-19149"/>
-                  </a:stretch>
-                </a:blipFill>
-              </p:spPr>
-              <p:txBody>
-                <a:bodyPr/>
-                <a:lstStyle/>
-                <a:p>
-                  <a:r>
-                    <a:rPr lang="ko-KR" altLang="en-US">
-                      <a:noFill/>
-                    </a:rPr>
-                    <a:t> </a:t>
-                  </a:r>
-                </a:p>
-              </p:txBody>
-            </p:sp>
-          </mc:Fallback>
-        </mc:AlternateContent>
-        <p:cxnSp>
-          <p:nvCxnSpPr>
-            <p:cNvPr id="47" name="직선 화살표 연결선 46">
-              <a:extLst>
-                <a:ext uri="{FF2B5EF4-FFF2-40B4-BE49-F238E27FC236}">
-                  <a16:creationId xmlns:a16="http://schemas.microsoft.com/office/drawing/2014/main" id="{97C6BDDC-6C75-5836-7214-7C313F3B767E}"/>
-                </a:ext>
-              </a:extLst>
-            </p:cNvPr>
-            <p:cNvCxnSpPr>
-              <a:cxnSpLocks/>
-            </p:cNvCxnSpPr>
-            <p:nvPr/>
-          </p:nvCxnSpPr>
-          <p:spPr>
-            <a:xfrm flipH="1" flipV="1">
-              <a:off x="2914690" y="3497470"/>
-              <a:ext cx="1076235" cy="1468650"/>
-            </a:xfrm>
-            <a:prstGeom prst="straightConnector1">
-              <a:avLst/>
-            </a:prstGeom>
-            <a:ln w="38100">
-              <a:solidFill>
-                <a:schemeClr val="tx1"/>
-              </a:solidFill>
-              <a:tailEnd type="triangle"/>
-            </a:ln>
-          </p:spPr>
-          <p:style>
-            <a:lnRef idx="1">
-              <a:schemeClr val="accent1"/>
-            </a:lnRef>
-            <a:fillRef idx="0">
-              <a:schemeClr val="accent1"/>
-            </a:fillRef>
-            <a:effectRef idx="0">
-              <a:schemeClr val="accent1"/>
-            </a:effectRef>
-            <a:fontRef idx="minor">
-              <a:schemeClr val="tx1"/>
-            </a:fontRef>
-          </p:style>
-        </p:cxnSp>
-      </p:grpSp>
-      <p:grpSp>
-        <p:nvGrpSpPr>
-          <p:cNvPr id="4" name="그룹 3">
-            <a:extLst>
-              <a:ext uri="{FF2B5EF4-FFF2-40B4-BE49-F238E27FC236}">
-                <a16:creationId xmlns:a16="http://schemas.microsoft.com/office/drawing/2014/main" id="{0BBA501F-A9C4-9E77-2BA2-B7D17DE1FB90}"/>
-              </a:ext>
-            </a:extLst>
-          </p:cNvPr>
-          <p:cNvGrpSpPr/>
-          <p:nvPr/>
-        </p:nvGrpSpPr>
-        <p:grpSpPr>
-          <a:xfrm>
-            <a:off x="1290484" y="3508620"/>
-            <a:ext cx="1904755" cy="2527411"/>
-            <a:chOff x="3085758" y="824080"/>
-            <a:chExt cx="4476337" cy="5195575"/>
-          </a:xfrm>
-        </p:grpSpPr>
-        <p:pic>
-          <p:nvPicPr>
-            <p:cNvPr id="5" name="Picture 2" descr="승용차용 | NEXEN TIRE">
-              <a:extLst>
-                <a:ext uri="{FF2B5EF4-FFF2-40B4-BE49-F238E27FC236}">
-                  <a16:creationId xmlns:a16="http://schemas.microsoft.com/office/drawing/2014/main" id="{47FDC6F8-35A0-9A26-249E-7086366B9AC7}"/>
-                </a:ext>
-              </a:extLst>
-            </p:cNvPr>
-            <p:cNvPicPr>
-              <a:picLocks noChangeAspect="1" noChangeArrowheads="1"/>
-            </p:cNvPicPr>
-            <p:nvPr/>
-          </p:nvPicPr>
-          <p:blipFill>
-            <a:blip r:embed="rId14">
-              <a:extLst>
-                <a:ext uri="{28A0092B-C50C-407E-A947-70E740481C1C}">
-                  <a14:useLocalDpi xmlns:a14="http://schemas.microsoft.com/office/drawing/2010/main" val="0"/>
-                </a:ext>
-              </a:extLst>
-            </a:blip>
-            <a:srcRect/>
-            <a:stretch>
-              <a:fillRect/>
-            </a:stretch>
-          </p:blipFill>
-          <p:spPr bwMode="auto">
-            <a:xfrm>
-              <a:off x="3561595" y="824080"/>
-              <a:ext cx="4000500" cy="4000500"/>
-            </a:xfrm>
-            <a:prstGeom prst="rect">
-              <a:avLst/>
-            </a:prstGeom>
-            <a:noFill/>
-            <a:extLst>
-              <a:ext uri="{909E8E84-426E-40DD-AFC4-6F175D3DCCD1}">
-                <a14:hiddenFill xmlns:a14="http://schemas.microsoft.com/office/drawing/2010/main">
-                  <a:solidFill>
-                    <a:srgbClr val="FFFFFF"/>
-                  </a:solidFill>
-                </a14:hiddenFill>
-              </a:ext>
-            </a:extLst>
-          </p:spPr>
-        </p:pic>
-        <p:sp>
-          <p:nvSpPr>
-            <p:cNvPr id="6" name="화살표: 오른쪽 5">
-              <a:extLst>
-                <a:ext uri="{FF2B5EF4-FFF2-40B4-BE49-F238E27FC236}">
-                  <a16:creationId xmlns:a16="http://schemas.microsoft.com/office/drawing/2014/main" id="{067C31D9-EB34-626B-EAB1-729EBF9ADD6D}"/>
-                </a:ext>
-              </a:extLst>
-            </p:cNvPr>
-            <p:cNvSpPr/>
-            <p:nvPr/>
-          </p:nvSpPr>
-          <p:spPr>
-            <a:xfrm rot="10057650">
-              <a:off x="3259802" y="5193109"/>
-              <a:ext cx="2652081" cy="258689"/>
-            </a:xfrm>
-            <a:prstGeom prst="rightArrow">
-              <a:avLst/>
-            </a:prstGeom>
-            <a:solidFill>
-              <a:srgbClr val="FF0000"/>
-            </a:solidFill>
-            <a:ln>
-              <a:solidFill>
-                <a:srgbClr val="FF0000"/>
-              </a:solidFill>
-            </a:ln>
-            <a:effectLst>
-              <a:outerShdw blurRad="50800" dist="38100" dir="2700000" algn="tl" rotWithShape="0">
-                <a:prstClr val="black">
-                  <a:alpha val="40000"/>
-                </a:prstClr>
-              </a:outerShdw>
-            </a:effectLst>
-            <a:scene3d>
-              <a:camera prst="isometricTopUp"/>
-              <a:lightRig rig="threePt" dir="t"/>
-            </a:scene3d>
-          </p:spPr>
-          <p:style>
-            <a:lnRef idx="2">
-              <a:schemeClr val="accent1">
-                <a:shade val="15000"/>
-              </a:schemeClr>
-            </a:lnRef>
-            <a:fillRef idx="1">
-              <a:schemeClr val="accent1"/>
-            </a:fillRef>
-            <a:effectRef idx="0">
-              <a:schemeClr val="accent1"/>
-            </a:effectRef>
-            <a:fontRef idx="minor">
-              <a:schemeClr val="lt1"/>
-            </a:fontRef>
-          </p:style>
-          <p:txBody>
-            <a:bodyPr rtlCol="0" anchor="ctr"/>
-            <a:lstStyle/>
-            <a:p>
-              <a:pPr algn="ctr"/>
-              <a:endParaRPr lang="ko-KR" altLang="en-US" dirty="0"/>
-            </a:p>
-          </p:txBody>
-        </p:sp>
-        <p:sp>
-          <p:nvSpPr>
-            <p:cNvPr id="7" name="화살표: 오른쪽 6">
-              <a:extLst>
-                <a:ext uri="{FF2B5EF4-FFF2-40B4-BE49-F238E27FC236}">
-                  <a16:creationId xmlns:a16="http://schemas.microsoft.com/office/drawing/2014/main" id="{68A2C3EB-E206-ABB5-2A8E-557CA0847DDD}"/>
-                </a:ext>
-              </a:extLst>
-            </p:cNvPr>
-            <p:cNvSpPr/>
-            <p:nvPr/>
-          </p:nvSpPr>
-          <p:spPr>
-            <a:xfrm>
-              <a:off x="6096000" y="4630563"/>
-              <a:ext cx="1097269" cy="258689"/>
-            </a:xfrm>
-            <a:prstGeom prst="rightArrow">
-              <a:avLst/>
-            </a:prstGeom>
-            <a:solidFill>
-              <a:srgbClr val="FF0000"/>
-            </a:solidFill>
-            <a:ln>
-              <a:noFill/>
-            </a:ln>
-            <a:effectLst>
-              <a:outerShdw blurRad="50800" dist="38100" dir="2700000" algn="tl" rotWithShape="0">
-                <a:prstClr val="black">
-                  <a:alpha val="40000"/>
-                </a:prstClr>
-              </a:outerShdw>
-            </a:effectLst>
-            <a:scene3d>
-              <a:camera prst="isometricOffAxis2Top"/>
-              <a:lightRig rig="threePt" dir="t"/>
-            </a:scene3d>
-          </p:spPr>
-          <p:style>
-            <a:lnRef idx="2">
-              <a:schemeClr val="accent1">
-                <a:shade val="15000"/>
-              </a:schemeClr>
-            </a:lnRef>
-            <a:fillRef idx="1">
-              <a:schemeClr val="accent1"/>
-            </a:fillRef>
-            <a:effectRef idx="0">
-              <a:schemeClr val="accent1"/>
-            </a:effectRef>
-            <a:fontRef idx="minor">
-              <a:schemeClr val="lt1"/>
-            </a:fontRef>
-          </p:style>
-          <p:txBody>
-            <a:bodyPr rtlCol="0" anchor="ctr"/>
-            <a:lstStyle/>
-            <a:p>
-              <a:pPr algn="ctr"/>
-              <a:endParaRPr lang="ko-KR" altLang="en-US" dirty="0"/>
-            </a:p>
-          </p:txBody>
-        </p:sp>
-        <mc:AlternateContent xmlns:mc="http://schemas.openxmlformats.org/markup-compatibility/2006" xmlns:a14="http://schemas.microsoft.com/office/drawing/2010/main">
-          <mc:Choice Requires="a14">
-            <p:sp>
-              <p:nvSpPr>
-                <p:cNvPr id="8" name="TextBox 7">
-                  <a:extLst>
-                    <a:ext uri="{FF2B5EF4-FFF2-40B4-BE49-F238E27FC236}">
-                      <a16:creationId xmlns:a16="http://schemas.microsoft.com/office/drawing/2014/main" id="{CD001040-9F98-094C-0E7E-A42240CFDD77}"/>
-                    </a:ext>
-                  </a:extLst>
-                </p:cNvPr>
-                <p:cNvSpPr txBox="1"/>
-                <p:nvPr/>
-              </p:nvSpPr>
-              <p:spPr>
-                <a:xfrm>
-                  <a:off x="3085758" y="5650323"/>
-                  <a:ext cx="475837" cy="369332"/>
-                </a:xfrm>
-                <a:prstGeom prst="rect">
-                  <a:avLst/>
-                </a:prstGeom>
-                <a:noFill/>
-              </p:spPr>
-              <p:txBody>
-                <a:bodyPr wrap="none" rtlCol="0">
-                  <a:spAutoFit/>
-                </a:bodyPr>
-                <a:lstStyle/>
-                <a:p>
-                  <a:pPr/>
-                  <a14:m>
-                    <m:oMathPara xmlns:m="http://schemas.openxmlformats.org/officeDocument/2006/math">
-                      <m:oMathParaPr>
-                        <m:jc m:val="centerGroup"/>
-                      </m:oMathParaPr>
-                      <m:oMath xmlns:m="http://schemas.openxmlformats.org/officeDocument/2006/math">
-                        <m:sSub>
-                          <m:sSubPr>
-                            <m:ctrlPr>
-                              <a:rPr lang="en-US" altLang="ko-KR" b="0" i="1" smtClean="0">
-                                <a:latin typeface="Cambria Math" panose="02040503050406030204" pitchFamily="18" charset="0"/>
-                              </a:rPr>
-                            </m:ctrlPr>
-                          </m:sSubPr>
-                          <m:e>
-                            <m:r>
-                              <a:rPr lang="en-US" altLang="ko-KR" b="0" i="1" smtClean="0">
-                                <a:latin typeface="Cambria Math" panose="02040503050406030204" pitchFamily="18" charset="0"/>
-                              </a:rPr>
-                              <m:t>𝐹</m:t>
-                            </m:r>
-                          </m:e>
-                          <m:sub>
-                            <m:r>
-                              <a:rPr lang="en-US" altLang="ko-KR" b="0" i="1" smtClean="0">
-                                <a:latin typeface="Cambria Math" panose="02040503050406030204" pitchFamily="18" charset="0"/>
-                              </a:rPr>
-                              <m:t>𝑥</m:t>
-                            </m:r>
-                          </m:sub>
-                        </m:sSub>
-                      </m:oMath>
-                    </m:oMathPara>
-                  </a14:m>
-                  <a:endParaRPr lang="ko-KR" altLang="en-US" dirty="0"/>
-                </a:p>
-              </p:txBody>
-            </p:sp>
-          </mc:Choice>
-          <mc:Fallback xmlns="">
-            <p:sp>
-              <p:nvSpPr>
-                <p:cNvPr id="12" name="TextBox 11">
-                  <a:extLst>
-                    <a:ext uri="{FF2B5EF4-FFF2-40B4-BE49-F238E27FC236}">
-                      <a16:creationId xmlns:a16="http://schemas.microsoft.com/office/drawing/2014/main" id="{9D4C71C9-DF7A-F39D-EFE6-86BC67C5C2A4}"/>
-                    </a:ext>
-                  </a:extLst>
-                </p:cNvPr>
-                <p:cNvSpPr txBox="1">
-                  <a:spLocks noRot="1" noChangeAspect="1" noMove="1" noResize="1" noEditPoints="1" noAdjustHandles="1" noChangeArrowheads="1" noChangeShapeType="1" noTextEdit="1"/>
-                </p:cNvSpPr>
-                <p:nvPr/>
-              </p:nvSpPr>
-              <p:spPr>
-                <a:xfrm>
-                  <a:off x="3085758" y="5650323"/>
-                  <a:ext cx="475837" cy="369332"/>
-                </a:xfrm>
-                <a:prstGeom prst="rect">
-                  <a:avLst/>
-                </a:prstGeom>
-                <a:blipFill>
-                  <a:blip r:embed="rId15"/>
-                  <a:stretch>
-                    <a:fillRect b="-11111"/>
-                  </a:stretch>
-                </a:blipFill>
-              </p:spPr>
-              <p:txBody>
-                <a:bodyPr/>
-                <a:lstStyle/>
-                <a:p>
-                  <a:r>
-                    <a:rPr lang="ko-KR" altLang="en-US">
-                      <a:noFill/>
-                    </a:rPr>
-                    <a:t> </a:t>
-                  </a:r>
-                </a:p>
-              </p:txBody>
-            </p:sp>
-          </mc:Fallback>
-        </mc:AlternateContent>
-        <mc:AlternateContent xmlns:mc="http://schemas.openxmlformats.org/markup-compatibility/2006" xmlns:a14="http://schemas.microsoft.com/office/drawing/2010/main">
-          <mc:Choice Requires="a14">
-            <p:sp>
-              <p:nvSpPr>
-                <p:cNvPr id="9" name="TextBox 8">
-                  <a:extLst>
-                    <a:ext uri="{FF2B5EF4-FFF2-40B4-BE49-F238E27FC236}">
-                      <a16:creationId xmlns:a16="http://schemas.microsoft.com/office/drawing/2014/main" id="{92A363A8-F2B6-5A65-39A5-4C2DF5EC55AA}"/>
-                    </a:ext>
-                  </a:extLst>
-                </p:cNvPr>
-                <p:cNvSpPr txBox="1"/>
-                <p:nvPr/>
-              </p:nvSpPr>
-              <p:spPr>
-                <a:xfrm>
-                  <a:off x="7078629" y="4628949"/>
-                  <a:ext cx="483466" cy="391260"/>
-                </a:xfrm>
-                <a:prstGeom prst="rect">
-                  <a:avLst/>
-                </a:prstGeom>
-                <a:noFill/>
-              </p:spPr>
-              <p:txBody>
-                <a:bodyPr wrap="none" rtlCol="0">
-                  <a:spAutoFit/>
-                </a:bodyPr>
-                <a:lstStyle/>
-                <a:p>
-                  <a:pPr/>
-                  <a14:m>
-                    <m:oMathPara xmlns:m="http://schemas.openxmlformats.org/officeDocument/2006/math">
-                      <m:oMathParaPr>
-                        <m:jc m:val="centerGroup"/>
-                      </m:oMathParaPr>
-                      <m:oMath xmlns:m="http://schemas.openxmlformats.org/officeDocument/2006/math">
-                        <m:sSub>
-                          <m:sSubPr>
-                            <m:ctrlPr>
-                              <a:rPr lang="en-US" altLang="ko-KR" b="0" i="1" smtClean="0">
-                                <a:latin typeface="Cambria Math" panose="02040503050406030204" pitchFamily="18" charset="0"/>
-                              </a:rPr>
-                            </m:ctrlPr>
-                          </m:sSubPr>
-                          <m:e>
-                            <m:r>
-                              <a:rPr lang="en-US" altLang="ko-KR" b="0" i="1" smtClean="0">
-                                <a:latin typeface="Cambria Math" panose="02040503050406030204" pitchFamily="18" charset="0"/>
-                              </a:rPr>
-                              <m:t>𝐹</m:t>
-                            </m:r>
-                          </m:e>
-                          <m:sub>
-                            <m:r>
-                              <a:rPr lang="en-US" altLang="ko-KR" b="0" i="1" smtClean="0">
-                                <a:latin typeface="Cambria Math" panose="02040503050406030204" pitchFamily="18" charset="0"/>
-                              </a:rPr>
-                              <m:t>𝑦</m:t>
-                            </m:r>
-                          </m:sub>
-                        </m:sSub>
-                      </m:oMath>
-                    </m:oMathPara>
-                  </a14:m>
-                  <a:endParaRPr lang="ko-KR" altLang="en-US" dirty="0"/>
-                </a:p>
-              </p:txBody>
-            </p:sp>
-          </mc:Choice>
-          <mc:Fallback xmlns="">
-            <p:sp>
-              <p:nvSpPr>
-                <p:cNvPr id="14" name="TextBox 13">
-                  <a:extLst>
-                    <a:ext uri="{FF2B5EF4-FFF2-40B4-BE49-F238E27FC236}">
-                      <a16:creationId xmlns:a16="http://schemas.microsoft.com/office/drawing/2014/main" id="{6ABEA65A-E4DB-7D10-38A6-6AD5771BDD02}"/>
-                    </a:ext>
-                  </a:extLst>
-                </p:cNvPr>
-                <p:cNvSpPr txBox="1">
-                  <a:spLocks noRot="1" noChangeAspect="1" noMove="1" noResize="1" noEditPoints="1" noAdjustHandles="1" noChangeArrowheads="1" noChangeShapeType="1" noTextEdit="1"/>
-                </p:cNvSpPr>
-                <p:nvPr/>
-              </p:nvSpPr>
-              <p:spPr>
-                <a:xfrm>
-                  <a:off x="7078629" y="4628949"/>
-                  <a:ext cx="483466" cy="391260"/>
-                </a:xfrm>
-                <a:prstGeom prst="rect">
-                  <a:avLst/>
-                </a:prstGeom>
-                <a:blipFill>
-                  <a:blip r:embed="rId16"/>
-                  <a:stretch>
-                    <a:fillRect b="-15789"/>
-                  </a:stretch>
-                </a:blipFill>
-              </p:spPr>
-              <p:txBody>
-                <a:bodyPr/>
-                <a:lstStyle/>
-                <a:p>
-                  <a:r>
-                    <a:rPr lang="ko-KR" altLang="en-US">
-                      <a:noFill/>
-                    </a:rPr>
-                    <a:t> </a:t>
-                  </a:r>
-                </a:p>
-              </p:txBody>
-            </p:sp>
-          </mc:Fallback>
-        </mc:AlternateContent>
-      </p:grpSp>
-    </p:spTree>
-    <p:extLst>
-      <p:ext uri="{BB962C8B-B14F-4D97-AF65-F5344CB8AC3E}">
-        <p14:creationId xmlns:p14="http://schemas.microsoft.com/office/powerpoint/2010/main" val="1828596226"/>
-      </p:ext>
-    </p:extLst>
-  </p:cSld>
-  <p:clrMapOvr>
-    <a:masterClrMapping/>
-  </p:clrMapOvr>
-</p:sld>
-</file>
-
-<file path=ppt/slides/slide11.xml><?xml version="1.0" encoding="utf-8"?>
-<p:sld xmlns:a="http://schemas.openxmlformats.org/drawingml/2006/main" xmlns:r="http://schemas.openxmlformats.org/officeDocument/2006/relationships" xmlns:p="http://schemas.openxmlformats.org/presentationml/2006/main">
-  <p:cSld>
-    <p:spTree>
-      <p:nvGrpSpPr>
-        <p:cNvPr id="1" name=""/>
-        <p:cNvGrpSpPr/>
-        <p:nvPr/>
-      </p:nvGrpSpPr>
-      <p:grpSpPr>
-        <a:xfrm>
-          <a:off x="0" y="0"/>
-          <a:ext cx="0" cy="0"/>
-          <a:chOff x="0" y="0"/>
-          <a:chExt cx="0" cy="0"/>
-        </a:xfrm>
-      </p:grpSpPr>
-      <p:sp>
-        <p:nvSpPr>
-          <p:cNvPr id="2" name="제목 1">
-            <a:extLst>
-              <a:ext uri="{FF2B5EF4-FFF2-40B4-BE49-F238E27FC236}">
-                <a16:creationId xmlns:a16="http://schemas.microsoft.com/office/drawing/2014/main" id="{F9D1DA9B-1B2A-4204-F1CC-B8CCBA982B08}"/>
-              </a:ext>
-            </a:extLst>
-          </p:cNvPr>
-          <p:cNvSpPr>
-            <a:spLocks noGrp="1"/>
-          </p:cNvSpPr>
-          <p:nvPr>
-            <p:ph type="title"/>
-          </p:nvPr>
-        </p:nvSpPr>
-        <p:spPr/>
-        <p:txBody>
-          <a:bodyPr/>
-          <a:lstStyle/>
-          <a:p>
-            <a:r>
-              <a:rPr lang="en-US" altLang="ko-KR" dirty="0"/>
-              <a:t>Sliding Mode Control</a:t>
-            </a:r>
-            <a:endParaRPr lang="ko-KR" altLang="en-US" dirty="0"/>
-          </a:p>
-        </p:txBody>
-      </p:sp>
-      <p:sp>
-        <p:nvSpPr>
-          <p:cNvPr id="3" name="슬라이드 번호 개체 틀 2">
-            <a:extLst>
-              <a:ext uri="{FF2B5EF4-FFF2-40B4-BE49-F238E27FC236}">
-                <a16:creationId xmlns:a16="http://schemas.microsoft.com/office/drawing/2014/main" id="{87C9B45B-9EDE-6716-AB56-323FEC5EB242}"/>
-              </a:ext>
-            </a:extLst>
-          </p:cNvPr>
-          <p:cNvSpPr>
-            <a:spLocks noGrp="1"/>
-          </p:cNvSpPr>
-          <p:nvPr>
-            <p:ph type="sldNum" sz="quarter" idx="12"/>
-          </p:nvPr>
-        </p:nvSpPr>
-        <p:spPr/>
-        <p:txBody>
-          <a:bodyPr/>
-          <a:lstStyle/>
-          <a:p>
-            <a:fld id="{DCF30976-4E8F-417C-866E-A81683010615}" type="slidenum">
-              <a:rPr lang="ko-KR" altLang="en-US" smtClean="0"/>
-              <a:pPr/>
-              <a:t>11</a:t>
             </a:fld>
             <a:endParaRPr lang="ko-KR" altLang="en-US"/>
           </a:p>
@@ -9290,8 +6521,8 @@
           </p:cxnSp>
         </p:grpSp>
       </p:grpSp>
-      <mc:AlternateContent xmlns:mc="http://schemas.openxmlformats.org/markup-compatibility/2006">
-        <mc:Choice xmlns:a14="http://schemas.microsoft.com/office/drawing/2010/main" Requires="a14">
+      <mc:AlternateContent xmlns:mc="http://schemas.openxmlformats.org/markup-compatibility/2006" xmlns:a14="http://schemas.microsoft.com/office/drawing/2010/main">
+        <mc:Choice Requires="a14">
           <p:sp>
             <p:nvSpPr>
               <p:cNvPr id="52" name="내용 개체 틀 2">
@@ -9603,22 +6834,21 @@
                   <a:rPr lang="ko-KR" altLang="en-US" sz="2000" dirty="0"/>
                   <a:t>이라는 입력의 떨림이 발생</a:t>
                 </a:r>
-                <a:endParaRPr lang="en-US" altLang="ko-KR" sz="1800" dirty="0"/>
+                <a:endParaRPr lang="en-US" altLang="ko-KR" sz="2000" dirty="0"/>
               </a:p>
               <a:p>
-                <a:pPr lvl="1">
+                <a:pPr marL="457166" lvl="1" indent="0">
                   <a:lnSpc>
                     <a:spcPct val="150000"/>
                   </a:lnSpc>
-                  <a:buFont typeface="Wingdings" panose="05000000000000000000" pitchFamily="2" charset="2"/>
-                  <a:buChar char="Ø"/>
+                  <a:buNone/>
                 </a:pPr>
                 <a:endParaRPr lang="en-US" altLang="ko-KR" sz="1800" dirty="0"/>
               </a:p>
             </p:txBody>
           </p:sp>
         </mc:Choice>
-        <mc:Fallback>
+        <mc:Fallback xmlns="">
           <p:sp>
             <p:nvSpPr>
               <p:cNvPr id="52" name="내용 개체 틀 2">
@@ -9676,7 +6906,7 @@
 </p:sld>
 </file>
 
-<file path=ppt/slides/slide12.xml><?xml version="1.0" encoding="utf-8"?>
+<file path=ppt/slides/slide11.xml><?xml version="1.0" encoding="utf-8"?>
 <p:sld xmlns:a="http://schemas.openxmlformats.org/drawingml/2006/main" xmlns:r="http://schemas.openxmlformats.org/officeDocument/2006/relationships" xmlns:p="http://schemas.openxmlformats.org/presentationml/2006/main">
   <p:cSld>
     <p:spTree>
@@ -9746,7 +6976,7 @@
             <a:fld id="{DCF30976-4E8F-417C-866E-A81683010615}" type="slidenum">
               <a:rPr lang="ko-KR" altLang="en-US" smtClean="0"/>
               <a:pPr/>
-              <a:t>12</a:t>
+              <a:t>11</a:t>
             </a:fld>
             <a:endParaRPr lang="ko-KR" altLang="en-US"/>
           </a:p>
@@ -10700,7 +7930,7 @@
 </p:sld>
 </file>
 
-<file path=ppt/slides/slide13.xml><?xml version="1.0" encoding="utf-8"?>
+<file path=ppt/slides/slide12.xml><?xml version="1.0" encoding="utf-8"?>
 <p:sld xmlns:a="http://schemas.openxmlformats.org/drawingml/2006/main" xmlns:r="http://schemas.openxmlformats.org/officeDocument/2006/relationships" xmlns:p="http://schemas.openxmlformats.org/presentationml/2006/main">
   <p:cSld>
     <p:spTree>
@@ -10770,14 +8000,14 @@
             <a:fld id="{DCF30976-4E8F-417C-866E-A81683010615}" type="slidenum">
               <a:rPr lang="ko-KR" altLang="en-US" smtClean="0"/>
               <a:pPr/>
-              <a:t>13</a:t>
+              <a:t>12</a:t>
             </a:fld>
             <a:endParaRPr lang="ko-KR" altLang="en-US"/>
           </a:p>
         </p:txBody>
       </p:sp>
-      <mc:AlternateContent xmlns:mc="http://schemas.openxmlformats.org/markup-compatibility/2006">
-        <mc:Choice xmlns:a14="http://schemas.microsoft.com/office/drawing/2010/main" Requires="a14">
+      <mc:AlternateContent xmlns:mc="http://schemas.openxmlformats.org/markup-compatibility/2006" xmlns:a14="http://schemas.microsoft.com/office/drawing/2010/main">
+        <mc:Choice Requires="a14">
           <p:sp>
             <p:nvSpPr>
               <p:cNvPr id="48" name="내용 개체 틀 2">
@@ -11169,7 +8399,7 @@
             </p:txBody>
           </p:sp>
         </mc:Choice>
-        <mc:Fallback>
+        <mc:Fallback xmlns="">
           <p:sp>
             <p:nvSpPr>
               <p:cNvPr id="48" name="내용 개체 틀 2">
@@ -11214,8 +8444,8 @@
           </p:sp>
         </mc:Fallback>
       </mc:AlternateContent>
-      <mc:AlternateContent xmlns:mc="http://schemas.openxmlformats.org/markup-compatibility/2006">
-        <mc:Choice xmlns:a14="http://schemas.microsoft.com/office/drawing/2010/main" Requires="a14">
+      <mc:AlternateContent xmlns:mc="http://schemas.openxmlformats.org/markup-compatibility/2006" xmlns:a14="http://schemas.microsoft.com/office/drawing/2010/main">
+        <mc:Choice Requires="a14">
           <p:sp>
             <p:nvSpPr>
               <p:cNvPr id="5" name="TextBox 4">
@@ -11509,7 +8739,7 @@
             </p:txBody>
           </p:sp>
         </mc:Choice>
-        <mc:Fallback>
+        <mc:Fallback xmlns="">
           <p:sp>
             <p:nvSpPr>
               <p:cNvPr id="5" name="TextBox 4">
@@ -11611,8 +8841,8 @@
           </a:p>
         </p:txBody>
       </p:sp>
-      <mc:AlternateContent xmlns:mc="http://schemas.openxmlformats.org/markup-compatibility/2006">
-        <mc:Choice xmlns:a14="http://schemas.microsoft.com/office/drawing/2010/main" Requires="a14">
+      <mc:AlternateContent xmlns:mc="http://schemas.openxmlformats.org/markup-compatibility/2006" xmlns:a14="http://schemas.microsoft.com/office/drawing/2010/main">
+        <mc:Choice Requires="a14">
           <p:sp>
             <p:nvSpPr>
               <p:cNvPr id="8" name="TextBox 7">
@@ -11699,7 +8929,7 @@
             </p:txBody>
           </p:sp>
         </mc:Choice>
-        <mc:Fallback>
+        <mc:Fallback xmlns="">
           <p:sp>
             <p:nvSpPr>
               <p:cNvPr id="8" name="TextBox 7">
@@ -11796,8 +9026,8 @@
           </a:p>
         </p:txBody>
       </p:sp>
-      <mc:AlternateContent xmlns:mc="http://schemas.openxmlformats.org/markup-compatibility/2006">
-        <mc:Choice xmlns:a14="http://schemas.microsoft.com/office/drawing/2010/main" Requires="a14">
+      <mc:AlternateContent xmlns:mc="http://schemas.openxmlformats.org/markup-compatibility/2006" xmlns:a14="http://schemas.microsoft.com/office/drawing/2010/main">
+        <mc:Choice Requires="a14">
           <p:sp>
             <p:nvSpPr>
               <p:cNvPr id="6" name="TextBox 5">
@@ -12048,7 +9278,7 @@
             </p:txBody>
           </p:sp>
         </mc:Choice>
-        <mc:Fallback>
+        <mc:Fallback xmlns="">
           <p:sp>
             <p:nvSpPr>
               <p:cNvPr id="6" name="TextBox 5">
@@ -12202,8 +9432,8 @@
           </a:p>
         </p:txBody>
       </p:sp>
-      <mc:AlternateContent xmlns:mc="http://schemas.openxmlformats.org/markup-compatibility/2006">
-        <mc:Choice xmlns:a14="http://schemas.microsoft.com/office/drawing/2010/main" Requires="a14">
+      <mc:AlternateContent xmlns:mc="http://schemas.openxmlformats.org/markup-compatibility/2006" xmlns:a14="http://schemas.microsoft.com/office/drawing/2010/main">
+        <mc:Choice Requires="a14">
           <p:sp>
             <p:nvSpPr>
               <p:cNvPr id="11" name="TextBox 10">
@@ -12321,7 +9551,7 @@
             </p:txBody>
           </p:sp>
         </mc:Choice>
-        <mc:Fallback>
+        <mc:Fallback xmlns="">
           <p:sp>
             <p:nvSpPr>
               <p:cNvPr id="11" name="TextBox 10">
@@ -12379,7 +9609,7 @@
 </p:sld>
 </file>
 
-<file path=ppt/slides/slide14.xml><?xml version="1.0" encoding="utf-8"?>
+<file path=ppt/slides/slide13.xml><?xml version="1.0" encoding="utf-8"?>
 <p:sld xmlns:a="http://schemas.openxmlformats.org/drawingml/2006/main" xmlns:r="http://schemas.openxmlformats.org/officeDocument/2006/relationships" xmlns:p="http://schemas.openxmlformats.org/presentationml/2006/main">
   <p:cSld>
     <p:spTree>
@@ -12449,7 +9679,7 @@
             <a:fld id="{DCF30976-4E8F-417C-866E-A81683010615}" type="slidenum">
               <a:rPr lang="ko-KR" altLang="en-US" smtClean="0"/>
               <a:pPr/>
-              <a:t>14</a:t>
+              <a:t>13</a:t>
             </a:fld>
             <a:endParaRPr lang="ko-KR" altLang="en-US"/>
           </a:p>
@@ -12853,7 +10083,7 @@
 </p:sld>
 </file>
 
-<file path=ppt/slides/slide15.xml><?xml version="1.0" encoding="utf-8"?>
+<file path=ppt/slides/slide14.xml><?xml version="1.0" encoding="utf-8"?>
 <p:sld xmlns:a="http://schemas.openxmlformats.org/drawingml/2006/main" xmlns:r="http://schemas.openxmlformats.org/officeDocument/2006/relationships" xmlns:p="http://schemas.openxmlformats.org/presentationml/2006/main">
   <p:cSld>
     <p:spTree>
@@ -12923,7 +10153,7 @@
             <a:fld id="{DCF30976-4E8F-417C-866E-A81683010615}" type="slidenum">
               <a:rPr lang="ko-KR" altLang="en-US" smtClean="0"/>
               <a:pPr/>
-              <a:t>15</a:t>
+              <a:t>14</a:t>
             </a:fld>
             <a:endParaRPr lang="ko-KR" altLang="en-US"/>
           </a:p>
@@ -13450,7 +10680,7 @@
 </p:sld>
 </file>
 
-<file path=ppt/slides/slide16.xml><?xml version="1.0" encoding="utf-8"?>
+<file path=ppt/slides/slide15.xml><?xml version="1.0" encoding="utf-8"?>
 <p:sld xmlns:a="http://schemas.openxmlformats.org/drawingml/2006/main" xmlns:r="http://schemas.openxmlformats.org/officeDocument/2006/relationships" xmlns:p="http://schemas.openxmlformats.org/presentationml/2006/main">
   <p:cSld>
     <p:spTree>
@@ -13520,7 +10750,7 @@
             <a:fld id="{DCF30976-4E8F-417C-866E-A81683010615}" type="slidenum">
               <a:rPr lang="ko-KR" altLang="en-US" smtClean="0"/>
               <a:pPr/>
-              <a:t>16</a:t>
+              <a:t>15</a:t>
             </a:fld>
             <a:endParaRPr lang="ko-KR" altLang="en-US"/>
           </a:p>
@@ -13927,7 +11157,7 @@
 </p:sld>
 </file>
 
-<file path=ppt/slides/slide17.xml><?xml version="1.0" encoding="utf-8"?>
+<file path=ppt/slides/slide16.xml><?xml version="1.0" encoding="utf-8"?>
 <p:sld xmlns:a="http://schemas.openxmlformats.org/drawingml/2006/main" xmlns:r="http://schemas.openxmlformats.org/officeDocument/2006/relationships" xmlns:p="http://schemas.openxmlformats.org/presentationml/2006/main">
   <p:cSld>
     <p:spTree>
@@ -13997,7 +11227,7 @@
             <a:fld id="{DCF30976-4E8F-417C-866E-A81683010615}" type="slidenum">
               <a:rPr lang="ko-KR" altLang="en-US" smtClean="0"/>
               <a:pPr/>
-              <a:t>17</a:t>
+              <a:t>16</a:t>
             </a:fld>
             <a:endParaRPr lang="ko-KR" altLang="en-US"/>
           </a:p>
@@ -14228,8 +11458,8 @@
               <a:t>Worst Case</a:t>
             </a:r>
             <a:r>
-              <a:rPr lang="ko-KR" altLang="en-US" sz="2000" dirty="0"/>
-              <a:t>로 에러가 </a:t>
+              <a:rPr lang="ko-KR" altLang="en-US" sz="2000"/>
+              <a:t>로 최대 에러가 </a:t>
             </a:r>
             <a:r>
               <a:rPr lang="en-US" altLang="ko-KR" sz="2000" dirty="0"/>
@@ -14297,7 +11527,7 @@
 </p:sld>
 </file>
 
-<file path=ppt/slides/slide18.xml><?xml version="1.0" encoding="utf-8"?>
+<file path=ppt/slides/slide17.xml><?xml version="1.0" encoding="utf-8"?>
 <p:sld xmlns:a="http://schemas.openxmlformats.org/drawingml/2006/main" xmlns:r="http://schemas.openxmlformats.org/officeDocument/2006/relationships" xmlns:p="http://schemas.openxmlformats.org/presentationml/2006/main">
   <p:cSld>
     <p:spTree>
@@ -14367,14 +11597,14 @@
             <a:fld id="{DCF30976-4E8F-417C-866E-A81683010615}" type="slidenum">
               <a:rPr lang="ko-KR" altLang="en-US" smtClean="0"/>
               <a:pPr/>
-              <a:t>18</a:t>
+              <a:t>17</a:t>
             </a:fld>
             <a:endParaRPr lang="ko-KR" altLang="en-US"/>
           </a:p>
         </p:txBody>
       </p:sp>
-      <mc:AlternateContent xmlns:mc="http://schemas.openxmlformats.org/markup-compatibility/2006">
-        <mc:Choice xmlns:a14="http://schemas.microsoft.com/office/drawing/2010/main" Requires="a14">
+      <mc:AlternateContent xmlns:mc="http://schemas.openxmlformats.org/markup-compatibility/2006" xmlns:a14="http://schemas.microsoft.com/office/drawing/2010/main">
+        <mc:Choice Requires="a14">
           <p:sp>
             <p:nvSpPr>
               <p:cNvPr id="48" name="내용 개체 틀 2">
@@ -14783,7 +12013,7 @@
             </p:txBody>
           </p:sp>
         </mc:Choice>
-        <mc:Fallback>
+        <mc:Fallback xmlns="">
           <p:sp>
             <p:nvSpPr>
               <p:cNvPr id="48" name="내용 개체 틀 2">
@@ -14832,6 +12062,353 @@
     <p:extLst>
       <p:ext uri="{BB962C8B-B14F-4D97-AF65-F5344CB8AC3E}">
         <p14:creationId xmlns:p14="http://schemas.microsoft.com/office/powerpoint/2010/main" val="3655769410"/>
+      </p:ext>
+    </p:extLst>
+  </p:cSld>
+  <p:clrMapOvr>
+    <a:masterClrMapping/>
+  </p:clrMapOvr>
+</p:sld>
+</file>
+
+<file path=ppt/slides/slide18.xml><?xml version="1.0" encoding="utf-8"?>
+<p:sld xmlns:a="http://schemas.openxmlformats.org/drawingml/2006/main" xmlns:r="http://schemas.openxmlformats.org/officeDocument/2006/relationships" xmlns:p="http://schemas.openxmlformats.org/presentationml/2006/main">
+  <p:cSld>
+    <p:spTree>
+      <p:nvGrpSpPr>
+        <p:cNvPr id="1" name=""/>
+        <p:cNvGrpSpPr/>
+        <p:nvPr/>
+      </p:nvGrpSpPr>
+      <p:grpSpPr>
+        <a:xfrm>
+          <a:off x="0" y="0"/>
+          <a:ext cx="0" cy="0"/>
+          <a:chOff x="0" y="0"/>
+          <a:chExt cx="0" cy="0"/>
+        </a:xfrm>
+      </p:grpSpPr>
+      <p:sp>
+        <p:nvSpPr>
+          <p:cNvPr id="2" name="제목 1">
+            <a:extLst>
+              <a:ext uri="{FF2B5EF4-FFF2-40B4-BE49-F238E27FC236}">
+                <a16:creationId xmlns:a16="http://schemas.microsoft.com/office/drawing/2014/main" id="{F9D1DA9B-1B2A-4204-F1CC-B8CCBA982B08}"/>
+              </a:ext>
+            </a:extLst>
+          </p:cNvPr>
+          <p:cNvSpPr>
+            <a:spLocks noGrp="1"/>
+          </p:cNvSpPr>
+          <p:nvPr>
+            <p:ph type="title"/>
+          </p:nvPr>
+        </p:nvSpPr>
+        <p:spPr/>
+        <p:txBody>
+          <a:bodyPr/>
+          <a:lstStyle/>
+          <a:p>
+            <a:r>
+              <a:rPr lang="en-US" altLang="ko-KR" dirty="0"/>
+              <a:t>Simulation and Result</a:t>
+            </a:r>
+            <a:endParaRPr lang="ko-KR" altLang="en-US" dirty="0"/>
+          </a:p>
+        </p:txBody>
+      </p:sp>
+      <p:sp>
+        <p:nvSpPr>
+          <p:cNvPr id="3" name="슬라이드 번호 개체 틀 2">
+            <a:extLst>
+              <a:ext uri="{FF2B5EF4-FFF2-40B4-BE49-F238E27FC236}">
+                <a16:creationId xmlns:a16="http://schemas.microsoft.com/office/drawing/2014/main" id="{87C9B45B-9EDE-6716-AB56-323FEC5EB242}"/>
+              </a:ext>
+            </a:extLst>
+          </p:cNvPr>
+          <p:cNvSpPr>
+            <a:spLocks noGrp="1"/>
+          </p:cNvSpPr>
+          <p:nvPr>
+            <p:ph type="sldNum" sz="quarter" idx="12"/>
+          </p:nvPr>
+        </p:nvSpPr>
+        <p:spPr/>
+        <p:txBody>
+          <a:bodyPr/>
+          <a:lstStyle/>
+          <a:p>
+            <a:fld id="{DCF30976-4E8F-417C-866E-A81683010615}" type="slidenum">
+              <a:rPr lang="ko-KR" altLang="en-US" smtClean="0"/>
+              <a:pPr/>
+              <a:t>18</a:t>
+            </a:fld>
+            <a:endParaRPr lang="ko-KR" altLang="en-US"/>
+          </a:p>
+        </p:txBody>
+      </p:sp>
+      <p:sp>
+        <p:nvSpPr>
+          <p:cNvPr id="48" name="내용 개체 틀 2">
+            <a:extLst>
+              <a:ext uri="{FF2B5EF4-FFF2-40B4-BE49-F238E27FC236}">
+                <a16:creationId xmlns:a16="http://schemas.microsoft.com/office/drawing/2014/main" id="{73CEA41C-8C08-724D-4D99-359E3675516C}"/>
+              </a:ext>
+            </a:extLst>
+          </p:cNvPr>
+          <p:cNvSpPr txBox="1">
+            <a:spLocks/>
+          </p:cNvSpPr>
+          <p:nvPr/>
+        </p:nvSpPr>
+        <p:spPr>
+          <a:xfrm>
+            <a:off x="893033" y="1126900"/>
+            <a:ext cx="10220325" cy="5053013"/>
+          </a:xfrm>
+          <a:prstGeom prst="rect">
+            <a:avLst/>
+          </a:prstGeom>
+        </p:spPr>
+        <p:txBody>
+          <a:bodyPr/>
+          <a:lstStyle>
+            <a:lvl1pPr marL="228584" indent="-228584" algn="l" defTabSz="914332" rtl="0" eaLnBrk="1" latinLnBrk="1" hangingPunct="1">
+              <a:lnSpc>
+                <a:spcPct val="90000"/>
+              </a:lnSpc>
+              <a:spcBef>
+                <a:spcPts val="1000"/>
+              </a:spcBef>
+              <a:buFont typeface="Arial" panose="020B0604020202020204" pitchFamily="34" charset="0"/>
+              <a:buChar char="•"/>
+              <a:defRPr sz="2800" kern="1200">
+                <a:solidFill>
+                  <a:schemeClr val="tx1"/>
+                </a:solidFill>
+                <a:latin typeface="+mn-lt"/>
+                <a:ea typeface="+mn-ea"/>
+                <a:cs typeface="+mn-cs"/>
+              </a:defRPr>
+            </a:lvl1pPr>
+            <a:lvl2pPr marL="685750" indent="-228584" algn="l" defTabSz="914332" rtl="0" eaLnBrk="1" latinLnBrk="1" hangingPunct="1">
+              <a:lnSpc>
+                <a:spcPct val="90000"/>
+              </a:lnSpc>
+              <a:spcBef>
+                <a:spcPts val="500"/>
+              </a:spcBef>
+              <a:buFont typeface="Arial" panose="020B0604020202020204" pitchFamily="34" charset="0"/>
+              <a:buChar char="•"/>
+              <a:defRPr sz="2400" kern="1200">
+                <a:solidFill>
+                  <a:schemeClr val="tx1"/>
+                </a:solidFill>
+                <a:latin typeface="+mn-lt"/>
+                <a:ea typeface="+mn-ea"/>
+                <a:cs typeface="+mn-cs"/>
+              </a:defRPr>
+            </a:lvl2pPr>
+            <a:lvl3pPr marL="1142914" indent="-228584" algn="l" defTabSz="914332" rtl="0" eaLnBrk="1" latinLnBrk="1" hangingPunct="1">
+              <a:lnSpc>
+                <a:spcPct val="90000"/>
+              </a:lnSpc>
+              <a:spcBef>
+                <a:spcPts val="500"/>
+              </a:spcBef>
+              <a:buFont typeface="Arial" panose="020B0604020202020204" pitchFamily="34" charset="0"/>
+              <a:buChar char="•"/>
+              <a:defRPr sz="2000" kern="1200">
+                <a:solidFill>
+                  <a:schemeClr val="tx1"/>
+                </a:solidFill>
+                <a:latin typeface="+mn-lt"/>
+                <a:ea typeface="+mn-ea"/>
+                <a:cs typeface="+mn-cs"/>
+              </a:defRPr>
+            </a:lvl3pPr>
+            <a:lvl4pPr marL="1600080" indent="-228584" algn="l" defTabSz="914332" rtl="0" eaLnBrk="1" latinLnBrk="1" hangingPunct="1">
+              <a:lnSpc>
+                <a:spcPct val="90000"/>
+              </a:lnSpc>
+              <a:spcBef>
+                <a:spcPts val="500"/>
+              </a:spcBef>
+              <a:buFont typeface="Arial" panose="020B0604020202020204" pitchFamily="34" charset="0"/>
+              <a:buChar char="•"/>
+              <a:defRPr sz="1800" kern="1200">
+                <a:solidFill>
+                  <a:schemeClr val="tx1"/>
+                </a:solidFill>
+                <a:latin typeface="+mn-lt"/>
+                <a:ea typeface="+mn-ea"/>
+                <a:cs typeface="+mn-cs"/>
+              </a:defRPr>
+            </a:lvl4pPr>
+            <a:lvl5pPr marL="2057247" indent="-228584" algn="l" defTabSz="914332" rtl="0" eaLnBrk="1" latinLnBrk="1" hangingPunct="1">
+              <a:lnSpc>
+                <a:spcPct val="90000"/>
+              </a:lnSpc>
+              <a:spcBef>
+                <a:spcPts val="500"/>
+              </a:spcBef>
+              <a:buFont typeface="Arial" panose="020B0604020202020204" pitchFamily="34" charset="0"/>
+              <a:buChar char="•"/>
+              <a:defRPr sz="1800" kern="1200">
+                <a:solidFill>
+                  <a:schemeClr val="tx1"/>
+                </a:solidFill>
+                <a:latin typeface="+mn-lt"/>
+                <a:ea typeface="+mn-ea"/>
+                <a:cs typeface="+mn-cs"/>
+              </a:defRPr>
+            </a:lvl5pPr>
+            <a:lvl6pPr marL="2514412" indent="-228584" algn="l" defTabSz="914332" rtl="0" eaLnBrk="1" latinLnBrk="1" hangingPunct="1">
+              <a:lnSpc>
+                <a:spcPct val="90000"/>
+              </a:lnSpc>
+              <a:spcBef>
+                <a:spcPts val="500"/>
+              </a:spcBef>
+              <a:buFont typeface="Arial" panose="020B0604020202020204" pitchFamily="34" charset="0"/>
+              <a:buChar char="•"/>
+              <a:defRPr sz="1800" kern="1200">
+                <a:solidFill>
+                  <a:schemeClr val="tx1"/>
+                </a:solidFill>
+                <a:latin typeface="+mn-lt"/>
+                <a:ea typeface="+mn-ea"/>
+                <a:cs typeface="+mn-cs"/>
+              </a:defRPr>
+            </a:lvl6pPr>
+            <a:lvl7pPr marL="2971578" indent="-228584" algn="l" defTabSz="914332" rtl="0" eaLnBrk="1" latinLnBrk="1" hangingPunct="1">
+              <a:lnSpc>
+                <a:spcPct val="90000"/>
+              </a:lnSpc>
+              <a:spcBef>
+                <a:spcPts val="500"/>
+              </a:spcBef>
+              <a:buFont typeface="Arial" panose="020B0604020202020204" pitchFamily="34" charset="0"/>
+              <a:buChar char="•"/>
+              <a:defRPr sz="1800" kern="1200">
+                <a:solidFill>
+                  <a:schemeClr val="tx1"/>
+                </a:solidFill>
+                <a:latin typeface="+mn-lt"/>
+                <a:ea typeface="+mn-ea"/>
+                <a:cs typeface="+mn-cs"/>
+              </a:defRPr>
+            </a:lvl7pPr>
+            <a:lvl8pPr marL="3428744" indent="-228584" algn="l" defTabSz="914332" rtl="0" eaLnBrk="1" latinLnBrk="1" hangingPunct="1">
+              <a:lnSpc>
+                <a:spcPct val="90000"/>
+              </a:lnSpc>
+              <a:spcBef>
+                <a:spcPts val="500"/>
+              </a:spcBef>
+              <a:buFont typeface="Arial" panose="020B0604020202020204" pitchFamily="34" charset="0"/>
+              <a:buChar char="•"/>
+              <a:defRPr sz="1800" kern="1200">
+                <a:solidFill>
+                  <a:schemeClr val="tx1"/>
+                </a:solidFill>
+                <a:latin typeface="+mn-lt"/>
+                <a:ea typeface="+mn-ea"/>
+                <a:cs typeface="+mn-cs"/>
+              </a:defRPr>
+            </a:lvl8pPr>
+            <a:lvl9pPr marL="3885910" indent="-228584" algn="l" defTabSz="914332" rtl="0" eaLnBrk="1" latinLnBrk="1" hangingPunct="1">
+              <a:lnSpc>
+                <a:spcPct val="90000"/>
+              </a:lnSpc>
+              <a:spcBef>
+                <a:spcPts val="500"/>
+              </a:spcBef>
+              <a:buFont typeface="Arial" panose="020B0604020202020204" pitchFamily="34" charset="0"/>
+              <a:buChar char="•"/>
+              <a:defRPr sz="1800" kern="1200">
+                <a:solidFill>
+                  <a:schemeClr val="tx1"/>
+                </a:solidFill>
+                <a:latin typeface="+mn-lt"/>
+                <a:ea typeface="+mn-ea"/>
+                <a:cs typeface="+mn-cs"/>
+              </a:defRPr>
+            </a:lvl9pPr>
+          </a:lstStyle>
+          <a:p>
+            <a:pPr>
+              <a:buFont typeface="Wingdings" panose="05000000000000000000" pitchFamily="2" charset="2"/>
+              <a:buChar char="Ø"/>
+            </a:pPr>
+            <a:r>
+              <a:rPr lang="en-US" altLang="ko-KR" sz="2400" dirty="0"/>
+              <a:t> </a:t>
+            </a:r>
+            <a:r>
+              <a:rPr lang="en-US" altLang="ko-KR" sz="2400" dirty="0" err="1"/>
+              <a:t>CarMaker</a:t>
+            </a:r>
+            <a:r>
+              <a:rPr lang="en-US" altLang="ko-KR" sz="2400" dirty="0"/>
+              <a:t> Simulation – Sinus Test</a:t>
+            </a:r>
+          </a:p>
+          <a:p>
+            <a:pPr lvl="1">
+              <a:lnSpc>
+                <a:spcPct val="150000"/>
+              </a:lnSpc>
+              <a:buFont typeface="Wingdings" panose="05000000000000000000" pitchFamily="2" charset="2"/>
+              <a:buChar char="Ø"/>
+            </a:pPr>
+            <a:r>
+              <a:rPr lang="en-US" altLang="ko-KR" sz="2000" b="0" dirty="0"/>
+              <a:t> </a:t>
+            </a:r>
+            <a:endParaRPr lang="en-US" altLang="ko-KR" sz="2000" dirty="0"/>
+          </a:p>
+        </p:txBody>
+      </p:sp>
+      <p:pic>
+        <p:nvPicPr>
+          <p:cNvPr id="5" name="그림 4" descr="텍스트, 라인, 도표, 그래프이(가) 표시된 사진&#10;&#10;자동 생성된 설명">
+            <a:extLst>
+              <a:ext uri="{FF2B5EF4-FFF2-40B4-BE49-F238E27FC236}">
+                <a16:creationId xmlns:a16="http://schemas.microsoft.com/office/drawing/2014/main" id="{AAE39DEE-05E1-D634-CA0B-844B2D15CB0D}"/>
+              </a:ext>
+            </a:extLst>
+          </p:cNvPr>
+          <p:cNvPicPr>
+            <a:picLocks noChangeAspect="1"/>
+          </p:cNvPicPr>
+          <p:nvPr/>
+        </p:nvPicPr>
+        <p:blipFill rotWithShape="1">
+          <a:blip r:embed="rId3" cstate="print">
+            <a:extLst>
+              <a:ext uri="{28A0092B-C50C-407E-A947-70E740481C1C}">
+                <a14:useLocalDpi xmlns:a14="http://schemas.microsoft.com/office/drawing/2010/main" val="0"/>
+              </a:ext>
+            </a:extLst>
+          </a:blip>
+          <a:srcRect l="9000" r="8847" b="6042"/>
+          <a:stretch/>
+        </p:blipFill>
+        <p:spPr>
+          <a:xfrm>
+            <a:off x="5157659" y="1818449"/>
+            <a:ext cx="6892147" cy="4046001"/>
+          </a:xfrm>
+          <a:prstGeom prst="rect">
+            <a:avLst/>
+          </a:prstGeom>
+        </p:spPr>
+      </p:pic>
+    </p:spTree>
+    <p:extLst>
+      <p:ext uri="{BB962C8B-B14F-4D97-AF65-F5344CB8AC3E}">
+        <p14:creationId xmlns:p14="http://schemas.microsoft.com/office/powerpoint/2010/main" val="2375466541"/>
       </p:ext>
     </p:extLst>
   </p:cSld>
@@ -15134,51 +12711,68 @@
             </a:pPr>
             <a:r>
               <a:rPr lang="en-US" altLang="ko-KR" sz="2000" b="0" dirty="0"/>
-              <a:t> </a:t>
+              <a:t> 60</a:t>
             </a:r>
+            <a:r>
+              <a:rPr lang="en-US" altLang="ko-KR" sz="2000" dirty="0"/>
+              <a:t>km/h</a:t>
+            </a:r>
+            <a:r>
+              <a:rPr lang="ko-KR" altLang="en-US" sz="2000" dirty="0"/>
+              <a:t> 속도에서 일정한 주기로 </a:t>
+            </a:r>
+            <a:r>
+              <a:rPr lang="en-US" altLang="ko-KR" sz="2000" dirty="0"/>
+              <a:t>handle</a:t>
+            </a:r>
+            <a:r>
+              <a:rPr lang="ko-KR" altLang="en-US" sz="2000" dirty="0"/>
+              <a:t> 조작</a:t>
+            </a:r>
+            <a:endParaRPr lang="en-US" altLang="ko-KR" sz="2000" dirty="0"/>
+          </a:p>
+          <a:p>
+            <a:pPr lvl="1">
+              <a:lnSpc>
+                <a:spcPct val="150000"/>
+              </a:lnSpc>
+              <a:buFont typeface="Wingdings" panose="05000000000000000000" pitchFamily="2" charset="2"/>
+              <a:buChar char="Ø"/>
+            </a:pPr>
+            <a:r>
+              <a:rPr lang="en-US" altLang="ko-KR" sz="2000" dirty="0"/>
+              <a:t> Torque Vectoring </a:t>
+            </a:r>
+            <a:r>
+              <a:rPr lang="ko-KR" altLang="en-US" sz="2000" dirty="0"/>
+              <a:t>사용하지 않았을 때와</a:t>
+            </a:r>
+            <a:r>
+              <a:rPr lang="en-US" altLang="ko-KR" sz="2000" dirty="0"/>
+              <a:t> LSTM O 2</a:t>
+            </a:r>
+            <a:r>
+              <a:rPr lang="ko-KR" altLang="en-US" sz="2000" dirty="0"/>
+              <a:t>가지 비교 진행</a:t>
+            </a:r>
+            <a:endParaRPr lang="en-US" altLang="ko-KR" sz="2000" dirty="0"/>
+          </a:p>
+          <a:p>
+            <a:pPr lvl="1">
+              <a:lnSpc>
+                <a:spcPct val="150000"/>
+              </a:lnSpc>
+              <a:buFont typeface="Wingdings" panose="05000000000000000000" pitchFamily="2" charset="2"/>
+              <a:buChar char="Ø"/>
+            </a:pPr>
             <a:endParaRPr lang="en-US" altLang="ko-KR" sz="2000" dirty="0"/>
           </a:p>
         </p:txBody>
       </p:sp>
-      <p:pic>
-        <p:nvPicPr>
-          <p:cNvPr id="5" name="그림 4" descr="텍스트, 라인, 도표, 그래프이(가) 표시된 사진&#10;&#10;자동 생성된 설명">
-            <a:extLst>
-              <a:ext uri="{FF2B5EF4-FFF2-40B4-BE49-F238E27FC236}">
-                <a16:creationId xmlns:a16="http://schemas.microsoft.com/office/drawing/2014/main" id="{AAE39DEE-05E1-D634-CA0B-844B2D15CB0D}"/>
-              </a:ext>
-            </a:extLst>
-          </p:cNvPr>
-          <p:cNvPicPr>
-            <a:picLocks noChangeAspect="1"/>
-          </p:cNvPicPr>
-          <p:nvPr/>
-        </p:nvPicPr>
-        <p:blipFill rotWithShape="1">
-          <a:blip r:embed="rId3" cstate="print">
-            <a:extLst>
-              <a:ext uri="{28A0092B-C50C-407E-A947-70E740481C1C}">
-                <a14:useLocalDpi xmlns:a14="http://schemas.microsoft.com/office/drawing/2010/main" val="0"/>
-              </a:ext>
-            </a:extLst>
-          </a:blip>
-          <a:srcRect l="9000" r="8847" b="6042"/>
-          <a:stretch/>
-        </p:blipFill>
-        <p:spPr>
-          <a:xfrm>
-            <a:off x="5157659" y="1818449"/>
-            <a:ext cx="6892147" cy="4046001"/>
-          </a:xfrm>
-          <a:prstGeom prst="rect">
-            <a:avLst/>
-          </a:prstGeom>
-        </p:spPr>
-      </p:pic>
     </p:spTree>
     <p:extLst>
       <p:ext uri="{BB962C8B-B14F-4D97-AF65-F5344CB8AC3E}">
-        <p14:creationId xmlns:p14="http://schemas.microsoft.com/office/powerpoint/2010/main" val="2375466541"/>
+        <p14:creationId xmlns:p14="http://schemas.microsoft.com/office/powerpoint/2010/main" val="1447260381"/>
       </p:ext>
     </p:extLst>
   </p:cSld>
@@ -16785,372 +14379,8 @@
           </a:p>
         </p:txBody>
       </p:sp>
-      <p:sp>
-        <p:nvSpPr>
-          <p:cNvPr id="48" name="내용 개체 틀 2">
-            <a:extLst>
-              <a:ext uri="{FF2B5EF4-FFF2-40B4-BE49-F238E27FC236}">
-                <a16:creationId xmlns:a16="http://schemas.microsoft.com/office/drawing/2014/main" id="{73CEA41C-8C08-724D-4D99-359E3675516C}"/>
-              </a:ext>
-            </a:extLst>
-          </p:cNvPr>
-          <p:cNvSpPr txBox="1">
-            <a:spLocks/>
-          </p:cNvSpPr>
-          <p:nvPr/>
-        </p:nvSpPr>
-        <p:spPr>
-          <a:xfrm>
-            <a:off x="893033" y="1126900"/>
-            <a:ext cx="10220325" cy="5053013"/>
-          </a:xfrm>
-          <a:prstGeom prst="rect">
-            <a:avLst/>
-          </a:prstGeom>
-        </p:spPr>
-        <p:txBody>
-          <a:bodyPr/>
-          <a:lstStyle>
-            <a:lvl1pPr marL="228584" indent="-228584" algn="l" defTabSz="914332" rtl="0" eaLnBrk="1" latinLnBrk="1" hangingPunct="1">
-              <a:lnSpc>
-                <a:spcPct val="90000"/>
-              </a:lnSpc>
-              <a:spcBef>
-                <a:spcPts val="1000"/>
-              </a:spcBef>
-              <a:buFont typeface="Arial" panose="020B0604020202020204" pitchFamily="34" charset="0"/>
-              <a:buChar char="•"/>
-              <a:defRPr sz="2800" kern="1200">
-                <a:solidFill>
-                  <a:schemeClr val="tx1"/>
-                </a:solidFill>
-                <a:latin typeface="+mn-lt"/>
-                <a:ea typeface="+mn-ea"/>
-                <a:cs typeface="+mn-cs"/>
-              </a:defRPr>
-            </a:lvl1pPr>
-            <a:lvl2pPr marL="685750" indent="-228584" algn="l" defTabSz="914332" rtl="0" eaLnBrk="1" latinLnBrk="1" hangingPunct="1">
-              <a:lnSpc>
-                <a:spcPct val="90000"/>
-              </a:lnSpc>
-              <a:spcBef>
-                <a:spcPts val="500"/>
-              </a:spcBef>
-              <a:buFont typeface="Arial" panose="020B0604020202020204" pitchFamily="34" charset="0"/>
-              <a:buChar char="•"/>
-              <a:defRPr sz="2400" kern="1200">
-                <a:solidFill>
-                  <a:schemeClr val="tx1"/>
-                </a:solidFill>
-                <a:latin typeface="+mn-lt"/>
-                <a:ea typeface="+mn-ea"/>
-                <a:cs typeface="+mn-cs"/>
-              </a:defRPr>
-            </a:lvl2pPr>
-            <a:lvl3pPr marL="1142914" indent="-228584" algn="l" defTabSz="914332" rtl="0" eaLnBrk="1" latinLnBrk="1" hangingPunct="1">
-              <a:lnSpc>
-                <a:spcPct val="90000"/>
-              </a:lnSpc>
-              <a:spcBef>
-                <a:spcPts val="500"/>
-              </a:spcBef>
-              <a:buFont typeface="Arial" panose="020B0604020202020204" pitchFamily="34" charset="0"/>
-              <a:buChar char="•"/>
-              <a:defRPr sz="2000" kern="1200">
-                <a:solidFill>
-                  <a:schemeClr val="tx1"/>
-                </a:solidFill>
-                <a:latin typeface="+mn-lt"/>
-                <a:ea typeface="+mn-ea"/>
-                <a:cs typeface="+mn-cs"/>
-              </a:defRPr>
-            </a:lvl3pPr>
-            <a:lvl4pPr marL="1600080" indent="-228584" algn="l" defTabSz="914332" rtl="0" eaLnBrk="1" latinLnBrk="1" hangingPunct="1">
-              <a:lnSpc>
-                <a:spcPct val="90000"/>
-              </a:lnSpc>
-              <a:spcBef>
-                <a:spcPts val="500"/>
-              </a:spcBef>
-              <a:buFont typeface="Arial" panose="020B0604020202020204" pitchFamily="34" charset="0"/>
-              <a:buChar char="•"/>
-              <a:defRPr sz="1800" kern="1200">
-                <a:solidFill>
-                  <a:schemeClr val="tx1"/>
-                </a:solidFill>
-                <a:latin typeface="+mn-lt"/>
-                <a:ea typeface="+mn-ea"/>
-                <a:cs typeface="+mn-cs"/>
-              </a:defRPr>
-            </a:lvl4pPr>
-            <a:lvl5pPr marL="2057247" indent="-228584" algn="l" defTabSz="914332" rtl="0" eaLnBrk="1" latinLnBrk="1" hangingPunct="1">
-              <a:lnSpc>
-                <a:spcPct val="90000"/>
-              </a:lnSpc>
-              <a:spcBef>
-                <a:spcPts val="500"/>
-              </a:spcBef>
-              <a:buFont typeface="Arial" panose="020B0604020202020204" pitchFamily="34" charset="0"/>
-              <a:buChar char="•"/>
-              <a:defRPr sz="1800" kern="1200">
-                <a:solidFill>
-                  <a:schemeClr val="tx1"/>
-                </a:solidFill>
-                <a:latin typeface="+mn-lt"/>
-                <a:ea typeface="+mn-ea"/>
-                <a:cs typeface="+mn-cs"/>
-              </a:defRPr>
-            </a:lvl5pPr>
-            <a:lvl6pPr marL="2514412" indent="-228584" algn="l" defTabSz="914332" rtl="0" eaLnBrk="1" latinLnBrk="1" hangingPunct="1">
-              <a:lnSpc>
-                <a:spcPct val="90000"/>
-              </a:lnSpc>
-              <a:spcBef>
-                <a:spcPts val="500"/>
-              </a:spcBef>
-              <a:buFont typeface="Arial" panose="020B0604020202020204" pitchFamily="34" charset="0"/>
-              <a:buChar char="•"/>
-              <a:defRPr sz="1800" kern="1200">
-                <a:solidFill>
-                  <a:schemeClr val="tx1"/>
-                </a:solidFill>
-                <a:latin typeface="+mn-lt"/>
-                <a:ea typeface="+mn-ea"/>
-                <a:cs typeface="+mn-cs"/>
-              </a:defRPr>
-            </a:lvl6pPr>
-            <a:lvl7pPr marL="2971578" indent="-228584" algn="l" defTabSz="914332" rtl="0" eaLnBrk="1" latinLnBrk="1" hangingPunct="1">
-              <a:lnSpc>
-                <a:spcPct val="90000"/>
-              </a:lnSpc>
-              <a:spcBef>
-                <a:spcPts val="500"/>
-              </a:spcBef>
-              <a:buFont typeface="Arial" panose="020B0604020202020204" pitchFamily="34" charset="0"/>
-              <a:buChar char="•"/>
-              <a:defRPr sz="1800" kern="1200">
-                <a:solidFill>
-                  <a:schemeClr val="tx1"/>
-                </a:solidFill>
-                <a:latin typeface="+mn-lt"/>
-                <a:ea typeface="+mn-ea"/>
-                <a:cs typeface="+mn-cs"/>
-              </a:defRPr>
-            </a:lvl7pPr>
-            <a:lvl8pPr marL="3428744" indent="-228584" algn="l" defTabSz="914332" rtl="0" eaLnBrk="1" latinLnBrk="1" hangingPunct="1">
-              <a:lnSpc>
-                <a:spcPct val="90000"/>
-              </a:lnSpc>
-              <a:spcBef>
-                <a:spcPts val="500"/>
-              </a:spcBef>
-              <a:buFont typeface="Arial" panose="020B0604020202020204" pitchFamily="34" charset="0"/>
-              <a:buChar char="•"/>
-              <a:defRPr sz="1800" kern="1200">
-                <a:solidFill>
-                  <a:schemeClr val="tx1"/>
-                </a:solidFill>
-                <a:latin typeface="+mn-lt"/>
-                <a:ea typeface="+mn-ea"/>
-                <a:cs typeface="+mn-cs"/>
-              </a:defRPr>
-            </a:lvl8pPr>
-            <a:lvl9pPr marL="3885910" indent="-228584" algn="l" defTabSz="914332" rtl="0" eaLnBrk="1" latinLnBrk="1" hangingPunct="1">
-              <a:lnSpc>
-                <a:spcPct val="90000"/>
-              </a:lnSpc>
-              <a:spcBef>
-                <a:spcPts val="500"/>
-              </a:spcBef>
-              <a:buFont typeface="Arial" panose="020B0604020202020204" pitchFamily="34" charset="0"/>
-              <a:buChar char="•"/>
-              <a:defRPr sz="1800" kern="1200">
-                <a:solidFill>
-                  <a:schemeClr val="tx1"/>
-                </a:solidFill>
-                <a:latin typeface="+mn-lt"/>
-                <a:ea typeface="+mn-ea"/>
-                <a:cs typeface="+mn-cs"/>
-              </a:defRPr>
-            </a:lvl9pPr>
-          </a:lstStyle>
-          <a:p>
-            <a:pPr>
-              <a:buFont typeface="Wingdings" panose="05000000000000000000" pitchFamily="2" charset="2"/>
-              <a:buChar char="Ø"/>
-            </a:pPr>
-            <a:r>
-              <a:rPr lang="en-US" altLang="ko-KR" sz="2400" dirty="0"/>
-              <a:t> </a:t>
-            </a:r>
-            <a:r>
-              <a:rPr lang="en-US" altLang="ko-KR" sz="2400" dirty="0" err="1"/>
-              <a:t>CarMaker</a:t>
-            </a:r>
-            <a:r>
-              <a:rPr lang="en-US" altLang="ko-KR" sz="2400" dirty="0"/>
-              <a:t> Simulation – Sinus Test</a:t>
-            </a:r>
-          </a:p>
-          <a:p>
-            <a:pPr lvl="1">
-              <a:lnSpc>
-                <a:spcPct val="150000"/>
-              </a:lnSpc>
-              <a:buFont typeface="Wingdings" panose="05000000000000000000" pitchFamily="2" charset="2"/>
-              <a:buChar char="Ø"/>
-            </a:pPr>
-            <a:r>
-              <a:rPr lang="en-US" altLang="ko-KR" sz="2000" b="0" dirty="0"/>
-              <a:t> 60</a:t>
-            </a:r>
-            <a:r>
-              <a:rPr lang="en-US" altLang="ko-KR" sz="2000" dirty="0"/>
-              <a:t>km/h</a:t>
-            </a:r>
-            <a:r>
-              <a:rPr lang="ko-KR" altLang="en-US" sz="2000" dirty="0"/>
-              <a:t> 속도에서 일정한 주기로 </a:t>
-            </a:r>
-            <a:r>
-              <a:rPr lang="en-US" altLang="ko-KR" sz="2000" dirty="0"/>
-              <a:t>handle</a:t>
-            </a:r>
-            <a:r>
-              <a:rPr lang="ko-KR" altLang="en-US" sz="2000" dirty="0"/>
-              <a:t> 조작</a:t>
-            </a:r>
-            <a:endParaRPr lang="en-US" altLang="ko-KR" sz="2000" dirty="0"/>
-          </a:p>
-          <a:p>
-            <a:pPr lvl="1">
-              <a:lnSpc>
-                <a:spcPct val="150000"/>
-              </a:lnSpc>
-              <a:buFont typeface="Wingdings" panose="05000000000000000000" pitchFamily="2" charset="2"/>
-              <a:buChar char="Ø"/>
-            </a:pPr>
-            <a:r>
-              <a:rPr lang="en-US" altLang="ko-KR" sz="2000" dirty="0"/>
-              <a:t> Torque Vectoring </a:t>
-            </a:r>
-            <a:r>
-              <a:rPr lang="ko-KR" altLang="en-US" sz="2000" dirty="0"/>
-              <a:t>사용하지 않았을 때와</a:t>
-            </a:r>
-            <a:r>
-              <a:rPr lang="en-US" altLang="ko-KR" sz="2000" dirty="0"/>
-              <a:t> LSTM O 2</a:t>
-            </a:r>
-            <a:r>
-              <a:rPr lang="ko-KR" altLang="en-US" sz="2000" dirty="0"/>
-              <a:t>가지 비교 진행</a:t>
-            </a:r>
-            <a:endParaRPr lang="en-US" altLang="ko-KR" sz="2000" dirty="0"/>
-          </a:p>
-          <a:p>
-            <a:pPr lvl="1">
-              <a:lnSpc>
-                <a:spcPct val="150000"/>
-              </a:lnSpc>
-              <a:buFont typeface="Wingdings" panose="05000000000000000000" pitchFamily="2" charset="2"/>
-              <a:buChar char="Ø"/>
-            </a:pPr>
-            <a:endParaRPr lang="en-US" altLang="ko-KR" sz="2000" dirty="0"/>
-          </a:p>
-        </p:txBody>
-      </p:sp>
-    </p:spTree>
-    <p:extLst>
-      <p:ext uri="{BB962C8B-B14F-4D97-AF65-F5344CB8AC3E}">
-        <p14:creationId xmlns:p14="http://schemas.microsoft.com/office/powerpoint/2010/main" val="1447260381"/>
-      </p:ext>
-    </p:extLst>
-  </p:cSld>
-  <p:clrMapOvr>
-    <a:masterClrMapping/>
-  </p:clrMapOvr>
-</p:sld>
-</file>
-
-<file path=ppt/slides/slide21.xml><?xml version="1.0" encoding="utf-8"?>
-<p:sld xmlns:a="http://schemas.openxmlformats.org/drawingml/2006/main" xmlns:r="http://schemas.openxmlformats.org/officeDocument/2006/relationships" xmlns:p="http://schemas.openxmlformats.org/presentationml/2006/main">
-  <p:cSld>
-    <p:spTree>
-      <p:nvGrpSpPr>
-        <p:cNvPr id="1" name=""/>
-        <p:cNvGrpSpPr/>
-        <p:nvPr/>
-      </p:nvGrpSpPr>
-      <p:grpSpPr>
-        <a:xfrm>
-          <a:off x="0" y="0"/>
-          <a:ext cx="0" cy="0"/>
-          <a:chOff x="0" y="0"/>
-          <a:chExt cx="0" cy="0"/>
-        </a:xfrm>
-      </p:grpSpPr>
-      <p:sp>
-        <p:nvSpPr>
-          <p:cNvPr id="2" name="제목 1">
-            <a:extLst>
-              <a:ext uri="{FF2B5EF4-FFF2-40B4-BE49-F238E27FC236}">
-                <a16:creationId xmlns:a16="http://schemas.microsoft.com/office/drawing/2014/main" id="{F9D1DA9B-1B2A-4204-F1CC-B8CCBA982B08}"/>
-              </a:ext>
-            </a:extLst>
-          </p:cNvPr>
-          <p:cNvSpPr>
-            <a:spLocks noGrp="1"/>
-          </p:cNvSpPr>
-          <p:nvPr>
-            <p:ph type="title"/>
-          </p:nvPr>
-        </p:nvSpPr>
-        <p:spPr/>
-        <p:txBody>
-          <a:bodyPr/>
-          <a:lstStyle/>
-          <a:p>
-            <a:r>
-              <a:rPr lang="en-US" altLang="ko-KR" dirty="0"/>
-              <a:t>Simulation and Result</a:t>
-            </a:r>
-            <a:endParaRPr lang="ko-KR" altLang="en-US" dirty="0"/>
-          </a:p>
-        </p:txBody>
-      </p:sp>
-      <p:sp>
-        <p:nvSpPr>
-          <p:cNvPr id="3" name="슬라이드 번호 개체 틀 2">
-            <a:extLst>
-              <a:ext uri="{FF2B5EF4-FFF2-40B4-BE49-F238E27FC236}">
-                <a16:creationId xmlns:a16="http://schemas.microsoft.com/office/drawing/2014/main" id="{87C9B45B-9EDE-6716-AB56-323FEC5EB242}"/>
-              </a:ext>
-            </a:extLst>
-          </p:cNvPr>
-          <p:cNvSpPr>
-            <a:spLocks noGrp="1"/>
-          </p:cNvSpPr>
-          <p:nvPr>
-            <p:ph type="sldNum" sz="quarter" idx="12"/>
-          </p:nvPr>
-        </p:nvSpPr>
-        <p:spPr/>
-        <p:txBody>
-          <a:bodyPr/>
-          <a:lstStyle/>
-          <a:p>
-            <a:fld id="{DCF30976-4E8F-417C-866E-A81683010615}" type="slidenum">
-              <a:rPr lang="ko-KR" altLang="en-US" smtClean="0"/>
-              <a:pPr/>
-              <a:t>21</a:t>
-            </a:fld>
-            <a:endParaRPr lang="ko-KR" altLang="en-US"/>
-          </a:p>
-        </p:txBody>
-      </p:sp>
-      <mc:AlternateContent xmlns:mc="http://schemas.openxmlformats.org/markup-compatibility/2006" xmlns:a14="http://schemas.microsoft.com/office/drawing/2010/main">
-        <mc:Choice Requires="a14">
+      <mc:AlternateContent xmlns:mc="http://schemas.openxmlformats.org/markup-compatibility/2006">
+        <mc:Choice xmlns:a14="http://schemas.microsoft.com/office/drawing/2010/main" Requires="a14">
           <p:sp>
             <p:nvSpPr>
               <p:cNvPr id="48" name="내용 개체 틀 2">
@@ -17351,7 +14581,7 @@
                 </a:r>
                 <a:r>
                   <a:rPr lang="ko-KR" altLang="en-US" sz="2400" dirty="0"/>
-                  <a:t>결과 및 토의</a:t>
+                  <a:t>결론</a:t>
                 </a:r>
                 <a:endParaRPr lang="en-US" altLang="ko-KR" sz="2400" dirty="0"/>
               </a:p>
@@ -17370,6 +14600,48 @@
                 <a14:m>
                   <m:oMath xmlns:m="http://schemas.openxmlformats.org/officeDocument/2006/math">
                     <m:r>
+                      <a:rPr lang="ko-KR" altLang="en-US" sz="2000" b="0" i="1" dirty="0">
+                        <a:latin typeface="Cambria Math" panose="02040503050406030204" pitchFamily="18" charset="0"/>
+                      </a:rPr>
+                      <m:t>차</m:t>
+                    </m:r>
+                    <m:r>
+                      <a:rPr lang="ko-KR" altLang="en-US" sz="2000" i="1" dirty="0">
+                        <a:latin typeface="Cambria Math" panose="02040503050406030204" pitchFamily="18" charset="0"/>
+                      </a:rPr>
+                      <m:t>량</m:t>
+                    </m:r>
+                    <m:r>
+                      <a:rPr lang="en-US" altLang="ko-KR" sz="2000" b="0" i="0" dirty="0" smtClean="0">
+                        <a:latin typeface="Cambria Math" panose="02040503050406030204" pitchFamily="18" charset="0"/>
+                      </a:rPr>
+                      <m:t> </m:t>
+                    </m:r>
+                    <m:r>
+                      <m:rPr>
+                        <m:sty m:val="p"/>
+                      </m:rPr>
+                      <a:rPr lang="en-US" altLang="ko-KR" sz="2000" b="0" i="0" dirty="0" smtClean="0">
+                        <a:latin typeface="Cambria Math" panose="02040503050406030204" pitchFamily="18" charset="0"/>
+                      </a:rPr>
+                      <m:t>Yaw</m:t>
+                    </m:r>
+                    <m:r>
+                      <a:rPr lang="en-US" altLang="ko-KR" sz="2000" b="0" i="0" dirty="0" smtClean="0">
+                        <a:latin typeface="Cambria Math" panose="02040503050406030204" pitchFamily="18" charset="0"/>
+                      </a:rPr>
+                      <m:t> </m:t>
+                    </m:r>
+                    <m:r>
+                      <m:rPr>
+                        <m:sty m:val="p"/>
+                      </m:rPr>
+                      <a:rPr lang="en-US" altLang="ko-KR" sz="2000" b="0" i="0" dirty="0" smtClean="0">
+                        <a:latin typeface="Cambria Math" panose="02040503050406030204" pitchFamily="18" charset="0"/>
+                      </a:rPr>
+                      <m:t>rate</m:t>
+                    </m:r>
+                    <m:r>
                       <a:rPr lang="en-US" altLang="ko-KR" sz="2000" b="0" i="0" smtClean="0">
                         <a:latin typeface="Cambria Math" panose="02040503050406030204" pitchFamily="18" charset="0"/>
                       </a:rPr>
@@ -17379,10 +14651,22 @@
                       <a:rPr lang="en-US" altLang="ko-KR" sz="2000" b="0" i="1" smtClean="0">
                         <a:latin typeface="Cambria Math" panose="02040503050406030204" pitchFamily="18" charset="0"/>
                       </a:rPr>
+                      <m:t>(</m:t>
+                    </m:r>
+                    <m:r>
+                      <a:rPr lang="en-US" altLang="ko-KR" sz="2000" b="0" i="1" smtClean="0">
+                        <a:latin typeface="Cambria Math" panose="02040503050406030204" pitchFamily="18" charset="0"/>
+                      </a:rPr>
                       <m:t>𝛾</m:t>
                     </m:r>
                     <m:r>
-                      <a:rPr lang="ko-KR" altLang="en-US" sz="2000" i="1">
+                      <a:rPr lang="en-US" altLang="ko-KR" sz="2000" b="0" i="1" smtClean="0">
+                        <a:latin typeface="Cambria Math" panose="02040503050406030204" pitchFamily="18" charset="0"/>
+                      </a:rPr>
+                      <m:t>)</m:t>
+                    </m:r>
+                    <m:r>
+                      <a:rPr lang="ko-KR" altLang="en-US" sz="2000" i="1" smtClean="0">
                         <a:latin typeface="Cambria Math" panose="02040503050406030204" pitchFamily="18" charset="0"/>
                       </a:rPr>
                       <m:t>가</m:t>
@@ -17391,7 +14675,37 @@
                       <a:rPr lang="en-US" altLang="ko-KR" sz="2000" b="0" i="1" smtClean="0">
                         <a:latin typeface="Cambria Math" panose="02040503050406030204" pitchFamily="18" charset="0"/>
                       </a:rPr>
+                      <m:t>  </m:t>
+                    </m:r>
+                    <m:r>
+                      <a:rPr lang="ko-KR" altLang="en-US" sz="2000" i="1" smtClean="0">
+                        <a:latin typeface="Cambria Math" panose="02040503050406030204" pitchFamily="18" charset="0"/>
+                      </a:rPr>
+                      <m:t>목표</m:t>
+                    </m:r>
+                    <m:r>
+                      <m:rPr>
+                        <m:sty m:val="p"/>
+                      </m:rPr>
+                      <a:rPr lang="en-US" altLang="ko-KR" sz="2000" dirty="0">
+                        <a:latin typeface="Cambria Math" panose="02040503050406030204" pitchFamily="18" charset="0"/>
+                      </a:rPr>
+                      <m:t>Yaw</m:t>
+                    </m:r>
+                    <m:r>
+                      <a:rPr lang="en-US" altLang="ko-KR" sz="2000" dirty="0">
+                        <a:latin typeface="Cambria Math" panose="02040503050406030204" pitchFamily="18" charset="0"/>
+                      </a:rPr>
                       <m:t> </m:t>
+                    </m:r>
+                    <m:r>
+                      <m:rPr>
+                        <m:sty m:val="p"/>
+                      </m:rPr>
+                      <a:rPr lang="en-US" altLang="ko-KR" sz="2000" dirty="0">
+                        <a:latin typeface="Cambria Math" panose="02040503050406030204" pitchFamily="18" charset="0"/>
+                      </a:rPr>
+                      <m:t>rate</m:t>
                     </m:r>
                     <m:sSub>
                       <m:sSubPr>
@@ -17402,6 +14716,12 @@
                         </m:ctrlPr>
                       </m:sSubPr>
                       <m:e>
+                        <m:r>
+                          <a:rPr lang="en-US" altLang="ko-KR" sz="2000" b="0" i="1" smtClean="0">
+                            <a:latin typeface="Cambria Math" panose="02040503050406030204" pitchFamily="18" charset="0"/>
+                          </a:rPr>
+                          <m:t>(</m:t>
+                        </m:r>
                         <m:r>
                           <a:rPr lang="en-US" altLang="ko-KR" sz="2000" b="0" i="1" smtClean="0">
                             <a:latin typeface="Cambria Math" panose="02040503050406030204" pitchFamily="18" charset="0"/>
@@ -17419,6 +14739,12 @@
                       </m:sub>
                     </m:sSub>
                     <m:r>
+                      <a:rPr lang="en-US" altLang="ko-KR" sz="2000" b="0" i="1" smtClean="0">
+                        <a:latin typeface="Cambria Math" panose="02040503050406030204" pitchFamily="18" charset="0"/>
+                      </a:rPr>
+                      <m:t>)</m:t>
+                    </m:r>
+                    <m:r>
                       <a:rPr lang="ko-KR" altLang="en-US" sz="2000" i="1">
                         <a:latin typeface="Cambria Math" panose="02040503050406030204" pitchFamily="18" charset="0"/>
                       </a:rPr>
@@ -17428,7 +14754,7 @@
                 </a14:m>
                 <a:r>
                   <a:rPr lang="ko-KR" altLang="en-US" sz="2000" dirty="0"/>
-                  <a:t> 전체적으로 가까워지는 것을 확인</a:t>
+                  <a:t> 가까워지는 것을 확인</a:t>
                 </a:r>
                 <a:endParaRPr lang="en-US" altLang="ko-KR" sz="2000" dirty="0"/>
               </a:p>
@@ -17476,32 +14802,18 @@
                 </a:r>
                 <a:r>
                   <a:rPr lang="ko-KR" altLang="en-US" sz="2000" dirty="0"/>
-                  <a:t> 성능의 향상이 있을 수 있을 수 있으나 안정도가 떨어질 수 있음</a:t>
-                </a:r>
-                <a:endParaRPr lang="en-US" altLang="ko-KR" sz="2000" dirty="0"/>
-              </a:p>
-              <a:p>
-                <a:pPr lvl="1">
-                  <a:lnSpc>
-                    <a:spcPct val="150000"/>
-                  </a:lnSpc>
-                  <a:buFont typeface="Wingdings" panose="05000000000000000000" pitchFamily="2" charset="2"/>
-                  <a:buChar char="Ø"/>
-                </a:pPr>
-                <a:r>
-                  <a:rPr lang="en-US" altLang="ko-KR" sz="2000" dirty="0"/>
-                  <a:t> LSTM </a:t>
+                  <a:t> 성능의 향상이 있을 수 있을 수 있으나 안정도가 떨어질 </a:t>
                 </a:r>
                 <a:r>
-                  <a:rPr lang="ko-KR" altLang="en-US" sz="2000" dirty="0"/>
-                  <a:t>결과가 흔들리지 않고 일정하게 나올 수 있는 방안 추가 필요</a:t>
+                  <a:rPr lang="ko-KR" altLang="en-US" sz="2000"/>
+                  <a:t>수 있으므로 추가방안이 필요</a:t>
                 </a:r>
                 <a:endParaRPr lang="en-US" altLang="ko-KR" sz="2000" dirty="0"/>
               </a:p>
             </p:txBody>
           </p:sp>
         </mc:Choice>
-        <mc:Fallback xmlns="">
+        <mc:Fallback>
           <p:sp>
             <p:nvSpPr>
               <p:cNvPr id="48" name="내용 개체 틀 2">
@@ -17663,6 +14975,91 @@
     <p:extLst>
       <p:ext uri="{BB962C8B-B14F-4D97-AF65-F5344CB8AC3E}">
         <p14:creationId xmlns:p14="http://schemas.microsoft.com/office/powerpoint/2010/main" val="137568238"/>
+      </p:ext>
+    </p:extLst>
+  </p:cSld>
+  <p:clrMapOvr>
+    <a:masterClrMapping/>
+  </p:clrMapOvr>
+</p:sld>
+</file>
+
+<file path=ppt/slides/slide21.xml><?xml version="1.0" encoding="utf-8"?>
+<p:sld xmlns:a="http://schemas.openxmlformats.org/drawingml/2006/main" xmlns:r="http://schemas.openxmlformats.org/officeDocument/2006/relationships" xmlns:p="http://schemas.openxmlformats.org/presentationml/2006/main">
+  <p:cSld>
+    <p:spTree>
+      <p:nvGrpSpPr>
+        <p:cNvPr id="1" name=""/>
+        <p:cNvGrpSpPr/>
+        <p:nvPr/>
+      </p:nvGrpSpPr>
+      <p:grpSpPr>
+        <a:xfrm>
+          <a:off x="0" y="0"/>
+          <a:ext cx="0" cy="0"/>
+          <a:chOff x="0" y="0"/>
+          <a:chExt cx="0" cy="0"/>
+        </a:xfrm>
+      </p:grpSpPr>
+      <p:sp>
+        <p:nvSpPr>
+          <p:cNvPr id="2" name="제목 1">
+            <a:extLst>
+              <a:ext uri="{FF2B5EF4-FFF2-40B4-BE49-F238E27FC236}">
+                <a16:creationId xmlns:a16="http://schemas.microsoft.com/office/drawing/2014/main" id="{F6E7DEFA-3D4A-D748-C971-E5F4FC0AEF11}"/>
+              </a:ext>
+            </a:extLst>
+          </p:cNvPr>
+          <p:cNvSpPr>
+            <a:spLocks noGrp="1"/>
+          </p:cNvSpPr>
+          <p:nvPr>
+            <p:ph type="title"/>
+          </p:nvPr>
+        </p:nvSpPr>
+        <p:spPr/>
+        <p:txBody>
+          <a:bodyPr/>
+          <a:lstStyle/>
+          <a:p>
+            <a:endParaRPr lang="ko-KR" altLang="en-US"/>
+          </a:p>
+        </p:txBody>
+      </p:sp>
+      <p:sp>
+        <p:nvSpPr>
+          <p:cNvPr id="3" name="슬라이드 번호 개체 틀 2">
+            <a:extLst>
+              <a:ext uri="{FF2B5EF4-FFF2-40B4-BE49-F238E27FC236}">
+                <a16:creationId xmlns:a16="http://schemas.microsoft.com/office/drawing/2014/main" id="{71378283-9E8D-9EF4-5BF7-E49632079F23}"/>
+              </a:ext>
+            </a:extLst>
+          </p:cNvPr>
+          <p:cNvSpPr>
+            <a:spLocks noGrp="1"/>
+          </p:cNvSpPr>
+          <p:nvPr>
+            <p:ph type="sldNum" sz="quarter" idx="12"/>
+          </p:nvPr>
+        </p:nvSpPr>
+        <p:spPr/>
+        <p:txBody>
+          <a:bodyPr/>
+          <a:lstStyle/>
+          <a:p>
+            <a:fld id="{DCF30976-4E8F-417C-866E-A81683010615}" type="slidenum">
+              <a:rPr lang="ko-KR" altLang="en-US" smtClean="0"/>
+              <a:pPr/>
+              <a:t>21</a:t>
+            </a:fld>
+            <a:endParaRPr lang="ko-KR" altLang="en-US"/>
+          </a:p>
+        </p:txBody>
+      </p:sp>
+    </p:spTree>
+    <p:extLst>
+      <p:ext uri="{BB962C8B-B14F-4D97-AF65-F5344CB8AC3E}">
+        <p14:creationId xmlns:p14="http://schemas.microsoft.com/office/powerpoint/2010/main" val="4257824098"/>
       </p:ext>
     </p:extLst>
   </p:cSld>
@@ -18059,7 +15456,7 @@
             </a:r>
             <a:r>
               <a:rPr lang="ko-KR" altLang="en-US" sz="2000" dirty="0"/>
-              <a:t>레이싱 차량은 높은 속도로 코너를 도는 능력이 중요</a:t>
+              <a:t>레이싱 차량은 코너를 도는 능력이 중요</a:t>
             </a:r>
             <a:endParaRPr lang="en-US" altLang="ko-KR" sz="2000" dirty="0"/>
           </a:p>
@@ -18846,7 +16243,7 @@
         <p:spPr>
           <a:xfrm>
             <a:off x="796925" y="1130075"/>
-            <a:ext cx="11551594" cy="5053013"/>
+            <a:ext cx="10334495" cy="5053013"/>
           </a:xfrm>
           <a:prstGeom prst="rect">
             <a:avLst/>
@@ -19102,7 +16499,7 @@
             </a:r>
             <a:r>
               <a:rPr lang="ko-KR" altLang="en-US" sz="2000" dirty="0"/>
-              <a:t>을 통해 차량의 비선형 부분을 예측하여 모델링 정확도를 향상으로 제어기 성능 향상을 목표</a:t>
+              <a:t>을 통해 차량의 비선형 부분을 예측하여 모델링 정확도 향상을 통한 제어기 성능 향상 목표</a:t>
             </a:r>
             <a:endParaRPr lang="en-US" altLang="ko-KR" sz="2000" dirty="0"/>
           </a:p>
@@ -19785,7 +17182,7 @@
         </p:blipFill>
         <p:spPr>
           <a:xfrm>
-            <a:off x="9181321" y="1094941"/>
+            <a:off x="8313574" y="1094941"/>
             <a:ext cx="2346245" cy="4630090"/>
           </a:xfrm>
           <a:prstGeom prst="rect">
@@ -19807,7 +17204,7 @@
         </p:nvSpPr>
         <p:spPr>
           <a:xfrm>
-            <a:off x="9281730" y="5768269"/>
+            <a:off x="8449449" y="5760165"/>
             <a:ext cx="3005951" cy="523220"/>
           </a:xfrm>
           <a:prstGeom prst="rect">
@@ -21940,8 +19337,8 @@
           </a:p>
         </p:txBody>
       </p:sp>
-      <mc:AlternateContent xmlns:mc="http://schemas.openxmlformats.org/markup-compatibility/2006">
-        <mc:Choice xmlns:a14="http://schemas.microsoft.com/office/drawing/2010/main" Requires="a14">
+      <mc:AlternateContent xmlns:mc="http://schemas.openxmlformats.org/markup-compatibility/2006" xmlns:a14="http://schemas.microsoft.com/office/drawing/2010/main">
+        <mc:Choice Requires="a14">
           <p:sp>
             <p:nvSpPr>
               <p:cNvPr id="48" name="내용 개체 틀 2">
@@ -22420,7 +19817,7 @@
             </p:txBody>
           </p:sp>
         </mc:Choice>
-        <mc:Fallback>
+        <mc:Fallback xmlns="">
           <p:sp>
             <p:nvSpPr>
               <p:cNvPr id="48" name="내용 개체 틀 2">
@@ -23016,8 +20413,8 @@
           </a:p>
         </p:txBody>
       </p:sp>
-      <mc:AlternateContent xmlns:mc="http://schemas.openxmlformats.org/markup-compatibility/2006">
-        <mc:Choice xmlns:a14="http://schemas.microsoft.com/office/drawing/2010/main" Requires="a14">
+      <mc:AlternateContent xmlns:mc="http://schemas.openxmlformats.org/markup-compatibility/2006" xmlns:a14="http://schemas.microsoft.com/office/drawing/2010/main">
+        <mc:Choice Requires="a14">
           <p:sp>
             <p:nvSpPr>
               <p:cNvPr id="4" name="내용 개체 틀 2">
@@ -24433,7 +21830,7 @@
             </p:txBody>
           </p:sp>
         </mc:Choice>
-        <mc:Fallback>
+        <mc:Fallback xmlns="">
           <p:sp>
             <p:nvSpPr>
               <p:cNvPr id="4" name="내용 개체 틀 2">

--- a/졸업 논문/JCCI 발표.pptx
+++ b/졸업 논문/JCCI 발표.pptx
@@ -30,8 +30,8 @@
     <p:sldId id="368" r:id="rId18"/>
     <p:sldId id="369" r:id="rId19"/>
     <p:sldId id="355" r:id="rId20"/>
-    <p:sldId id="358" r:id="rId21"/>
-    <p:sldId id="370" r:id="rId22"/>
+    <p:sldId id="371" r:id="rId21"/>
+    <p:sldId id="358" r:id="rId22"/>
     <p:sldId id="359" r:id="rId23"/>
   </p:sldIdLst>
   <p:sldSz cx="12192000" cy="6858000"/>
@@ -247,7 +247,7 @@
           <a:p>
             <a:fld id="{D1DA2BEC-7E6F-47A9-9115-3EED439C6DA5}" type="datetimeFigureOut">
               <a:rPr lang="ko-KR" altLang="en-US" smtClean="0"/>
-              <a:t>2024-04-21</a:t>
+              <a:t>2024-04-22</a:t>
             </a:fld>
             <a:endParaRPr lang="ko-KR" altLang="en-US"/>
           </a:p>
@@ -425,7 +425,7 @@
           <a:p>
             <a:fld id="{BF98C93F-AAD7-4410-AA25-972027873478}" type="datetimeFigureOut">
               <a:rPr lang="ko-KR" altLang="en-US" smtClean="0"/>
-              <a:t>2024-04-21</a:t>
+              <a:t>2024-04-22</a:t>
             </a:fld>
             <a:endParaRPr lang="ko-KR" altLang="en-US"/>
           </a:p>
@@ -1876,6 +1876,90 @@
             <a:fld id="{C9D3DC29-C20B-4A99-A3AC-B5CC8D20ABB4}" type="slidenum">
               <a:rPr lang="ko-KR" altLang="en-US" smtClean="0"/>
               <a:t>20</a:t>
+            </a:fld>
+            <a:endParaRPr lang="ko-KR" altLang="en-US"/>
+          </a:p>
+        </p:txBody>
+      </p:sp>
+    </p:spTree>
+    <p:extLst>
+      <p:ext uri="{BB962C8B-B14F-4D97-AF65-F5344CB8AC3E}">
+        <p14:creationId xmlns:p14="http://schemas.microsoft.com/office/powerpoint/2010/main" val="2279940292"/>
+      </p:ext>
+    </p:extLst>
+  </p:cSld>
+  <p:clrMapOvr>
+    <a:masterClrMapping/>
+  </p:clrMapOvr>
+</p:notes>
+</file>
+
+<file path=ppt/notesSlides/notesSlide21.xml><?xml version="1.0" encoding="utf-8"?>
+<p:notes xmlns:a="http://schemas.openxmlformats.org/drawingml/2006/main" xmlns:r="http://schemas.openxmlformats.org/officeDocument/2006/relationships" xmlns:p="http://schemas.openxmlformats.org/presentationml/2006/main">
+  <p:cSld>
+    <p:spTree>
+      <p:nvGrpSpPr>
+        <p:cNvPr id="1" name=""/>
+        <p:cNvGrpSpPr/>
+        <p:nvPr/>
+      </p:nvGrpSpPr>
+      <p:grpSpPr>
+        <a:xfrm>
+          <a:off x="0" y="0"/>
+          <a:ext cx="0" cy="0"/>
+          <a:chOff x="0" y="0"/>
+          <a:chExt cx="0" cy="0"/>
+        </a:xfrm>
+      </p:grpSpPr>
+      <p:sp>
+        <p:nvSpPr>
+          <p:cNvPr id="2" name="슬라이드 이미지 개체 틀 1"/>
+          <p:cNvSpPr>
+            <a:spLocks noGrp="1" noRot="1" noChangeAspect="1"/>
+          </p:cNvSpPr>
+          <p:nvPr>
+            <p:ph type="sldImg"/>
+          </p:nvPr>
+        </p:nvSpPr>
+        <p:spPr/>
+      </p:sp>
+      <p:sp>
+        <p:nvSpPr>
+          <p:cNvPr id="3" name="슬라이드 노트 개체 틀 2"/>
+          <p:cNvSpPr>
+            <a:spLocks noGrp="1"/>
+          </p:cNvSpPr>
+          <p:nvPr>
+            <p:ph type="body" idx="1"/>
+          </p:nvPr>
+        </p:nvSpPr>
+        <p:spPr/>
+        <p:txBody>
+          <a:bodyPr/>
+          <a:lstStyle/>
+          <a:p>
+            <a:endParaRPr lang="ko-KR" altLang="en-US" dirty="0"/>
+          </a:p>
+        </p:txBody>
+      </p:sp>
+      <p:sp>
+        <p:nvSpPr>
+          <p:cNvPr id="4" name="슬라이드 번호 개체 틀 3"/>
+          <p:cNvSpPr>
+            <a:spLocks noGrp="1"/>
+          </p:cNvSpPr>
+          <p:nvPr>
+            <p:ph type="sldNum" sz="quarter" idx="5"/>
+          </p:nvPr>
+        </p:nvSpPr>
+        <p:spPr/>
+        <p:txBody>
+          <a:bodyPr/>
+          <a:lstStyle/>
+          <a:p>
+            <a:fld id="{C9D3DC29-C20B-4A99-A3AC-B5CC8D20ABB4}" type="slidenum">
+              <a:rPr lang="ko-KR" altLang="en-US" smtClean="0"/>
+              <a:t>21</a:t>
             </a:fld>
             <a:endParaRPr lang="ko-KR" altLang="en-US"/>
           </a:p>
@@ -4787,7 +4871,9 @@
           </a:xfrm>
         </p:spPr>
         <p:txBody>
-          <a:bodyPr/>
+          <a:bodyPr>
+            <a:normAutofit/>
+          </a:bodyPr>
           <a:lstStyle/>
           <a:p>
             <a:r>
@@ -4798,34 +4884,46 @@
           <a:p>
             <a:r>
               <a:rPr lang="ko-KR" altLang="en-US" b="0" dirty="0"/>
-              <a:t>김진민 </a:t>
+              <a:t>김진민</a:t>
+            </a:r>
+            <a:r>
+              <a:rPr lang="en-US" altLang="ko-KR" b="0" baseline="30000" dirty="0"/>
+              <a:t>1)</a:t>
             </a:r>
             <a:r>
               <a:rPr lang="en-US" altLang="ko-KR" b="0" dirty="0"/>
-              <a:t>- </a:t>
+              <a:t>,</a:t>
             </a:r>
             <a:r>
               <a:rPr lang="ko-KR" altLang="en-US" b="0" dirty="0"/>
-              <a:t>한양대학교 미래자동차 공학과</a:t>
+              <a:t> 윤상원</a:t>
+            </a:r>
+            <a:r>
+              <a:rPr lang="en-US" altLang="ko-KR" b="0" baseline="30000" dirty="0"/>
+              <a:t>*2)</a:t>
+            </a:r>
+            <a:r>
+              <a:rPr lang="ko-KR" altLang="en-US" b="0" dirty="0"/>
+              <a:t> </a:t>
             </a:r>
             <a:endParaRPr lang="en-US" altLang="ko-KR" b="0" dirty="0"/>
           </a:p>
           <a:p>
             <a:r>
-              <a:rPr lang="ko-KR" altLang="en-US" b="0" dirty="0"/>
-              <a:t>윤상원</a:t>
+              <a:rPr lang="en-US" altLang="ko-KR" b="0" dirty="0"/>
+              <a:t>1)</a:t>
             </a:r>
             <a:r>
-              <a:rPr lang="en-US" altLang="ko-KR" b="0" baseline="30000" dirty="0"/>
-              <a:t>*  </a:t>
+              <a:rPr lang="ko-KR" altLang="en-US" b="0" dirty="0"/>
+              <a:t>한양대학교 미래자동차공학과</a:t>
             </a:r>
             <a:r>
               <a:rPr lang="en-US" altLang="ko-KR" b="0" dirty="0"/>
-              <a:t>- </a:t>
+              <a:t>, 2) </a:t>
             </a:r>
             <a:r>
               <a:rPr lang="ko-KR" altLang="en-US" b="0" dirty="0"/>
-              <a:t>서울대학교 전자 정보 공학부</a:t>
+              <a:t>서울대학교 전자 정보공학부</a:t>
             </a:r>
             <a:endParaRPr lang="en-US" altLang="ko-KR" b="0" dirty="0"/>
           </a:p>
@@ -7213,7 +7311,7 @@
         </p:nvGrpSpPr>
         <p:grpSpPr>
           <a:xfrm>
-            <a:off x="1731981" y="2147513"/>
+            <a:off x="225162" y="2147513"/>
             <a:ext cx="3418436" cy="3571949"/>
             <a:chOff x="726141" y="2117033"/>
             <a:chExt cx="3418436" cy="3571949"/>
@@ -7564,8 +7662,8 @@
         </p:nvCxnSpPr>
         <p:spPr>
           <a:xfrm flipH="1">
-            <a:off x="5235032" y="2326419"/>
-            <a:ext cx="896038" cy="0"/>
+            <a:off x="3728213" y="2326419"/>
+            <a:ext cx="720000" cy="0"/>
           </a:xfrm>
           <a:prstGeom prst="straightConnector1">
             <a:avLst/>
@@ -7606,7 +7704,7 @@
         </p:nvSpPr>
         <p:spPr>
           <a:xfrm>
-            <a:off x="6329175" y="2126364"/>
+            <a:off x="4635616" y="2126364"/>
             <a:ext cx="3743332" cy="369332"/>
           </a:xfrm>
           <a:prstGeom prst="rect">
@@ -7641,8 +7739,8 @@
         </p:nvSpPr>
         <p:spPr>
           <a:xfrm>
-            <a:off x="6329175" y="3207889"/>
-            <a:ext cx="3812197" cy="369332"/>
+            <a:off x="4635616" y="3207889"/>
+            <a:ext cx="3834639" cy="369332"/>
           </a:xfrm>
           <a:prstGeom prst="rect">
             <a:avLst/>
@@ -7661,15 +7759,7 @@
             </a:r>
             <a:r>
               <a:rPr lang="ko-KR" altLang="en-US" dirty="0"/>
-              <a:t>가 </a:t>
-            </a:r>
-            <a:r>
-              <a:rPr lang="en-US" altLang="ko-KR" dirty="0"/>
-              <a:t>0</a:t>
-            </a:r>
-            <a:r>
-              <a:rPr lang="ko-KR" altLang="en-US" dirty="0"/>
-              <a:t>이 되는 값 선정</a:t>
+              <a:t>가 수렴하는 값 선정</a:t>
             </a:r>
           </a:p>
         </p:txBody>
@@ -7690,8 +7780,8 @@
         </p:nvCxnSpPr>
         <p:spPr>
           <a:xfrm flipH="1">
-            <a:off x="5235032" y="3393569"/>
-            <a:ext cx="896038" cy="0"/>
+            <a:off x="3728213" y="3393569"/>
+            <a:ext cx="720000" cy="0"/>
           </a:xfrm>
           <a:prstGeom prst="straightConnector1">
             <a:avLst/>
@@ -7734,8 +7824,8 @@
         </p:nvCxnSpPr>
         <p:spPr>
           <a:xfrm flipH="1">
-            <a:off x="5235032" y="4460719"/>
-            <a:ext cx="896038" cy="0"/>
+            <a:off x="3728213" y="4460719"/>
+            <a:ext cx="720000" cy="0"/>
           </a:xfrm>
           <a:prstGeom prst="straightConnector1">
             <a:avLst/>
@@ -7778,8 +7868,8 @@
         </p:nvCxnSpPr>
         <p:spPr>
           <a:xfrm flipH="1">
-            <a:off x="5235032" y="5527870"/>
-            <a:ext cx="896038" cy="0"/>
+            <a:off x="3728213" y="5527870"/>
+            <a:ext cx="720000" cy="0"/>
           </a:xfrm>
           <a:prstGeom prst="straightConnector1">
             <a:avLst/>
@@ -7820,7 +7910,7 @@
         </p:nvSpPr>
         <p:spPr>
           <a:xfrm>
-            <a:off x="6329175" y="5370939"/>
+            <a:off x="4635616" y="5370939"/>
             <a:ext cx="4368888" cy="369332"/>
           </a:xfrm>
           <a:prstGeom prst="rect">
@@ -7880,8 +7970,8 @@
         </p:nvSpPr>
         <p:spPr>
           <a:xfrm>
-            <a:off x="6329175" y="4289414"/>
-            <a:ext cx="5237268" cy="369332"/>
+            <a:off x="4635616" y="4289414"/>
+            <a:ext cx="4842929" cy="369332"/>
           </a:xfrm>
           <a:prstGeom prst="rect">
             <a:avLst/>
@@ -7912,11 +8002,1433 @@
             </a:r>
             <a:r>
               <a:rPr lang="ko-KR" altLang="en-US" dirty="0"/>
-              <a:t>에 항 추가 </a:t>
+              <a:t>에 추가 </a:t>
             </a:r>
           </a:p>
         </p:txBody>
       </p:sp>
+      <p:grpSp>
+        <p:nvGrpSpPr>
+          <p:cNvPr id="13" name="그룹 12">
+            <a:extLst>
+              <a:ext uri="{FF2B5EF4-FFF2-40B4-BE49-F238E27FC236}">
+                <a16:creationId xmlns:a16="http://schemas.microsoft.com/office/drawing/2014/main" id="{64A434D0-6FAC-2B14-D86B-F9AFEE1D8F51}"/>
+              </a:ext>
+            </a:extLst>
+          </p:cNvPr>
+          <p:cNvGrpSpPr/>
+          <p:nvPr/>
+        </p:nvGrpSpPr>
+        <p:grpSpPr>
+          <a:xfrm>
+            <a:off x="9374377" y="2547623"/>
+            <a:ext cx="2755260" cy="2636605"/>
+            <a:chOff x="7813589" y="1815156"/>
+            <a:chExt cx="4373997" cy="3369072"/>
+          </a:xfrm>
+        </p:grpSpPr>
+        <p:grpSp>
+          <p:nvGrpSpPr>
+            <p:cNvPr id="14" name="그룹 13">
+              <a:extLst>
+                <a:ext uri="{FF2B5EF4-FFF2-40B4-BE49-F238E27FC236}">
+                  <a16:creationId xmlns:a16="http://schemas.microsoft.com/office/drawing/2014/main" id="{09A6C382-E0DF-53C6-959B-2E7461B9AF88}"/>
+                </a:ext>
+              </a:extLst>
+            </p:cNvPr>
+            <p:cNvGrpSpPr/>
+            <p:nvPr/>
+          </p:nvGrpSpPr>
+          <p:grpSpPr>
+            <a:xfrm>
+              <a:off x="7813589" y="1815156"/>
+              <a:ext cx="4373997" cy="3369072"/>
+              <a:chOff x="4460788" y="1779576"/>
+              <a:chExt cx="2975402" cy="2589850"/>
+            </a:xfrm>
+          </p:grpSpPr>
+          <p:grpSp>
+            <p:nvGrpSpPr>
+              <p:cNvPr id="39" name="그룹 38">
+                <a:extLst>
+                  <a:ext uri="{FF2B5EF4-FFF2-40B4-BE49-F238E27FC236}">
+                    <a16:creationId xmlns:a16="http://schemas.microsoft.com/office/drawing/2014/main" id="{3A9977A0-44BE-7989-487D-EE7F7FE238CD}"/>
+                  </a:ext>
+                </a:extLst>
+              </p:cNvPr>
+              <p:cNvGrpSpPr/>
+              <p:nvPr/>
+            </p:nvGrpSpPr>
+            <p:grpSpPr>
+              <a:xfrm>
+                <a:off x="4460788" y="1779576"/>
+                <a:ext cx="2579619" cy="2589850"/>
+                <a:chOff x="4460788" y="1779576"/>
+                <a:chExt cx="2579619" cy="2589850"/>
+              </a:xfrm>
+            </p:grpSpPr>
+            <p:grpSp>
+              <p:nvGrpSpPr>
+                <p:cNvPr id="47" name="그룹 46">
+                  <a:extLst>
+                    <a:ext uri="{FF2B5EF4-FFF2-40B4-BE49-F238E27FC236}">
+                      <a16:creationId xmlns:a16="http://schemas.microsoft.com/office/drawing/2014/main" id="{D273AA44-6978-F5DD-19B3-78DC14581E2F}"/>
+                    </a:ext>
+                  </a:extLst>
+                </p:cNvPr>
+                <p:cNvGrpSpPr/>
+                <p:nvPr/>
+              </p:nvGrpSpPr>
+              <p:grpSpPr>
+                <a:xfrm>
+                  <a:off x="4460788" y="1849426"/>
+                  <a:ext cx="2520000" cy="2520000"/>
+                  <a:chOff x="1241853" y="1386048"/>
+                  <a:chExt cx="2520000" cy="2520000"/>
+                </a:xfrm>
+              </p:grpSpPr>
+              <p:cxnSp>
+                <p:nvCxnSpPr>
+                  <p:cNvPr id="50" name="직선 연결선 49">
+                    <a:extLst>
+                      <a:ext uri="{FF2B5EF4-FFF2-40B4-BE49-F238E27FC236}">
+                        <a16:creationId xmlns:a16="http://schemas.microsoft.com/office/drawing/2014/main" id="{D54F6474-7A94-46BA-A9F2-525BF1AC1733}"/>
+                      </a:ext>
+                    </a:extLst>
+                  </p:cNvPr>
+                  <p:cNvCxnSpPr>
+                    <a:cxnSpLocks/>
+                  </p:cNvCxnSpPr>
+                  <p:nvPr/>
+                </p:nvCxnSpPr>
+                <p:spPr>
+                  <a:xfrm>
+                    <a:off x="1241853" y="2646048"/>
+                    <a:ext cx="2520000" cy="0"/>
+                  </a:xfrm>
+                  <a:prstGeom prst="line">
+                    <a:avLst/>
+                  </a:prstGeom>
+                  <a:ln w="19050">
+                    <a:headEnd type="arrow" w="med" len="med"/>
+                    <a:tailEnd type="arrow" w="med" len="med"/>
+                  </a:ln>
+                </p:spPr>
+                <p:style>
+                  <a:lnRef idx="2">
+                    <a:schemeClr val="dk1"/>
+                  </a:lnRef>
+                  <a:fillRef idx="0">
+                    <a:schemeClr val="dk1"/>
+                  </a:fillRef>
+                  <a:effectRef idx="1">
+                    <a:schemeClr val="dk1"/>
+                  </a:effectRef>
+                  <a:fontRef idx="minor">
+                    <a:schemeClr val="tx1"/>
+                  </a:fontRef>
+                </p:style>
+              </p:cxnSp>
+              <p:cxnSp>
+                <p:nvCxnSpPr>
+                  <p:cNvPr id="51" name="직선 연결선 50">
+                    <a:extLst>
+                      <a:ext uri="{FF2B5EF4-FFF2-40B4-BE49-F238E27FC236}">
+                        <a16:creationId xmlns:a16="http://schemas.microsoft.com/office/drawing/2014/main" id="{352FB08B-4998-2ED6-02CC-42C35951CE1D}"/>
+                      </a:ext>
+                    </a:extLst>
+                  </p:cNvPr>
+                  <p:cNvCxnSpPr>
+                    <a:cxnSpLocks/>
+                  </p:cNvCxnSpPr>
+                  <p:nvPr/>
+                </p:nvCxnSpPr>
+                <p:spPr>
+                  <a:xfrm>
+                    <a:off x="2501853" y="1386048"/>
+                    <a:ext cx="0" cy="2520000"/>
+                  </a:xfrm>
+                  <a:prstGeom prst="line">
+                    <a:avLst/>
+                  </a:prstGeom>
+                  <a:ln w="19050">
+                    <a:headEnd type="arrow" w="med" len="med"/>
+                    <a:tailEnd type="arrow" w="med" len="med"/>
+                  </a:ln>
+                </p:spPr>
+                <p:style>
+                  <a:lnRef idx="2">
+                    <a:schemeClr val="dk1"/>
+                  </a:lnRef>
+                  <a:fillRef idx="0">
+                    <a:schemeClr val="dk1"/>
+                  </a:fillRef>
+                  <a:effectRef idx="1">
+                    <a:schemeClr val="dk1"/>
+                  </a:effectRef>
+                  <a:fontRef idx="minor">
+                    <a:schemeClr val="tx1"/>
+                  </a:fontRef>
+                </p:style>
+              </p:cxnSp>
+            </p:grpSp>
+            <mc:AlternateContent xmlns:mc="http://schemas.openxmlformats.org/markup-compatibility/2006" xmlns:a14="http://schemas.microsoft.com/office/drawing/2010/main">
+              <mc:Choice Requires="a14">
+                <p:sp>
+                  <p:nvSpPr>
+                    <p:cNvPr id="48" name="TextBox 47">
+                      <a:extLst>
+                        <a:ext uri="{FF2B5EF4-FFF2-40B4-BE49-F238E27FC236}">
+                          <a16:creationId xmlns:a16="http://schemas.microsoft.com/office/drawing/2014/main" id="{2F8773A9-9BC3-8E5F-27B9-6A5D2D9FE392}"/>
+                        </a:ext>
+                      </a:extLst>
+                    </p:cNvPr>
+                    <p:cNvSpPr txBox="1"/>
+                    <p:nvPr/>
+                  </p:nvSpPr>
+                  <p:spPr>
+                    <a:xfrm>
+                      <a:off x="5763417" y="1779576"/>
+                      <a:ext cx="391581" cy="276999"/>
+                    </a:xfrm>
+                    <a:prstGeom prst="rect">
+                      <a:avLst/>
+                    </a:prstGeom>
+                    <a:noFill/>
+                  </p:spPr>
+                  <p:txBody>
+                    <a:bodyPr wrap="none" rtlCol="0">
+                      <a:spAutoFit/>
+                    </a:bodyPr>
+                    <a:lstStyle/>
+                    <a:p>
+                      <a:pPr/>
+                      <a14:m>
+                        <m:oMathPara xmlns:m="http://schemas.openxmlformats.org/officeDocument/2006/math">
+                          <m:oMathParaPr>
+                            <m:jc m:val="centerGroup"/>
+                          </m:oMathParaPr>
+                          <m:oMath xmlns:m="http://schemas.openxmlformats.org/officeDocument/2006/math">
+                            <m:sSub>
+                              <m:sSubPr>
+                                <m:ctrlPr>
+                                  <a:rPr lang="en-US" altLang="ko-KR" sz="1200" i="1">
+                                    <a:latin typeface="Cambria Math" panose="02040503050406030204" pitchFamily="18" charset="0"/>
+                                  </a:rPr>
+                                </m:ctrlPr>
+                              </m:sSubPr>
+                              <m:e>
+                                <m:r>
+                                  <a:rPr lang="en-US" altLang="ko-KR" sz="1200" i="1">
+                                    <a:latin typeface="Cambria Math" panose="02040503050406030204" pitchFamily="18" charset="0"/>
+                                  </a:rPr>
+                                  <m:t>𝑥</m:t>
+                                </m:r>
+                              </m:e>
+                              <m:sub>
+                                <m:r>
+                                  <a:rPr lang="en-US" altLang="ko-KR" sz="1200" i="1">
+                                    <a:latin typeface="Cambria Math" panose="02040503050406030204" pitchFamily="18" charset="0"/>
+                                  </a:rPr>
+                                  <m:t>2</m:t>
+                                </m:r>
+                              </m:sub>
+                            </m:sSub>
+                          </m:oMath>
+                        </m:oMathPara>
+                      </a14:m>
+                      <a:endParaRPr lang="ko-KR" altLang="en-US" dirty="0"/>
+                    </a:p>
+                  </p:txBody>
+                </p:sp>
+              </mc:Choice>
+              <mc:Fallback xmlns="">
+                <p:sp>
+                  <p:nvSpPr>
+                    <p:cNvPr id="19" name="TextBox 18">
+                      <a:extLst>
+                        <a:ext uri="{FF2B5EF4-FFF2-40B4-BE49-F238E27FC236}">
+                          <a16:creationId xmlns:a16="http://schemas.microsoft.com/office/drawing/2014/main" id="{B9DD21DE-D417-93BD-9407-5AEC3A714D1F}"/>
+                        </a:ext>
+                      </a:extLst>
+                    </p:cNvPr>
+                    <p:cNvSpPr txBox="1">
+                      <a:spLocks noRot="1" noChangeAspect="1" noMove="1" noResize="1" noEditPoints="1" noAdjustHandles="1" noChangeArrowheads="1" noChangeShapeType="1" noTextEdit="1"/>
+                    </p:cNvSpPr>
+                    <p:nvPr/>
+                  </p:nvSpPr>
+                  <p:spPr>
+                    <a:xfrm>
+                      <a:off x="5763417" y="1779576"/>
+                      <a:ext cx="391581" cy="276999"/>
+                    </a:xfrm>
+                    <a:prstGeom prst="rect">
+                      <a:avLst/>
+                    </a:prstGeom>
+                    <a:blipFill>
+                      <a:blip r:embed="rId4"/>
+                      <a:stretch>
+                        <a:fillRect/>
+                      </a:stretch>
+                    </a:blipFill>
+                  </p:spPr>
+                  <p:txBody>
+                    <a:bodyPr/>
+                    <a:lstStyle/>
+                    <a:p>
+                      <a:r>
+                        <a:rPr lang="ko-KR" altLang="en-US">
+                          <a:noFill/>
+                        </a:rPr>
+                        <a:t> </a:t>
+                      </a:r>
+                    </a:p>
+                  </p:txBody>
+                </p:sp>
+              </mc:Fallback>
+            </mc:AlternateContent>
+            <mc:AlternateContent xmlns:mc="http://schemas.openxmlformats.org/markup-compatibility/2006" xmlns:a14="http://schemas.microsoft.com/office/drawing/2010/main">
+              <mc:Choice Requires="a14">
+                <p:sp>
+                  <p:nvSpPr>
+                    <p:cNvPr id="49" name="TextBox 48">
+                      <a:extLst>
+                        <a:ext uri="{FF2B5EF4-FFF2-40B4-BE49-F238E27FC236}">
+                          <a16:creationId xmlns:a16="http://schemas.microsoft.com/office/drawing/2014/main" id="{FB95C7FA-4562-083A-DEC7-68EA4801178A}"/>
+                        </a:ext>
+                      </a:extLst>
+                    </p:cNvPr>
+                    <p:cNvSpPr txBox="1"/>
+                    <p:nvPr/>
+                  </p:nvSpPr>
+                  <p:spPr>
+                    <a:xfrm>
+                      <a:off x="6652417" y="2770176"/>
+                      <a:ext cx="387990" cy="276999"/>
+                    </a:xfrm>
+                    <a:prstGeom prst="rect">
+                      <a:avLst/>
+                    </a:prstGeom>
+                    <a:noFill/>
+                  </p:spPr>
+                  <p:txBody>
+                    <a:bodyPr wrap="none" rtlCol="0">
+                      <a:spAutoFit/>
+                    </a:bodyPr>
+                    <a:lstStyle/>
+                    <a:p>
+                      <a:pPr/>
+                      <a14:m>
+                        <m:oMathPara xmlns:m="http://schemas.openxmlformats.org/officeDocument/2006/math">
+                          <m:oMathParaPr>
+                            <m:jc m:val="centerGroup"/>
+                          </m:oMathParaPr>
+                          <m:oMath xmlns:m="http://schemas.openxmlformats.org/officeDocument/2006/math">
+                            <m:sSub>
+                              <m:sSubPr>
+                                <m:ctrlPr>
+                                  <a:rPr lang="en-US" altLang="ko-KR" sz="1200" i="1" smtClean="0">
+                                    <a:latin typeface="Cambria Math" panose="02040503050406030204" pitchFamily="18" charset="0"/>
+                                  </a:rPr>
+                                </m:ctrlPr>
+                              </m:sSubPr>
+                              <m:e>
+                                <m:r>
+                                  <a:rPr lang="en-US" altLang="ko-KR" sz="1200" i="1">
+                                    <a:latin typeface="Cambria Math" panose="02040503050406030204" pitchFamily="18" charset="0"/>
+                                  </a:rPr>
+                                  <m:t>𝑥</m:t>
+                                </m:r>
+                              </m:e>
+                              <m:sub>
+                                <m:r>
+                                  <a:rPr lang="en-US" altLang="ko-KR" sz="1200" b="0" i="1" smtClean="0">
+                                    <a:latin typeface="Cambria Math" panose="02040503050406030204" pitchFamily="18" charset="0"/>
+                                  </a:rPr>
+                                  <m:t>1</m:t>
+                                </m:r>
+                              </m:sub>
+                            </m:sSub>
+                          </m:oMath>
+                        </m:oMathPara>
+                      </a14:m>
+                      <a:endParaRPr lang="ko-KR" altLang="en-US" dirty="0"/>
+                    </a:p>
+                  </p:txBody>
+                </p:sp>
+              </mc:Choice>
+              <mc:Fallback xmlns="">
+                <p:sp>
+                  <p:nvSpPr>
+                    <p:cNvPr id="20" name="TextBox 19">
+                      <a:extLst>
+                        <a:ext uri="{FF2B5EF4-FFF2-40B4-BE49-F238E27FC236}">
+                          <a16:creationId xmlns:a16="http://schemas.microsoft.com/office/drawing/2014/main" id="{1F579DDB-26C5-C06A-6928-1BC224E21D83}"/>
+                        </a:ext>
+                      </a:extLst>
+                    </p:cNvPr>
+                    <p:cNvSpPr txBox="1">
+                      <a:spLocks noRot="1" noChangeAspect="1" noMove="1" noResize="1" noEditPoints="1" noAdjustHandles="1" noChangeArrowheads="1" noChangeShapeType="1" noTextEdit="1"/>
+                    </p:cNvSpPr>
+                    <p:nvPr/>
+                  </p:nvSpPr>
+                  <p:spPr>
+                    <a:xfrm>
+                      <a:off x="6652417" y="2770176"/>
+                      <a:ext cx="387990" cy="276999"/>
+                    </a:xfrm>
+                    <a:prstGeom prst="rect">
+                      <a:avLst/>
+                    </a:prstGeom>
+                    <a:blipFill>
+                      <a:blip r:embed="rId5"/>
+                      <a:stretch>
+                        <a:fillRect/>
+                      </a:stretch>
+                    </a:blipFill>
+                  </p:spPr>
+                  <p:txBody>
+                    <a:bodyPr/>
+                    <a:lstStyle/>
+                    <a:p>
+                      <a:r>
+                        <a:rPr lang="ko-KR" altLang="en-US">
+                          <a:noFill/>
+                        </a:rPr>
+                        <a:t> </a:t>
+                      </a:r>
+                    </a:p>
+                  </p:txBody>
+                </p:sp>
+              </mc:Fallback>
+            </mc:AlternateContent>
+          </p:grpSp>
+          <p:cxnSp>
+            <p:nvCxnSpPr>
+              <p:cNvPr id="40" name="직선 연결선 39">
+                <a:extLst>
+                  <a:ext uri="{FF2B5EF4-FFF2-40B4-BE49-F238E27FC236}">
+                    <a16:creationId xmlns:a16="http://schemas.microsoft.com/office/drawing/2014/main" id="{7B098C2A-CCB1-CC6F-125B-6F8E4A4449D3}"/>
+                  </a:ext>
+                </a:extLst>
+              </p:cNvPr>
+              <p:cNvCxnSpPr>
+                <a:cxnSpLocks/>
+              </p:cNvCxnSpPr>
+              <p:nvPr/>
+            </p:nvCxnSpPr>
+            <p:spPr>
+              <a:xfrm>
+                <a:off x="4733925" y="2157413"/>
+                <a:ext cx="1952625" cy="1890712"/>
+              </a:xfrm>
+              <a:prstGeom prst="line">
+                <a:avLst/>
+              </a:prstGeom>
+              <a:ln w="6350"/>
+            </p:spPr>
+            <p:style>
+              <a:lnRef idx="2">
+                <a:schemeClr val="dk1"/>
+              </a:lnRef>
+              <a:fillRef idx="0">
+                <a:schemeClr val="dk1"/>
+              </a:fillRef>
+              <a:effectRef idx="1">
+                <a:schemeClr val="dk1"/>
+              </a:effectRef>
+              <a:fontRef idx="minor">
+                <a:schemeClr val="tx1"/>
+              </a:fontRef>
+            </p:style>
+          </p:cxnSp>
+          <mc:AlternateContent xmlns:mc="http://schemas.openxmlformats.org/markup-compatibility/2006">
+            <mc:Choice xmlns:a14="http://schemas.microsoft.com/office/drawing/2010/main" Requires="a14">
+              <p:sp>
+                <p:nvSpPr>
+                  <p:cNvPr id="41" name="TextBox 40">
+                    <a:extLst>
+                      <a:ext uri="{FF2B5EF4-FFF2-40B4-BE49-F238E27FC236}">
+                        <a16:creationId xmlns:a16="http://schemas.microsoft.com/office/drawing/2014/main" id="{187A7B1A-3B9A-EB8C-D2D9-F3CD2429A7D1}"/>
+                      </a:ext>
+                    </a:extLst>
+                  </p:cNvPr>
+                  <p:cNvSpPr txBox="1"/>
+                  <p:nvPr/>
+                </p:nvSpPr>
+                <p:spPr>
+                  <a:xfrm>
+                    <a:off x="6316250" y="3393057"/>
+                    <a:ext cx="1119940" cy="332550"/>
+                  </a:xfrm>
+                  <a:prstGeom prst="rect">
+                    <a:avLst/>
+                  </a:prstGeom>
+                  <a:noFill/>
+                </p:spPr>
+                <p:txBody>
+                  <a:bodyPr wrap="none" rtlCol="0">
+                    <a:spAutoFit/>
+                  </a:bodyPr>
+                  <a:lstStyle/>
+                  <a:p>
+                    <a:pPr/>
+                    <a14:m>
+                      <m:oMathPara xmlns:m="http://schemas.openxmlformats.org/officeDocument/2006/math">
+                        <m:oMathParaPr>
+                          <m:jc m:val="centerGroup"/>
+                        </m:oMathParaPr>
+                        <m:oMath xmlns:m="http://schemas.openxmlformats.org/officeDocument/2006/math">
+                          <m:r>
+                            <a:rPr lang="en-US" altLang="ko-KR" sz="1600" b="0" i="1" smtClean="0">
+                              <a:latin typeface="Cambria Math" panose="02040503050406030204" pitchFamily="18" charset="0"/>
+                            </a:rPr>
+                            <m:t>𝑆</m:t>
+                          </m:r>
+                          <m:d>
+                            <m:dPr>
+                              <m:ctrlPr>
+                                <a:rPr lang="en-US" altLang="ko-KR" sz="1600" b="0" i="1" smtClean="0">
+                                  <a:latin typeface="Cambria Math" panose="02040503050406030204" pitchFamily="18" charset="0"/>
+                                </a:rPr>
+                              </m:ctrlPr>
+                            </m:dPr>
+                            <m:e>
+                              <m:r>
+                                <a:rPr lang="en-US" altLang="ko-KR" sz="1600" b="0" i="1" smtClean="0">
+                                  <a:latin typeface="Cambria Math" panose="02040503050406030204" pitchFamily="18" charset="0"/>
+                                </a:rPr>
+                                <m:t>𝑥</m:t>
+                              </m:r>
+                            </m:e>
+                          </m:d>
+                          <m:r>
+                            <a:rPr lang="en-US" altLang="ko-KR" sz="1600" b="0" i="1" smtClean="0">
+                              <a:latin typeface="Cambria Math" panose="02040503050406030204" pitchFamily="18" charset="0"/>
+                            </a:rPr>
+                            <m:t>=0</m:t>
+                          </m:r>
+                        </m:oMath>
+                      </m:oMathPara>
+                    </a14:m>
+                    <a:endParaRPr lang="ko-KR" altLang="en-US" sz="2400" dirty="0"/>
+                  </a:p>
+                </p:txBody>
+              </p:sp>
+            </mc:Choice>
+            <mc:Fallback>
+              <p:sp>
+                <p:nvSpPr>
+                  <p:cNvPr id="41" name="TextBox 40">
+                    <a:extLst>
+                      <a:ext uri="{FF2B5EF4-FFF2-40B4-BE49-F238E27FC236}">
+                        <a16:creationId xmlns:a16="http://schemas.microsoft.com/office/drawing/2014/main" id="{187A7B1A-3B9A-EB8C-D2D9-F3CD2429A7D1}"/>
+                      </a:ext>
+                    </a:extLst>
+                  </p:cNvPr>
+                  <p:cNvSpPr txBox="1">
+                    <a:spLocks noRot="1" noChangeAspect="1" noMove="1" noResize="1" noEditPoints="1" noAdjustHandles="1" noChangeArrowheads="1" noChangeShapeType="1" noTextEdit="1"/>
+                  </p:cNvSpPr>
+                  <p:nvPr/>
+                </p:nvSpPr>
+                <p:spPr>
+                  <a:xfrm>
+                    <a:off x="6316250" y="3393057"/>
+                    <a:ext cx="1119940" cy="332550"/>
+                  </a:xfrm>
+                  <a:prstGeom prst="rect">
+                    <a:avLst/>
+                  </a:prstGeom>
+                  <a:blipFill>
+                    <a:blip r:embed="rId6"/>
+                    <a:stretch>
+                      <a:fillRect/>
+                    </a:stretch>
+                  </a:blipFill>
+                </p:spPr>
+                <p:txBody>
+                  <a:bodyPr/>
+                  <a:lstStyle/>
+                  <a:p>
+                    <a:r>
+                      <a:rPr lang="ko-KR" altLang="en-US">
+                        <a:noFill/>
+                      </a:rPr>
+                      <a:t> </a:t>
+                    </a:r>
+                  </a:p>
+                </p:txBody>
+              </p:sp>
+            </mc:Fallback>
+          </mc:AlternateContent>
+          <p:sp>
+            <p:nvSpPr>
+              <p:cNvPr id="42" name="순서도: 연결자 41">
+                <a:extLst>
+                  <a:ext uri="{FF2B5EF4-FFF2-40B4-BE49-F238E27FC236}">
+                    <a16:creationId xmlns:a16="http://schemas.microsoft.com/office/drawing/2014/main" id="{B8EBD6DD-1577-5283-DA23-78963A929DE9}"/>
+                  </a:ext>
+                </a:extLst>
+              </p:cNvPr>
+              <p:cNvSpPr/>
+              <p:nvPr/>
+            </p:nvSpPr>
+            <p:spPr>
+              <a:xfrm>
+                <a:off x="5276849" y="1922420"/>
+                <a:ext cx="54000" cy="54000"/>
+              </a:xfrm>
+              <a:prstGeom prst="flowChartConnector">
+                <a:avLst/>
+              </a:prstGeom>
+              <a:solidFill>
+                <a:schemeClr val="tx1"/>
+              </a:solidFill>
+              <a:ln>
+                <a:solidFill>
+                  <a:schemeClr val="tx1"/>
+                </a:solidFill>
+              </a:ln>
+            </p:spPr>
+            <p:style>
+              <a:lnRef idx="2">
+                <a:schemeClr val="accent1">
+                  <a:shade val="15000"/>
+                </a:schemeClr>
+              </a:lnRef>
+              <a:fillRef idx="1">
+                <a:schemeClr val="accent1"/>
+              </a:fillRef>
+              <a:effectRef idx="0">
+                <a:schemeClr val="accent1"/>
+              </a:effectRef>
+              <a:fontRef idx="minor">
+                <a:schemeClr val="lt1"/>
+              </a:fontRef>
+            </p:style>
+            <p:txBody>
+              <a:bodyPr rtlCol="0" anchor="ctr"/>
+              <a:lstStyle/>
+              <a:p>
+                <a:pPr algn="ctr"/>
+                <a:endParaRPr lang="ko-KR" altLang="en-US" dirty="0"/>
+              </a:p>
+            </p:txBody>
+          </p:sp>
+          <p:cxnSp>
+            <p:nvCxnSpPr>
+              <p:cNvPr id="43" name="직선 화살표 연결선 42">
+                <a:extLst>
+                  <a:ext uri="{FF2B5EF4-FFF2-40B4-BE49-F238E27FC236}">
+                    <a16:creationId xmlns:a16="http://schemas.microsoft.com/office/drawing/2014/main" id="{609AA872-7FD3-D443-F186-3A01D02A1719}"/>
+                  </a:ext>
+                </a:extLst>
+              </p:cNvPr>
+              <p:cNvCxnSpPr>
+                <a:cxnSpLocks/>
+                <a:stCxn id="42" idx="3"/>
+              </p:cNvCxnSpPr>
+              <p:nvPr/>
+            </p:nvCxnSpPr>
+            <p:spPr>
+              <a:xfrm flipH="1">
+                <a:off x="5026775" y="1968512"/>
+                <a:ext cx="257982" cy="460363"/>
+              </a:xfrm>
+              <a:prstGeom prst="straightConnector1">
+                <a:avLst/>
+              </a:prstGeom>
+              <a:ln w="12700">
+                <a:headEnd type="none" w="med" len="med"/>
+                <a:tailEnd type="triangle" w="med" len="med"/>
+              </a:ln>
+            </p:spPr>
+            <p:style>
+              <a:lnRef idx="2">
+                <a:schemeClr val="dk1"/>
+              </a:lnRef>
+              <a:fillRef idx="0">
+                <a:schemeClr val="dk1"/>
+              </a:fillRef>
+              <a:effectRef idx="1">
+                <a:schemeClr val="dk1"/>
+              </a:effectRef>
+              <a:fontRef idx="minor">
+                <a:schemeClr val="tx1"/>
+              </a:fontRef>
+            </p:style>
+          </p:cxnSp>
+          <p:cxnSp>
+            <p:nvCxnSpPr>
+              <p:cNvPr id="44" name="직선 화살표 연결선 43">
+                <a:extLst>
+                  <a:ext uri="{FF2B5EF4-FFF2-40B4-BE49-F238E27FC236}">
+                    <a16:creationId xmlns:a16="http://schemas.microsoft.com/office/drawing/2014/main" id="{372FD4FE-DC3B-DA5C-2E15-204895FE5770}"/>
+                  </a:ext>
+                </a:extLst>
+              </p:cNvPr>
+              <p:cNvCxnSpPr>
+                <a:cxnSpLocks/>
+              </p:cNvCxnSpPr>
+              <p:nvPr/>
+            </p:nvCxnSpPr>
+            <p:spPr>
+              <a:xfrm>
+                <a:off x="5026775" y="2428875"/>
+                <a:ext cx="0" cy="184419"/>
+              </a:xfrm>
+              <a:prstGeom prst="straightConnector1">
+                <a:avLst/>
+              </a:prstGeom>
+              <a:ln w="12700">
+                <a:headEnd type="none" w="med" len="med"/>
+                <a:tailEnd type="triangle" w="med" len="med"/>
+              </a:ln>
+            </p:spPr>
+            <p:style>
+              <a:lnRef idx="2">
+                <a:schemeClr val="dk1"/>
+              </a:lnRef>
+              <a:fillRef idx="0">
+                <a:schemeClr val="dk1"/>
+              </a:fillRef>
+              <a:effectRef idx="1">
+                <a:schemeClr val="dk1"/>
+              </a:effectRef>
+              <a:fontRef idx="minor">
+                <a:schemeClr val="tx1"/>
+              </a:fontRef>
+            </p:style>
+          </p:cxnSp>
+          <p:sp>
+            <p:nvSpPr>
+              <p:cNvPr id="45" name="순서도: 연결자 44">
+                <a:extLst>
+                  <a:ext uri="{FF2B5EF4-FFF2-40B4-BE49-F238E27FC236}">
+                    <a16:creationId xmlns:a16="http://schemas.microsoft.com/office/drawing/2014/main" id="{4D855D1E-0C5C-5440-E8DA-B42D6B8E3331}"/>
+                  </a:ext>
+                </a:extLst>
+              </p:cNvPr>
+              <p:cNvSpPr/>
+              <p:nvPr/>
+            </p:nvSpPr>
+            <p:spPr>
+              <a:xfrm>
+                <a:off x="6094446" y="3939745"/>
+                <a:ext cx="54000" cy="54000"/>
+              </a:xfrm>
+              <a:prstGeom prst="flowChartConnector">
+                <a:avLst/>
+              </a:prstGeom>
+              <a:solidFill>
+                <a:schemeClr val="tx1"/>
+              </a:solidFill>
+              <a:ln>
+                <a:solidFill>
+                  <a:schemeClr val="tx1"/>
+                </a:solidFill>
+              </a:ln>
+            </p:spPr>
+            <p:style>
+              <a:lnRef idx="2">
+                <a:schemeClr val="accent1">
+                  <a:shade val="15000"/>
+                </a:schemeClr>
+              </a:lnRef>
+              <a:fillRef idx="1">
+                <a:schemeClr val="accent1"/>
+              </a:fillRef>
+              <a:effectRef idx="0">
+                <a:schemeClr val="accent1"/>
+              </a:effectRef>
+              <a:fontRef idx="minor">
+                <a:schemeClr val="lt1"/>
+              </a:fontRef>
+            </p:style>
+            <p:txBody>
+              <a:bodyPr rtlCol="0" anchor="ctr"/>
+              <a:lstStyle/>
+              <a:p>
+                <a:pPr algn="ctr"/>
+                <a:endParaRPr lang="ko-KR" altLang="en-US" dirty="0"/>
+              </a:p>
+            </p:txBody>
+          </p:sp>
+          <p:cxnSp>
+            <p:nvCxnSpPr>
+              <p:cNvPr id="46" name="직선 화살표 연결선 45">
+                <a:extLst>
+                  <a:ext uri="{FF2B5EF4-FFF2-40B4-BE49-F238E27FC236}">
+                    <a16:creationId xmlns:a16="http://schemas.microsoft.com/office/drawing/2014/main" id="{D15A0614-A18B-5CB4-3E47-D553ED731122}"/>
+                  </a:ext>
+                </a:extLst>
+              </p:cNvPr>
+              <p:cNvCxnSpPr>
+                <a:cxnSpLocks/>
+                <a:stCxn id="45" idx="7"/>
+              </p:cNvCxnSpPr>
+              <p:nvPr/>
+            </p:nvCxnSpPr>
+            <p:spPr>
+              <a:xfrm flipV="1">
+                <a:off x="6140534" y="3618445"/>
+                <a:ext cx="277893" cy="329209"/>
+              </a:xfrm>
+              <a:prstGeom prst="straightConnector1">
+                <a:avLst/>
+              </a:prstGeom>
+              <a:ln w="12700">
+                <a:headEnd type="none" w="med" len="med"/>
+                <a:tailEnd type="triangle" w="med" len="med"/>
+              </a:ln>
+            </p:spPr>
+            <p:style>
+              <a:lnRef idx="2">
+                <a:schemeClr val="dk1"/>
+              </a:lnRef>
+              <a:fillRef idx="0">
+                <a:schemeClr val="dk1"/>
+              </a:fillRef>
+              <a:effectRef idx="1">
+                <a:schemeClr val="dk1"/>
+              </a:effectRef>
+              <a:fontRef idx="minor">
+                <a:schemeClr val="tx1"/>
+              </a:fontRef>
+            </p:style>
+          </p:cxnSp>
+        </p:grpSp>
+        <p:grpSp>
+          <p:nvGrpSpPr>
+            <p:cNvPr id="15" name="그룹 14">
+              <a:extLst>
+                <a:ext uri="{FF2B5EF4-FFF2-40B4-BE49-F238E27FC236}">
+                  <a16:creationId xmlns:a16="http://schemas.microsoft.com/office/drawing/2014/main" id="{6EE5AEB6-FDA5-AA08-5BA3-E7C5359E37A6}"/>
+                </a:ext>
+              </a:extLst>
+            </p:cNvPr>
+            <p:cNvGrpSpPr/>
+            <p:nvPr/>
+          </p:nvGrpSpPr>
+          <p:grpSpPr>
+            <a:xfrm>
+              <a:off x="8645620" y="2730500"/>
+              <a:ext cx="1010294" cy="776637"/>
+              <a:chOff x="8645620" y="2730500"/>
+              <a:chExt cx="1010294" cy="776637"/>
+            </a:xfrm>
+          </p:grpSpPr>
+          <p:cxnSp>
+            <p:nvCxnSpPr>
+              <p:cNvPr id="32" name="직선 화살표 연결선 31">
+                <a:extLst>
+                  <a:ext uri="{FF2B5EF4-FFF2-40B4-BE49-F238E27FC236}">
+                    <a16:creationId xmlns:a16="http://schemas.microsoft.com/office/drawing/2014/main" id="{64D6A03A-CEBD-37F3-B2AA-21391BF1D640}"/>
+                  </a:ext>
+                </a:extLst>
+              </p:cNvPr>
+              <p:cNvCxnSpPr>
+                <a:cxnSpLocks/>
+              </p:cNvCxnSpPr>
+              <p:nvPr/>
+            </p:nvCxnSpPr>
+            <p:spPr>
+              <a:xfrm flipV="1">
+                <a:off x="8645620" y="2730500"/>
+                <a:ext cx="314230" cy="169219"/>
+              </a:xfrm>
+              <a:prstGeom prst="straightConnector1">
+                <a:avLst/>
+              </a:prstGeom>
+              <a:ln w="12700">
+                <a:headEnd type="none" w="med" len="med"/>
+                <a:tailEnd type="triangle" w="med" len="med"/>
+              </a:ln>
+            </p:spPr>
+            <p:style>
+              <a:lnRef idx="2">
+                <a:schemeClr val="dk1"/>
+              </a:lnRef>
+              <a:fillRef idx="0">
+                <a:schemeClr val="dk1"/>
+              </a:fillRef>
+              <a:effectRef idx="1">
+                <a:schemeClr val="dk1"/>
+              </a:effectRef>
+              <a:fontRef idx="minor">
+                <a:schemeClr val="tx1"/>
+              </a:fontRef>
+            </p:style>
+          </p:cxnSp>
+          <p:cxnSp>
+            <p:nvCxnSpPr>
+              <p:cNvPr id="33" name="직선 화살표 연결선 32">
+                <a:extLst>
+                  <a:ext uri="{FF2B5EF4-FFF2-40B4-BE49-F238E27FC236}">
+                    <a16:creationId xmlns:a16="http://schemas.microsoft.com/office/drawing/2014/main" id="{09509B9A-EBF7-4FA9-6E34-671344AEDA9E}"/>
+                  </a:ext>
+                </a:extLst>
+              </p:cNvPr>
+              <p:cNvCxnSpPr>
+                <a:cxnSpLocks/>
+              </p:cNvCxnSpPr>
+              <p:nvPr/>
+            </p:nvCxnSpPr>
+            <p:spPr>
+              <a:xfrm flipH="1">
+                <a:off x="8855075" y="2730500"/>
+                <a:ext cx="104775" cy="346075"/>
+              </a:xfrm>
+              <a:prstGeom prst="straightConnector1">
+                <a:avLst/>
+              </a:prstGeom>
+              <a:ln w="12700">
+                <a:headEnd type="none" w="med" len="med"/>
+                <a:tailEnd type="triangle" w="med" len="med"/>
+              </a:ln>
+            </p:spPr>
+            <p:style>
+              <a:lnRef idx="2">
+                <a:schemeClr val="dk1"/>
+              </a:lnRef>
+              <a:fillRef idx="0">
+                <a:schemeClr val="dk1"/>
+              </a:fillRef>
+              <a:effectRef idx="1">
+                <a:schemeClr val="dk1"/>
+              </a:effectRef>
+              <a:fontRef idx="minor">
+                <a:schemeClr val="tx1"/>
+              </a:fontRef>
+            </p:style>
+          </p:cxnSp>
+          <p:cxnSp>
+            <p:nvCxnSpPr>
+              <p:cNvPr id="34" name="직선 화살표 연결선 33">
+                <a:extLst>
+                  <a:ext uri="{FF2B5EF4-FFF2-40B4-BE49-F238E27FC236}">
+                    <a16:creationId xmlns:a16="http://schemas.microsoft.com/office/drawing/2014/main" id="{6F6DFF1B-BC8C-BC16-6088-8DE9C21CE1F6}"/>
+                  </a:ext>
+                </a:extLst>
+              </p:cNvPr>
+              <p:cNvCxnSpPr>
+                <a:cxnSpLocks/>
+              </p:cNvCxnSpPr>
+              <p:nvPr/>
+            </p:nvCxnSpPr>
+            <p:spPr>
+              <a:xfrm flipV="1">
+                <a:off x="8855075" y="2927350"/>
+                <a:ext cx="295275" cy="149225"/>
+              </a:xfrm>
+              <a:prstGeom prst="straightConnector1">
+                <a:avLst/>
+              </a:prstGeom>
+              <a:ln w="12700">
+                <a:headEnd type="none" w="med" len="med"/>
+                <a:tailEnd type="triangle" w="med" len="med"/>
+              </a:ln>
+            </p:spPr>
+            <p:style>
+              <a:lnRef idx="2">
+                <a:schemeClr val="dk1"/>
+              </a:lnRef>
+              <a:fillRef idx="0">
+                <a:schemeClr val="dk1"/>
+              </a:fillRef>
+              <a:effectRef idx="1">
+                <a:schemeClr val="dk1"/>
+              </a:effectRef>
+              <a:fontRef idx="minor">
+                <a:schemeClr val="tx1"/>
+              </a:fontRef>
+            </p:style>
+          </p:cxnSp>
+          <p:cxnSp>
+            <p:nvCxnSpPr>
+              <p:cNvPr id="35" name="직선 화살표 연결선 34">
+                <a:extLst>
+                  <a:ext uri="{FF2B5EF4-FFF2-40B4-BE49-F238E27FC236}">
+                    <a16:creationId xmlns:a16="http://schemas.microsoft.com/office/drawing/2014/main" id="{085F300E-A9EA-7F9C-4E2D-E0B763302920}"/>
+                  </a:ext>
+                </a:extLst>
+              </p:cNvPr>
+              <p:cNvCxnSpPr>
+                <a:cxnSpLocks/>
+              </p:cNvCxnSpPr>
+              <p:nvPr/>
+            </p:nvCxnSpPr>
+            <p:spPr>
+              <a:xfrm flipH="1">
+                <a:off x="9092624" y="2927350"/>
+                <a:ext cx="57726" cy="352425"/>
+              </a:xfrm>
+              <a:prstGeom prst="straightConnector1">
+                <a:avLst/>
+              </a:prstGeom>
+              <a:ln w="12700">
+                <a:headEnd type="none" w="med" len="med"/>
+                <a:tailEnd type="triangle" w="med" len="med"/>
+              </a:ln>
+            </p:spPr>
+            <p:style>
+              <a:lnRef idx="2">
+                <a:schemeClr val="dk1"/>
+              </a:lnRef>
+              <a:fillRef idx="0">
+                <a:schemeClr val="dk1"/>
+              </a:fillRef>
+              <a:effectRef idx="1">
+                <a:schemeClr val="dk1"/>
+              </a:effectRef>
+              <a:fontRef idx="minor">
+                <a:schemeClr val="tx1"/>
+              </a:fontRef>
+            </p:style>
+          </p:cxnSp>
+          <p:cxnSp>
+            <p:nvCxnSpPr>
+              <p:cNvPr id="36" name="직선 화살표 연결선 35">
+                <a:extLst>
+                  <a:ext uri="{FF2B5EF4-FFF2-40B4-BE49-F238E27FC236}">
+                    <a16:creationId xmlns:a16="http://schemas.microsoft.com/office/drawing/2014/main" id="{6CB46343-C443-761A-AE67-7FFFF6EBEF9D}"/>
+                  </a:ext>
+                </a:extLst>
+              </p:cNvPr>
+              <p:cNvCxnSpPr>
+                <a:cxnSpLocks/>
+              </p:cNvCxnSpPr>
+              <p:nvPr/>
+            </p:nvCxnSpPr>
+            <p:spPr>
+              <a:xfrm flipV="1">
+                <a:off x="9092624" y="3103803"/>
+                <a:ext cx="333951" cy="175972"/>
+              </a:xfrm>
+              <a:prstGeom prst="straightConnector1">
+                <a:avLst/>
+              </a:prstGeom>
+              <a:ln w="12700">
+                <a:headEnd type="none" w="med" len="med"/>
+                <a:tailEnd type="triangle" w="med" len="med"/>
+              </a:ln>
+            </p:spPr>
+            <p:style>
+              <a:lnRef idx="2">
+                <a:schemeClr val="dk1"/>
+              </a:lnRef>
+              <a:fillRef idx="0">
+                <a:schemeClr val="dk1"/>
+              </a:fillRef>
+              <a:effectRef idx="1">
+                <a:schemeClr val="dk1"/>
+              </a:effectRef>
+              <a:fontRef idx="minor">
+                <a:schemeClr val="tx1"/>
+              </a:fontRef>
+            </p:style>
+          </p:cxnSp>
+          <p:cxnSp>
+            <p:nvCxnSpPr>
+              <p:cNvPr id="37" name="직선 화살표 연결선 36">
+                <a:extLst>
+                  <a:ext uri="{FF2B5EF4-FFF2-40B4-BE49-F238E27FC236}">
+                    <a16:creationId xmlns:a16="http://schemas.microsoft.com/office/drawing/2014/main" id="{E72A8281-4C13-5487-5E47-F4C4931812EC}"/>
+                  </a:ext>
+                </a:extLst>
+              </p:cNvPr>
+              <p:cNvCxnSpPr>
+                <a:cxnSpLocks/>
+              </p:cNvCxnSpPr>
+              <p:nvPr/>
+            </p:nvCxnSpPr>
+            <p:spPr>
+              <a:xfrm flipH="1">
+                <a:off x="9344025" y="3103803"/>
+                <a:ext cx="82550" cy="388697"/>
+              </a:xfrm>
+              <a:prstGeom prst="straightConnector1">
+                <a:avLst/>
+              </a:prstGeom>
+              <a:ln w="12700">
+                <a:headEnd type="none" w="med" len="med"/>
+                <a:tailEnd type="triangle" w="med" len="med"/>
+              </a:ln>
+            </p:spPr>
+            <p:style>
+              <a:lnRef idx="2">
+                <a:schemeClr val="dk1"/>
+              </a:lnRef>
+              <a:fillRef idx="0">
+                <a:schemeClr val="dk1"/>
+              </a:fillRef>
+              <a:effectRef idx="1">
+                <a:schemeClr val="dk1"/>
+              </a:effectRef>
+              <a:fontRef idx="minor">
+                <a:schemeClr val="tx1"/>
+              </a:fontRef>
+            </p:style>
+          </p:cxnSp>
+          <p:cxnSp>
+            <p:nvCxnSpPr>
+              <p:cNvPr id="38" name="직선 화살표 연결선 37">
+                <a:extLst>
+                  <a:ext uri="{FF2B5EF4-FFF2-40B4-BE49-F238E27FC236}">
+                    <a16:creationId xmlns:a16="http://schemas.microsoft.com/office/drawing/2014/main" id="{9B454C67-7013-C860-27B3-1DE1D64D0C32}"/>
+                  </a:ext>
+                </a:extLst>
+              </p:cNvPr>
+              <p:cNvCxnSpPr>
+                <a:cxnSpLocks/>
+              </p:cNvCxnSpPr>
+              <p:nvPr/>
+            </p:nvCxnSpPr>
+            <p:spPr>
+              <a:xfrm>
+                <a:off x="9351421" y="3486079"/>
+                <a:ext cx="304493" cy="21058"/>
+              </a:xfrm>
+              <a:prstGeom prst="straightConnector1">
+                <a:avLst/>
+              </a:prstGeom>
+              <a:ln w="12700">
+                <a:headEnd type="none" w="med" len="med"/>
+                <a:tailEnd type="triangle" w="med" len="med"/>
+              </a:ln>
+            </p:spPr>
+            <p:style>
+              <a:lnRef idx="2">
+                <a:schemeClr val="dk1"/>
+              </a:lnRef>
+              <a:fillRef idx="0">
+                <a:schemeClr val="dk1"/>
+              </a:fillRef>
+              <a:effectRef idx="1">
+                <a:schemeClr val="dk1"/>
+              </a:effectRef>
+              <a:fontRef idx="minor">
+                <a:schemeClr val="tx1"/>
+              </a:fontRef>
+            </p:style>
+          </p:cxnSp>
+        </p:grpSp>
+        <p:grpSp>
+          <p:nvGrpSpPr>
+            <p:cNvPr id="17" name="그룹 16">
+              <a:extLst>
+                <a:ext uri="{FF2B5EF4-FFF2-40B4-BE49-F238E27FC236}">
+                  <a16:creationId xmlns:a16="http://schemas.microsoft.com/office/drawing/2014/main" id="{C5BC82DB-DBE7-A167-1F78-BACE4A3D7CCD}"/>
+                </a:ext>
+              </a:extLst>
+            </p:cNvPr>
+            <p:cNvGrpSpPr/>
+            <p:nvPr/>
+          </p:nvGrpSpPr>
+          <p:grpSpPr>
+            <a:xfrm flipH="1" flipV="1">
+              <a:off x="9687723" y="3574780"/>
+              <a:ext cx="1010294" cy="776637"/>
+              <a:chOff x="8645620" y="2730500"/>
+              <a:chExt cx="1010294" cy="776637"/>
+            </a:xfrm>
+          </p:grpSpPr>
+          <p:cxnSp>
+            <p:nvCxnSpPr>
+              <p:cNvPr id="18" name="직선 화살표 연결선 17">
+                <a:extLst>
+                  <a:ext uri="{FF2B5EF4-FFF2-40B4-BE49-F238E27FC236}">
+                    <a16:creationId xmlns:a16="http://schemas.microsoft.com/office/drawing/2014/main" id="{96189470-B521-68A1-6656-49B4D5C68B53}"/>
+                  </a:ext>
+                </a:extLst>
+              </p:cNvPr>
+              <p:cNvCxnSpPr>
+                <a:cxnSpLocks/>
+              </p:cNvCxnSpPr>
+              <p:nvPr/>
+            </p:nvCxnSpPr>
+            <p:spPr>
+              <a:xfrm flipV="1">
+                <a:off x="8645620" y="2730500"/>
+                <a:ext cx="314230" cy="169219"/>
+              </a:xfrm>
+              <a:prstGeom prst="straightConnector1">
+                <a:avLst/>
+              </a:prstGeom>
+              <a:ln w="12700">
+                <a:headEnd type="none" w="med" len="med"/>
+                <a:tailEnd type="triangle" w="med" len="med"/>
+              </a:ln>
+            </p:spPr>
+            <p:style>
+              <a:lnRef idx="2">
+                <a:schemeClr val="dk1"/>
+              </a:lnRef>
+              <a:fillRef idx="0">
+                <a:schemeClr val="dk1"/>
+              </a:fillRef>
+              <a:effectRef idx="1">
+                <a:schemeClr val="dk1"/>
+              </a:effectRef>
+              <a:fontRef idx="minor">
+                <a:schemeClr val="tx1"/>
+              </a:fontRef>
+            </p:style>
+          </p:cxnSp>
+          <p:cxnSp>
+            <p:nvCxnSpPr>
+              <p:cNvPr id="24" name="직선 화살표 연결선 23">
+                <a:extLst>
+                  <a:ext uri="{FF2B5EF4-FFF2-40B4-BE49-F238E27FC236}">
+                    <a16:creationId xmlns:a16="http://schemas.microsoft.com/office/drawing/2014/main" id="{A27D1BDB-7AED-276C-3C49-0EFE1D814AF1}"/>
+                  </a:ext>
+                </a:extLst>
+              </p:cNvPr>
+              <p:cNvCxnSpPr>
+                <a:cxnSpLocks/>
+              </p:cNvCxnSpPr>
+              <p:nvPr/>
+            </p:nvCxnSpPr>
+            <p:spPr>
+              <a:xfrm flipH="1">
+                <a:off x="8855075" y="2730500"/>
+                <a:ext cx="104775" cy="346075"/>
+              </a:xfrm>
+              <a:prstGeom prst="straightConnector1">
+                <a:avLst/>
+              </a:prstGeom>
+              <a:ln w="12700">
+                <a:headEnd type="none" w="med" len="med"/>
+                <a:tailEnd type="triangle" w="med" len="med"/>
+              </a:ln>
+            </p:spPr>
+            <p:style>
+              <a:lnRef idx="2">
+                <a:schemeClr val="dk1"/>
+              </a:lnRef>
+              <a:fillRef idx="0">
+                <a:schemeClr val="dk1"/>
+              </a:fillRef>
+              <a:effectRef idx="1">
+                <a:schemeClr val="dk1"/>
+              </a:effectRef>
+              <a:fontRef idx="minor">
+                <a:schemeClr val="tx1"/>
+              </a:fontRef>
+            </p:style>
+          </p:cxnSp>
+          <p:cxnSp>
+            <p:nvCxnSpPr>
+              <p:cNvPr id="25" name="직선 화살표 연결선 24">
+                <a:extLst>
+                  <a:ext uri="{FF2B5EF4-FFF2-40B4-BE49-F238E27FC236}">
+                    <a16:creationId xmlns:a16="http://schemas.microsoft.com/office/drawing/2014/main" id="{4E0C8DA1-4018-69BF-783B-435D7F3D4B03}"/>
+                  </a:ext>
+                </a:extLst>
+              </p:cNvPr>
+              <p:cNvCxnSpPr>
+                <a:cxnSpLocks/>
+              </p:cNvCxnSpPr>
+              <p:nvPr/>
+            </p:nvCxnSpPr>
+            <p:spPr>
+              <a:xfrm flipV="1">
+                <a:off x="8855075" y="2927350"/>
+                <a:ext cx="295275" cy="149225"/>
+              </a:xfrm>
+              <a:prstGeom prst="straightConnector1">
+                <a:avLst/>
+              </a:prstGeom>
+              <a:ln w="12700">
+                <a:headEnd type="none" w="med" len="med"/>
+                <a:tailEnd type="triangle" w="med" len="med"/>
+              </a:ln>
+            </p:spPr>
+            <p:style>
+              <a:lnRef idx="2">
+                <a:schemeClr val="dk1"/>
+              </a:lnRef>
+              <a:fillRef idx="0">
+                <a:schemeClr val="dk1"/>
+              </a:fillRef>
+              <a:effectRef idx="1">
+                <a:schemeClr val="dk1"/>
+              </a:effectRef>
+              <a:fontRef idx="minor">
+                <a:schemeClr val="tx1"/>
+              </a:fontRef>
+            </p:style>
+          </p:cxnSp>
+          <p:cxnSp>
+            <p:nvCxnSpPr>
+              <p:cNvPr id="26" name="직선 화살표 연결선 25">
+                <a:extLst>
+                  <a:ext uri="{FF2B5EF4-FFF2-40B4-BE49-F238E27FC236}">
+                    <a16:creationId xmlns:a16="http://schemas.microsoft.com/office/drawing/2014/main" id="{77DBC254-4354-9DAF-0759-1FEDF65A2398}"/>
+                  </a:ext>
+                </a:extLst>
+              </p:cNvPr>
+              <p:cNvCxnSpPr>
+                <a:cxnSpLocks/>
+              </p:cNvCxnSpPr>
+              <p:nvPr/>
+            </p:nvCxnSpPr>
+            <p:spPr>
+              <a:xfrm flipH="1">
+                <a:off x="9092624" y="2927350"/>
+                <a:ext cx="57726" cy="352425"/>
+              </a:xfrm>
+              <a:prstGeom prst="straightConnector1">
+                <a:avLst/>
+              </a:prstGeom>
+              <a:ln w="12700">
+                <a:headEnd type="none" w="med" len="med"/>
+                <a:tailEnd type="triangle" w="med" len="med"/>
+              </a:ln>
+            </p:spPr>
+            <p:style>
+              <a:lnRef idx="2">
+                <a:schemeClr val="dk1"/>
+              </a:lnRef>
+              <a:fillRef idx="0">
+                <a:schemeClr val="dk1"/>
+              </a:fillRef>
+              <a:effectRef idx="1">
+                <a:schemeClr val="dk1"/>
+              </a:effectRef>
+              <a:fontRef idx="minor">
+                <a:schemeClr val="tx1"/>
+              </a:fontRef>
+            </p:style>
+          </p:cxnSp>
+          <p:cxnSp>
+            <p:nvCxnSpPr>
+              <p:cNvPr id="28" name="직선 화살표 연결선 27">
+                <a:extLst>
+                  <a:ext uri="{FF2B5EF4-FFF2-40B4-BE49-F238E27FC236}">
+                    <a16:creationId xmlns:a16="http://schemas.microsoft.com/office/drawing/2014/main" id="{17A5D05D-62D3-310F-45C4-D915C731DDAE}"/>
+                  </a:ext>
+                </a:extLst>
+              </p:cNvPr>
+              <p:cNvCxnSpPr>
+                <a:cxnSpLocks/>
+              </p:cNvCxnSpPr>
+              <p:nvPr/>
+            </p:nvCxnSpPr>
+            <p:spPr>
+              <a:xfrm flipV="1">
+                <a:off x="9092624" y="3103803"/>
+                <a:ext cx="333951" cy="175972"/>
+              </a:xfrm>
+              <a:prstGeom prst="straightConnector1">
+                <a:avLst/>
+              </a:prstGeom>
+              <a:ln w="12700">
+                <a:headEnd type="none" w="med" len="med"/>
+                <a:tailEnd type="triangle" w="med" len="med"/>
+              </a:ln>
+            </p:spPr>
+            <p:style>
+              <a:lnRef idx="2">
+                <a:schemeClr val="dk1"/>
+              </a:lnRef>
+              <a:fillRef idx="0">
+                <a:schemeClr val="dk1"/>
+              </a:fillRef>
+              <a:effectRef idx="1">
+                <a:schemeClr val="dk1"/>
+              </a:effectRef>
+              <a:fontRef idx="minor">
+                <a:schemeClr val="tx1"/>
+              </a:fontRef>
+            </p:style>
+          </p:cxnSp>
+          <p:cxnSp>
+            <p:nvCxnSpPr>
+              <p:cNvPr id="30" name="직선 화살표 연결선 29">
+                <a:extLst>
+                  <a:ext uri="{FF2B5EF4-FFF2-40B4-BE49-F238E27FC236}">
+                    <a16:creationId xmlns:a16="http://schemas.microsoft.com/office/drawing/2014/main" id="{3052BF90-7A2D-0BB9-AB37-CAD4640A902F}"/>
+                  </a:ext>
+                </a:extLst>
+              </p:cNvPr>
+              <p:cNvCxnSpPr>
+                <a:cxnSpLocks/>
+              </p:cNvCxnSpPr>
+              <p:nvPr/>
+            </p:nvCxnSpPr>
+            <p:spPr>
+              <a:xfrm flipH="1">
+                <a:off x="9344025" y="3103803"/>
+                <a:ext cx="82550" cy="388697"/>
+              </a:xfrm>
+              <a:prstGeom prst="straightConnector1">
+                <a:avLst/>
+              </a:prstGeom>
+              <a:ln w="12700">
+                <a:headEnd type="none" w="med" len="med"/>
+                <a:tailEnd type="triangle" w="med" len="med"/>
+              </a:ln>
+            </p:spPr>
+            <p:style>
+              <a:lnRef idx="2">
+                <a:schemeClr val="dk1"/>
+              </a:lnRef>
+              <a:fillRef idx="0">
+                <a:schemeClr val="dk1"/>
+              </a:fillRef>
+              <a:effectRef idx="1">
+                <a:schemeClr val="dk1"/>
+              </a:effectRef>
+              <a:fontRef idx="minor">
+                <a:schemeClr val="tx1"/>
+              </a:fontRef>
+            </p:style>
+          </p:cxnSp>
+          <p:cxnSp>
+            <p:nvCxnSpPr>
+              <p:cNvPr id="31" name="직선 화살표 연결선 30">
+                <a:extLst>
+                  <a:ext uri="{FF2B5EF4-FFF2-40B4-BE49-F238E27FC236}">
+                    <a16:creationId xmlns:a16="http://schemas.microsoft.com/office/drawing/2014/main" id="{997916AF-6224-5E91-8ECC-DE6FB72F2066}"/>
+                  </a:ext>
+                </a:extLst>
+              </p:cNvPr>
+              <p:cNvCxnSpPr>
+                <a:cxnSpLocks/>
+              </p:cNvCxnSpPr>
+              <p:nvPr/>
+            </p:nvCxnSpPr>
+            <p:spPr>
+              <a:xfrm>
+                <a:off x="9351421" y="3486079"/>
+                <a:ext cx="304493" cy="21058"/>
+              </a:xfrm>
+              <a:prstGeom prst="straightConnector1">
+                <a:avLst/>
+              </a:prstGeom>
+              <a:ln w="12700">
+                <a:headEnd type="none" w="med" len="med"/>
+                <a:tailEnd type="triangle" w="med" len="med"/>
+              </a:ln>
+            </p:spPr>
+            <p:style>
+              <a:lnRef idx="2">
+                <a:schemeClr val="dk1"/>
+              </a:lnRef>
+              <a:fillRef idx="0">
+                <a:schemeClr val="dk1"/>
+              </a:fillRef>
+              <a:effectRef idx="1">
+                <a:schemeClr val="dk1"/>
+              </a:effectRef>
+              <a:fontRef idx="minor">
+                <a:schemeClr val="tx1"/>
+              </a:fontRef>
+            </p:style>
+          </p:cxnSp>
+        </p:grpSp>
+      </p:grpSp>
     </p:spTree>
     <p:extLst>
       <p:ext uri="{BB962C8B-B14F-4D97-AF65-F5344CB8AC3E}">
@@ -8444,8 +9956,8 @@
           </p:sp>
         </mc:Fallback>
       </mc:AlternateContent>
-      <mc:AlternateContent xmlns:mc="http://schemas.openxmlformats.org/markup-compatibility/2006" xmlns:a14="http://schemas.microsoft.com/office/drawing/2010/main">
-        <mc:Choice Requires="a14">
+      <mc:AlternateContent xmlns:mc="http://schemas.openxmlformats.org/markup-compatibility/2006">
+        <mc:Choice xmlns:a14="http://schemas.microsoft.com/office/drawing/2010/main" Requires="a14">
           <p:sp>
             <p:nvSpPr>
               <p:cNvPr id="5" name="TextBox 4">
@@ -8460,7 +9972,7 @@
             </p:nvSpPr>
             <p:spPr>
               <a:xfrm>
-                <a:off x="5887239" y="4229540"/>
+                <a:off x="6164135" y="4371206"/>
                 <a:ext cx="5411728" cy="461665"/>
               </a:xfrm>
               <a:prstGeom prst="rect">
@@ -8739,7 +10251,7 @@
             </p:txBody>
           </p:sp>
         </mc:Choice>
-        <mc:Fallback xmlns="">
+        <mc:Fallback>
           <p:sp>
             <p:nvSpPr>
               <p:cNvPr id="5" name="TextBox 4">
@@ -8756,7 +10268,7 @@
             </p:nvSpPr>
             <p:spPr>
               <a:xfrm>
-                <a:off x="5887239" y="4229540"/>
+                <a:off x="6164135" y="4371206"/>
                 <a:ext cx="5411728" cy="461665"/>
               </a:xfrm>
               <a:prstGeom prst="rect">
@@ -8765,7 +10277,7 @@
               <a:blipFill>
                 <a:blip r:embed="rId4"/>
                 <a:stretch>
-                  <a:fillRect b="-14474"/>
+                  <a:fillRect b="-15789"/>
                 </a:stretch>
               </a:blipFill>
             </p:spPr>
@@ -8798,7 +10310,7 @@
         </p:nvSpPr>
         <p:spPr>
           <a:xfrm>
-            <a:off x="3548377" y="4966920"/>
+            <a:off x="3825273" y="5108586"/>
             <a:ext cx="151869" cy="403791"/>
           </a:xfrm>
           <a:prstGeom prst="upArrow">
@@ -8841,8 +10353,8 @@
           </a:p>
         </p:txBody>
       </p:sp>
-      <mc:AlternateContent xmlns:mc="http://schemas.openxmlformats.org/markup-compatibility/2006" xmlns:a14="http://schemas.microsoft.com/office/drawing/2010/main">
-        <mc:Choice Requires="a14">
+      <mc:AlternateContent xmlns:mc="http://schemas.openxmlformats.org/markup-compatibility/2006">
+        <mc:Choice xmlns:a14="http://schemas.microsoft.com/office/drawing/2010/main" Requires="a14">
           <p:sp>
             <p:nvSpPr>
               <p:cNvPr id="8" name="TextBox 7">
@@ -8857,7 +10369,7 @@
             </p:nvSpPr>
             <p:spPr>
               <a:xfrm>
-                <a:off x="8475374" y="5509686"/>
+                <a:off x="8752270" y="5651352"/>
                 <a:ext cx="2265940" cy="369332"/>
               </a:xfrm>
               <a:prstGeom prst="rect">
@@ -8929,7 +10441,7 @@
             </p:txBody>
           </p:sp>
         </mc:Choice>
-        <mc:Fallback xmlns="">
+        <mc:Fallback>
           <p:sp>
             <p:nvSpPr>
               <p:cNvPr id="8" name="TextBox 7">
@@ -8946,7 +10458,7 @@
             </p:nvSpPr>
             <p:spPr>
               <a:xfrm>
-                <a:off x="8475374" y="5509686"/>
+                <a:off x="8752270" y="5651352"/>
                 <a:ext cx="2265940" cy="369332"/>
               </a:xfrm>
               <a:prstGeom prst="rect">
@@ -8955,7 +10467,7 @@
               <a:blipFill>
                 <a:blip r:embed="rId5"/>
                 <a:stretch>
-                  <a:fillRect b="-3333"/>
+                  <a:fillRect b="-1639"/>
                 </a:stretch>
               </a:blipFill>
             </p:spPr>
@@ -8988,7 +10500,7 @@
         </p:nvSpPr>
         <p:spPr>
           <a:xfrm>
-            <a:off x="3423074" y="4197362"/>
+            <a:off x="3699970" y="4339028"/>
             <a:ext cx="402477" cy="538403"/>
           </a:xfrm>
           <a:prstGeom prst="flowChartProcess">
@@ -9026,8 +10538,8 @@
           </a:p>
         </p:txBody>
       </p:sp>
-      <mc:AlternateContent xmlns:mc="http://schemas.openxmlformats.org/markup-compatibility/2006" xmlns:a14="http://schemas.microsoft.com/office/drawing/2010/main">
-        <mc:Choice Requires="a14">
+      <mc:AlternateContent xmlns:mc="http://schemas.openxmlformats.org/markup-compatibility/2006">
+        <mc:Choice xmlns:a14="http://schemas.microsoft.com/office/drawing/2010/main" Requires="a14">
           <p:sp>
             <p:nvSpPr>
               <p:cNvPr id="6" name="TextBox 5">
@@ -9042,7 +10554,7 @@
             </p:nvSpPr>
             <p:spPr>
               <a:xfrm>
-                <a:off x="292888" y="4229540"/>
+                <a:off x="569784" y="4371206"/>
                 <a:ext cx="5411728" cy="461665"/>
               </a:xfrm>
               <a:prstGeom prst="rect">
@@ -9278,7 +10790,7 @@
             </p:txBody>
           </p:sp>
         </mc:Choice>
-        <mc:Fallback xmlns="">
+        <mc:Fallback>
           <p:sp>
             <p:nvSpPr>
               <p:cNvPr id="6" name="TextBox 5">
@@ -9295,7 +10807,7 @@
             </p:nvSpPr>
             <p:spPr>
               <a:xfrm>
-                <a:off x="292888" y="4229540"/>
+                <a:off x="569784" y="4371206"/>
                 <a:ext cx="5411728" cy="461665"/>
               </a:xfrm>
               <a:prstGeom prst="rect">
@@ -9304,7 +10816,7 @@
               <a:blipFill>
                 <a:blip r:embed="rId6"/>
                 <a:stretch>
-                  <a:fillRect b="-14474"/>
+                  <a:fillRect b="-15789"/>
                 </a:stretch>
               </a:blipFill>
             </p:spPr>
@@ -9337,7 +10849,7 @@
         </p:nvSpPr>
         <p:spPr>
           <a:xfrm>
-            <a:off x="9407107" y="4191170"/>
+            <a:off x="9684003" y="4332836"/>
             <a:ext cx="402477" cy="538403"/>
           </a:xfrm>
           <a:prstGeom prst="flowChartProcess">
@@ -9389,7 +10901,7 @@
         </p:nvSpPr>
         <p:spPr>
           <a:xfrm>
-            <a:off x="9532410" y="4895079"/>
+            <a:off x="9809306" y="5036745"/>
             <a:ext cx="151869" cy="403791"/>
           </a:xfrm>
           <a:prstGeom prst="upArrow">
@@ -9432,8 +10944,8 @@
           </a:p>
         </p:txBody>
       </p:sp>
-      <mc:AlternateContent xmlns:mc="http://schemas.openxmlformats.org/markup-compatibility/2006" xmlns:a14="http://schemas.microsoft.com/office/drawing/2010/main">
-        <mc:Choice Requires="a14">
+      <mc:AlternateContent xmlns:mc="http://schemas.openxmlformats.org/markup-compatibility/2006">
+        <mc:Choice xmlns:a14="http://schemas.microsoft.com/office/drawing/2010/main" Requires="a14">
           <p:sp>
             <p:nvSpPr>
               <p:cNvPr id="11" name="TextBox 10">
@@ -9448,7 +10960,7 @@
             </p:nvSpPr>
             <p:spPr>
               <a:xfrm>
-                <a:off x="2219471" y="5522379"/>
+                <a:off x="2496367" y="5664045"/>
                 <a:ext cx="2809679" cy="369332"/>
               </a:xfrm>
               <a:prstGeom prst="rect">
@@ -9551,7 +11063,7 @@
             </p:txBody>
           </p:sp>
         </mc:Choice>
-        <mc:Fallback xmlns="">
+        <mc:Fallback>
           <p:sp>
             <p:nvSpPr>
               <p:cNvPr id="11" name="TextBox 10">
@@ -9568,7 +11080,7 @@
             </p:nvSpPr>
             <p:spPr>
               <a:xfrm>
-                <a:off x="2219471" y="5522379"/>
+                <a:off x="2496367" y="5664045"/>
                 <a:ext cx="2809679" cy="369332"/>
               </a:xfrm>
               <a:prstGeom prst="rect">
@@ -9577,7 +11089,247 @@
               <a:blipFill>
                 <a:blip r:embed="rId7"/>
                 <a:stretch>
-                  <a:fillRect b="-3333"/>
+                  <a:fillRect b="-1639"/>
+                </a:stretch>
+              </a:blipFill>
+            </p:spPr>
+            <p:txBody>
+              <a:bodyPr/>
+              <a:lstStyle/>
+              <a:p>
+                <a:r>
+                  <a:rPr lang="ko-KR" altLang="en-US">
+                    <a:noFill/>
+                  </a:rPr>
+                  <a:t> </a:t>
+                </a:r>
+              </a:p>
+            </p:txBody>
+          </p:sp>
+        </mc:Fallback>
+      </mc:AlternateContent>
+      <mc:AlternateContent xmlns:mc="http://schemas.openxmlformats.org/markup-compatibility/2006">
+        <mc:Choice xmlns:a14="http://schemas.microsoft.com/office/drawing/2010/main" Requires="a14">
+          <p:sp>
+            <p:nvSpPr>
+              <p:cNvPr id="15" name="TextBox 14">
+                <a:extLst>
+                  <a:ext uri="{FF2B5EF4-FFF2-40B4-BE49-F238E27FC236}">
+                    <a16:creationId xmlns:a16="http://schemas.microsoft.com/office/drawing/2014/main" id="{7457A7E9-D9AD-3850-53E1-9BF48914D94A}"/>
+                  </a:ext>
+                </a:extLst>
+              </p:cNvPr>
+              <p:cNvSpPr txBox="1"/>
+              <p:nvPr/>
+            </p:nvSpPr>
+            <p:spPr>
+              <a:xfrm>
+                <a:off x="9147125" y="3723440"/>
+                <a:ext cx="1073755" cy="307777"/>
+              </a:xfrm>
+              <a:prstGeom prst="rect">
+                <a:avLst/>
+              </a:prstGeom>
+              <a:noFill/>
+            </p:spPr>
+            <p:txBody>
+              <a:bodyPr wrap="none" rtlCol="0">
+                <a:spAutoFit/>
+              </a:bodyPr>
+              <a:lstStyle/>
+              <a:p>
+                <a14:m>
+                  <m:oMath xmlns:m="http://schemas.openxmlformats.org/officeDocument/2006/math">
+                    <m:sSub>
+                      <m:sSubPr>
+                        <m:ctrlPr>
+                          <a:rPr lang="en-US" altLang="ko-KR" sz="1400" b="1" i="1" smtClean="0">
+                            <a:latin typeface="Cambria Math" panose="02040503050406030204" pitchFamily="18" charset="0"/>
+                          </a:rPr>
+                        </m:ctrlPr>
+                      </m:sSubPr>
+                      <m:e>
+                        <m:r>
+                          <a:rPr lang="en-US" altLang="ko-KR" sz="1400" b="1" i="1" smtClean="0">
+                            <a:latin typeface="Cambria Math" panose="02040503050406030204" pitchFamily="18" charset="0"/>
+                          </a:rPr>
+                          <m:t>𝑴</m:t>
+                        </m:r>
+                      </m:e>
+                      <m:sub>
+                        <m:r>
+                          <a:rPr lang="en-US" altLang="ko-KR" sz="1400" b="1" i="1" smtClean="0">
+                            <a:latin typeface="Cambria Math" panose="02040503050406030204" pitchFamily="18" charset="0"/>
+                          </a:rPr>
+                          <m:t>𝑼</m:t>
+                        </m:r>
+                      </m:sub>
+                    </m:sSub>
+                  </m:oMath>
+                </a14:m>
+                <a:r>
+                  <a:rPr lang="ko-KR" altLang="en-US" sz="1400" b="1" dirty="0"/>
+                  <a:t> 예측 </a:t>
+                </a:r>
+                <a:r>
+                  <a:rPr lang="en-US" altLang="ko-KR" sz="1400" b="1" dirty="0"/>
+                  <a:t>O</a:t>
+                </a:r>
+                <a:endParaRPr lang="ko-KR" altLang="en-US" sz="1400" b="1" dirty="0"/>
+              </a:p>
+            </p:txBody>
+          </p:sp>
+        </mc:Choice>
+        <mc:Fallback>
+          <p:sp>
+            <p:nvSpPr>
+              <p:cNvPr id="15" name="TextBox 14">
+                <a:extLst>
+                  <a:ext uri="{FF2B5EF4-FFF2-40B4-BE49-F238E27FC236}">
+                    <a16:creationId xmlns:a16="http://schemas.microsoft.com/office/drawing/2014/main" id="{7457A7E9-D9AD-3850-53E1-9BF48914D94A}"/>
+                  </a:ext>
+                </a:extLst>
+              </p:cNvPr>
+              <p:cNvSpPr txBox="1">
+                <a:spLocks noRot="1" noChangeAspect="1" noMove="1" noResize="1" noEditPoints="1" noAdjustHandles="1" noChangeArrowheads="1" noChangeShapeType="1" noTextEdit="1"/>
+              </p:cNvSpPr>
+              <p:nvPr/>
+            </p:nvSpPr>
+            <p:spPr>
+              <a:xfrm>
+                <a:off x="9147125" y="3723440"/>
+                <a:ext cx="1073755" cy="307777"/>
+              </a:xfrm>
+              <a:prstGeom prst="rect">
+                <a:avLst/>
+              </a:prstGeom>
+              <a:blipFill>
+                <a:blip r:embed="rId8"/>
+                <a:stretch>
+                  <a:fillRect t="-4000" r="-1136" b="-20000"/>
+                </a:stretch>
+              </a:blipFill>
+            </p:spPr>
+            <p:txBody>
+              <a:bodyPr/>
+              <a:lstStyle/>
+              <a:p>
+                <a:r>
+                  <a:rPr lang="ko-KR" altLang="en-US">
+                    <a:noFill/>
+                  </a:rPr>
+                  <a:t> </a:t>
+                </a:r>
+              </a:p>
+            </p:txBody>
+          </p:sp>
+        </mc:Fallback>
+      </mc:AlternateContent>
+      <mc:AlternateContent xmlns:mc="http://schemas.openxmlformats.org/markup-compatibility/2006">
+        <mc:Choice xmlns:a14="http://schemas.microsoft.com/office/drawing/2010/main" Requires="a14">
+          <p:sp>
+            <p:nvSpPr>
+              <p:cNvPr id="16" name="TextBox 15">
+                <a:extLst>
+                  <a:ext uri="{FF2B5EF4-FFF2-40B4-BE49-F238E27FC236}">
+                    <a16:creationId xmlns:a16="http://schemas.microsoft.com/office/drawing/2014/main" id="{AAAF7475-DFA3-5669-99DF-D0B1B480CC1A}"/>
+                  </a:ext>
+                </a:extLst>
+              </p:cNvPr>
+              <p:cNvSpPr txBox="1"/>
+              <p:nvPr/>
+            </p:nvSpPr>
+            <p:spPr>
+              <a:xfrm>
+                <a:off x="3073576" y="3723440"/>
+                <a:ext cx="1028871" cy="307777"/>
+              </a:xfrm>
+              <a:prstGeom prst="rect">
+                <a:avLst/>
+              </a:prstGeom>
+              <a:noFill/>
+            </p:spPr>
+            <p:txBody>
+              <a:bodyPr wrap="none" rtlCol="0">
+                <a:spAutoFit/>
+              </a:bodyPr>
+              <a:lstStyle/>
+              <a:p>
+                <a14:m>
+                  <m:oMath xmlns:m="http://schemas.openxmlformats.org/officeDocument/2006/math">
+                    <m:sSub>
+                      <m:sSubPr>
+                        <m:ctrlPr>
+                          <a:rPr lang="en-US" altLang="ko-KR" sz="1400" b="1" i="1" smtClean="0">
+                            <a:latin typeface="Cambria Math" panose="02040503050406030204" pitchFamily="18" charset="0"/>
+                          </a:rPr>
+                        </m:ctrlPr>
+                      </m:sSubPr>
+                      <m:e>
+                        <m:r>
+                          <a:rPr lang="en-US" altLang="ko-KR" sz="1400" b="1" i="1" smtClean="0">
+                            <a:latin typeface="Cambria Math" panose="02040503050406030204" pitchFamily="18" charset="0"/>
+                          </a:rPr>
+                          <m:t>𝑴</m:t>
+                        </m:r>
+                      </m:e>
+                      <m:sub>
+                        <m:r>
+                          <a:rPr lang="en-US" altLang="ko-KR" sz="1400" b="1" i="1" smtClean="0">
+                            <a:latin typeface="Cambria Math" panose="02040503050406030204" pitchFamily="18" charset="0"/>
+                          </a:rPr>
+                          <m:t>𝑼</m:t>
+                        </m:r>
+                      </m:sub>
+                    </m:sSub>
+                    <m:r>
+                      <a:rPr lang="en-US" altLang="ko-KR" sz="1400" b="1" i="0" smtClean="0">
+                        <a:latin typeface="Cambria Math" panose="02040503050406030204" pitchFamily="18" charset="0"/>
+                      </a:rPr>
+                      <m:t> </m:t>
+                    </m:r>
+                  </m:oMath>
+                </a14:m>
+                <a:r>
+                  <a:rPr lang="ko-KR" altLang="en-US" sz="1400" b="1" dirty="0"/>
+                  <a:t>예측 </a:t>
+                </a:r>
+                <a:r>
+                  <a:rPr lang="en-US" altLang="ko-KR" sz="1400" b="1" dirty="0"/>
+                  <a:t>X</a:t>
+                </a:r>
+                <a:endParaRPr lang="ko-KR" altLang="en-US" sz="1400" b="1" dirty="0"/>
+              </a:p>
+            </p:txBody>
+          </p:sp>
+        </mc:Choice>
+        <mc:Fallback>
+          <p:sp>
+            <p:nvSpPr>
+              <p:cNvPr id="16" name="TextBox 15">
+                <a:extLst>
+                  <a:ext uri="{FF2B5EF4-FFF2-40B4-BE49-F238E27FC236}">
+                    <a16:creationId xmlns:a16="http://schemas.microsoft.com/office/drawing/2014/main" id="{AAAF7475-DFA3-5669-99DF-D0B1B480CC1A}"/>
+                  </a:ext>
+                </a:extLst>
+              </p:cNvPr>
+              <p:cNvSpPr txBox="1">
+                <a:spLocks noRot="1" noChangeAspect="1" noMove="1" noResize="1" noEditPoints="1" noAdjustHandles="1" noChangeArrowheads="1" noChangeShapeType="1" noTextEdit="1"/>
+              </p:cNvSpPr>
+              <p:nvPr/>
+            </p:nvSpPr>
+            <p:spPr>
+              <a:xfrm>
+                <a:off x="3073576" y="3723440"/>
+                <a:ext cx="1028871" cy="307777"/>
+              </a:xfrm>
+              <a:prstGeom prst="rect">
+                <a:avLst/>
+              </a:prstGeom>
+              <a:blipFill>
+                <a:blip r:embed="rId9"/>
+                <a:stretch>
+                  <a:fillRect t="-4000" r="-592" b="-20000"/>
                 </a:stretch>
               </a:blipFill>
             </p:spPr>
@@ -11250,7 +13002,7 @@
         <p:spPr>
           <a:xfrm>
             <a:off x="893034" y="1126900"/>
-            <a:ext cx="11422534" cy="5053013"/>
+            <a:ext cx="5746025" cy="5053013"/>
           </a:xfrm>
           <a:prstGeom prst="rect">
             <a:avLst/>
@@ -11451,23 +13203,49 @@
             </a:r>
             <a:r>
               <a:rPr lang="ko-KR" altLang="en-US" sz="2000" dirty="0"/>
-              <a:t>의 </a:t>
+              <a:t>중 예측과 실제 값 차이가 최대 </a:t>
             </a:r>
             <a:r>
               <a:rPr lang="en-US" altLang="ko-KR" sz="2000" dirty="0"/>
-              <a:t>Worst Case</a:t>
+              <a:t>1250[Nm]</a:t>
             </a:r>
             <a:r>
-              <a:rPr lang="ko-KR" altLang="en-US" sz="2000"/>
-              <a:t>로 최대 에러가 </a:t>
+              <a:rPr lang="ko-KR" altLang="en-US" sz="2000" dirty="0"/>
+              <a:t>까지</a:t>
             </a:r>
             <a:r>
               <a:rPr lang="en-US" altLang="ko-KR" sz="2000" dirty="0"/>
-              <a:t>1250[Nm] </a:t>
+              <a:t> </a:t>
             </a:r>
             <a:r>
               <a:rPr lang="ko-KR" altLang="en-US" sz="2000" dirty="0"/>
               <a:t>발생</a:t>
+            </a:r>
+            <a:endParaRPr lang="en-US" altLang="ko-KR" sz="2000" dirty="0"/>
+          </a:p>
+          <a:p>
+            <a:pPr lvl="1">
+              <a:lnSpc>
+                <a:spcPct val="150000"/>
+              </a:lnSpc>
+              <a:buFont typeface="Wingdings" panose="05000000000000000000" pitchFamily="2" charset="2"/>
+              <a:buChar char="Ø"/>
+            </a:pPr>
+            <a:r>
+              <a:rPr lang="en-US" altLang="ko-KR" sz="2000" dirty="0"/>
+              <a:t> </a:t>
+            </a:r>
+            <a:r>
+              <a:rPr lang="ko-KR" altLang="en-US" sz="2000" dirty="0"/>
+              <a:t>평균적으로 </a:t>
+            </a:r>
+            <a:r>
+              <a:rPr lang="en-US" altLang="ko-KR" sz="2000" dirty="0"/>
+              <a:t>250[Nm]</a:t>
+            </a:r>
+            <a:r>
+              <a:rPr lang="ko-KR" altLang="en-US" sz="2000" dirty="0"/>
+              <a:t>차이를 보이며 준수한 예측 성능을 보임</a:t>
             </a:r>
             <a:endParaRPr lang="en-US" altLang="ko-KR" sz="2000" dirty="0"/>
           </a:p>
@@ -11501,8 +13279,8 @@
         </p:blipFill>
         <p:spPr>
           <a:xfrm>
-            <a:off x="3660584" y="2276670"/>
-            <a:ext cx="5067477" cy="3800607"/>
+            <a:off x="6639059" y="1529300"/>
+            <a:ext cx="5473610" cy="4105207"/>
           </a:xfrm>
           <a:prstGeom prst="rect">
             <a:avLst/>
@@ -11603,8 +13381,8 @@
           </a:p>
         </p:txBody>
       </p:sp>
-      <mc:AlternateContent xmlns:mc="http://schemas.openxmlformats.org/markup-compatibility/2006" xmlns:a14="http://schemas.microsoft.com/office/drawing/2010/main">
-        <mc:Choice Requires="a14">
+      <mc:AlternateContent xmlns:mc="http://schemas.openxmlformats.org/markup-compatibility/2006">
+        <mc:Choice xmlns:a14="http://schemas.microsoft.com/office/drawing/2010/main" Requires="a14">
           <p:sp>
             <p:nvSpPr>
               <p:cNvPr id="48" name="내용 개체 틀 2">
@@ -11823,7 +13601,11 @@
                 </a:r>
                 <a:r>
                   <a:rPr lang="ko-KR" altLang="en-US" sz="2000" b="0" dirty="0"/>
-                  <a:t>을 사용하지 않은 모델과 사용한 모델 결과 비교 </a:t>
+                  <a:t>을 사용하지 않은 모델과 사용한 모델 결과 </a:t>
+                </a:r>
+                <a:r>
+                  <a:rPr lang="ko-KR" altLang="en-US" sz="2000" dirty="0"/>
+                  <a:t>비교를 통해 성능 향상 확인</a:t>
                 </a:r>
                 <a:endParaRPr lang="en-US" altLang="ko-KR" sz="2000" b="0" dirty="0"/>
               </a:p>
@@ -11858,6 +13640,137 @@
                 <a:r>
                   <a:rPr lang="ko-KR" altLang="en-US" sz="2000" dirty="0"/>
                   <a:t>여유를 두어서 세팅</a:t>
+                </a:r>
+                <a:endParaRPr lang="en-US" altLang="ko-KR" sz="2000" dirty="0"/>
+              </a:p>
+              <a:p>
+                <a:pPr lvl="1">
+                  <a:lnSpc>
+                    <a:spcPct val="150000"/>
+                  </a:lnSpc>
+                  <a:buFont typeface="Wingdings" panose="05000000000000000000" pitchFamily="2" charset="2"/>
+                  <a:buChar char="Ø"/>
+                </a:pPr>
+                <a:r>
+                  <a:rPr lang="en-US" altLang="ko-KR" sz="2000" dirty="0"/>
+                  <a:t> LSTM</a:t>
+                </a:r>
+                <a:r>
+                  <a:rPr lang="ko-KR" altLang="en-US" sz="2000" dirty="0"/>
+                  <a:t>을 사용할 경우 </a:t>
+                </a:r>
+                <a:r>
+                  <a:rPr lang="en-US" altLang="ko-KR" sz="2000" dirty="0"/>
+                  <a:t>Test Set</a:t>
+                </a:r>
+                <a:r>
+                  <a:rPr lang="ko-KR" altLang="en-US" sz="2000" dirty="0"/>
+                  <a:t>의 오차가 </a:t>
+                </a:r>
+                <a:r>
+                  <a:rPr lang="en-US" altLang="ko-KR" sz="2000" dirty="0"/>
+                  <a:t>1250[Nm] </a:t>
+                </a:r>
+                <a:r>
+                  <a:rPr lang="ko-KR" altLang="en-US" sz="2000" dirty="0"/>
+                  <a:t>이므로 </a:t>
+                </a:r>
+                <a:r>
+                  <a:rPr lang="en-US" altLang="ko-KR" sz="2000" dirty="0"/>
+                  <a:t>Gain</a:t>
+                </a:r>
+                <a:r>
+                  <a:rPr lang="ko-KR" altLang="en-US" sz="2000" dirty="0"/>
+                  <a:t>을 </a:t>
+                </a:r>
+                <a:r>
+                  <a:rPr lang="en-US" altLang="ko-KR" sz="2000" dirty="0"/>
+                  <a:t>2250(1000+1250)</a:t>
+                </a:r>
+                <a:r>
+                  <a:rPr lang="ko-KR" altLang="en-US" sz="2000" dirty="0"/>
+                  <a:t>으로 설정 </a:t>
+                </a:r>
+                <a:endParaRPr lang="en-US" altLang="ko-KR" sz="2000" dirty="0"/>
+              </a:p>
+              <a:p>
+                <a:pPr lvl="1">
+                  <a:lnSpc>
+                    <a:spcPct val="150000"/>
+                  </a:lnSpc>
+                  <a:buFont typeface="Wingdings" panose="05000000000000000000" pitchFamily="2" charset="2"/>
+                  <a:buChar char="Ø"/>
+                </a:pPr>
+                <a:r>
+                  <a:rPr lang="ko-KR" altLang="en-US" sz="2000" dirty="0"/>
+                  <a:t> </a:t>
+                </a:r>
+                <a:r>
+                  <a:rPr lang="en-US" altLang="ko-KR" sz="2000" dirty="0"/>
+                  <a:t>LSTM</a:t>
+                </a:r>
+                <a:r>
+                  <a:rPr lang="ko-KR" altLang="en-US" sz="2000" dirty="0"/>
+                  <a:t>을 사용하지 않을 경우 발생할 수 있는 </a:t>
+                </a:r>
+                <a14:m>
+                  <m:oMath xmlns:m="http://schemas.openxmlformats.org/officeDocument/2006/math">
+                    <m:sSub>
+                      <m:sSubPr>
+                        <m:ctrlPr>
+                          <a:rPr lang="ko-KR" altLang="en-US" sz="2000" i="1" smtClean="0">
+                            <a:solidFill>
+                              <a:schemeClr val="tx1"/>
+                            </a:solidFill>
+                            <a:latin typeface="Cambria Math" panose="02040503050406030204" pitchFamily="18" charset="0"/>
+                          </a:rPr>
+                        </m:ctrlPr>
+                      </m:sSubPr>
+                      <m:e>
+                        <m:r>
+                          <a:rPr lang="ko-KR" altLang="en-US" sz="2000" i="1">
+                            <a:solidFill>
+                              <a:schemeClr val="tx1"/>
+                            </a:solidFill>
+                            <a:latin typeface="Cambria Math" panose="02040503050406030204" pitchFamily="18" charset="0"/>
+                          </a:rPr>
+                          <m:t>𝑀</m:t>
+                        </m:r>
+                      </m:e>
+                      <m:sub>
+                        <m:r>
+                          <a:rPr lang="ko-KR" altLang="en-US" sz="2000" i="1">
+                            <a:solidFill>
+                              <a:schemeClr val="tx1"/>
+                            </a:solidFill>
+                            <a:latin typeface="Cambria Math" panose="02040503050406030204" pitchFamily="18" charset="0"/>
+                          </a:rPr>
+                          <m:t>𝑈</m:t>
+                        </m:r>
+                      </m:sub>
+                    </m:sSub>
+                    <m:r>
+                      <a:rPr lang="en-US" altLang="ko-KR" sz="2000" b="0" i="1" smtClean="0">
+                        <a:solidFill>
+                          <a:schemeClr val="tx1"/>
+                        </a:solidFill>
+                        <a:latin typeface="Cambria Math" panose="02040503050406030204" pitchFamily="18" charset="0"/>
+                      </a:rPr>
+                      <m:t> </m:t>
+                    </m:r>
+                  </m:oMath>
+                </a14:m>
+                <a:r>
+                  <a:rPr lang="ko-KR" altLang="en-US" sz="2000" dirty="0"/>
+                  <a:t>의</a:t>
+                </a:r>
+                <a:r>
+                  <a:rPr lang="en-US" altLang="ko-KR" sz="2000" dirty="0"/>
+                  <a:t> </a:t>
+                </a:r>
+                <a:r>
+                  <a:rPr lang="ko-KR" altLang="en-US" sz="2000" dirty="0"/>
+                  <a:t>최댓값을 넘어야 함</a:t>
                 </a:r>
                 <a:endParaRPr lang="en-US" altLang="ko-KR" sz="2000" dirty="0"/>
               </a:p>
@@ -11909,30 +13822,11 @@
                         </m:r>
                       </m:sub>
                     </m:sSub>
-                    <m:r>
-                      <a:rPr lang="en-US" altLang="ko-KR" sz="2000" b="0" i="1" smtClean="0">
-                        <a:solidFill>
-                          <a:schemeClr val="tx1"/>
-                        </a:solidFill>
-                        <a:latin typeface="Cambria Math" panose="02040503050406030204" pitchFamily="18" charset="0"/>
-                      </a:rPr>
-                      <m:t> </m:t>
-                    </m:r>
-                    <m:r>
-                      <a:rPr lang="ko-KR" altLang="en-US" sz="2000" i="1">
-                        <a:latin typeface="Cambria Math" panose="02040503050406030204" pitchFamily="18" charset="0"/>
-                      </a:rPr>
-                      <m:t>의</m:t>
-                    </m:r>
                   </m:oMath>
                 </a14:m>
                 <a:r>
-                  <a:rPr lang="en-US" altLang="ko-KR" sz="2000" dirty="0"/>
-                  <a:t> </a:t>
-                </a:r>
-                <a:r>
                   <a:rPr lang="ko-KR" altLang="en-US" sz="2000" dirty="0"/>
-                  <a:t>최댓값은 </a:t>
+                  <a:t>의 최댓값은 </a:t>
                 </a:r>
                 <a:r>
                   <a:rPr lang="en-US" altLang="ko-KR" sz="2000" dirty="0"/>
@@ -11960,49 +13854,7 @@
                 </a:r>
                 <a:r>
                   <a:rPr lang="en-US" altLang="ko-KR" sz="2000" dirty="0"/>
-                  <a:t>4600</a:t>
-                </a:r>
-                <a:r>
-                  <a:rPr lang="ko-KR" altLang="en-US" sz="2000" dirty="0"/>
-                  <a:t>으로 설정</a:t>
-                </a:r>
-                <a:endParaRPr lang="en-US" altLang="ko-KR" sz="2000" dirty="0"/>
-              </a:p>
-              <a:p>
-                <a:pPr lvl="1">
-                  <a:lnSpc>
-                    <a:spcPct val="150000"/>
-                  </a:lnSpc>
-                  <a:buFont typeface="Wingdings" panose="05000000000000000000" pitchFamily="2" charset="2"/>
-                  <a:buChar char="Ø"/>
-                </a:pPr>
-                <a:r>
-                  <a:rPr lang="en-US" altLang="ko-KR" sz="2000" dirty="0"/>
-                  <a:t> LSTM</a:t>
-                </a:r>
-                <a:r>
-                  <a:rPr lang="ko-KR" altLang="en-US" sz="2000" dirty="0"/>
-                  <a:t>을 사용할 경우 최대 오차가 </a:t>
-                </a:r>
-                <a:r>
-                  <a:rPr lang="en-US" altLang="ko-KR" sz="2000" dirty="0"/>
-                  <a:t>1250[Nm] </a:t>
-                </a:r>
-                <a:r>
-                  <a:rPr lang="ko-KR" altLang="en-US" sz="2000" dirty="0"/>
-                  <a:t>이므로 </a:t>
-                </a:r>
-                <a:r>
-                  <a:rPr lang="en-US" altLang="ko-KR" sz="2000" dirty="0"/>
-                  <a:t>Gain</a:t>
-                </a:r>
-                <a:r>
-                  <a:rPr lang="ko-KR" altLang="en-US" sz="2000" dirty="0"/>
-                  <a:t>을 </a:t>
-                </a:r>
-                <a:r>
-                  <a:rPr lang="en-US" altLang="ko-KR" sz="2000" dirty="0"/>
-                  <a:t>2250</a:t>
+                  <a:t>4600(3600+1000)</a:t>
                 </a:r>
                 <a:r>
                   <a:rPr lang="ko-KR" altLang="en-US" sz="2000" dirty="0"/>
@@ -12013,7 +13865,7 @@
             </p:txBody>
           </p:sp>
         </mc:Choice>
-        <mc:Fallback xmlns="">
+        <mc:Fallback>
           <p:sp>
             <p:nvSpPr>
               <p:cNvPr id="48" name="내용 개체 틀 2">
@@ -12363,8 +14215,72 @@
               <a:buChar char="Ø"/>
             </a:pPr>
             <a:r>
+              <a:rPr lang="ko-KR" altLang="en-US" sz="2000" dirty="0"/>
+              <a:t>일정한 주기로 </a:t>
+            </a:r>
+            <a:r>
+              <a:rPr lang="en-US" altLang="ko-KR" sz="2000" dirty="0"/>
+              <a:t>handle</a:t>
+            </a:r>
+            <a:r>
+              <a:rPr lang="ko-KR" altLang="en-US" sz="2000" dirty="0"/>
+              <a:t> 조작 </a:t>
+            </a:r>
+            <a:r>
+              <a:rPr lang="en-US" altLang="ko-KR" sz="2000" dirty="0"/>
+              <a:t>Test</a:t>
+            </a:r>
+            <a:endParaRPr lang="en-US" altLang="ko-KR" sz="2000" b="0" dirty="0"/>
+          </a:p>
+          <a:p>
+            <a:pPr lvl="1">
+              <a:lnSpc>
+                <a:spcPct val="150000"/>
+              </a:lnSpc>
+              <a:buFont typeface="Wingdings" panose="05000000000000000000" pitchFamily="2" charset="2"/>
+              <a:buChar char="Ø"/>
+            </a:pPr>
+            <a:r>
               <a:rPr lang="en-US" altLang="ko-KR" sz="2000" b="0" dirty="0"/>
+              <a:t>Saturation</a:t>
+            </a:r>
+            <a:r>
+              <a:rPr lang="ko-KR" altLang="en-US" sz="2000" b="0" dirty="0"/>
+              <a:t>이 되었을 때</a:t>
+            </a:r>
+            <a:r>
+              <a:rPr lang="en-US" altLang="ko-KR" sz="2000" b="0" dirty="0"/>
+              <a:t>,</a:t>
+            </a:r>
+            <a:r>
+              <a:rPr lang="ko-KR" altLang="en-US" sz="2000" b="0" dirty="0"/>
               <a:t> </a:t>
+            </a:r>
+            <a:r>
+              <a:rPr lang="en-US" altLang="ko-KR" sz="2000" b="0" dirty="0"/>
+              <a:t>Chattering</a:t>
+            </a:r>
+            <a:r>
+              <a:rPr lang="ko-KR" altLang="en-US" sz="2000" dirty="0"/>
+              <a:t> 현상 감소</a:t>
+            </a:r>
+            <a:endParaRPr lang="en-US" altLang="ko-KR" sz="2000" dirty="0"/>
+          </a:p>
+          <a:p>
+            <a:pPr lvl="1">
+              <a:lnSpc>
+                <a:spcPct val="150000"/>
+              </a:lnSpc>
+              <a:buFont typeface="Wingdings" panose="05000000000000000000" pitchFamily="2" charset="2"/>
+              <a:buChar char="Ø"/>
+            </a:pPr>
+            <a:r>
+              <a:rPr lang="en-US" altLang="ko-KR" sz="2000" dirty="0"/>
+              <a:t> </a:t>
+            </a:r>
+            <a:r>
+              <a:rPr lang="ko-KR" altLang="en-US" sz="2000" dirty="0"/>
+              <a:t>특정 구간에서 더 잘 수렴하는 것을 확인</a:t>
             </a:r>
             <a:endParaRPr lang="en-US" altLang="ko-KR" sz="2000" dirty="0"/>
           </a:p>
@@ -12372,10 +14288,10 @@
       </p:sp>
       <p:pic>
         <p:nvPicPr>
-          <p:cNvPr id="5" name="그림 4" descr="텍스트, 라인, 도표, 그래프이(가) 표시된 사진&#10;&#10;자동 생성된 설명">
+          <p:cNvPr id="6" name="그림 5" descr="텍스트, 라인, 도표, 그래프이(가) 표시된 사진&#10;&#10;자동 생성된 설명">
             <a:extLst>
               <a:ext uri="{FF2B5EF4-FFF2-40B4-BE49-F238E27FC236}">
-                <a16:creationId xmlns:a16="http://schemas.microsoft.com/office/drawing/2014/main" id="{AAE39DEE-05E1-D634-CA0B-844B2D15CB0D}"/>
+                <a16:creationId xmlns:a16="http://schemas.microsoft.com/office/drawing/2014/main" id="{F67D7414-67A3-7147-2FDA-5DE228D21579}"/>
               </a:ext>
             </a:extLst>
           </p:cNvPr>
@@ -12392,17 +14308,317 @@
               </a:ext>
             </a:extLst>
           </a:blip>
-          <a:srcRect l="9000" r="8847" b="6042"/>
+          <a:srcRect l="8139" t="1642" r="7074" b="6035"/>
           <a:stretch/>
         </p:blipFill>
         <p:spPr>
           <a:xfrm>
-            <a:off x="5157659" y="1818449"/>
-            <a:ext cx="6892147" cy="4046001"/>
+            <a:off x="6957160" y="933075"/>
+            <a:ext cx="5152287" cy="2812252"/>
           </a:xfrm>
           <a:prstGeom prst="rect">
             <a:avLst/>
           </a:prstGeom>
+          <a:ln>
+            <a:solidFill>
+              <a:schemeClr val="tx1"/>
+            </a:solidFill>
+          </a:ln>
+        </p:spPr>
+      </p:pic>
+      <p:pic>
+        <p:nvPicPr>
+          <p:cNvPr id="7" name="그림 6">
+            <a:extLst>
+              <a:ext uri="{FF2B5EF4-FFF2-40B4-BE49-F238E27FC236}">
+                <a16:creationId xmlns:a16="http://schemas.microsoft.com/office/drawing/2014/main" id="{EF71A846-4EC9-B206-308A-0AA972621D8D}"/>
+              </a:ext>
+            </a:extLst>
+          </p:cNvPr>
+          <p:cNvPicPr>
+            <a:picLocks noChangeAspect="1"/>
+          </p:cNvPicPr>
+          <p:nvPr/>
+        </p:nvPicPr>
+        <p:blipFill>
+          <a:blip r:embed="rId4"/>
+          <a:stretch>
+            <a:fillRect/>
+          </a:stretch>
+        </p:blipFill>
+        <p:spPr>
+          <a:xfrm>
+            <a:off x="9031447" y="3830635"/>
+            <a:ext cx="3079285" cy="2461725"/>
+          </a:xfrm>
+          <a:prstGeom prst="rect">
+            <a:avLst/>
+          </a:prstGeom>
+          <a:ln>
+            <a:solidFill>
+              <a:schemeClr val="tx1"/>
+            </a:solidFill>
+          </a:ln>
+        </p:spPr>
+      </p:pic>
+      <p:pic>
+        <p:nvPicPr>
+          <p:cNvPr id="8" name="그림 7">
+            <a:extLst>
+              <a:ext uri="{FF2B5EF4-FFF2-40B4-BE49-F238E27FC236}">
+                <a16:creationId xmlns:a16="http://schemas.microsoft.com/office/drawing/2014/main" id="{ED0D6549-CFAD-C109-5C82-81AA30B7E514}"/>
+              </a:ext>
+            </a:extLst>
+          </p:cNvPr>
+          <p:cNvPicPr>
+            <a:picLocks noChangeAspect="1"/>
+          </p:cNvPicPr>
+          <p:nvPr/>
+        </p:nvPicPr>
+        <p:blipFill>
+          <a:blip r:embed="rId5"/>
+          <a:stretch>
+            <a:fillRect/>
+          </a:stretch>
+        </p:blipFill>
+        <p:spPr>
+          <a:xfrm>
+            <a:off x="4364526" y="3830635"/>
+            <a:ext cx="4596811" cy="2461725"/>
+          </a:xfrm>
+          <a:prstGeom prst="rect">
+            <a:avLst/>
+          </a:prstGeom>
+          <a:ln>
+            <a:solidFill>
+              <a:schemeClr val="tx1"/>
+            </a:solidFill>
+          </a:ln>
+        </p:spPr>
+      </p:pic>
+      <p:sp>
+        <p:nvSpPr>
+          <p:cNvPr id="9" name="직사각형 8">
+            <a:extLst>
+              <a:ext uri="{FF2B5EF4-FFF2-40B4-BE49-F238E27FC236}">
+                <a16:creationId xmlns:a16="http://schemas.microsoft.com/office/drawing/2014/main" id="{EA9E0BD2-5180-F3F9-A4C6-E3E189B2BD43}"/>
+              </a:ext>
+            </a:extLst>
+          </p:cNvPr>
+          <p:cNvSpPr/>
+          <p:nvPr/>
+        </p:nvSpPr>
+        <p:spPr>
+          <a:xfrm>
+            <a:off x="8415167" y="1699101"/>
+            <a:ext cx="320081" cy="302509"/>
+          </a:xfrm>
+          <a:prstGeom prst="rect">
+            <a:avLst/>
+          </a:prstGeom>
+          <a:noFill/>
+          <a:ln>
+            <a:solidFill>
+              <a:srgbClr val="FF0000"/>
+            </a:solidFill>
+          </a:ln>
+        </p:spPr>
+        <p:style>
+          <a:lnRef idx="2">
+            <a:schemeClr val="accent1">
+              <a:shade val="15000"/>
+            </a:schemeClr>
+          </a:lnRef>
+          <a:fillRef idx="1">
+            <a:schemeClr val="accent1"/>
+          </a:fillRef>
+          <a:effectRef idx="0">
+            <a:schemeClr val="accent1"/>
+          </a:effectRef>
+          <a:fontRef idx="minor">
+            <a:schemeClr val="lt1"/>
+          </a:fontRef>
+        </p:style>
+        <p:txBody>
+          <a:bodyPr rtlCol="0" anchor="ctr"/>
+          <a:lstStyle/>
+          <a:p>
+            <a:pPr algn="ctr"/>
+            <a:endParaRPr lang="ko-KR" altLang="en-US"/>
+          </a:p>
+        </p:txBody>
+      </p:sp>
+      <p:sp>
+        <p:nvSpPr>
+          <p:cNvPr id="10" name="직사각형 9">
+            <a:extLst>
+              <a:ext uri="{FF2B5EF4-FFF2-40B4-BE49-F238E27FC236}">
+                <a16:creationId xmlns:a16="http://schemas.microsoft.com/office/drawing/2014/main" id="{9A99E7BB-4C08-214C-8278-1A6763348046}"/>
+              </a:ext>
+            </a:extLst>
+          </p:cNvPr>
+          <p:cNvSpPr/>
+          <p:nvPr/>
+        </p:nvSpPr>
+        <p:spPr>
+          <a:xfrm>
+            <a:off x="10193031" y="1326775"/>
+            <a:ext cx="320081" cy="302509"/>
+          </a:xfrm>
+          <a:prstGeom prst="rect">
+            <a:avLst/>
+          </a:prstGeom>
+          <a:noFill/>
+          <a:ln>
+            <a:solidFill>
+              <a:srgbClr val="FF0000"/>
+            </a:solidFill>
+          </a:ln>
+        </p:spPr>
+        <p:style>
+          <a:lnRef idx="2">
+            <a:schemeClr val="accent1">
+              <a:shade val="15000"/>
+            </a:schemeClr>
+          </a:lnRef>
+          <a:fillRef idx="1">
+            <a:schemeClr val="accent1"/>
+          </a:fillRef>
+          <a:effectRef idx="0">
+            <a:schemeClr val="accent1"/>
+          </a:effectRef>
+          <a:fontRef idx="minor">
+            <a:schemeClr val="lt1"/>
+          </a:fontRef>
+        </p:style>
+        <p:txBody>
+          <a:bodyPr rtlCol="0" anchor="ctr"/>
+          <a:lstStyle/>
+          <a:p>
+            <a:pPr algn="ctr"/>
+            <a:endParaRPr lang="ko-KR" altLang="en-US"/>
+          </a:p>
+        </p:txBody>
+      </p:sp>
+      <p:cxnSp>
+        <p:nvCxnSpPr>
+          <p:cNvPr id="11" name="직선 화살표 연결선 10">
+            <a:extLst>
+              <a:ext uri="{FF2B5EF4-FFF2-40B4-BE49-F238E27FC236}">
+                <a16:creationId xmlns:a16="http://schemas.microsoft.com/office/drawing/2014/main" id="{FC824676-3735-37E0-C27F-5B48A634AD70}"/>
+              </a:ext>
+            </a:extLst>
+          </p:cNvPr>
+          <p:cNvCxnSpPr>
+            <a:cxnSpLocks/>
+            <a:stCxn id="9" idx="2"/>
+            <a:endCxn id="8" idx="0"/>
+          </p:cNvCxnSpPr>
+          <p:nvPr/>
+        </p:nvCxnSpPr>
+        <p:spPr>
+          <a:xfrm flipH="1">
+            <a:off x="6662932" y="2001610"/>
+            <a:ext cx="1912276" cy="1829025"/>
+          </a:xfrm>
+          <a:prstGeom prst="straightConnector1">
+            <a:avLst/>
+          </a:prstGeom>
+          <a:ln>
+            <a:tailEnd type="triangle"/>
+          </a:ln>
+        </p:spPr>
+        <p:style>
+          <a:lnRef idx="2">
+            <a:schemeClr val="accent2"/>
+          </a:lnRef>
+          <a:fillRef idx="0">
+            <a:schemeClr val="accent2"/>
+          </a:fillRef>
+          <a:effectRef idx="1">
+            <a:schemeClr val="accent2"/>
+          </a:effectRef>
+          <a:fontRef idx="minor">
+            <a:schemeClr val="tx1"/>
+          </a:fontRef>
+        </p:style>
+      </p:cxnSp>
+      <p:cxnSp>
+        <p:nvCxnSpPr>
+          <p:cNvPr id="12" name="직선 화살표 연결선 11">
+            <a:extLst>
+              <a:ext uri="{FF2B5EF4-FFF2-40B4-BE49-F238E27FC236}">
+                <a16:creationId xmlns:a16="http://schemas.microsoft.com/office/drawing/2014/main" id="{1DE798EA-EE8D-0338-7AEE-3F4731087F26}"/>
+              </a:ext>
+            </a:extLst>
+          </p:cNvPr>
+          <p:cNvCxnSpPr>
+            <a:cxnSpLocks/>
+            <a:stCxn id="10" idx="2"/>
+            <a:endCxn id="7" idx="0"/>
+          </p:cNvCxnSpPr>
+          <p:nvPr/>
+        </p:nvCxnSpPr>
+        <p:spPr>
+          <a:xfrm>
+            <a:off x="10353072" y="1629284"/>
+            <a:ext cx="218018" cy="2201351"/>
+          </a:xfrm>
+          <a:prstGeom prst="straightConnector1">
+            <a:avLst/>
+          </a:prstGeom>
+          <a:ln>
+            <a:tailEnd type="triangle"/>
+          </a:ln>
+        </p:spPr>
+        <p:style>
+          <a:lnRef idx="2">
+            <a:schemeClr val="accent2"/>
+          </a:lnRef>
+          <a:fillRef idx="0">
+            <a:schemeClr val="accent2"/>
+          </a:fillRef>
+          <a:effectRef idx="1">
+            <a:schemeClr val="accent2"/>
+          </a:effectRef>
+          <a:fontRef idx="minor">
+            <a:schemeClr val="tx1"/>
+          </a:fontRef>
+        </p:style>
+      </p:cxnSp>
+      <p:pic>
+        <p:nvPicPr>
+          <p:cNvPr id="16" name="그림 15">
+            <a:extLst>
+              <a:ext uri="{FF2B5EF4-FFF2-40B4-BE49-F238E27FC236}">
+                <a16:creationId xmlns:a16="http://schemas.microsoft.com/office/drawing/2014/main" id="{1A058F42-9161-C024-9F82-1BB609AB6859}"/>
+              </a:ext>
+            </a:extLst>
+          </p:cNvPr>
+          <p:cNvPicPr>
+            <a:picLocks noChangeAspect="1"/>
+          </p:cNvPicPr>
+          <p:nvPr/>
+        </p:nvPicPr>
+        <p:blipFill>
+          <a:blip r:embed="rId6"/>
+          <a:stretch>
+            <a:fillRect/>
+          </a:stretch>
+        </p:blipFill>
+        <p:spPr>
+          <a:xfrm>
+            <a:off x="4362038" y="3830635"/>
+            <a:ext cx="1614681" cy="718459"/>
+          </a:xfrm>
+          <a:prstGeom prst="rect">
+            <a:avLst/>
+          </a:prstGeom>
+          <a:ln>
+            <a:solidFill>
+              <a:schemeClr val="tx1"/>
+            </a:solidFill>
+          </a:ln>
         </p:spPr>
       </p:pic>
     </p:spTree>
@@ -12511,7 +14727,7 @@
         <p:spPr>
           <a:xfrm>
             <a:off x="893033" y="1126900"/>
-            <a:ext cx="10220325" cy="5053013"/>
+            <a:ext cx="10765567" cy="5053013"/>
           </a:xfrm>
           <a:prstGeom prst="rect">
             <a:avLst/>
@@ -12698,7 +14914,7 @@
             </a:r>
             <a:r>
               <a:rPr lang="en-US" altLang="ko-KR" sz="2400" dirty="0"/>
-              <a:t> Simulation – Sinus Test</a:t>
+              <a:t> Simulation – Track Test</a:t>
             </a:r>
           </a:p>
           <a:p>
@@ -12710,65 +14926,55 @@
               <a:buChar char="Ø"/>
             </a:pPr>
             <a:r>
-              <a:rPr lang="en-US" altLang="ko-KR" sz="2000" b="0" dirty="0"/>
-              <a:t> 60</a:t>
+              <a:rPr lang="en-US" altLang="ko-KR" sz="2000" dirty="0" err="1"/>
+              <a:t>CarMaker</a:t>
+            </a:r>
+            <a:r>
+              <a:rPr lang="ko-KR" altLang="en-US" sz="2000" dirty="0"/>
+              <a:t>에서 제공해주는 기본 주행 모드를 사용하여 레이싱 트랙에서 </a:t>
             </a:r>
             <a:r>
               <a:rPr lang="en-US" altLang="ko-KR" sz="2000" dirty="0"/>
-              <a:t>km/h</a:t>
+              <a:t>Test</a:t>
             </a:r>
             <a:r>
               <a:rPr lang="ko-KR" altLang="en-US" sz="2000" dirty="0"/>
-              <a:t> 속도에서 일정한 주기로 </a:t>
+              <a:t>를 진행</a:t>
             </a:r>
-            <a:r>
-              <a:rPr lang="en-US" altLang="ko-KR" sz="2000" dirty="0"/>
-              <a:t>handle</a:t>
-            </a:r>
-            <a:r>
-              <a:rPr lang="ko-KR" altLang="en-US" sz="2000" dirty="0"/>
-              <a:t> 조작</a:t>
-            </a:r>
-            <a:endParaRPr lang="en-US" altLang="ko-KR" sz="2000" dirty="0"/>
-          </a:p>
-          <a:p>
-            <a:pPr lvl="1">
-              <a:lnSpc>
-                <a:spcPct val="150000"/>
-              </a:lnSpc>
-              <a:buFont typeface="Wingdings" panose="05000000000000000000" pitchFamily="2" charset="2"/>
-              <a:buChar char="Ø"/>
-            </a:pPr>
-            <a:r>
-              <a:rPr lang="en-US" altLang="ko-KR" sz="2000" dirty="0"/>
-              <a:t> Torque Vectoring </a:t>
-            </a:r>
-            <a:r>
-              <a:rPr lang="ko-KR" altLang="en-US" sz="2000" dirty="0"/>
-              <a:t>사용하지 않았을 때와</a:t>
-            </a:r>
-            <a:r>
-              <a:rPr lang="en-US" altLang="ko-KR" sz="2000" dirty="0"/>
-              <a:t> LSTM O 2</a:t>
-            </a:r>
-            <a:r>
-              <a:rPr lang="ko-KR" altLang="en-US" sz="2000" dirty="0"/>
-              <a:t>가지 비교 진행</a:t>
-            </a:r>
-            <a:endParaRPr lang="en-US" altLang="ko-KR" sz="2000" dirty="0"/>
-          </a:p>
-          <a:p>
-            <a:pPr lvl="1">
-              <a:lnSpc>
-                <a:spcPct val="150000"/>
-              </a:lnSpc>
-              <a:buFont typeface="Wingdings" panose="05000000000000000000" pitchFamily="2" charset="2"/>
-              <a:buChar char="Ø"/>
-            </a:pPr>
             <a:endParaRPr lang="en-US" altLang="ko-KR" sz="2000" dirty="0"/>
           </a:p>
         </p:txBody>
       </p:sp>
+      <p:pic>
+        <p:nvPicPr>
+          <p:cNvPr id="9" name="그림 8">
+            <a:extLst>
+              <a:ext uri="{FF2B5EF4-FFF2-40B4-BE49-F238E27FC236}">
+                <a16:creationId xmlns:a16="http://schemas.microsoft.com/office/drawing/2014/main" id="{70739EBA-AA75-063E-F2A1-6DC893A19440}"/>
+              </a:ext>
+            </a:extLst>
+          </p:cNvPr>
+          <p:cNvPicPr>
+            <a:picLocks noChangeAspect="1"/>
+          </p:cNvPicPr>
+          <p:nvPr/>
+        </p:nvPicPr>
+        <p:blipFill>
+          <a:blip r:embed="rId3"/>
+          <a:stretch>
+            <a:fillRect/>
+          </a:stretch>
+        </p:blipFill>
+        <p:spPr>
+          <a:xfrm>
+            <a:off x="2749550" y="2089235"/>
+            <a:ext cx="6508750" cy="4166487"/>
+          </a:xfrm>
+          <a:prstGeom prst="rect">
+            <a:avLst/>
+          </a:prstGeom>
+        </p:spPr>
+      </p:pic>
     </p:spTree>
     <p:extLst>
       <p:ext uri="{BB962C8B-B14F-4D97-AF65-F5344CB8AC3E}">
@@ -14379,6 +16585,670 @@
           </a:p>
         </p:txBody>
       </p:sp>
+      <p:sp>
+        <p:nvSpPr>
+          <p:cNvPr id="48" name="내용 개체 틀 2">
+            <a:extLst>
+              <a:ext uri="{FF2B5EF4-FFF2-40B4-BE49-F238E27FC236}">
+                <a16:creationId xmlns:a16="http://schemas.microsoft.com/office/drawing/2014/main" id="{73CEA41C-8C08-724D-4D99-359E3675516C}"/>
+              </a:ext>
+            </a:extLst>
+          </p:cNvPr>
+          <p:cNvSpPr txBox="1">
+            <a:spLocks/>
+          </p:cNvSpPr>
+          <p:nvPr/>
+        </p:nvSpPr>
+        <p:spPr>
+          <a:xfrm>
+            <a:off x="893033" y="1126900"/>
+            <a:ext cx="10422667" cy="5053013"/>
+          </a:xfrm>
+          <a:prstGeom prst="rect">
+            <a:avLst/>
+          </a:prstGeom>
+        </p:spPr>
+        <p:txBody>
+          <a:bodyPr/>
+          <a:lstStyle>
+            <a:lvl1pPr marL="228584" indent="-228584" algn="l" defTabSz="914332" rtl="0" eaLnBrk="1" latinLnBrk="1" hangingPunct="1">
+              <a:lnSpc>
+                <a:spcPct val="90000"/>
+              </a:lnSpc>
+              <a:spcBef>
+                <a:spcPts val="1000"/>
+              </a:spcBef>
+              <a:buFont typeface="Arial" panose="020B0604020202020204" pitchFamily="34" charset="0"/>
+              <a:buChar char="•"/>
+              <a:defRPr sz="2800" kern="1200">
+                <a:solidFill>
+                  <a:schemeClr val="tx1"/>
+                </a:solidFill>
+                <a:latin typeface="+mn-lt"/>
+                <a:ea typeface="+mn-ea"/>
+                <a:cs typeface="+mn-cs"/>
+              </a:defRPr>
+            </a:lvl1pPr>
+            <a:lvl2pPr marL="685750" indent="-228584" algn="l" defTabSz="914332" rtl="0" eaLnBrk="1" latinLnBrk="1" hangingPunct="1">
+              <a:lnSpc>
+                <a:spcPct val="90000"/>
+              </a:lnSpc>
+              <a:spcBef>
+                <a:spcPts val="500"/>
+              </a:spcBef>
+              <a:buFont typeface="Arial" panose="020B0604020202020204" pitchFamily="34" charset="0"/>
+              <a:buChar char="•"/>
+              <a:defRPr sz="2400" kern="1200">
+                <a:solidFill>
+                  <a:schemeClr val="tx1"/>
+                </a:solidFill>
+                <a:latin typeface="+mn-lt"/>
+                <a:ea typeface="+mn-ea"/>
+                <a:cs typeface="+mn-cs"/>
+              </a:defRPr>
+            </a:lvl2pPr>
+            <a:lvl3pPr marL="1142914" indent="-228584" algn="l" defTabSz="914332" rtl="0" eaLnBrk="1" latinLnBrk="1" hangingPunct="1">
+              <a:lnSpc>
+                <a:spcPct val="90000"/>
+              </a:lnSpc>
+              <a:spcBef>
+                <a:spcPts val="500"/>
+              </a:spcBef>
+              <a:buFont typeface="Arial" panose="020B0604020202020204" pitchFamily="34" charset="0"/>
+              <a:buChar char="•"/>
+              <a:defRPr sz="2000" kern="1200">
+                <a:solidFill>
+                  <a:schemeClr val="tx1"/>
+                </a:solidFill>
+                <a:latin typeface="+mn-lt"/>
+                <a:ea typeface="+mn-ea"/>
+                <a:cs typeface="+mn-cs"/>
+              </a:defRPr>
+            </a:lvl3pPr>
+            <a:lvl4pPr marL="1600080" indent="-228584" algn="l" defTabSz="914332" rtl="0" eaLnBrk="1" latinLnBrk="1" hangingPunct="1">
+              <a:lnSpc>
+                <a:spcPct val="90000"/>
+              </a:lnSpc>
+              <a:spcBef>
+                <a:spcPts val="500"/>
+              </a:spcBef>
+              <a:buFont typeface="Arial" panose="020B0604020202020204" pitchFamily="34" charset="0"/>
+              <a:buChar char="•"/>
+              <a:defRPr sz="1800" kern="1200">
+                <a:solidFill>
+                  <a:schemeClr val="tx1"/>
+                </a:solidFill>
+                <a:latin typeface="+mn-lt"/>
+                <a:ea typeface="+mn-ea"/>
+                <a:cs typeface="+mn-cs"/>
+              </a:defRPr>
+            </a:lvl4pPr>
+            <a:lvl5pPr marL="2057247" indent="-228584" algn="l" defTabSz="914332" rtl="0" eaLnBrk="1" latinLnBrk="1" hangingPunct="1">
+              <a:lnSpc>
+                <a:spcPct val="90000"/>
+              </a:lnSpc>
+              <a:spcBef>
+                <a:spcPts val="500"/>
+              </a:spcBef>
+              <a:buFont typeface="Arial" panose="020B0604020202020204" pitchFamily="34" charset="0"/>
+              <a:buChar char="•"/>
+              <a:defRPr sz="1800" kern="1200">
+                <a:solidFill>
+                  <a:schemeClr val="tx1"/>
+                </a:solidFill>
+                <a:latin typeface="+mn-lt"/>
+                <a:ea typeface="+mn-ea"/>
+                <a:cs typeface="+mn-cs"/>
+              </a:defRPr>
+            </a:lvl5pPr>
+            <a:lvl6pPr marL="2514412" indent="-228584" algn="l" defTabSz="914332" rtl="0" eaLnBrk="1" latinLnBrk="1" hangingPunct="1">
+              <a:lnSpc>
+                <a:spcPct val="90000"/>
+              </a:lnSpc>
+              <a:spcBef>
+                <a:spcPts val="500"/>
+              </a:spcBef>
+              <a:buFont typeface="Arial" panose="020B0604020202020204" pitchFamily="34" charset="0"/>
+              <a:buChar char="•"/>
+              <a:defRPr sz="1800" kern="1200">
+                <a:solidFill>
+                  <a:schemeClr val="tx1"/>
+                </a:solidFill>
+                <a:latin typeface="+mn-lt"/>
+                <a:ea typeface="+mn-ea"/>
+                <a:cs typeface="+mn-cs"/>
+              </a:defRPr>
+            </a:lvl6pPr>
+            <a:lvl7pPr marL="2971578" indent="-228584" algn="l" defTabSz="914332" rtl="0" eaLnBrk="1" latinLnBrk="1" hangingPunct="1">
+              <a:lnSpc>
+                <a:spcPct val="90000"/>
+              </a:lnSpc>
+              <a:spcBef>
+                <a:spcPts val="500"/>
+              </a:spcBef>
+              <a:buFont typeface="Arial" panose="020B0604020202020204" pitchFamily="34" charset="0"/>
+              <a:buChar char="•"/>
+              <a:defRPr sz="1800" kern="1200">
+                <a:solidFill>
+                  <a:schemeClr val="tx1"/>
+                </a:solidFill>
+                <a:latin typeface="+mn-lt"/>
+                <a:ea typeface="+mn-ea"/>
+                <a:cs typeface="+mn-cs"/>
+              </a:defRPr>
+            </a:lvl7pPr>
+            <a:lvl8pPr marL="3428744" indent="-228584" algn="l" defTabSz="914332" rtl="0" eaLnBrk="1" latinLnBrk="1" hangingPunct="1">
+              <a:lnSpc>
+                <a:spcPct val="90000"/>
+              </a:lnSpc>
+              <a:spcBef>
+                <a:spcPts val="500"/>
+              </a:spcBef>
+              <a:buFont typeface="Arial" panose="020B0604020202020204" pitchFamily="34" charset="0"/>
+              <a:buChar char="•"/>
+              <a:defRPr sz="1800" kern="1200">
+                <a:solidFill>
+                  <a:schemeClr val="tx1"/>
+                </a:solidFill>
+                <a:latin typeface="+mn-lt"/>
+                <a:ea typeface="+mn-ea"/>
+                <a:cs typeface="+mn-cs"/>
+              </a:defRPr>
+            </a:lvl8pPr>
+            <a:lvl9pPr marL="3885910" indent="-228584" algn="l" defTabSz="914332" rtl="0" eaLnBrk="1" latinLnBrk="1" hangingPunct="1">
+              <a:lnSpc>
+                <a:spcPct val="90000"/>
+              </a:lnSpc>
+              <a:spcBef>
+                <a:spcPts val="500"/>
+              </a:spcBef>
+              <a:buFont typeface="Arial" panose="020B0604020202020204" pitchFamily="34" charset="0"/>
+              <a:buChar char="•"/>
+              <a:defRPr sz="1800" kern="1200">
+                <a:solidFill>
+                  <a:schemeClr val="tx1"/>
+                </a:solidFill>
+                <a:latin typeface="+mn-lt"/>
+                <a:ea typeface="+mn-ea"/>
+                <a:cs typeface="+mn-cs"/>
+              </a:defRPr>
+            </a:lvl9pPr>
+          </a:lstStyle>
+          <a:p>
+            <a:pPr>
+              <a:lnSpc>
+                <a:spcPct val="100000"/>
+              </a:lnSpc>
+              <a:buFont typeface="Wingdings" panose="05000000000000000000" pitchFamily="2" charset="2"/>
+              <a:buChar char="Ø"/>
+            </a:pPr>
+            <a:r>
+              <a:rPr lang="en-US" altLang="ko-KR" sz="2400" dirty="0"/>
+              <a:t> </a:t>
+            </a:r>
+            <a:r>
+              <a:rPr lang="en-US" altLang="ko-KR" sz="2400" dirty="0" err="1"/>
+              <a:t>CarMaker</a:t>
+            </a:r>
+            <a:r>
+              <a:rPr lang="en-US" altLang="ko-KR" sz="2400" dirty="0"/>
+              <a:t> Simulation – Track Test</a:t>
+            </a:r>
+          </a:p>
+          <a:p>
+            <a:pPr lvl="1">
+              <a:lnSpc>
+                <a:spcPct val="150000"/>
+              </a:lnSpc>
+              <a:buFont typeface="Wingdings" panose="05000000000000000000" pitchFamily="2" charset="2"/>
+              <a:buChar char="Ø"/>
+            </a:pPr>
+            <a:r>
+              <a:rPr lang="ko-KR" altLang="en-US" sz="2000" dirty="0"/>
+              <a:t>출력 분배로 만들 수 있는 최대치 이상으로는 수렴할 수 없는 한계가 존재</a:t>
+            </a:r>
+            <a:endParaRPr lang="en-US" altLang="ko-KR" sz="2000" dirty="0"/>
+          </a:p>
+          <a:p>
+            <a:pPr lvl="1">
+              <a:lnSpc>
+                <a:spcPct val="150000"/>
+              </a:lnSpc>
+              <a:buFont typeface="Wingdings" panose="05000000000000000000" pitchFamily="2" charset="2"/>
+              <a:buChar char="Ø"/>
+            </a:pPr>
+            <a:r>
+              <a:rPr lang="ko-KR" altLang="en-US" sz="2000" dirty="0"/>
+              <a:t>목표 값 변동이 심한 상황에서 </a:t>
+            </a:r>
+            <a:r>
+              <a:rPr lang="en-US" altLang="ko-KR" sz="2000" dirty="0"/>
+              <a:t>LSTM </a:t>
+            </a:r>
+            <a:r>
+              <a:rPr lang="ko-KR" altLang="en-US" sz="2000" dirty="0"/>
+              <a:t>결과도 함께 불안정해지면서 성능이 감소하는 것을 확인</a:t>
+            </a:r>
+            <a:endParaRPr lang="en-US" altLang="ko-KR" sz="2000" dirty="0"/>
+          </a:p>
+        </p:txBody>
+      </p:sp>
+      <p:grpSp>
+        <p:nvGrpSpPr>
+          <p:cNvPr id="34" name="그룹 33">
+            <a:extLst>
+              <a:ext uri="{FF2B5EF4-FFF2-40B4-BE49-F238E27FC236}">
+                <a16:creationId xmlns:a16="http://schemas.microsoft.com/office/drawing/2014/main" id="{DDAF6346-3C8D-9CE5-0C58-CEF5D518F7CF}"/>
+              </a:ext>
+            </a:extLst>
+          </p:cNvPr>
+          <p:cNvGrpSpPr/>
+          <p:nvPr/>
+        </p:nvGrpSpPr>
+        <p:grpSpPr>
+          <a:xfrm>
+            <a:off x="2060622" y="2981459"/>
+            <a:ext cx="8674466" cy="3276111"/>
+            <a:chOff x="2636134" y="2392722"/>
+            <a:chExt cx="9555866" cy="3872634"/>
+          </a:xfrm>
+        </p:grpSpPr>
+        <p:pic>
+          <p:nvPicPr>
+            <p:cNvPr id="5" name="그림 4" descr="도표, 라인, 평행, 그래프이(가) 표시된 사진&#10;&#10;자동 생성된 설명">
+              <a:extLst>
+                <a:ext uri="{FF2B5EF4-FFF2-40B4-BE49-F238E27FC236}">
+                  <a16:creationId xmlns:a16="http://schemas.microsoft.com/office/drawing/2014/main" id="{38A8EECF-9E95-3ECD-E19B-DF91E9A345F8}"/>
+                </a:ext>
+              </a:extLst>
+            </p:cNvPr>
+            <p:cNvPicPr>
+              <a:picLocks noChangeAspect="1"/>
+            </p:cNvPicPr>
+            <p:nvPr/>
+          </p:nvPicPr>
+          <p:blipFill rotWithShape="1">
+            <a:blip r:embed="rId3" cstate="print">
+              <a:extLst>
+                <a:ext uri="{28A0092B-C50C-407E-A947-70E740481C1C}">
+                  <a14:useLocalDpi xmlns:a14="http://schemas.microsoft.com/office/drawing/2010/main" val="0"/>
+                </a:ext>
+              </a:extLst>
+            </a:blip>
+            <a:srcRect l="10052" t="3425" r="8847" b="8396"/>
+            <a:stretch/>
+          </p:blipFill>
+          <p:spPr>
+            <a:xfrm>
+              <a:off x="5340459" y="2421840"/>
+              <a:ext cx="6851541" cy="3823682"/>
+            </a:xfrm>
+            <a:prstGeom prst="rect">
+              <a:avLst/>
+            </a:prstGeom>
+            <a:ln>
+              <a:solidFill>
+                <a:schemeClr val="tx1"/>
+              </a:solidFill>
+            </a:ln>
+          </p:spPr>
+        </p:pic>
+        <p:sp>
+          <p:nvSpPr>
+            <p:cNvPr id="7" name="직사각형 6">
+              <a:extLst>
+                <a:ext uri="{FF2B5EF4-FFF2-40B4-BE49-F238E27FC236}">
+                  <a16:creationId xmlns:a16="http://schemas.microsoft.com/office/drawing/2014/main" id="{7EC28E49-0749-9275-521A-EFBD7FE94AC4}"/>
+                </a:ext>
+              </a:extLst>
+            </p:cNvPr>
+            <p:cNvSpPr/>
+            <p:nvPr/>
+          </p:nvSpPr>
+          <p:spPr>
+            <a:xfrm>
+              <a:off x="6998980" y="3578034"/>
+              <a:ext cx="566943" cy="749298"/>
+            </a:xfrm>
+            <a:prstGeom prst="rect">
+              <a:avLst/>
+            </a:prstGeom>
+            <a:noFill/>
+            <a:ln>
+              <a:solidFill>
+                <a:srgbClr val="FF0000"/>
+              </a:solidFill>
+            </a:ln>
+          </p:spPr>
+          <p:style>
+            <a:lnRef idx="2">
+              <a:schemeClr val="accent1">
+                <a:shade val="15000"/>
+              </a:schemeClr>
+            </a:lnRef>
+            <a:fillRef idx="1">
+              <a:schemeClr val="accent1"/>
+            </a:fillRef>
+            <a:effectRef idx="0">
+              <a:schemeClr val="accent1"/>
+            </a:effectRef>
+            <a:fontRef idx="minor">
+              <a:schemeClr val="lt1"/>
+            </a:fontRef>
+          </p:style>
+          <p:txBody>
+            <a:bodyPr rtlCol="0" anchor="ctr"/>
+            <a:lstStyle/>
+            <a:p>
+              <a:pPr algn="ctr"/>
+              <a:endParaRPr lang="ko-KR" altLang="en-US"/>
+            </a:p>
+          </p:txBody>
+        </p:sp>
+        <p:sp>
+          <p:nvSpPr>
+            <p:cNvPr id="9" name="직사각형 8">
+              <a:extLst>
+                <a:ext uri="{FF2B5EF4-FFF2-40B4-BE49-F238E27FC236}">
+                  <a16:creationId xmlns:a16="http://schemas.microsoft.com/office/drawing/2014/main" id="{48A5EE37-AF8F-5371-82B3-5627E83A5C1B}"/>
+                </a:ext>
+              </a:extLst>
+            </p:cNvPr>
+            <p:cNvSpPr/>
+            <p:nvPr/>
+          </p:nvSpPr>
+          <p:spPr>
+            <a:xfrm>
+              <a:off x="8464550" y="3689496"/>
+              <a:ext cx="412749" cy="374649"/>
+            </a:xfrm>
+            <a:prstGeom prst="rect">
+              <a:avLst/>
+            </a:prstGeom>
+            <a:noFill/>
+            <a:ln>
+              <a:solidFill>
+                <a:srgbClr val="FF0000"/>
+              </a:solidFill>
+            </a:ln>
+          </p:spPr>
+          <p:style>
+            <a:lnRef idx="2">
+              <a:schemeClr val="accent1">
+                <a:shade val="15000"/>
+              </a:schemeClr>
+            </a:lnRef>
+            <a:fillRef idx="1">
+              <a:schemeClr val="accent1"/>
+            </a:fillRef>
+            <a:effectRef idx="0">
+              <a:schemeClr val="accent1"/>
+            </a:effectRef>
+            <a:fontRef idx="minor">
+              <a:schemeClr val="lt1"/>
+            </a:fontRef>
+          </p:style>
+          <p:txBody>
+            <a:bodyPr rtlCol="0" anchor="ctr"/>
+            <a:lstStyle/>
+            <a:p>
+              <a:pPr algn="ctr"/>
+              <a:endParaRPr lang="ko-KR" altLang="en-US"/>
+            </a:p>
+          </p:txBody>
+        </p:sp>
+        <p:pic>
+          <p:nvPicPr>
+            <p:cNvPr id="11" name="그림 10">
+              <a:extLst>
+                <a:ext uri="{FF2B5EF4-FFF2-40B4-BE49-F238E27FC236}">
+                  <a16:creationId xmlns:a16="http://schemas.microsoft.com/office/drawing/2014/main" id="{AB82D8A4-4563-3697-EF89-486D9BE18839}"/>
+                </a:ext>
+              </a:extLst>
+            </p:cNvPr>
+            <p:cNvPicPr>
+              <a:picLocks noChangeAspect="1"/>
+            </p:cNvPicPr>
+            <p:nvPr/>
+          </p:nvPicPr>
+          <p:blipFill>
+            <a:blip r:embed="rId4"/>
+            <a:stretch>
+              <a:fillRect/>
+            </a:stretch>
+          </p:blipFill>
+          <p:spPr>
+            <a:xfrm>
+              <a:off x="2636135" y="2392722"/>
+              <a:ext cx="2432729" cy="1860806"/>
+            </a:xfrm>
+            <a:prstGeom prst="rect">
+              <a:avLst/>
+            </a:prstGeom>
+            <a:ln>
+              <a:solidFill>
+                <a:schemeClr val="tx1"/>
+              </a:solidFill>
+            </a:ln>
+          </p:spPr>
+        </p:pic>
+        <p:cxnSp>
+          <p:nvCxnSpPr>
+            <p:cNvPr id="12" name="직선 화살표 연결선 11">
+              <a:extLst>
+                <a:ext uri="{FF2B5EF4-FFF2-40B4-BE49-F238E27FC236}">
+                  <a16:creationId xmlns:a16="http://schemas.microsoft.com/office/drawing/2014/main" id="{3595BF32-87F4-3F8F-7F04-89BC20EC05EC}"/>
+                </a:ext>
+              </a:extLst>
+            </p:cNvPr>
+            <p:cNvCxnSpPr>
+              <a:cxnSpLocks/>
+              <a:stCxn id="7" idx="1"/>
+              <a:endCxn id="11" idx="3"/>
+            </p:cNvCxnSpPr>
+            <p:nvPr/>
+          </p:nvCxnSpPr>
+          <p:spPr>
+            <a:xfrm flipH="1" flipV="1">
+              <a:off x="5068864" y="3323126"/>
+              <a:ext cx="1930116" cy="629557"/>
+            </a:xfrm>
+            <a:prstGeom prst="straightConnector1">
+              <a:avLst/>
+            </a:prstGeom>
+            <a:ln>
+              <a:solidFill>
+                <a:srgbClr val="FF0000"/>
+              </a:solidFill>
+              <a:tailEnd type="triangle"/>
+            </a:ln>
+          </p:spPr>
+          <p:style>
+            <a:lnRef idx="1">
+              <a:schemeClr val="accent2"/>
+            </a:lnRef>
+            <a:fillRef idx="0">
+              <a:schemeClr val="accent2"/>
+            </a:fillRef>
+            <a:effectRef idx="0">
+              <a:schemeClr val="accent2"/>
+            </a:effectRef>
+            <a:fontRef idx="minor">
+              <a:schemeClr val="tx1"/>
+            </a:fontRef>
+          </p:style>
+        </p:cxnSp>
+        <p:pic>
+          <p:nvPicPr>
+            <p:cNvPr id="20" name="그림 19">
+              <a:extLst>
+                <a:ext uri="{FF2B5EF4-FFF2-40B4-BE49-F238E27FC236}">
+                  <a16:creationId xmlns:a16="http://schemas.microsoft.com/office/drawing/2014/main" id="{72030DD8-30D4-2403-4B07-ABD2A082984D}"/>
+                </a:ext>
+              </a:extLst>
+            </p:cNvPr>
+            <p:cNvPicPr>
+              <a:picLocks noChangeAspect="1"/>
+            </p:cNvPicPr>
+            <p:nvPr/>
+          </p:nvPicPr>
+          <p:blipFill>
+            <a:blip r:embed="rId5"/>
+            <a:stretch>
+              <a:fillRect/>
+            </a:stretch>
+          </p:blipFill>
+          <p:spPr>
+            <a:xfrm>
+              <a:off x="2636134" y="4347166"/>
+              <a:ext cx="2432729" cy="1918190"/>
+            </a:xfrm>
+            <a:prstGeom prst="rect">
+              <a:avLst/>
+            </a:prstGeom>
+            <a:ln>
+              <a:solidFill>
+                <a:schemeClr val="tx1"/>
+              </a:solidFill>
+            </a:ln>
+          </p:spPr>
+        </p:pic>
+        <p:cxnSp>
+          <p:nvCxnSpPr>
+            <p:cNvPr id="31" name="직선 화살표 연결선 30">
+              <a:extLst>
+                <a:ext uri="{FF2B5EF4-FFF2-40B4-BE49-F238E27FC236}">
+                  <a16:creationId xmlns:a16="http://schemas.microsoft.com/office/drawing/2014/main" id="{AA4FECED-88EC-23F0-10F8-ABC652C2C220}"/>
+                </a:ext>
+              </a:extLst>
+            </p:cNvPr>
+            <p:cNvCxnSpPr>
+              <a:cxnSpLocks/>
+              <a:stCxn id="9" idx="1"/>
+              <a:endCxn id="20" idx="3"/>
+            </p:cNvCxnSpPr>
+            <p:nvPr/>
+          </p:nvCxnSpPr>
+          <p:spPr>
+            <a:xfrm flipH="1">
+              <a:off x="5068863" y="3876821"/>
+              <a:ext cx="3395687" cy="1429441"/>
+            </a:xfrm>
+            <a:prstGeom prst="straightConnector1">
+              <a:avLst/>
+            </a:prstGeom>
+            <a:ln>
+              <a:solidFill>
+                <a:srgbClr val="FF0000"/>
+              </a:solidFill>
+              <a:tailEnd type="triangle"/>
+            </a:ln>
+          </p:spPr>
+          <p:style>
+            <a:lnRef idx="1">
+              <a:schemeClr val="accent2"/>
+            </a:lnRef>
+            <a:fillRef idx="0">
+              <a:schemeClr val="accent2"/>
+            </a:fillRef>
+            <a:effectRef idx="0">
+              <a:schemeClr val="accent2"/>
+            </a:effectRef>
+            <a:fontRef idx="minor">
+              <a:schemeClr val="tx1"/>
+            </a:fontRef>
+          </p:style>
+        </p:cxnSp>
+      </p:grpSp>
+    </p:spTree>
+    <p:extLst>
+      <p:ext uri="{BB962C8B-B14F-4D97-AF65-F5344CB8AC3E}">
+        <p14:creationId xmlns:p14="http://schemas.microsoft.com/office/powerpoint/2010/main" val="2829433170"/>
+      </p:ext>
+    </p:extLst>
+  </p:cSld>
+  <p:clrMapOvr>
+    <a:masterClrMapping/>
+  </p:clrMapOvr>
+</p:sld>
+</file>
+
+<file path=ppt/slides/slide21.xml><?xml version="1.0" encoding="utf-8"?>
+<p:sld xmlns:a="http://schemas.openxmlformats.org/drawingml/2006/main" xmlns:r="http://schemas.openxmlformats.org/officeDocument/2006/relationships" xmlns:p="http://schemas.openxmlformats.org/presentationml/2006/main">
+  <p:cSld>
+    <p:spTree>
+      <p:nvGrpSpPr>
+        <p:cNvPr id="1" name=""/>
+        <p:cNvGrpSpPr/>
+        <p:nvPr/>
+      </p:nvGrpSpPr>
+      <p:grpSpPr>
+        <a:xfrm>
+          <a:off x="0" y="0"/>
+          <a:ext cx="0" cy="0"/>
+          <a:chOff x="0" y="0"/>
+          <a:chExt cx="0" cy="0"/>
+        </a:xfrm>
+      </p:grpSpPr>
+      <p:sp>
+        <p:nvSpPr>
+          <p:cNvPr id="2" name="제목 1">
+            <a:extLst>
+              <a:ext uri="{FF2B5EF4-FFF2-40B4-BE49-F238E27FC236}">
+                <a16:creationId xmlns:a16="http://schemas.microsoft.com/office/drawing/2014/main" id="{F9D1DA9B-1B2A-4204-F1CC-B8CCBA982B08}"/>
+              </a:ext>
+            </a:extLst>
+          </p:cNvPr>
+          <p:cNvSpPr>
+            <a:spLocks noGrp="1"/>
+          </p:cNvSpPr>
+          <p:nvPr>
+            <p:ph type="title"/>
+          </p:nvPr>
+        </p:nvSpPr>
+        <p:spPr/>
+        <p:txBody>
+          <a:bodyPr/>
+          <a:lstStyle/>
+          <a:p>
+            <a:r>
+              <a:rPr lang="en-US" altLang="ko-KR" dirty="0"/>
+              <a:t>Simulation and Result</a:t>
+            </a:r>
+            <a:endParaRPr lang="ko-KR" altLang="en-US" dirty="0"/>
+          </a:p>
+        </p:txBody>
+      </p:sp>
+      <p:sp>
+        <p:nvSpPr>
+          <p:cNvPr id="3" name="슬라이드 번호 개체 틀 2">
+            <a:extLst>
+              <a:ext uri="{FF2B5EF4-FFF2-40B4-BE49-F238E27FC236}">
+                <a16:creationId xmlns:a16="http://schemas.microsoft.com/office/drawing/2014/main" id="{87C9B45B-9EDE-6716-AB56-323FEC5EB242}"/>
+              </a:ext>
+            </a:extLst>
+          </p:cNvPr>
+          <p:cNvSpPr>
+            <a:spLocks noGrp="1"/>
+          </p:cNvSpPr>
+          <p:nvPr>
+            <p:ph type="sldNum" sz="quarter" idx="12"/>
+          </p:nvPr>
+        </p:nvSpPr>
+        <p:spPr/>
+        <p:txBody>
+          <a:bodyPr/>
+          <a:lstStyle/>
+          <a:p>
+            <a:fld id="{DCF30976-4E8F-417C-866E-A81683010615}" type="slidenum">
+              <a:rPr lang="ko-KR" altLang="en-US" smtClean="0"/>
+              <a:pPr/>
+              <a:t>21</a:t>
+            </a:fld>
+            <a:endParaRPr lang="ko-KR" altLang="en-US"/>
+          </a:p>
+        </p:txBody>
+      </p:sp>
       <mc:AlternateContent xmlns:mc="http://schemas.openxmlformats.org/markup-compatibility/2006">
         <mc:Choice xmlns:a14="http://schemas.microsoft.com/office/drawing/2010/main" Requires="a14">
           <p:sp>
@@ -14595,28 +17465,44 @@
                 </a:pPr>
                 <a:r>
                   <a:rPr lang="en-US" altLang="ko-KR" sz="2000" dirty="0"/>
+                  <a:t> LSTM</a:t>
+                </a:r>
+                <a:r>
+                  <a:rPr lang="ko-KR" altLang="en-US" sz="2000" dirty="0"/>
+                  <a:t>을 통해 차량의 불확실성 부분을 예측할 수 있었음</a:t>
+                </a:r>
+                <a:endParaRPr lang="en-US" altLang="ko-KR" sz="2000" dirty="0"/>
+              </a:p>
+              <a:p>
+                <a:pPr lvl="1">
+                  <a:lnSpc>
+                    <a:spcPct val="150000"/>
+                  </a:lnSpc>
+                  <a:buFont typeface="Wingdings" panose="05000000000000000000" pitchFamily="2" charset="2"/>
+                  <a:buChar char="Ø"/>
+                </a:pPr>
+                <a:r>
+                  <a:rPr lang="ko-KR" altLang="en-US" sz="2000" b="0" dirty="0"/>
                   <a:t> </a:t>
+                </a:r>
+                <a:r>
+                  <a:rPr lang="en-US" altLang="ko-KR" sz="2000" b="0" dirty="0"/>
+                  <a:t>LSTM </a:t>
+                </a:r>
+                <a:r>
+                  <a:rPr lang="ko-KR" altLang="en-US" sz="2000" b="0" dirty="0"/>
+                  <a:t>적용한 </a:t>
+                </a:r>
+                <a:r>
+                  <a:rPr lang="en-US" altLang="ko-KR" sz="2000" b="0" dirty="0"/>
+                  <a:t>SMC </a:t>
+                </a:r>
+                <a:r>
+                  <a:rPr lang="ko-KR" altLang="en-US" sz="2000" b="0" dirty="0"/>
+                  <a:t>제어기의 </a:t>
                 </a:r>
                 <a14:m>
                   <m:oMath xmlns:m="http://schemas.openxmlformats.org/officeDocument/2006/math">
-                    <m:r>
-                      <a:rPr lang="ko-KR" altLang="en-US" sz="2000" b="0" i="1" dirty="0">
-                        <a:latin typeface="Cambria Math" panose="02040503050406030204" pitchFamily="18" charset="0"/>
-                      </a:rPr>
-                      <m:t>차</m:t>
-                    </m:r>
-                    <m:r>
-                      <a:rPr lang="ko-KR" altLang="en-US" sz="2000" i="1" dirty="0">
-                        <a:latin typeface="Cambria Math" panose="02040503050406030204" pitchFamily="18" charset="0"/>
-                      </a:rPr>
-                      <m:t>량</m:t>
-                    </m:r>
-                    <m:r>
-                      <a:rPr lang="en-US" altLang="ko-KR" sz="2000" b="0" i="0" dirty="0" smtClean="0">
-                        <a:latin typeface="Cambria Math" panose="02040503050406030204" pitchFamily="18" charset="0"/>
-                      </a:rPr>
-                      <m:t> </m:t>
-                    </m:r>
                     <m:r>
                       <m:rPr>
                         <m:sty m:val="p"/>
@@ -14744,19 +17630,13 @@
                       </a:rPr>
                       <m:t>)</m:t>
                     </m:r>
-                    <m:r>
-                      <a:rPr lang="ko-KR" altLang="en-US" sz="2000" i="1">
-                        <a:latin typeface="Cambria Math" panose="02040503050406030204" pitchFamily="18" charset="0"/>
-                      </a:rPr>
-                      <m:t>로</m:t>
-                    </m:r>
                   </m:oMath>
                 </a14:m>
                 <a:r>
-                  <a:rPr lang="ko-KR" altLang="en-US" sz="2000" dirty="0"/>
-                  <a:t> 가까워지는 것을 확인</a:t>
+                  <a:rPr lang="ko-KR" altLang="en-US" sz="2000" b="0" dirty="0"/>
+                  <a:t>를 더 잘 수렴하는 것을 통해 성능 향상을 확인</a:t>
                 </a:r>
-                <a:endParaRPr lang="en-US" altLang="ko-KR" sz="2000" dirty="0"/>
+                <a:endParaRPr lang="en-US" altLang="ko-KR" sz="2000" b="0" dirty="0"/>
               </a:p>
               <a:p>
                 <a:pPr lvl="1">
@@ -14768,45 +17648,15 @@
                 </a:pPr>
                 <a:r>
                   <a:rPr lang="ko-KR" altLang="en-US" sz="2000" dirty="0"/>
-                  <a:t> 하지만 </a:t>
+                  <a:t> 하지만 목표 값의 변동이 심할 때 </a:t>
                 </a:r>
                 <a:r>
                   <a:rPr lang="en-US" altLang="ko-KR" sz="2000" dirty="0"/>
-                  <a:t>LSTM</a:t>
+                  <a:t>LSTM </a:t>
                 </a:r>
                 <a:r>
                   <a:rPr lang="ko-KR" altLang="en-US" sz="2000" dirty="0"/>
-                  <a:t> 결과가 크게 흔들릴 때 제어가 흔들리는 것을 확인</a:t>
-                </a:r>
-                <a:endParaRPr lang="en-US" altLang="ko-KR" sz="2000" dirty="0"/>
-              </a:p>
-              <a:p>
-                <a:pPr lvl="1">
-                  <a:lnSpc>
-                    <a:spcPct val="150000"/>
-                  </a:lnSpc>
-                  <a:buFont typeface="Wingdings" panose="05000000000000000000" pitchFamily="2" charset="2"/>
-                  <a:buChar char="Ø"/>
-                </a:pPr>
-                <a:r>
-                  <a:rPr lang="en-US" altLang="ko-KR" sz="2000" dirty="0"/>
-                  <a:t> </a:t>
-                </a:r>
-                <a:r>
-                  <a:rPr lang="ko-KR" altLang="en-US" sz="2000" dirty="0"/>
-                  <a:t>성능적으로 </a:t>
-                </a:r>
-                <a:r>
-                  <a:rPr lang="ko-KR" altLang="en-US" sz="2000" dirty="0" err="1"/>
-                  <a:t>조향</a:t>
-                </a:r>
-                <a:r>
-                  <a:rPr lang="ko-KR" altLang="en-US" sz="2000" dirty="0"/>
-                  <a:t> 성능의 향상이 있을 수 있을 수 있으나 안정도가 떨어질 </a:t>
-                </a:r>
-                <a:r>
-                  <a:rPr lang="ko-KR" altLang="en-US" sz="2000"/>
-                  <a:t>수 있으므로 추가방안이 필요</a:t>
+                  <a:t>예측 성능이 떨어지면서 제어성능 감소를 확인 이를 해결할 추가방안이 필요</a:t>
                 </a:r>
                 <a:endParaRPr lang="en-US" altLang="ko-KR" sz="2000" dirty="0"/>
               </a:p>
@@ -14839,7 +17689,7 @@
               <a:blipFill>
                 <a:blip r:embed="rId3"/>
                 <a:stretch>
-                  <a:fillRect l="-775" t="-1689" r="-60"/>
+                  <a:fillRect l="-775" t="-1689" r="-358"/>
                 </a:stretch>
               </a:blipFill>
             </p:spPr>
@@ -14975,91 +17825,6 @@
     <p:extLst>
       <p:ext uri="{BB962C8B-B14F-4D97-AF65-F5344CB8AC3E}">
         <p14:creationId xmlns:p14="http://schemas.microsoft.com/office/powerpoint/2010/main" val="137568238"/>
-      </p:ext>
-    </p:extLst>
-  </p:cSld>
-  <p:clrMapOvr>
-    <a:masterClrMapping/>
-  </p:clrMapOvr>
-</p:sld>
-</file>
-
-<file path=ppt/slides/slide21.xml><?xml version="1.0" encoding="utf-8"?>
-<p:sld xmlns:a="http://schemas.openxmlformats.org/drawingml/2006/main" xmlns:r="http://schemas.openxmlformats.org/officeDocument/2006/relationships" xmlns:p="http://schemas.openxmlformats.org/presentationml/2006/main">
-  <p:cSld>
-    <p:spTree>
-      <p:nvGrpSpPr>
-        <p:cNvPr id="1" name=""/>
-        <p:cNvGrpSpPr/>
-        <p:nvPr/>
-      </p:nvGrpSpPr>
-      <p:grpSpPr>
-        <a:xfrm>
-          <a:off x="0" y="0"/>
-          <a:ext cx="0" cy="0"/>
-          <a:chOff x="0" y="0"/>
-          <a:chExt cx="0" cy="0"/>
-        </a:xfrm>
-      </p:grpSpPr>
-      <p:sp>
-        <p:nvSpPr>
-          <p:cNvPr id="2" name="제목 1">
-            <a:extLst>
-              <a:ext uri="{FF2B5EF4-FFF2-40B4-BE49-F238E27FC236}">
-                <a16:creationId xmlns:a16="http://schemas.microsoft.com/office/drawing/2014/main" id="{F6E7DEFA-3D4A-D748-C971-E5F4FC0AEF11}"/>
-              </a:ext>
-            </a:extLst>
-          </p:cNvPr>
-          <p:cNvSpPr>
-            <a:spLocks noGrp="1"/>
-          </p:cNvSpPr>
-          <p:nvPr>
-            <p:ph type="title"/>
-          </p:nvPr>
-        </p:nvSpPr>
-        <p:spPr/>
-        <p:txBody>
-          <a:bodyPr/>
-          <a:lstStyle/>
-          <a:p>
-            <a:endParaRPr lang="ko-KR" altLang="en-US"/>
-          </a:p>
-        </p:txBody>
-      </p:sp>
-      <p:sp>
-        <p:nvSpPr>
-          <p:cNvPr id="3" name="슬라이드 번호 개체 틀 2">
-            <a:extLst>
-              <a:ext uri="{FF2B5EF4-FFF2-40B4-BE49-F238E27FC236}">
-                <a16:creationId xmlns:a16="http://schemas.microsoft.com/office/drawing/2014/main" id="{71378283-9E8D-9EF4-5BF7-E49632079F23}"/>
-              </a:ext>
-            </a:extLst>
-          </p:cNvPr>
-          <p:cNvSpPr>
-            <a:spLocks noGrp="1"/>
-          </p:cNvSpPr>
-          <p:nvPr>
-            <p:ph type="sldNum" sz="quarter" idx="12"/>
-          </p:nvPr>
-        </p:nvSpPr>
-        <p:spPr/>
-        <p:txBody>
-          <a:bodyPr/>
-          <a:lstStyle/>
-          <a:p>
-            <a:fld id="{DCF30976-4E8F-417C-866E-A81683010615}" type="slidenum">
-              <a:rPr lang="ko-KR" altLang="en-US" smtClean="0"/>
-              <a:pPr/>
-              <a:t>21</a:t>
-            </a:fld>
-            <a:endParaRPr lang="ko-KR" altLang="en-US"/>
-          </a:p>
-        </p:txBody>
-      </p:sp>
-    </p:spTree>
-    <p:extLst>
-      <p:ext uri="{BB962C8B-B14F-4D97-AF65-F5344CB8AC3E}">
-        <p14:creationId xmlns:p14="http://schemas.microsoft.com/office/powerpoint/2010/main" val="4257824098"/>
       </p:ext>
     </p:extLst>
   </p:cSld>
@@ -16499,7 +19264,7 @@
             </a:r>
             <a:r>
               <a:rPr lang="ko-KR" altLang="en-US" sz="2000" dirty="0"/>
-              <a:t>을 통해 차량의 비선형 부분을 예측하여 모델링 정확도 향상을 통한 제어기 성능 향상 목표</a:t>
+              <a:t>으로 차량의 비선형 부분을 예측하여 모델링 정확도 향상을 통한 제어기 성능 향상 목표</a:t>
             </a:r>
             <a:endParaRPr lang="en-US" altLang="ko-KR" sz="2000" dirty="0"/>
           </a:p>
@@ -19337,8 +22102,8 @@
           </a:p>
         </p:txBody>
       </p:sp>
-      <mc:AlternateContent xmlns:mc="http://schemas.openxmlformats.org/markup-compatibility/2006" xmlns:a14="http://schemas.microsoft.com/office/drawing/2010/main">
-        <mc:Choice Requires="a14">
+      <mc:AlternateContent xmlns:mc="http://schemas.openxmlformats.org/markup-compatibility/2006">
+        <mc:Choice xmlns:a14="http://schemas.microsoft.com/office/drawing/2010/main" Requires="a14">
           <p:sp>
             <p:nvSpPr>
               <p:cNvPr id="48" name="내용 개체 틀 2">
@@ -19735,9 +22500,21 @@
                 </a14:m>
                 <a:r>
                   <a:rPr lang="ko-KR" altLang="en-US" sz="2000" dirty="0"/>
-                  <a:t>는 구동계의 출력으로 예측 및 조절 가능</a:t>
+                  <a:t>는 구동계의 출력으로 예측 및 조절 </a:t>
                 </a:r>
-                <a:endParaRPr lang="en-US" altLang="ko-KR" sz="2000" dirty="0"/>
+                <a:r>
+                  <a:rPr lang="ko-KR" altLang="en-US" sz="2000" b="1" dirty="0">
+                    <a:solidFill>
+                      <a:srgbClr val="0070C0"/>
+                    </a:solidFill>
+                  </a:rPr>
+                  <a:t>가능</a:t>
+                </a:r>
+                <a:endParaRPr lang="en-US" altLang="ko-KR" sz="2000" b="1" dirty="0">
+                  <a:solidFill>
+                    <a:srgbClr val="0070C0"/>
+                  </a:solidFill>
+                </a:endParaRPr>
               </a:p>
               <a:p>
                 <a:pPr lvl="1">
@@ -19800,9 +22577,21 @@
                 </a14:m>
                 <a:r>
                   <a:rPr lang="ko-KR" altLang="en-US" sz="2000" dirty="0"/>
-                  <a:t>는 비선형성이 강해 예측과 조절이 힘듦</a:t>
+                  <a:t>는 비선형성이 강해 예측과 조절이 </a:t>
                 </a:r>
-                <a:endParaRPr lang="en-US" altLang="ko-KR" sz="2000" dirty="0"/>
+                <a:r>
+                  <a:rPr lang="ko-KR" altLang="en-US" sz="2000" b="1" dirty="0">
+                    <a:solidFill>
+                      <a:srgbClr val="FF0000"/>
+                    </a:solidFill>
+                  </a:rPr>
+                  <a:t>힘듦</a:t>
+                </a:r>
+                <a:endParaRPr lang="en-US" altLang="ko-KR" sz="2000" b="1" dirty="0">
+                  <a:solidFill>
+                    <a:srgbClr val="FF0000"/>
+                  </a:solidFill>
+                </a:endParaRPr>
               </a:p>
               <a:p>
                 <a:pPr lvl="1">
@@ -19817,7 +22606,7 @@
             </p:txBody>
           </p:sp>
         </mc:Choice>
-        <mc:Fallback xmlns="">
+        <mc:Fallback>
           <p:sp>
             <p:nvSpPr>
               <p:cNvPr id="48" name="내용 개체 틀 2">
@@ -20413,8 +23202,8 @@
           </a:p>
         </p:txBody>
       </p:sp>
-      <mc:AlternateContent xmlns:mc="http://schemas.openxmlformats.org/markup-compatibility/2006" xmlns:a14="http://schemas.microsoft.com/office/drawing/2010/main">
-        <mc:Choice Requires="a14">
+      <mc:AlternateContent xmlns:mc="http://schemas.openxmlformats.org/markup-compatibility/2006">
+        <mc:Choice xmlns:a14="http://schemas.microsoft.com/office/drawing/2010/main" Requires="a14">
           <p:sp>
             <p:nvSpPr>
               <p:cNvPr id="4" name="내용 개체 틀 2">
@@ -20759,489 +23548,523 @@
                 </a:pPr>
                 <a:r>
                   <a:rPr lang="ko-KR" altLang="en-US" sz="1800" dirty="0"/>
-                  <a:t>조절 및 예측이 가능한 부분을 </a:t>
+                  <a:t>조절 및 예측이 </a:t>
                 </a:r>
+                <a:r>
+                  <a:rPr lang="ko-KR" altLang="en-US" sz="1800" b="1" dirty="0">
+                    <a:solidFill>
+                      <a:srgbClr val="0070C0"/>
+                    </a:solidFill>
+                  </a:rPr>
+                  <a:t>가능</a:t>
+                </a:r>
+                <a:r>
+                  <a:rPr lang="ko-KR" altLang="en-US" sz="1800" dirty="0"/>
+                  <a:t>한 부분 </a:t>
+                </a:r>
+                <a:endParaRPr lang="en-US" altLang="ko-KR" sz="1800" i="1" dirty="0">
+                  <a:latin typeface="Cambria Math" panose="02040503050406030204" pitchFamily="18" charset="0"/>
+                </a:endParaRPr>
+              </a:p>
+              <a:p>
+                <a:pPr marL="457166" lvl="1" indent="0">
+                  <a:lnSpc>
+                    <a:spcPct val="150000"/>
+                  </a:lnSpc>
+                  <a:buNone/>
+                </a:pPr>
                 <a14:m>
-                  <m:oMath xmlns:m="http://schemas.openxmlformats.org/officeDocument/2006/math">
-                    <m:sSub>
-                      <m:sSubPr>
-                        <m:ctrlPr>
-                          <a:rPr lang="en-US" altLang="ko-KR" sz="1800" i="1" smtClean="0">
-                            <a:latin typeface="Cambria Math" panose="02040503050406030204" pitchFamily="18" charset="0"/>
-                          </a:rPr>
-                        </m:ctrlPr>
-                      </m:sSubPr>
-                      <m:e>
-                        <m:r>
-                          <a:rPr lang="en-US" altLang="ko-KR" sz="1800" i="1" smtClean="0">
-                            <a:latin typeface="Cambria Math" panose="02040503050406030204" pitchFamily="18" charset="0"/>
-                          </a:rPr>
-                          <m:t>𝑀</m:t>
-                        </m:r>
-                      </m:e>
-                      <m:sub>
-                        <m:r>
-                          <a:rPr lang="en-US" altLang="ko-KR" sz="1800" b="0" i="1" smtClean="0">
-                            <a:latin typeface="Cambria Math" panose="02040503050406030204" pitchFamily="18" charset="0"/>
-                          </a:rPr>
-                          <m:t>𝐶</m:t>
-                        </m:r>
-                      </m:sub>
-                    </m:sSub>
-                    <m:r>
-                      <a:rPr lang="en-US" altLang="ko-KR" sz="1800" i="1">
-                        <a:latin typeface="Cambria Math" panose="02040503050406030204" pitchFamily="18" charset="0"/>
-                      </a:rPr>
-                      <m:t>=</m:t>
-                    </m:r>
-                    <m:d>
-                      <m:dPr>
-                        <m:ctrlPr>
-                          <a:rPr lang="ko-KR" altLang="ko-KR" sz="1800" b="0" i="1" kern="100">
-                            <a:latin typeface="Cambria Math" panose="02040503050406030204" pitchFamily="18" charset="0"/>
-                          </a:rPr>
-                        </m:ctrlPr>
-                      </m:dPr>
-                      <m:e>
-                        <m:sSub>
-                          <m:sSubPr>
-                            <m:ctrlPr>
-                              <a:rPr lang="ko-KR" altLang="ko-KR" sz="1800" b="0" i="1" kern="100">
-                                <a:latin typeface="Cambria Math" panose="02040503050406030204" pitchFamily="18" charset="0"/>
-                              </a:rPr>
-                            </m:ctrlPr>
-                          </m:sSubPr>
-                          <m:e>
-                            <m:r>
-                              <a:rPr lang="en-US" altLang="ko-KR" sz="1800" i="1" kern="100">
-                                <a:latin typeface="Cambria Math" panose="02040503050406030204" pitchFamily="18" charset="0"/>
-                                <a:ea typeface="HY신명조" panose="02030600000101010101" pitchFamily="18" charset="-127"/>
-                                <a:cs typeface="Times New Roman" panose="02020603050405020304" pitchFamily="18" charset="0"/>
-                              </a:rPr>
-                              <m:t>𝐹</m:t>
-                            </m:r>
-                          </m:e>
-                          <m:sub>
-                            <m:r>
-                              <a:rPr lang="en-US" altLang="ko-KR" sz="1800" i="1" kern="100">
-                                <a:latin typeface="Cambria Math" panose="02040503050406030204" pitchFamily="18" charset="0"/>
-                                <a:ea typeface="HY신명조" panose="02030600000101010101" pitchFamily="18" charset="-127"/>
-                                <a:cs typeface="Times New Roman" panose="02020603050405020304" pitchFamily="18" charset="0"/>
-                              </a:rPr>
-                              <m:t>𝑥</m:t>
-                            </m:r>
-                            <m:r>
-                              <a:rPr lang="en-US" altLang="ko-KR" sz="1800" i="1" kern="100">
-                                <a:latin typeface="Cambria Math" panose="02040503050406030204" pitchFamily="18" charset="0"/>
-                                <a:ea typeface="HY신명조" panose="02030600000101010101" pitchFamily="18" charset="-127"/>
-                                <a:cs typeface="Times New Roman" panose="02020603050405020304" pitchFamily="18" charset="0"/>
-                              </a:rPr>
-                              <m:t>,</m:t>
-                            </m:r>
-                            <m:r>
-                              <a:rPr lang="en-US" altLang="ko-KR" sz="1800" i="1" kern="100">
-                                <a:latin typeface="Cambria Math" panose="02040503050406030204" pitchFamily="18" charset="0"/>
-                                <a:ea typeface="HY신명조" panose="02030600000101010101" pitchFamily="18" charset="-127"/>
-                                <a:cs typeface="Times New Roman" panose="02020603050405020304" pitchFamily="18" charset="0"/>
-                              </a:rPr>
-                              <m:t>𝐹𝐿</m:t>
-                            </m:r>
-                          </m:sub>
-                        </m:sSub>
-                        <m:r>
-                          <a:rPr lang="en-US" altLang="ko-KR" sz="1800" i="1" kern="100">
-                            <a:latin typeface="Cambria Math" panose="02040503050406030204" pitchFamily="18" charset="0"/>
-                            <a:ea typeface="HY신명조" panose="02030600000101010101" pitchFamily="18" charset="-127"/>
-                            <a:cs typeface="Times New Roman" panose="02020603050405020304" pitchFamily="18" charset="0"/>
-                          </a:rPr>
-                          <m:t>𝑐𝑜𝑠</m:t>
-                        </m:r>
-                        <m:sSub>
-                          <m:sSubPr>
-                            <m:ctrlPr>
-                              <a:rPr lang="ko-KR" altLang="ko-KR" sz="1800" i="1" kern="100">
-                                <a:latin typeface="Cambria Math" panose="02040503050406030204" pitchFamily="18" charset="0"/>
-                                <a:ea typeface="HY신명조" panose="02030600000101010101" pitchFamily="18" charset="-127"/>
-                                <a:cs typeface="Times New Roman" panose="02020603050405020304" pitchFamily="18" charset="0"/>
-                              </a:rPr>
-                            </m:ctrlPr>
-                          </m:sSubPr>
-                          <m:e>
-                            <m:r>
-                              <a:rPr lang="en-US" altLang="ko-KR" sz="1800" i="1" kern="100">
-                                <a:latin typeface="Cambria Math" panose="02040503050406030204" pitchFamily="18" charset="0"/>
-                                <a:ea typeface="HY신명조" panose="02030600000101010101" pitchFamily="18" charset="-127"/>
-                                <a:cs typeface="Times New Roman" panose="02020603050405020304" pitchFamily="18" charset="0"/>
-                              </a:rPr>
-                              <m:t>𝛿</m:t>
-                            </m:r>
-                          </m:e>
-                          <m:sub>
-                            <m:r>
-                              <a:rPr lang="en-US" altLang="ko-KR" sz="1800" i="1" kern="100">
-                                <a:latin typeface="Cambria Math" panose="02040503050406030204" pitchFamily="18" charset="0"/>
-                                <a:ea typeface="HY신명조" panose="02030600000101010101" pitchFamily="18" charset="-127"/>
-                                <a:cs typeface="Times New Roman" panose="02020603050405020304" pitchFamily="18" charset="0"/>
-                              </a:rPr>
-                              <m:t>𝐹𝐿</m:t>
-                            </m:r>
-                          </m:sub>
-                        </m:sSub>
-                        <m:r>
-                          <a:rPr lang="en-US" altLang="ko-KR" sz="1800" i="1" kern="100">
-                            <a:latin typeface="Cambria Math" panose="02040503050406030204" pitchFamily="18" charset="0"/>
-                            <a:ea typeface="HY신명조" panose="02030600000101010101" pitchFamily="18" charset="-127"/>
-                            <a:cs typeface="Times New Roman" panose="02020603050405020304" pitchFamily="18" charset="0"/>
-                          </a:rPr>
-                          <m:t>−</m:t>
-                        </m:r>
-                        <m:sSub>
-                          <m:sSubPr>
-                            <m:ctrlPr>
-                              <a:rPr lang="ko-KR" altLang="ko-KR" sz="1800" i="1" kern="100">
-                                <a:latin typeface="Cambria Math" panose="02040503050406030204" pitchFamily="18" charset="0"/>
-                                <a:ea typeface="HY신명조" panose="02030600000101010101" pitchFamily="18" charset="-127"/>
-                                <a:cs typeface="Times New Roman" panose="02020603050405020304" pitchFamily="18" charset="0"/>
-                              </a:rPr>
-                            </m:ctrlPr>
-                          </m:sSubPr>
-                          <m:e>
-                            <m:r>
-                              <a:rPr lang="en-US" altLang="ko-KR" sz="1800" i="1" kern="100">
-                                <a:latin typeface="Cambria Math" panose="02040503050406030204" pitchFamily="18" charset="0"/>
-                                <a:ea typeface="HY신명조" panose="02030600000101010101" pitchFamily="18" charset="-127"/>
-                                <a:cs typeface="Times New Roman" panose="02020603050405020304" pitchFamily="18" charset="0"/>
-                              </a:rPr>
-                              <m:t>𝐹</m:t>
-                            </m:r>
-                          </m:e>
-                          <m:sub>
-                            <m:r>
-                              <a:rPr lang="en-US" altLang="ko-KR" sz="1800" i="1" kern="100">
-                                <a:latin typeface="Cambria Math" panose="02040503050406030204" pitchFamily="18" charset="0"/>
-                                <a:ea typeface="HY신명조" panose="02030600000101010101" pitchFamily="18" charset="-127"/>
-                                <a:cs typeface="Times New Roman" panose="02020603050405020304" pitchFamily="18" charset="0"/>
-                              </a:rPr>
-                              <m:t>𝑦</m:t>
-                            </m:r>
-                            <m:r>
-                              <a:rPr lang="en-US" altLang="ko-KR" sz="1800" i="1" kern="100">
-                                <a:latin typeface="Cambria Math" panose="02040503050406030204" pitchFamily="18" charset="0"/>
-                                <a:ea typeface="HY신명조" panose="02030600000101010101" pitchFamily="18" charset="-127"/>
-                                <a:cs typeface="Times New Roman" panose="02020603050405020304" pitchFamily="18" charset="0"/>
-                              </a:rPr>
-                              <m:t>,</m:t>
-                            </m:r>
-                            <m:r>
-                              <a:rPr lang="en-US" altLang="ko-KR" sz="1800" i="1" kern="100">
-                                <a:latin typeface="Cambria Math" panose="02040503050406030204" pitchFamily="18" charset="0"/>
-                                <a:ea typeface="HY신명조" panose="02030600000101010101" pitchFamily="18" charset="-127"/>
-                                <a:cs typeface="Times New Roman" panose="02020603050405020304" pitchFamily="18" charset="0"/>
-                              </a:rPr>
-                              <m:t>𝐹𝑅</m:t>
-                            </m:r>
-                          </m:sub>
-                        </m:sSub>
-                        <m:r>
-                          <a:rPr lang="en-US" altLang="ko-KR" sz="1800" i="1" kern="100">
-                            <a:latin typeface="Cambria Math" panose="02040503050406030204" pitchFamily="18" charset="0"/>
-                            <a:ea typeface="HY신명조" panose="02030600000101010101" pitchFamily="18" charset="-127"/>
-                            <a:cs typeface="Times New Roman" panose="02020603050405020304" pitchFamily="18" charset="0"/>
-                          </a:rPr>
-                          <m:t>𝑐𝑜𝑠</m:t>
-                        </m:r>
-                        <m:sSub>
-                          <m:sSubPr>
-                            <m:ctrlPr>
-                              <a:rPr lang="ko-KR" altLang="ko-KR" sz="1800" i="1" kern="100">
-                                <a:latin typeface="Cambria Math" panose="02040503050406030204" pitchFamily="18" charset="0"/>
-                                <a:ea typeface="HY신명조" panose="02030600000101010101" pitchFamily="18" charset="-127"/>
-                                <a:cs typeface="Times New Roman" panose="02020603050405020304" pitchFamily="18" charset="0"/>
-                              </a:rPr>
-                            </m:ctrlPr>
-                          </m:sSubPr>
-                          <m:e>
-                            <m:r>
-                              <a:rPr lang="en-US" altLang="ko-KR" sz="1800" i="1" kern="100">
-                                <a:latin typeface="Cambria Math" panose="02040503050406030204" pitchFamily="18" charset="0"/>
-                                <a:ea typeface="HY신명조" panose="02030600000101010101" pitchFamily="18" charset="-127"/>
-                                <a:cs typeface="Times New Roman" panose="02020603050405020304" pitchFamily="18" charset="0"/>
-                              </a:rPr>
-                              <m:t>𝛿</m:t>
-                            </m:r>
-                          </m:e>
-                          <m:sub>
-                            <m:r>
-                              <a:rPr lang="en-US" altLang="ko-KR" sz="1800" i="1" kern="100">
-                                <a:latin typeface="Cambria Math" panose="02040503050406030204" pitchFamily="18" charset="0"/>
-                                <a:ea typeface="HY신명조" panose="02030600000101010101" pitchFamily="18" charset="-127"/>
-                                <a:cs typeface="Times New Roman" panose="02020603050405020304" pitchFamily="18" charset="0"/>
-                              </a:rPr>
-                              <m:t>𝐹𝑅</m:t>
-                            </m:r>
-                          </m:sub>
-                        </m:sSub>
-                      </m:e>
-                    </m:d>
-                    <m:f>
-                      <m:fPr>
-                        <m:ctrlPr>
-                          <a:rPr lang="ko-KR" altLang="en-US" sz="1800" i="1" kern="100">
-                            <a:solidFill>
-                              <a:srgbClr val="836967"/>
-                            </a:solidFill>
-                            <a:latin typeface="Cambria Math" panose="02040503050406030204" pitchFamily="18" charset="0"/>
-                            <a:ea typeface="HY신명조" panose="02030600000101010101" pitchFamily="18" charset="-127"/>
-                            <a:cs typeface="Times New Roman" panose="02020603050405020304" pitchFamily="18" charset="0"/>
-                          </a:rPr>
-                        </m:ctrlPr>
-                      </m:fPr>
-                      <m:num>
-                        <m:sSub>
-                          <m:sSubPr>
-                            <m:ctrlPr>
-                              <a:rPr lang="ko-KR" altLang="en-US" sz="1800" i="1" kern="100">
-                                <a:solidFill>
-                                  <a:srgbClr val="836967"/>
-                                </a:solidFill>
-                                <a:latin typeface="Cambria Math" panose="02040503050406030204" pitchFamily="18" charset="0"/>
-                                <a:ea typeface="HY신명조" panose="02030600000101010101" pitchFamily="18" charset="-127"/>
-                                <a:cs typeface="Times New Roman" panose="02020603050405020304" pitchFamily="18" charset="0"/>
-                              </a:rPr>
-                            </m:ctrlPr>
-                          </m:sSubPr>
-                          <m:e>
-                            <m:r>
-                              <a:rPr lang="ko-KR" altLang="en-US" sz="1800" i="1">
-                                <a:latin typeface="Cambria Math" panose="02040503050406030204" pitchFamily="18" charset="0"/>
-                              </a:rPr>
-                              <m:t>𝐶</m:t>
-                            </m:r>
-                          </m:e>
-                          <m:sub>
-                            <m:r>
-                              <a:rPr lang="ko-KR" altLang="en-US" sz="1800" i="1">
-                                <a:latin typeface="Cambria Math" panose="02040503050406030204" pitchFamily="18" charset="0"/>
-                              </a:rPr>
-                              <m:t>𝐹</m:t>
-                            </m:r>
-                          </m:sub>
-                        </m:sSub>
-                      </m:num>
-                      <m:den>
-                        <m:r>
-                          <a:rPr lang="ko-KR" altLang="en-US" sz="1800">
-                            <a:latin typeface="Cambria Math" panose="02040503050406030204" pitchFamily="18" charset="0"/>
-                          </a:rPr>
-                          <m:t>2</m:t>
-                        </m:r>
-                      </m:den>
-                    </m:f>
-                    <m:r>
-                      <a:rPr lang="ko-KR" altLang="en-US" sz="1800">
-                        <a:latin typeface="Cambria Math" panose="02040503050406030204" pitchFamily="18" charset="0"/>
-                      </a:rPr>
-                      <m:t>+</m:t>
-                    </m:r>
-                    <m:r>
-                      <a:rPr lang="ko-KR" altLang="en-US" sz="1800" i="1">
-                        <a:latin typeface="Cambria Math" panose="02040503050406030204" pitchFamily="18" charset="0"/>
-                      </a:rPr>
-                      <m:t>𝑎</m:t>
-                    </m:r>
-                    <m:d>
-                      <m:dPr>
-                        <m:ctrlPr>
-                          <a:rPr lang="ko-KR" altLang="ko-KR" sz="1800" i="1" kern="100">
-                            <a:solidFill>
-                              <a:srgbClr val="836967"/>
-                            </a:solidFill>
-                            <a:latin typeface="Cambria Math" panose="02040503050406030204" pitchFamily="18" charset="0"/>
-                          </a:rPr>
-                        </m:ctrlPr>
-                      </m:dPr>
-                      <m:e>
-                        <m:sSub>
-                          <m:sSubPr>
-                            <m:ctrlPr>
-                              <a:rPr lang="ko-KR" altLang="ko-KR" sz="1800" i="1" kern="100">
-                                <a:latin typeface="Cambria Math" panose="02040503050406030204" pitchFamily="18" charset="0"/>
-                              </a:rPr>
-                            </m:ctrlPr>
-                          </m:sSubPr>
-                          <m:e>
-                            <m:r>
-                              <a:rPr lang="en-US" altLang="ko-KR" sz="1800" i="1" kern="100">
-                                <a:latin typeface="Cambria Math" panose="02040503050406030204" pitchFamily="18" charset="0"/>
-                                <a:ea typeface="HY신명조" panose="02030600000101010101" pitchFamily="18" charset="-127"/>
-                                <a:cs typeface="Times New Roman" panose="02020603050405020304" pitchFamily="18" charset="0"/>
-                              </a:rPr>
-                              <m:t>𝐹</m:t>
-                            </m:r>
-                          </m:e>
-                          <m:sub>
-                            <m:r>
-                              <a:rPr lang="en-US" altLang="ko-KR" sz="1800" i="1" kern="100">
-                                <a:latin typeface="Cambria Math" panose="02040503050406030204" pitchFamily="18" charset="0"/>
-                                <a:ea typeface="HY신명조" panose="02030600000101010101" pitchFamily="18" charset="-127"/>
-                                <a:cs typeface="Times New Roman" panose="02020603050405020304" pitchFamily="18" charset="0"/>
-                              </a:rPr>
-                              <m:t>𝑥</m:t>
-                            </m:r>
-                            <m:r>
-                              <a:rPr lang="en-US" altLang="ko-KR" sz="1800" i="1" kern="100">
-                                <a:latin typeface="Cambria Math" panose="02040503050406030204" pitchFamily="18" charset="0"/>
-                                <a:ea typeface="HY신명조" panose="02030600000101010101" pitchFamily="18" charset="-127"/>
-                                <a:cs typeface="Times New Roman" panose="02020603050405020304" pitchFamily="18" charset="0"/>
-                              </a:rPr>
-                              <m:t>,</m:t>
-                            </m:r>
-                            <m:r>
-                              <a:rPr lang="en-US" altLang="ko-KR" sz="1800" i="1" kern="100">
-                                <a:latin typeface="Cambria Math" panose="02040503050406030204" pitchFamily="18" charset="0"/>
-                                <a:ea typeface="HY신명조" panose="02030600000101010101" pitchFamily="18" charset="-127"/>
-                                <a:cs typeface="Times New Roman" panose="02020603050405020304" pitchFamily="18" charset="0"/>
-                              </a:rPr>
-                              <m:t>𝐹𝐿</m:t>
-                            </m:r>
-                          </m:sub>
-                        </m:sSub>
-                        <m:r>
-                          <a:rPr lang="en-US" altLang="ko-KR" sz="1800" i="1" kern="100">
-                            <a:latin typeface="Cambria Math" panose="02040503050406030204" pitchFamily="18" charset="0"/>
-                            <a:ea typeface="HY신명조" panose="02030600000101010101" pitchFamily="18" charset="-127"/>
-                            <a:cs typeface="Times New Roman" panose="02020603050405020304" pitchFamily="18" charset="0"/>
-                          </a:rPr>
-                          <m:t>𝑠𝑖𝑛</m:t>
-                        </m:r>
-                        <m:sSub>
-                          <m:sSubPr>
-                            <m:ctrlPr>
-                              <a:rPr lang="ko-KR" altLang="ko-KR" sz="1800" i="1" kern="100">
-                                <a:latin typeface="Cambria Math" panose="02040503050406030204" pitchFamily="18" charset="0"/>
-                                <a:ea typeface="HY신명조" panose="02030600000101010101" pitchFamily="18" charset="-127"/>
-                                <a:cs typeface="Times New Roman" panose="02020603050405020304" pitchFamily="18" charset="0"/>
-                              </a:rPr>
-                            </m:ctrlPr>
-                          </m:sSubPr>
-                          <m:e>
-                            <m:r>
-                              <a:rPr lang="en-US" altLang="ko-KR" sz="1800" i="1" kern="100">
-                                <a:latin typeface="Cambria Math" panose="02040503050406030204" pitchFamily="18" charset="0"/>
-                                <a:ea typeface="HY신명조" panose="02030600000101010101" pitchFamily="18" charset="-127"/>
-                                <a:cs typeface="Times New Roman" panose="02020603050405020304" pitchFamily="18" charset="0"/>
-                              </a:rPr>
-                              <m:t>𝛿</m:t>
-                            </m:r>
-                          </m:e>
-                          <m:sub>
-                            <m:r>
-                              <a:rPr lang="en-US" altLang="ko-KR" sz="1800" i="1" kern="100">
-                                <a:latin typeface="Cambria Math" panose="02040503050406030204" pitchFamily="18" charset="0"/>
-                                <a:ea typeface="HY신명조" panose="02030600000101010101" pitchFamily="18" charset="-127"/>
-                                <a:cs typeface="Times New Roman" panose="02020603050405020304" pitchFamily="18" charset="0"/>
-                              </a:rPr>
-                              <m:t>𝐹𝐿</m:t>
-                            </m:r>
-                          </m:sub>
-                        </m:sSub>
-                        <m:r>
-                          <a:rPr lang="en-US" altLang="ko-KR" sz="1800" i="1" kern="100">
-                            <a:latin typeface="Cambria Math" panose="02040503050406030204" pitchFamily="18" charset="0"/>
-                            <a:ea typeface="HY신명조" panose="02030600000101010101" pitchFamily="18" charset="-127"/>
-                            <a:cs typeface="Times New Roman" panose="02020603050405020304" pitchFamily="18" charset="0"/>
-                          </a:rPr>
-                          <m:t>−</m:t>
-                        </m:r>
-                        <m:sSub>
-                          <m:sSubPr>
-                            <m:ctrlPr>
-                              <a:rPr lang="ko-KR" altLang="ko-KR" sz="1800" i="1" kern="100">
-                                <a:latin typeface="Cambria Math" panose="02040503050406030204" pitchFamily="18" charset="0"/>
-                                <a:ea typeface="HY신명조" panose="02030600000101010101" pitchFamily="18" charset="-127"/>
-                                <a:cs typeface="Times New Roman" panose="02020603050405020304" pitchFamily="18" charset="0"/>
-                              </a:rPr>
-                            </m:ctrlPr>
-                          </m:sSubPr>
-                          <m:e>
-                            <m:r>
-                              <a:rPr lang="en-US" altLang="ko-KR" sz="1800" i="1" kern="100">
-                                <a:latin typeface="Cambria Math" panose="02040503050406030204" pitchFamily="18" charset="0"/>
-                                <a:ea typeface="HY신명조" panose="02030600000101010101" pitchFamily="18" charset="-127"/>
-                                <a:cs typeface="Times New Roman" panose="02020603050405020304" pitchFamily="18" charset="0"/>
-                              </a:rPr>
-                              <m:t>𝐹</m:t>
-                            </m:r>
-                          </m:e>
-                          <m:sub>
-                            <m:r>
-                              <a:rPr lang="en-US" altLang="ko-KR" sz="1800" i="1" kern="100">
-                                <a:latin typeface="Cambria Math" panose="02040503050406030204" pitchFamily="18" charset="0"/>
-                                <a:ea typeface="HY신명조" panose="02030600000101010101" pitchFamily="18" charset="-127"/>
-                                <a:cs typeface="Times New Roman" panose="02020603050405020304" pitchFamily="18" charset="0"/>
-                              </a:rPr>
-                              <m:t>𝑦</m:t>
-                            </m:r>
-                            <m:r>
-                              <a:rPr lang="en-US" altLang="ko-KR" sz="1800" i="1" kern="100">
-                                <a:latin typeface="Cambria Math" panose="02040503050406030204" pitchFamily="18" charset="0"/>
-                                <a:ea typeface="HY신명조" panose="02030600000101010101" pitchFamily="18" charset="-127"/>
-                                <a:cs typeface="Times New Roman" panose="02020603050405020304" pitchFamily="18" charset="0"/>
-                              </a:rPr>
-                              <m:t>,</m:t>
-                            </m:r>
-                            <m:r>
-                              <a:rPr lang="en-US" altLang="ko-KR" sz="1800" i="1" kern="100">
-                                <a:latin typeface="Cambria Math" panose="02040503050406030204" pitchFamily="18" charset="0"/>
-                                <a:ea typeface="HY신명조" panose="02030600000101010101" pitchFamily="18" charset="-127"/>
-                                <a:cs typeface="Times New Roman" panose="02020603050405020304" pitchFamily="18" charset="0"/>
-                              </a:rPr>
-                              <m:t>𝐹𝑅</m:t>
-                            </m:r>
-                          </m:sub>
-                        </m:sSub>
-                        <m:r>
-                          <a:rPr lang="en-US" altLang="ko-KR" sz="1800" i="1" kern="100">
-                            <a:latin typeface="Cambria Math" panose="02040503050406030204" pitchFamily="18" charset="0"/>
-                            <a:ea typeface="HY신명조" panose="02030600000101010101" pitchFamily="18" charset="-127"/>
-                            <a:cs typeface="Times New Roman" panose="02020603050405020304" pitchFamily="18" charset="0"/>
-                          </a:rPr>
-                          <m:t>𝑠𝑖𝑛</m:t>
-                        </m:r>
-                        <m:sSub>
-                          <m:sSubPr>
-                            <m:ctrlPr>
-                              <a:rPr lang="ko-KR" altLang="ko-KR" sz="1800" i="1" kern="100">
-                                <a:latin typeface="Cambria Math" panose="02040503050406030204" pitchFamily="18" charset="0"/>
-                                <a:ea typeface="HY신명조" panose="02030600000101010101" pitchFamily="18" charset="-127"/>
-                                <a:cs typeface="Times New Roman" panose="02020603050405020304" pitchFamily="18" charset="0"/>
-                              </a:rPr>
-                            </m:ctrlPr>
-                          </m:sSubPr>
-                          <m:e>
-                            <m:r>
-                              <a:rPr lang="en-US" altLang="ko-KR" sz="1800" i="1" kern="100">
-                                <a:latin typeface="Cambria Math" panose="02040503050406030204" pitchFamily="18" charset="0"/>
-                                <a:ea typeface="HY신명조" panose="02030600000101010101" pitchFamily="18" charset="-127"/>
-                                <a:cs typeface="Times New Roman" panose="02020603050405020304" pitchFamily="18" charset="0"/>
-                              </a:rPr>
-                              <m:t>𝛿</m:t>
-                            </m:r>
-                          </m:e>
-                          <m:sub>
-                            <m:r>
-                              <a:rPr lang="en-US" altLang="ko-KR" sz="1800" i="1" kern="100">
-                                <a:latin typeface="Cambria Math" panose="02040503050406030204" pitchFamily="18" charset="0"/>
-                                <a:ea typeface="HY신명조" panose="02030600000101010101" pitchFamily="18" charset="-127"/>
-                                <a:cs typeface="Times New Roman" panose="02020603050405020304" pitchFamily="18" charset="0"/>
-                              </a:rPr>
-                              <m:t>𝐹𝑅</m:t>
-                            </m:r>
-                          </m:sub>
-                        </m:sSub>
-                      </m:e>
-                    </m:d>
-                  </m:oMath>
+                  <m:oMathPara xmlns:m="http://schemas.openxmlformats.org/officeDocument/2006/math">
+                    <m:oMathParaPr>
+                      <m:jc m:val="left"/>
+                    </m:oMathParaPr>
+                    <m:oMath xmlns:m="http://schemas.openxmlformats.org/officeDocument/2006/math">
+                      <m:sSub>
+                        <m:sSubPr>
+                          <m:ctrlPr>
+                            <a:rPr lang="en-US" altLang="ko-KR" sz="1800" i="1" smtClean="0">
+                              <a:latin typeface="Cambria Math" panose="02040503050406030204" pitchFamily="18" charset="0"/>
+                            </a:rPr>
+                          </m:ctrlPr>
+                        </m:sSubPr>
+                        <m:e>
+                          <m:r>
+                            <a:rPr lang="en-US" altLang="ko-KR" sz="1800" b="0" i="1" smtClean="0">
+                              <a:latin typeface="Cambria Math" panose="02040503050406030204" pitchFamily="18" charset="0"/>
+                            </a:rPr>
+                            <m:t> </m:t>
+                          </m:r>
+                          <m:r>
+                            <a:rPr lang="en-US" altLang="ko-KR" sz="1800" i="1" smtClean="0">
+                              <a:latin typeface="Cambria Math" panose="02040503050406030204" pitchFamily="18" charset="0"/>
+                            </a:rPr>
+                            <m:t>𝑀</m:t>
+                          </m:r>
+                        </m:e>
+                        <m:sub>
+                          <m:r>
+                            <a:rPr lang="en-US" altLang="ko-KR" sz="1800" b="0" i="1" smtClean="0">
+                              <a:latin typeface="Cambria Math" panose="02040503050406030204" pitchFamily="18" charset="0"/>
+                            </a:rPr>
+                            <m:t>𝐶</m:t>
+                          </m:r>
+                        </m:sub>
+                      </m:sSub>
+                      <m:r>
+                        <a:rPr lang="en-US" altLang="ko-KR" sz="1800" i="1">
+                          <a:latin typeface="Cambria Math" panose="02040503050406030204" pitchFamily="18" charset="0"/>
+                        </a:rPr>
+                        <m:t>=</m:t>
+                      </m:r>
+                      <m:d>
+                        <m:dPr>
+                          <m:ctrlPr>
+                            <a:rPr lang="ko-KR" altLang="ko-KR" sz="1800" b="0" i="1" kern="100">
+                              <a:latin typeface="Cambria Math" panose="02040503050406030204" pitchFamily="18" charset="0"/>
+                            </a:rPr>
+                          </m:ctrlPr>
+                        </m:dPr>
+                        <m:e>
+                          <m:sSub>
+                            <m:sSubPr>
+                              <m:ctrlPr>
+                                <a:rPr lang="ko-KR" altLang="ko-KR" sz="1800" b="0" i="1" kern="100">
+                                  <a:latin typeface="Cambria Math" panose="02040503050406030204" pitchFamily="18" charset="0"/>
+                                </a:rPr>
+                              </m:ctrlPr>
+                            </m:sSubPr>
+                            <m:e>
+                              <m:r>
+                                <a:rPr lang="en-US" altLang="ko-KR" sz="1800" i="1" kern="100">
+                                  <a:latin typeface="Cambria Math" panose="02040503050406030204" pitchFamily="18" charset="0"/>
+                                  <a:ea typeface="HY신명조" panose="02030600000101010101" pitchFamily="18" charset="-127"/>
+                                  <a:cs typeface="Times New Roman" panose="02020603050405020304" pitchFamily="18" charset="0"/>
+                                </a:rPr>
+                                <m:t>𝐹</m:t>
+                              </m:r>
+                            </m:e>
+                            <m:sub>
+                              <m:r>
+                                <a:rPr lang="en-US" altLang="ko-KR" sz="1800" i="1" kern="100">
+                                  <a:latin typeface="Cambria Math" panose="02040503050406030204" pitchFamily="18" charset="0"/>
+                                  <a:ea typeface="HY신명조" panose="02030600000101010101" pitchFamily="18" charset="-127"/>
+                                  <a:cs typeface="Times New Roman" panose="02020603050405020304" pitchFamily="18" charset="0"/>
+                                </a:rPr>
+                                <m:t>𝑥</m:t>
+                              </m:r>
+                              <m:r>
+                                <a:rPr lang="en-US" altLang="ko-KR" sz="1800" i="1" kern="100">
+                                  <a:latin typeface="Cambria Math" panose="02040503050406030204" pitchFamily="18" charset="0"/>
+                                  <a:ea typeface="HY신명조" panose="02030600000101010101" pitchFamily="18" charset="-127"/>
+                                  <a:cs typeface="Times New Roman" panose="02020603050405020304" pitchFamily="18" charset="0"/>
+                                </a:rPr>
+                                <m:t>,</m:t>
+                              </m:r>
+                              <m:r>
+                                <a:rPr lang="en-US" altLang="ko-KR" sz="1800" i="1" kern="100">
+                                  <a:latin typeface="Cambria Math" panose="02040503050406030204" pitchFamily="18" charset="0"/>
+                                  <a:ea typeface="HY신명조" panose="02030600000101010101" pitchFamily="18" charset="-127"/>
+                                  <a:cs typeface="Times New Roman" panose="02020603050405020304" pitchFamily="18" charset="0"/>
+                                </a:rPr>
+                                <m:t>𝐹𝐿</m:t>
+                              </m:r>
+                            </m:sub>
+                          </m:sSub>
+                          <m:r>
+                            <a:rPr lang="en-US" altLang="ko-KR" sz="1800" i="1" kern="100">
+                              <a:latin typeface="Cambria Math" panose="02040503050406030204" pitchFamily="18" charset="0"/>
+                              <a:ea typeface="HY신명조" panose="02030600000101010101" pitchFamily="18" charset="-127"/>
+                              <a:cs typeface="Times New Roman" panose="02020603050405020304" pitchFamily="18" charset="0"/>
+                            </a:rPr>
+                            <m:t>𝑐𝑜𝑠</m:t>
+                          </m:r>
+                          <m:sSub>
+                            <m:sSubPr>
+                              <m:ctrlPr>
+                                <a:rPr lang="ko-KR" altLang="ko-KR" sz="1800" i="1" kern="100">
+                                  <a:latin typeface="Cambria Math" panose="02040503050406030204" pitchFamily="18" charset="0"/>
+                                  <a:ea typeface="HY신명조" panose="02030600000101010101" pitchFamily="18" charset="-127"/>
+                                  <a:cs typeface="Times New Roman" panose="02020603050405020304" pitchFamily="18" charset="0"/>
+                                </a:rPr>
+                              </m:ctrlPr>
+                            </m:sSubPr>
+                            <m:e>
+                              <m:r>
+                                <a:rPr lang="en-US" altLang="ko-KR" sz="1800" i="1" kern="100">
+                                  <a:latin typeface="Cambria Math" panose="02040503050406030204" pitchFamily="18" charset="0"/>
+                                  <a:ea typeface="HY신명조" panose="02030600000101010101" pitchFamily="18" charset="-127"/>
+                                  <a:cs typeface="Times New Roman" panose="02020603050405020304" pitchFamily="18" charset="0"/>
+                                </a:rPr>
+                                <m:t>𝛿</m:t>
+                              </m:r>
+                            </m:e>
+                            <m:sub>
+                              <m:r>
+                                <a:rPr lang="en-US" altLang="ko-KR" sz="1800" i="1" kern="100">
+                                  <a:latin typeface="Cambria Math" panose="02040503050406030204" pitchFamily="18" charset="0"/>
+                                  <a:ea typeface="HY신명조" panose="02030600000101010101" pitchFamily="18" charset="-127"/>
+                                  <a:cs typeface="Times New Roman" panose="02020603050405020304" pitchFamily="18" charset="0"/>
+                                </a:rPr>
+                                <m:t>𝐹𝐿</m:t>
+                              </m:r>
+                            </m:sub>
+                          </m:sSub>
+                          <m:r>
+                            <a:rPr lang="en-US" altLang="ko-KR" sz="1800" i="1" kern="100">
+                              <a:latin typeface="Cambria Math" panose="02040503050406030204" pitchFamily="18" charset="0"/>
+                              <a:ea typeface="HY신명조" panose="02030600000101010101" pitchFamily="18" charset="-127"/>
+                              <a:cs typeface="Times New Roman" panose="02020603050405020304" pitchFamily="18" charset="0"/>
+                            </a:rPr>
+                            <m:t>−</m:t>
+                          </m:r>
+                          <m:sSub>
+                            <m:sSubPr>
+                              <m:ctrlPr>
+                                <a:rPr lang="ko-KR" altLang="ko-KR" sz="1800" i="1" kern="100">
+                                  <a:latin typeface="Cambria Math" panose="02040503050406030204" pitchFamily="18" charset="0"/>
+                                  <a:ea typeface="HY신명조" panose="02030600000101010101" pitchFamily="18" charset="-127"/>
+                                  <a:cs typeface="Times New Roman" panose="02020603050405020304" pitchFamily="18" charset="0"/>
+                                </a:rPr>
+                              </m:ctrlPr>
+                            </m:sSubPr>
+                            <m:e>
+                              <m:r>
+                                <a:rPr lang="en-US" altLang="ko-KR" sz="1800" i="1" kern="100">
+                                  <a:latin typeface="Cambria Math" panose="02040503050406030204" pitchFamily="18" charset="0"/>
+                                  <a:ea typeface="HY신명조" panose="02030600000101010101" pitchFamily="18" charset="-127"/>
+                                  <a:cs typeface="Times New Roman" panose="02020603050405020304" pitchFamily="18" charset="0"/>
+                                </a:rPr>
+                                <m:t>𝐹</m:t>
+                              </m:r>
+                            </m:e>
+                            <m:sub>
+                              <m:r>
+                                <a:rPr lang="en-US" altLang="ko-KR" sz="1800" i="1" kern="100">
+                                  <a:latin typeface="Cambria Math" panose="02040503050406030204" pitchFamily="18" charset="0"/>
+                                  <a:ea typeface="HY신명조" panose="02030600000101010101" pitchFamily="18" charset="-127"/>
+                                  <a:cs typeface="Times New Roman" panose="02020603050405020304" pitchFamily="18" charset="0"/>
+                                </a:rPr>
+                                <m:t>𝑦</m:t>
+                              </m:r>
+                              <m:r>
+                                <a:rPr lang="en-US" altLang="ko-KR" sz="1800" i="1" kern="100">
+                                  <a:latin typeface="Cambria Math" panose="02040503050406030204" pitchFamily="18" charset="0"/>
+                                  <a:ea typeface="HY신명조" panose="02030600000101010101" pitchFamily="18" charset="-127"/>
+                                  <a:cs typeface="Times New Roman" panose="02020603050405020304" pitchFamily="18" charset="0"/>
+                                </a:rPr>
+                                <m:t>,</m:t>
+                              </m:r>
+                              <m:r>
+                                <a:rPr lang="en-US" altLang="ko-KR" sz="1800" i="1" kern="100">
+                                  <a:latin typeface="Cambria Math" panose="02040503050406030204" pitchFamily="18" charset="0"/>
+                                  <a:ea typeface="HY신명조" panose="02030600000101010101" pitchFamily="18" charset="-127"/>
+                                  <a:cs typeface="Times New Roman" panose="02020603050405020304" pitchFamily="18" charset="0"/>
+                                </a:rPr>
+                                <m:t>𝐹𝑅</m:t>
+                              </m:r>
+                            </m:sub>
+                          </m:sSub>
+                          <m:r>
+                            <a:rPr lang="en-US" altLang="ko-KR" sz="1800" i="1" kern="100">
+                              <a:latin typeface="Cambria Math" panose="02040503050406030204" pitchFamily="18" charset="0"/>
+                              <a:ea typeface="HY신명조" panose="02030600000101010101" pitchFamily="18" charset="-127"/>
+                              <a:cs typeface="Times New Roman" panose="02020603050405020304" pitchFamily="18" charset="0"/>
+                            </a:rPr>
+                            <m:t>𝑐𝑜𝑠</m:t>
+                          </m:r>
+                          <m:sSub>
+                            <m:sSubPr>
+                              <m:ctrlPr>
+                                <a:rPr lang="ko-KR" altLang="ko-KR" sz="1800" i="1" kern="100">
+                                  <a:latin typeface="Cambria Math" panose="02040503050406030204" pitchFamily="18" charset="0"/>
+                                  <a:ea typeface="HY신명조" panose="02030600000101010101" pitchFamily="18" charset="-127"/>
+                                  <a:cs typeface="Times New Roman" panose="02020603050405020304" pitchFamily="18" charset="0"/>
+                                </a:rPr>
+                              </m:ctrlPr>
+                            </m:sSubPr>
+                            <m:e>
+                              <m:r>
+                                <a:rPr lang="en-US" altLang="ko-KR" sz="1800" i="1" kern="100">
+                                  <a:latin typeface="Cambria Math" panose="02040503050406030204" pitchFamily="18" charset="0"/>
+                                  <a:ea typeface="HY신명조" panose="02030600000101010101" pitchFamily="18" charset="-127"/>
+                                  <a:cs typeface="Times New Roman" panose="02020603050405020304" pitchFamily="18" charset="0"/>
+                                </a:rPr>
+                                <m:t>𝛿</m:t>
+                              </m:r>
+                            </m:e>
+                            <m:sub>
+                              <m:r>
+                                <a:rPr lang="en-US" altLang="ko-KR" sz="1800" i="1" kern="100">
+                                  <a:latin typeface="Cambria Math" panose="02040503050406030204" pitchFamily="18" charset="0"/>
+                                  <a:ea typeface="HY신명조" panose="02030600000101010101" pitchFamily="18" charset="-127"/>
+                                  <a:cs typeface="Times New Roman" panose="02020603050405020304" pitchFamily="18" charset="0"/>
+                                </a:rPr>
+                                <m:t>𝐹𝑅</m:t>
+                              </m:r>
+                            </m:sub>
+                          </m:sSub>
+                        </m:e>
+                      </m:d>
+                      <m:f>
+                        <m:fPr>
+                          <m:ctrlPr>
+                            <a:rPr lang="ko-KR" altLang="en-US" sz="1800" i="1" kern="100">
+                              <a:solidFill>
+                                <a:srgbClr val="836967"/>
+                              </a:solidFill>
+                              <a:latin typeface="Cambria Math" panose="02040503050406030204" pitchFamily="18" charset="0"/>
+                              <a:ea typeface="HY신명조" panose="02030600000101010101" pitchFamily="18" charset="-127"/>
+                              <a:cs typeface="Times New Roman" panose="02020603050405020304" pitchFamily="18" charset="0"/>
+                            </a:rPr>
+                          </m:ctrlPr>
+                        </m:fPr>
+                        <m:num>
+                          <m:sSub>
+                            <m:sSubPr>
+                              <m:ctrlPr>
+                                <a:rPr lang="ko-KR" altLang="en-US" sz="1800" i="1" kern="100">
+                                  <a:solidFill>
+                                    <a:srgbClr val="836967"/>
+                                  </a:solidFill>
+                                  <a:latin typeface="Cambria Math" panose="02040503050406030204" pitchFamily="18" charset="0"/>
+                                  <a:ea typeface="HY신명조" panose="02030600000101010101" pitchFamily="18" charset="-127"/>
+                                  <a:cs typeface="Times New Roman" panose="02020603050405020304" pitchFamily="18" charset="0"/>
+                                </a:rPr>
+                              </m:ctrlPr>
+                            </m:sSubPr>
+                            <m:e>
+                              <m:r>
+                                <a:rPr lang="ko-KR" altLang="en-US" sz="1800" i="1">
+                                  <a:latin typeface="Cambria Math" panose="02040503050406030204" pitchFamily="18" charset="0"/>
+                                </a:rPr>
+                                <m:t>𝐶</m:t>
+                              </m:r>
+                            </m:e>
+                            <m:sub>
+                              <m:r>
+                                <a:rPr lang="ko-KR" altLang="en-US" sz="1800" i="1">
+                                  <a:latin typeface="Cambria Math" panose="02040503050406030204" pitchFamily="18" charset="0"/>
+                                </a:rPr>
+                                <m:t>𝐹</m:t>
+                              </m:r>
+                            </m:sub>
+                          </m:sSub>
+                        </m:num>
+                        <m:den>
+                          <m:r>
+                            <a:rPr lang="ko-KR" altLang="en-US" sz="1800">
+                              <a:latin typeface="Cambria Math" panose="02040503050406030204" pitchFamily="18" charset="0"/>
+                            </a:rPr>
+                            <m:t>2</m:t>
+                          </m:r>
+                        </m:den>
+                      </m:f>
+                      <m:r>
+                        <a:rPr lang="ko-KR" altLang="en-US" sz="1800">
+                          <a:latin typeface="Cambria Math" panose="02040503050406030204" pitchFamily="18" charset="0"/>
+                        </a:rPr>
+                        <m:t>+</m:t>
+                      </m:r>
+                      <m:r>
+                        <a:rPr lang="ko-KR" altLang="en-US" sz="1800" i="1">
+                          <a:latin typeface="Cambria Math" panose="02040503050406030204" pitchFamily="18" charset="0"/>
+                        </a:rPr>
+                        <m:t>𝑎</m:t>
+                      </m:r>
+                      <m:d>
+                        <m:dPr>
+                          <m:ctrlPr>
+                            <a:rPr lang="ko-KR" altLang="ko-KR" sz="1800" i="1" kern="100">
+                              <a:solidFill>
+                                <a:srgbClr val="836967"/>
+                              </a:solidFill>
+                              <a:latin typeface="Cambria Math" panose="02040503050406030204" pitchFamily="18" charset="0"/>
+                            </a:rPr>
+                          </m:ctrlPr>
+                        </m:dPr>
+                        <m:e>
+                          <m:sSub>
+                            <m:sSubPr>
+                              <m:ctrlPr>
+                                <a:rPr lang="ko-KR" altLang="ko-KR" sz="1800" i="1" kern="100">
+                                  <a:latin typeface="Cambria Math" panose="02040503050406030204" pitchFamily="18" charset="0"/>
+                                </a:rPr>
+                              </m:ctrlPr>
+                            </m:sSubPr>
+                            <m:e>
+                              <m:r>
+                                <a:rPr lang="en-US" altLang="ko-KR" sz="1800" i="1" kern="100">
+                                  <a:latin typeface="Cambria Math" panose="02040503050406030204" pitchFamily="18" charset="0"/>
+                                  <a:ea typeface="HY신명조" panose="02030600000101010101" pitchFamily="18" charset="-127"/>
+                                  <a:cs typeface="Times New Roman" panose="02020603050405020304" pitchFamily="18" charset="0"/>
+                                </a:rPr>
+                                <m:t>𝐹</m:t>
+                              </m:r>
+                            </m:e>
+                            <m:sub>
+                              <m:r>
+                                <a:rPr lang="en-US" altLang="ko-KR" sz="1800" i="1" kern="100">
+                                  <a:latin typeface="Cambria Math" panose="02040503050406030204" pitchFamily="18" charset="0"/>
+                                  <a:ea typeface="HY신명조" panose="02030600000101010101" pitchFamily="18" charset="-127"/>
+                                  <a:cs typeface="Times New Roman" panose="02020603050405020304" pitchFamily="18" charset="0"/>
+                                </a:rPr>
+                                <m:t>𝑥</m:t>
+                              </m:r>
+                              <m:r>
+                                <a:rPr lang="en-US" altLang="ko-KR" sz="1800" i="1" kern="100">
+                                  <a:latin typeface="Cambria Math" panose="02040503050406030204" pitchFamily="18" charset="0"/>
+                                  <a:ea typeface="HY신명조" panose="02030600000101010101" pitchFamily="18" charset="-127"/>
+                                  <a:cs typeface="Times New Roman" panose="02020603050405020304" pitchFamily="18" charset="0"/>
+                                </a:rPr>
+                                <m:t>,</m:t>
+                              </m:r>
+                              <m:r>
+                                <a:rPr lang="en-US" altLang="ko-KR" sz="1800" i="1" kern="100">
+                                  <a:latin typeface="Cambria Math" panose="02040503050406030204" pitchFamily="18" charset="0"/>
+                                  <a:ea typeface="HY신명조" panose="02030600000101010101" pitchFamily="18" charset="-127"/>
+                                  <a:cs typeface="Times New Roman" panose="02020603050405020304" pitchFamily="18" charset="0"/>
+                                </a:rPr>
+                                <m:t>𝐹𝐿</m:t>
+                              </m:r>
+                            </m:sub>
+                          </m:sSub>
+                          <m:r>
+                            <a:rPr lang="en-US" altLang="ko-KR" sz="1800" i="1" kern="100">
+                              <a:latin typeface="Cambria Math" panose="02040503050406030204" pitchFamily="18" charset="0"/>
+                              <a:ea typeface="HY신명조" panose="02030600000101010101" pitchFamily="18" charset="-127"/>
+                              <a:cs typeface="Times New Roman" panose="02020603050405020304" pitchFamily="18" charset="0"/>
+                            </a:rPr>
+                            <m:t>𝑠𝑖𝑛</m:t>
+                          </m:r>
+                          <m:sSub>
+                            <m:sSubPr>
+                              <m:ctrlPr>
+                                <a:rPr lang="ko-KR" altLang="ko-KR" sz="1800" i="1" kern="100">
+                                  <a:latin typeface="Cambria Math" panose="02040503050406030204" pitchFamily="18" charset="0"/>
+                                  <a:ea typeface="HY신명조" panose="02030600000101010101" pitchFamily="18" charset="-127"/>
+                                  <a:cs typeface="Times New Roman" panose="02020603050405020304" pitchFamily="18" charset="0"/>
+                                </a:rPr>
+                              </m:ctrlPr>
+                            </m:sSubPr>
+                            <m:e>
+                              <m:r>
+                                <a:rPr lang="en-US" altLang="ko-KR" sz="1800" i="1" kern="100">
+                                  <a:latin typeface="Cambria Math" panose="02040503050406030204" pitchFamily="18" charset="0"/>
+                                  <a:ea typeface="HY신명조" panose="02030600000101010101" pitchFamily="18" charset="-127"/>
+                                  <a:cs typeface="Times New Roman" panose="02020603050405020304" pitchFamily="18" charset="0"/>
+                                </a:rPr>
+                                <m:t>𝛿</m:t>
+                              </m:r>
+                            </m:e>
+                            <m:sub>
+                              <m:r>
+                                <a:rPr lang="en-US" altLang="ko-KR" sz="1800" i="1" kern="100">
+                                  <a:latin typeface="Cambria Math" panose="02040503050406030204" pitchFamily="18" charset="0"/>
+                                  <a:ea typeface="HY신명조" panose="02030600000101010101" pitchFamily="18" charset="-127"/>
+                                  <a:cs typeface="Times New Roman" panose="02020603050405020304" pitchFamily="18" charset="0"/>
+                                </a:rPr>
+                                <m:t>𝐹𝐿</m:t>
+                              </m:r>
+                            </m:sub>
+                          </m:sSub>
+                          <m:r>
+                            <a:rPr lang="en-US" altLang="ko-KR" sz="1800" i="1" kern="100">
+                              <a:latin typeface="Cambria Math" panose="02040503050406030204" pitchFamily="18" charset="0"/>
+                              <a:ea typeface="HY신명조" panose="02030600000101010101" pitchFamily="18" charset="-127"/>
+                              <a:cs typeface="Times New Roman" panose="02020603050405020304" pitchFamily="18" charset="0"/>
+                            </a:rPr>
+                            <m:t>−</m:t>
+                          </m:r>
+                          <m:sSub>
+                            <m:sSubPr>
+                              <m:ctrlPr>
+                                <a:rPr lang="ko-KR" altLang="ko-KR" sz="1800" i="1" kern="100">
+                                  <a:latin typeface="Cambria Math" panose="02040503050406030204" pitchFamily="18" charset="0"/>
+                                  <a:ea typeface="HY신명조" panose="02030600000101010101" pitchFamily="18" charset="-127"/>
+                                  <a:cs typeface="Times New Roman" panose="02020603050405020304" pitchFamily="18" charset="0"/>
+                                </a:rPr>
+                              </m:ctrlPr>
+                            </m:sSubPr>
+                            <m:e>
+                              <m:r>
+                                <a:rPr lang="en-US" altLang="ko-KR" sz="1800" i="1" kern="100">
+                                  <a:latin typeface="Cambria Math" panose="02040503050406030204" pitchFamily="18" charset="0"/>
+                                  <a:ea typeface="HY신명조" panose="02030600000101010101" pitchFamily="18" charset="-127"/>
+                                  <a:cs typeface="Times New Roman" panose="02020603050405020304" pitchFamily="18" charset="0"/>
+                                </a:rPr>
+                                <m:t>𝐹</m:t>
+                              </m:r>
+                            </m:e>
+                            <m:sub>
+                              <m:r>
+                                <a:rPr lang="en-US" altLang="ko-KR" sz="1800" i="1" kern="100">
+                                  <a:latin typeface="Cambria Math" panose="02040503050406030204" pitchFamily="18" charset="0"/>
+                                  <a:ea typeface="HY신명조" panose="02030600000101010101" pitchFamily="18" charset="-127"/>
+                                  <a:cs typeface="Times New Roman" panose="02020603050405020304" pitchFamily="18" charset="0"/>
+                                </a:rPr>
+                                <m:t>𝑦</m:t>
+                              </m:r>
+                              <m:r>
+                                <a:rPr lang="en-US" altLang="ko-KR" sz="1800" i="1" kern="100">
+                                  <a:latin typeface="Cambria Math" panose="02040503050406030204" pitchFamily="18" charset="0"/>
+                                  <a:ea typeface="HY신명조" panose="02030600000101010101" pitchFamily="18" charset="-127"/>
+                                  <a:cs typeface="Times New Roman" panose="02020603050405020304" pitchFamily="18" charset="0"/>
+                                </a:rPr>
+                                <m:t>,</m:t>
+                              </m:r>
+                              <m:r>
+                                <a:rPr lang="en-US" altLang="ko-KR" sz="1800" i="1" kern="100">
+                                  <a:latin typeface="Cambria Math" panose="02040503050406030204" pitchFamily="18" charset="0"/>
+                                  <a:ea typeface="HY신명조" panose="02030600000101010101" pitchFamily="18" charset="-127"/>
+                                  <a:cs typeface="Times New Roman" panose="02020603050405020304" pitchFamily="18" charset="0"/>
+                                </a:rPr>
+                                <m:t>𝐹𝑅</m:t>
+                              </m:r>
+                            </m:sub>
+                          </m:sSub>
+                          <m:r>
+                            <a:rPr lang="en-US" altLang="ko-KR" sz="1800" i="1" kern="100">
+                              <a:latin typeface="Cambria Math" panose="02040503050406030204" pitchFamily="18" charset="0"/>
+                              <a:ea typeface="HY신명조" panose="02030600000101010101" pitchFamily="18" charset="-127"/>
+                              <a:cs typeface="Times New Roman" panose="02020603050405020304" pitchFamily="18" charset="0"/>
+                            </a:rPr>
+                            <m:t>𝑠𝑖𝑛</m:t>
+                          </m:r>
+                          <m:sSub>
+                            <m:sSubPr>
+                              <m:ctrlPr>
+                                <a:rPr lang="ko-KR" altLang="ko-KR" sz="1800" i="1" kern="100">
+                                  <a:latin typeface="Cambria Math" panose="02040503050406030204" pitchFamily="18" charset="0"/>
+                                  <a:ea typeface="HY신명조" panose="02030600000101010101" pitchFamily="18" charset="-127"/>
+                                  <a:cs typeface="Times New Roman" panose="02020603050405020304" pitchFamily="18" charset="0"/>
+                                </a:rPr>
+                              </m:ctrlPr>
+                            </m:sSubPr>
+                            <m:e>
+                              <m:r>
+                                <a:rPr lang="en-US" altLang="ko-KR" sz="1800" i="1" kern="100">
+                                  <a:latin typeface="Cambria Math" panose="02040503050406030204" pitchFamily="18" charset="0"/>
+                                  <a:ea typeface="HY신명조" panose="02030600000101010101" pitchFamily="18" charset="-127"/>
+                                  <a:cs typeface="Times New Roman" panose="02020603050405020304" pitchFamily="18" charset="0"/>
+                                </a:rPr>
+                                <m:t>𝛿</m:t>
+                              </m:r>
+                            </m:e>
+                            <m:sub>
+                              <m:r>
+                                <a:rPr lang="en-US" altLang="ko-KR" sz="1800" i="1" kern="100">
+                                  <a:latin typeface="Cambria Math" panose="02040503050406030204" pitchFamily="18" charset="0"/>
+                                  <a:ea typeface="HY신명조" panose="02030600000101010101" pitchFamily="18" charset="-127"/>
+                                  <a:cs typeface="Times New Roman" panose="02020603050405020304" pitchFamily="18" charset="0"/>
+                                </a:rPr>
+                                <m:t>𝐹𝑅</m:t>
+                              </m:r>
+                            </m:sub>
+                          </m:sSub>
+                        </m:e>
+                      </m:d>
+                    </m:oMath>
+                  </m:oMathPara>
                 </a14:m>
                 <a:endParaRPr lang="ko-KR" altLang="ko-KR" sz="1800" kern="100" dirty="0">
                   <a:latin typeface="Times New Roman" panose="02020603050405020304" pitchFamily="18" charset="0"/>
@@ -21259,7 +24082,19 @@
                 </a:pPr>
                 <a:r>
                   <a:rPr lang="ko-KR" altLang="en-US" sz="1800" dirty="0"/>
-                  <a:t>조절 및 예측이 힘든 부분을 </a:t>
+                  <a:t>조절 및 예측이 </a:t>
+                </a:r>
+                <a:r>
+                  <a:rPr lang="ko-KR" altLang="en-US" sz="1800" b="1" dirty="0">
+                    <a:solidFill>
+                      <a:srgbClr val="FF0000"/>
+                    </a:solidFill>
+                  </a:rPr>
+                  <a:t>힘든</a:t>
+                </a:r>
+                <a:r>
+                  <a:rPr lang="ko-KR" altLang="en-US" sz="1800" dirty="0"/>
+                  <a:t> 부분 </a:t>
                 </a:r>
                 <a:r>
                   <a:rPr lang="en-US" altLang="ko-KR" sz="1800" kern="100" dirty="0">
@@ -21268,538 +24103,551 @@
                   </a:rPr>
                   <a:t> </a:t>
                 </a:r>
+              </a:p>
+              <a:p>
+                <a:pPr marL="457166" lvl="1" indent="0">
+                  <a:lnSpc>
+                    <a:spcPct val="150000"/>
+                  </a:lnSpc>
+                  <a:buNone/>
+                </a:pPr>
                 <a14:m>
-                  <m:oMath xmlns:m="http://schemas.openxmlformats.org/officeDocument/2006/math">
-                    <m:sSub>
-                      <m:sSubPr>
-                        <m:ctrlPr>
-                          <a:rPr lang="en-US" altLang="ko-KR" sz="1800" i="1">
-                            <a:latin typeface="Cambria Math" panose="02040503050406030204" pitchFamily="18" charset="0"/>
-                          </a:rPr>
-                        </m:ctrlPr>
-                      </m:sSubPr>
-                      <m:e>
-                        <m:r>
-                          <a:rPr lang="en-US" altLang="ko-KR" sz="1800" i="1">
-                            <a:latin typeface="Cambria Math" panose="02040503050406030204" pitchFamily="18" charset="0"/>
-                          </a:rPr>
-                          <m:t>𝑀</m:t>
-                        </m:r>
-                      </m:e>
-                      <m:sub>
-                        <m:r>
-                          <a:rPr lang="en-US" altLang="ko-KR" sz="1800" i="1">
-                            <a:latin typeface="Cambria Math" panose="02040503050406030204" pitchFamily="18" charset="0"/>
-                          </a:rPr>
-                          <m:t>𝑈</m:t>
-                        </m:r>
-                      </m:sub>
-                    </m:sSub>
-                    <m:r>
-                      <a:rPr lang="en-US" altLang="ko-KR" sz="1800" i="1">
-                        <a:latin typeface="Cambria Math" panose="02040503050406030204" pitchFamily="18" charset="0"/>
-                      </a:rPr>
-                      <m:t>= </m:t>
-                    </m:r>
-                    <m:d>
-                      <m:dPr>
-                        <m:ctrlPr>
-                          <a:rPr lang="ko-KR" altLang="en-US" sz="1800" i="1">
-                            <a:solidFill>
-                              <a:srgbClr val="836967"/>
-                            </a:solidFill>
-                            <a:latin typeface="Cambria Math" panose="02040503050406030204" pitchFamily="18" charset="0"/>
-                          </a:rPr>
-                        </m:ctrlPr>
-                      </m:dPr>
-                      <m:e>
-                        <m:r>
-                          <a:rPr lang="ko-KR" altLang="en-US" sz="1800">
-                            <a:latin typeface="Cambria Math" panose="02040503050406030204" pitchFamily="18" charset="0"/>
-                          </a:rPr>
-                          <m:t>−</m:t>
-                        </m:r>
-                        <m:sSub>
-                          <m:sSubPr>
-                            <m:ctrlPr>
-                              <a:rPr lang="ko-KR" altLang="en-US" sz="1800" i="1">
-                                <a:solidFill>
-                                  <a:srgbClr val="836967"/>
-                                </a:solidFill>
-                                <a:latin typeface="Cambria Math" panose="02040503050406030204" pitchFamily="18" charset="0"/>
-                              </a:rPr>
-                            </m:ctrlPr>
-                          </m:sSubPr>
-                          <m:e>
-                            <m:r>
-                              <a:rPr lang="ko-KR" altLang="en-US" sz="1800" i="1">
-                                <a:latin typeface="Cambria Math" panose="02040503050406030204" pitchFamily="18" charset="0"/>
-                              </a:rPr>
-                              <m:t>𝐹</m:t>
-                            </m:r>
-                          </m:e>
-                          <m:sub>
-                            <m:r>
-                              <a:rPr lang="ko-KR" altLang="en-US" sz="1800" i="1">
-                                <a:latin typeface="Cambria Math" panose="02040503050406030204" pitchFamily="18" charset="0"/>
-                              </a:rPr>
-                              <m:t>𝑦</m:t>
-                            </m:r>
-                            <m:r>
-                              <a:rPr lang="ko-KR" altLang="en-US" sz="1800">
-                                <a:latin typeface="Cambria Math" panose="02040503050406030204" pitchFamily="18" charset="0"/>
-                              </a:rPr>
-                              <m:t>,</m:t>
-                            </m:r>
-                            <m:r>
-                              <a:rPr lang="ko-KR" altLang="en-US" sz="1800" i="1">
-                                <a:latin typeface="Cambria Math" panose="02040503050406030204" pitchFamily="18" charset="0"/>
-                              </a:rPr>
-                              <m:t>𝐹𝑅</m:t>
-                            </m:r>
-                          </m:sub>
-                        </m:sSub>
-                        <m:r>
-                          <a:rPr lang="ko-KR" altLang="en-US" sz="1800" i="1">
-                            <a:latin typeface="Cambria Math" panose="02040503050406030204" pitchFamily="18" charset="0"/>
-                          </a:rPr>
-                          <m:t>𝑠𝑖𝑛</m:t>
-                        </m:r>
-                        <m:sSub>
-                          <m:sSubPr>
-                            <m:ctrlPr>
-                              <a:rPr lang="ko-KR" altLang="en-US" sz="1800" i="1">
-                                <a:solidFill>
-                                  <a:srgbClr val="836967"/>
-                                </a:solidFill>
-                                <a:latin typeface="Cambria Math" panose="02040503050406030204" pitchFamily="18" charset="0"/>
-                              </a:rPr>
-                            </m:ctrlPr>
-                          </m:sSubPr>
-                          <m:e>
-                            <m:r>
-                              <a:rPr lang="ko-KR" altLang="en-US" sz="1800" i="1">
-                                <a:latin typeface="Cambria Math" panose="02040503050406030204" pitchFamily="18" charset="0"/>
-                              </a:rPr>
-                              <m:t>𝛿</m:t>
-                            </m:r>
-                          </m:e>
-                          <m:sub>
-                            <m:r>
-                              <a:rPr lang="ko-KR" altLang="en-US" sz="1800" i="1">
-                                <a:latin typeface="Cambria Math" panose="02040503050406030204" pitchFamily="18" charset="0"/>
-                              </a:rPr>
-                              <m:t>𝐹𝑅</m:t>
-                            </m:r>
-                          </m:sub>
-                        </m:sSub>
-                        <m:r>
-                          <a:rPr lang="ko-KR" altLang="en-US" sz="1800">
-                            <a:latin typeface="Cambria Math" panose="02040503050406030204" pitchFamily="18" charset="0"/>
-                          </a:rPr>
-                          <m:t>+</m:t>
-                        </m:r>
-                        <m:sSub>
-                          <m:sSubPr>
-                            <m:ctrlPr>
-                              <a:rPr lang="ko-KR" altLang="en-US" sz="1800" i="1">
-                                <a:solidFill>
-                                  <a:srgbClr val="836967"/>
-                                </a:solidFill>
-                                <a:latin typeface="Cambria Math" panose="02040503050406030204" pitchFamily="18" charset="0"/>
-                              </a:rPr>
-                            </m:ctrlPr>
-                          </m:sSubPr>
-                          <m:e>
-                            <m:r>
-                              <a:rPr lang="ko-KR" altLang="en-US" sz="1800" i="1">
-                                <a:latin typeface="Cambria Math" panose="02040503050406030204" pitchFamily="18" charset="0"/>
-                              </a:rPr>
-                              <m:t>𝐹</m:t>
-                            </m:r>
-                          </m:e>
-                          <m:sub>
-                            <m:r>
-                              <a:rPr lang="ko-KR" altLang="en-US" sz="1800" i="1">
-                                <a:latin typeface="Cambria Math" panose="02040503050406030204" pitchFamily="18" charset="0"/>
-                              </a:rPr>
-                              <m:t>𝑦</m:t>
-                            </m:r>
-                            <m:r>
-                              <a:rPr lang="ko-KR" altLang="en-US" sz="1800">
-                                <a:latin typeface="Cambria Math" panose="02040503050406030204" pitchFamily="18" charset="0"/>
-                              </a:rPr>
-                              <m:t>,</m:t>
-                            </m:r>
-                            <m:r>
-                              <a:rPr lang="ko-KR" altLang="en-US" sz="1800" i="1">
-                                <a:latin typeface="Cambria Math" panose="02040503050406030204" pitchFamily="18" charset="0"/>
-                              </a:rPr>
-                              <m:t>𝐹𝐿</m:t>
-                            </m:r>
-                          </m:sub>
-                        </m:sSub>
-                        <m:r>
-                          <a:rPr lang="ko-KR" altLang="en-US" sz="1800" i="1">
-                            <a:latin typeface="Cambria Math" panose="02040503050406030204" pitchFamily="18" charset="0"/>
-                          </a:rPr>
-                          <m:t>𝑠𝑖𝑛</m:t>
-                        </m:r>
-                        <m:sSub>
-                          <m:sSubPr>
-                            <m:ctrlPr>
-                              <a:rPr lang="ko-KR" altLang="en-US" sz="1800" i="1">
-                                <a:solidFill>
-                                  <a:srgbClr val="836967"/>
-                                </a:solidFill>
-                                <a:latin typeface="Cambria Math" panose="02040503050406030204" pitchFamily="18" charset="0"/>
-                              </a:rPr>
-                            </m:ctrlPr>
-                          </m:sSubPr>
-                          <m:e>
-                            <m:r>
-                              <a:rPr lang="ko-KR" altLang="en-US" sz="1800" i="1">
-                                <a:latin typeface="Cambria Math" panose="02040503050406030204" pitchFamily="18" charset="0"/>
-                              </a:rPr>
-                              <m:t>𝛿</m:t>
-                            </m:r>
-                          </m:e>
-                          <m:sub>
-                            <m:r>
-                              <a:rPr lang="ko-KR" altLang="en-US" sz="1800" i="1">
-                                <a:latin typeface="Cambria Math" panose="02040503050406030204" pitchFamily="18" charset="0"/>
-                              </a:rPr>
-                              <m:t>𝐹𝐿</m:t>
-                            </m:r>
-                          </m:sub>
-                        </m:sSub>
-                      </m:e>
-                    </m:d>
-                    <m:f>
-                      <m:fPr>
-                        <m:ctrlPr>
-                          <a:rPr lang="ko-KR" altLang="en-US" sz="1800" i="1">
-                            <a:solidFill>
-                              <a:srgbClr val="836967"/>
-                            </a:solidFill>
-                            <a:latin typeface="Cambria Math" panose="02040503050406030204" pitchFamily="18" charset="0"/>
-                          </a:rPr>
-                        </m:ctrlPr>
-                      </m:fPr>
-                      <m:num>
-                        <m:sSub>
-                          <m:sSubPr>
-                            <m:ctrlPr>
-                              <a:rPr lang="ko-KR" altLang="en-US" sz="1800" i="1">
-                                <a:solidFill>
-                                  <a:srgbClr val="836967"/>
-                                </a:solidFill>
-                                <a:latin typeface="Cambria Math" panose="02040503050406030204" pitchFamily="18" charset="0"/>
-                              </a:rPr>
-                            </m:ctrlPr>
-                          </m:sSubPr>
-                          <m:e>
-                            <m:r>
-                              <a:rPr lang="ko-KR" altLang="en-US" sz="1800" i="1">
-                                <a:latin typeface="Cambria Math" panose="02040503050406030204" pitchFamily="18" charset="0"/>
-                              </a:rPr>
-                              <m:t>𝐶</m:t>
-                            </m:r>
-                          </m:e>
-                          <m:sub>
-                            <m:r>
-                              <a:rPr lang="ko-KR" altLang="en-US" sz="1800" i="1">
-                                <a:latin typeface="Cambria Math" panose="02040503050406030204" pitchFamily="18" charset="0"/>
-                              </a:rPr>
-                              <m:t>𝐹</m:t>
-                            </m:r>
-                          </m:sub>
-                        </m:sSub>
-                      </m:num>
-                      <m:den>
-                        <m:r>
-                          <a:rPr lang="ko-KR" altLang="en-US" sz="1800">
-                            <a:latin typeface="Cambria Math" panose="02040503050406030204" pitchFamily="18" charset="0"/>
-                          </a:rPr>
-                          <m:t>2</m:t>
-                        </m:r>
-                      </m:den>
-                    </m:f>
-                    <m:r>
-                      <a:rPr lang="ko-KR" altLang="en-US" sz="1800">
-                        <a:latin typeface="Cambria Math" panose="02040503050406030204" pitchFamily="18" charset="0"/>
-                      </a:rPr>
-                      <m:t>+</m:t>
-                    </m:r>
-                    <m:r>
-                      <a:rPr lang="ko-KR" altLang="en-US" sz="1800" i="1">
-                        <a:latin typeface="Cambria Math" panose="02040503050406030204" pitchFamily="18" charset="0"/>
-                      </a:rPr>
-                      <m:t>𝑎</m:t>
-                    </m:r>
-                    <m:d>
-                      <m:dPr>
-                        <m:ctrlPr>
-                          <a:rPr lang="ko-KR" altLang="en-US" sz="1800" i="1">
-                            <a:solidFill>
-                              <a:srgbClr val="836967"/>
-                            </a:solidFill>
-                            <a:latin typeface="Cambria Math" panose="02040503050406030204" pitchFamily="18" charset="0"/>
-                          </a:rPr>
-                        </m:ctrlPr>
-                      </m:dPr>
-                      <m:e>
-                        <m:sSub>
-                          <m:sSubPr>
-                            <m:ctrlPr>
-                              <a:rPr lang="ko-KR" altLang="en-US" sz="1800" i="1">
-                                <a:solidFill>
-                                  <a:srgbClr val="836967"/>
-                                </a:solidFill>
-                                <a:latin typeface="Cambria Math" panose="02040503050406030204" pitchFamily="18" charset="0"/>
-                              </a:rPr>
-                            </m:ctrlPr>
-                          </m:sSubPr>
-                          <m:e>
-                            <m:r>
-                              <a:rPr lang="ko-KR" altLang="en-US" sz="1800" i="1">
-                                <a:latin typeface="Cambria Math" panose="02040503050406030204" pitchFamily="18" charset="0"/>
-                              </a:rPr>
-                              <m:t>𝐹</m:t>
-                            </m:r>
-                          </m:e>
-                          <m:sub>
-                            <m:r>
-                              <a:rPr lang="ko-KR" altLang="en-US" sz="1800" i="1">
-                                <a:latin typeface="Cambria Math" panose="02040503050406030204" pitchFamily="18" charset="0"/>
-                              </a:rPr>
-                              <m:t>𝑦</m:t>
-                            </m:r>
-                            <m:r>
-                              <a:rPr lang="ko-KR" altLang="en-US" sz="1800">
-                                <a:latin typeface="Cambria Math" panose="02040503050406030204" pitchFamily="18" charset="0"/>
-                              </a:rPr>
-                              <m:t>,</m:t>
-                            </m:r>
-                            <m:r>
-                              <a:rPr lang="ko-KR" altLang="en-US" sz="1800" i="1">
-                                <a:latin typeface="Cambria Math" panose="02040503050406030204" pitchFamily="18" charset="0"/>
-                              </a:rPr>
-                              <m:t>𝐹𝑅</m:t>
-                            </m:r>
-                          </m:sub>
-                        </m:sSub>
-                        <m:r>
-                          <a:rPr lang="ko-KR" altLang="en-US" sz="1800" i="1">
-                            <a:latin typeface="Cambria Math" panose="02040503050406030204" pitchFamily="18" charset="0"/>
-                          </a:rPr>
-                          <m:t>𝑐𝑜𝑠</m:t>
-                        </m:r>
-                        <m:sSub>
-                          <m:sSubPr>
-                            <m:ctrlPr>
-                              <a:rPr lang="ko-KR" altLang="en-US" sz="1800" i="1">
-                                <a:solidFill>
-                                  <a:srgbClr val="836967"/>
-                                </a:solidFill>
-                                <a:latin typeface="Cambria Math" panose="02040503050406030204" pitchFamily="18" charset="0"/>
-                              </a:rPr>
-                            </m:ctrlPr>
-                          </m:sSubPr>
-                          <m:e>
-                            <m:r>
-                              <a:rPr lang="ko-KR" altLang="en-US" sz="1800" i="1">
-                                <a:latin typeface="Cambria Math" panose="02040503050406030204" pitchFamily="18" charset="0"/>
-                              </a:rPr>
-                              <m:t>𝛿</m:t>
-                            </m:r>
-                          </m:e>
-                          <m:sub>
-                            <m:r>
-                              <a:rPr lang="ko-KR" altLang="en-US" sz="1800" i="1">
-                                <a:latin typeface="Cambria Math" panose="02040503050406030204" pitchFamily="18" charset="0"/>
-                              </a:rPr>
-                              <m:t>𝐹𝑅</m:t>
-                            </m:r>
-                          </m:sub>
-                        </m:sSub>
-                        <m:r>
-                          <a:rPr lang="ko-KR" altLang="en-US" sz="1800">
-                            <a:latin typeface="Cambria Math" panose="02040503050406030204" pitchFamily="18" charset="0"/>
-                          </a:rPr>
-                          <m:t>+</m:t>
-                        </m:r>
-                        <m:sSub>
-                          <m:sSubPr>
-                            <m:ctrlPr>
-                              <a:rPr lang="ko-KR" altLang="en-US" sz="1800" i="1">
-                                <a:solidFill>
-                                  <a:srgbClr val="836967"/>
-                                </a:solidFill>
-                                <a:latin typeface="Cambria Math" panose="02040503050406030204" pitchFamily="18" charset="0"/>
-                              </a:rPr>
-                            </m:ctrlPr>
-                          </m:sSubPr>
-                          <m:e>
-                            <m:r>
-                              <a:rPr lang="ko-KR" altLang="en-US" sz="1800" i="1">
-                                <a:latin typeface="Cambria Math" panose="02040503050406030204" pitchFamily="18" charset="0"/>
-                              </a:rPr>
-                              <m:t>𝐹</m:t>
-                            </m:r>
-                          </m:e>
-                          <m:sub>
-                            <m:r>
-                              <a:rPr lang="ko-KR" altLang="en-US" sz="1800" i="1">
-                                <a:latin typeface="Cambria Math" panose="02040503050406030204" pitchFamily="18" charset="0"/>
-                              </a:rPr>
-                              <m:t>𝑦</m:t>
-                            </m:r>
-                            <m:r>
-                              <a:rPr lang="ko-KR" altLang="en-US" sz="1800">
-                                <a:latin typeface="Cambria Math" panose="02040503050406030204" pitchFamily="18" charset="0"/>
-                              </a:rPr>
-                              <m:t>,</m:t>
-                            </m:r>
-                            <m:r>
-                              <a:rPr lang="ko-KR" altLang="en-US" sz="1800" i="1">
-                                <a:latin typeface="Cambria Math" panose="02040503050406030204" pitchFamily="18" charset="0"/>
-                              </a:rPr>
-                              <m:t>𝐹𝐿</m:t>
-                            </m:r>
-                          </m:sub>
-                        </m:sSub>
-                        <m:r>
-                          <a:rPr lang="ko-KR" altLang="en-US" sz="1800" i="1">
-                            <a:latin typeface="Cambria Math" panose="02040503050406030204" pitchFamily="18" charset="0"/>
-                          </a:rPr>
-                          <m:t>𝑐𝑜𝑠</m:t>
-                        </m:r>
-                        <m:sSub>
-                          <m:sSubPr>
-                            <m:ctrlPr>
-                              <a:rPr lang="ko-KR" altLang="en-US" sz="1800" i="1">
-                                <a:solidFill>
-                                  <a:srgbClr val="836967"/>
-                                </a:solidFill>
-                                <a:latin typeface="Cambria Math" panose="02040503050406030204" pitchFamily="18" charset="0"/>
-                              </a:rPr>
-                            </m:ctrlPr>
-                          </m:sSubPr>
-                          <m:e>
-                            <m:r>
-                              <a:rPr lang="ko-KR" altLang="en-US" sz="1800" i="1">
-                                <a:latin typeface="Cambria Math" panose="02040503050406030204" pitchFamily="18" charset="0"/>
-                              </a:rPr>
-                              <m:t>𝛿</m:t>
-                            </m:r>
-                          </m:e>
-                          <m:sub>
-                            <m:r>
-                              <a:rPr lang="ko-KR" altLang="en-US" sz="1800" i="1">
-                                <a:latin typeface="Cambria Math" panose="02040503050406030204" pitchFamily="18" charset="0"/>
-                              </a:rPr>
-                              <m:t>𝐹𝐿</m:t>
-                            </m:r>
-                          </m:sub>
-                        </m:sSub>
-                      </m:e>
-                    </m:d>
-                    <m:r>
-                      <a:rPr lang="ko-KR" altLang="en-US" sz="1800">
-                        <a:latin typeface="Cambria Math" panose="02040503050406030204" pitchFamily="18" charset="0"/>
-                      </a:rPr>
-                      <m:t>−</m:t>
-                    </m:r>
-                    <m:d>
-                      <m:dPr>
-                        <m:ctrlPr>
-                          <a:rPr lang="ko-KR" altLang="en-US" sz="1800" i="1">
-                            <a:solidFill>
-                              <a:srgbClr val="836967"/>
-                            </a:solidFill>
-                            <a:latin typeface="Cambria Math" panose="02040503050406030204" pitchFamily="18" charset="0"/>
-                          </a:rPr>
-                        </m:ctrlPr>
-                      </m:dPr>
-                      <m:e>
-                        <m:sSub>
-                          <m:sSubPr>
-                            <m:ctrlPr>
-                              <a:rPr lang="ko-KR" altLang="en-US" sz="1800" i="1">
-                                <a:solidFill>
-                                  <a:srgbClr val="836967"/>
-                                </a:solidFill>
-                                <a:latin typeface="Cambria Math" panose="02040503050406030204" pitchFamily="18" charset="0"/>
-                              </a:rPr>
-                            </m:ctrlPr>
-                          </m:sSubPr>
-                          <m:e>
-                            <m:r>
-                              <a:rPr lang="ko-KR" altLang="en-US" sz="1800" i="1">
-                                <a:latin typeface="Cambria Math" panose="02040503050406030204" pitchFamily="18" charset="0"/>
-                              </a:rPr>
-                              <m:t>𝐹</m:t>
-                            </m:r>
-                          </m:e>
-                          <m:sub>
-                            <m:r>
-                              <a:rPr lang="ko-KR" altLang="en-US" sz="1800" i="1">
-                                <a:latin typeface="Cambria Math" panose="02040503050406030204" pitchFamily="18" charset="0"/>
-                              </a:rPr>
-                              <m:t>𝑦</m:t>
-                            </m:r>
-                            <m:r>
-                              <a:rPr lang="ko-KR" altLang="en-US" sz="1800">
-                                <a:latin typeface="Cambria Math" panose="02040503050406030204" pitchFamily="18" charset="0"/>
-                              </a:rPr>
-                              <m:t>,4</m:t>
-                            </m:r>
-                          </m:sub>
-                        </m:sSub>
-                        <m:r>
-                          <a:rPr lang="ko-KR" altLang="en-US" sz="1800">
-                            <a:latin typeface="Cambria Math" panose="02040503050406030204" pitchFamily="18" charset="0"/>
-                          </a:rPr>
-                          <m:t>+</m:t>
-                        </m:r>
-                        <m:sSub>
-                          <m:sSubPr>
-                            <m:ctrlPr>
-                              <a:rPr lang="ko-KR" altLang="en-US" sz="1800" i="1">
-                                <a:solidFill>
-                                  <a:srgbClr val="836967"/>
-                                </a:solidFill>
-                                <a:latin typeface="Cambria Math" panose="02040503050406030204" pitchFamily="18" charset="0"/>
-                              </a:rPr>
-                            </m:ctrlPr>
-                          </m:sSubPr>
-                          <m:e>
-                            <m:r>
-                              <a:rPr lang="ko-KR" altLang="en-US" sz="1800" i="1">
-                                <a:latin typeface="Cambria Math" panose="02040503050406030204" pitchFamily="18" charset="0"/>
-                              </a:rPr>
-                              <m:t>𝐹</m:t>
-                            </m:r>
-                          </m:e>
-                          <m:sub>
-                            <m:r>
-                              <a:rPr lang="ko-KR" altLang="en-US" sz="1800" i="1">
-                                <a:latin typeface="Cambria Math" panose="02040503050406030204" pitchFamily="18" charset="0"/>
-                              </a:rPr>
-                              <m:t>𝑦</m:t>
-                            </m:r>
-                            <m:r>
-                              <a:rPr lang="ko-KR" altLang="en-US" sz="1800">
-                                <a:latin typeface="Cambria Math" panose="02040503050406030204" pitchFamily="18" charset="0"/>
-                              </a:rPr>
-                              <m:t>,3</m:t>
-                            </m:r>
-                          </m:sub>
-                        </m:sSub>
-                      </m:e>
-                    </m:d>
-                  </m:oMath>
+                  <m:oMathPara xmlns:m="http://schemas.openxmlformats.org/officeDocument/2006/math">
+                    <m:oMathParaPr>
+                      <m:jc m:val="centerGroup"/>
+                    </m:oMathParaPr>
+                    <m:oMath xmlns:m="http://schemas.openxmlformats.org/officeDocument/2006/math">
+                      <m:sSub>
+                        <m:sSubPr>
+                          <m:ctrlPr>
+                            <a:rPr lang="en-US" altLang="ko-KR" sz="1800" i="1">
+                              <a:latin typeface="Cambria Math" panose="02040503050406030204" pitchFamily="18" charset="0"/>
+                            </a:rPr>
+                          </m:ctrlPr>
+                        </m:sSubPr>
+                        <m:e>
+                          <m:r>
+                            <a:rPr lang="en-US" altLang="ko-KR" sz="1800" i="1">
+                              <a:latin typeface="Cambria Math" panose="02040503050406030204" pitchFamily="18" charset="0"/>
+                            </a:rPr>
+                            <m:t>𝑀</m:t>
+                          </m:r>
+                        </m:e>
+                        <m:sub>
+                          <m:r>
+                            <a:rPr lang="en-US" altLang="ko-KR" sz="1800" i="1">
+                              <a:latin typeface="Cambria Math" panose="02040503050406030204" pitchFamily="18" charset="0"/>
+                            </a:rPr>
+                            <m:t>𝑈</m:t>
+                          </m:r>
+                        </m:sub>
+                      </m:sSub>
+                      <m:r>
+                        <a:rPr lang="en-US" altLang="ko-KR" sz="1800" i="1">
+                          <a:latin typeface="Cambria Math" panose="02040503050406030204" pitchFamily="18" charset="0"/>
+                        </a:rPr>
+                        <m:t>= </m:t>
+                      </m:r>
+                      <m:d>
+                        <m:dPr>
+                          <m:ctrlPr>
+                            <a:rPr lang="ko-KR" altLang="en-US" sz="1800" i="1">
+                              <a:solidFill>
+                                <a:srgbClr val="836967"/>
+                              </a:solidFill>
+                              <a:latin typeface="Cambria Math" panose="02040503050406030204" pitchFamily="18" charset="0"/>
+                            </a:rPr>
+                          </m:ctrlPr>
+                        </m:dPr>
+                        <m:e>
+                          <m:r>
+                            <a:rPr lang="ko-KR" altLang="en-US" sz="1800">
+                              <a:latin typeface="Cambria Math" panose="02040503050406030204" pitchFamily="18" charset="0"/>
+                            </a:rPr>
+                            <m:t>−</m:t>
+                          </m:r>
+                          <m:sSub>
+                            <m:sSubPr>
+                              <m:ctrlPr>
+                                <a:rPr lang="ko-KR" altLang="en-US" sz="1800" i="1">
+                                  <a:solidFill>
+                                    <a:srgbClr val="836967"/>
+                                  </a:solidFill>
+                                  <a:latin typeface="Cambria Math" panose="02040503050406030204" pitchFamily="18" charset="0"/>
+                                </a:rPr>
+                              </m:ctrlPr>
+                            </m:sSubPr>
+                            <m:e>
+                              <m:r>
+                                <a:rPr lang="ko-KR" altLang="en-US" sz="1800" i="1">
+                                  <a:latin typeface="Cambria Math" panose="02040503050406030204" pitchFamily="18" charset="0"/>
+                                </a:rPr>
+                                <m:t>𝐹</m:t>
+                              </m:r>
+                            </m:e>
+                            <m:sub>
+                              <m:r>
+                                <a:rPr lang="ko-KR" altLang="en-US" sz="1800" i="1">
+                                  <a:latin typeface="Cambria Math" panose="02040503050406030204" pitchFamily="18" charset="0"/>
+                                </a:rPr>
+                                <m:t>𝑦</m:t>
+                              </m:r>
+                              <m:r>
+                                <a:rPr lang="ko-KR" altLang="en-US" sz="1800">
+                                  <a:latin typeface="Cambria Math" panose="02040503050406030204" pitchFamily="18" charset="0"/>
+                                </a:rPr>
+                                <m:t>,</m:t>
+                              </m:r>
+                              <m:r>
+                                <a:rPr lang="ko-KR" altLang="en-US" sz="1800" i="1">
+                                  <a:latin typeface="Cambria Math" panose="02040503050406030204" pitchFamily="18" charset="0"/>
+                                </a:rPr>
+                                <m:t>𝐹𝑅</m:t>
+                              </m:r>
+                            </m:sub>
+                          </m:sSub>
+                          <m:r>
+                            <a:rPr lang="ko-KR" altLang="en-US" sz="1800" i="1">
+                              <a:latin typeface="Cambria Math" panose="02040503050406030204" pitchFamily="18" charset="0"/>
+                            </a:rPr>
+                            <m:t>𝑠𝑖𝑛</m:t>
+                          </m:r>
+                          <m:sSub>
+                            <m:sSubPr>
+                              <m:ctrlPr>
+                                <a:rPr lang="ko-KR" altLang="en-US" sz="1800" i="1">
+                                  <a:solidFill>
+                                    <a:srgbClr val="836967"/>
+                                  </a:solidFill>
+                                  <a:latin typeface="Cambria Math" panose="02040503050406030204" pitchFamily="18" charset="0"/>
+                                </a:rPr>
+                              </m:ctrlPr>
+                            </m:sSubPr>
+                            <m:e>
+                              <m:r>
+                                <a:rPr lang="ko-KR" altLang="en-US" sz="1800" i="1">
+                                  <a:latin typeface="Cambria Math" panose="02040503050406030204" pitchFamily="18" charset="0"/>
+                                </a:rPr>
+                                <m:t>𝛿</m:t>
+                              </m:r>
+                            </m:e>
+                            <m:sub>
+                              <m:r>
+                                <a:rPr lang="ko-KR" altLang="en-US" sz="1800" i="1">
+                                  <a:latin typeface="Cambria Math" panose="02040503050406030204" pitchFamily="18" charset="0"/>
+                                </a:rPr>
+                                <m:t>𝐹𝑅</m:t>
+                              </m:r>
+                            </m:sub>
+                          </m:sSub>
+                          <m:r>
+                            <a:rPr lang="ko-KR" altLang="en-US" sz="1800">
+                              <a:latin typeface="Cambria Math" panose="02040503050406030204" pitchFamily="18" charset="0"/>
+                            </a:rPr>
+                            <m:t>+</m:t>
+                          </m:r>
+                          <m:sSub>
+                            <m:sSubPr>
+                              <m:ctrlPr>
+                                <a:rPr lang="ko-KR" altLang="en-US" sz="1800" i="1">
+                                  <a:solidFill>
+                                    <a:srgbClr val="836967"/>
+                                  </a:solidFill>
+                                  <a:latin typeface="Cambria Math" panose="02040503050406030204" pitchFamily="18" charset="0"/>
+                                </a:rPr>
+                              </m:ctrlPr>
+                            </m:sSubPr>
+                            <m:e>
+                              <m:r>
+                                <a:rPr lang="ko-KR" altLang="en-US" sz="1800" i="1">
+                                  <a:latin typeface="Cambria Math" panose="02040503050406030204" pitchFamily="18" charset="0"/>
+                                </a:rPr>
+                                <m:t>𝐹</m:t>
+                              </m:r>
+                            </m:e>
+                            <m:sub>
+                              <m:r>
+                                <a:rPr lang="ko-KR" altLang="en-US" sz="1800" i="1">
+                                  <a:latin typeface="Cambria Math" panose="02040503050406030204" pitchFamily="18" charset="0"/>
+                                </a:rPr>
+                                <m:t>𝑦</m:t>
+                              </m:r>
+                              <m:r>
+                                <a:rPr lang="ko-KR" altLang="en-US" sz="1800">
+                                  <a:latin typeface="Cambria Math" panose="02040503050406030204" pitchFamily="18" charset="0"/>
+                                </a:rPr>
+                                <m:t>,</m:t>
+                              </m:r>
+                              <m:r>
+                                <a:rPr lang="ko-KR" altLang="en-US" sz="1800" i="1">
+                                  <a:latin typeface="Cambria Math" panose="02040503050406030204" pitchFamily="18" charset="0"/>
+                                </a:rPr>
+                                <m:t>𝐹𝐿</m:t>
+                              </m:r>
+                            </m:sub>
+                          </m:sSub>
+                          <m:r>
+                            <a:rPr lang="ko-KR" altLang="en-US" sz="1800" i="1">
+                              <a:latin typeface="Cambria Math" panose="02040503050406030204" pitchFamily="18" charset="0"/>
+                            </a:rPr>
+                            <m:t>𝑠𝑖𝑛</m:t>
+                          </m:r>
+                          <m:sSub>
+                            <m:sSubPr>
+                              <m:ctrlPr>
+                                <a:rPr lang="ko-KR" altLang="en-US" sz="1800" i="1">
+                                  <a:solidFill>
+                                    <a:srgbClr val="836967"/>
+                                  </a:solidFill>
+                                  <a:latin typeface="Cambria Math" panose="02040503050406030204" pitchFamily="18" charset="0"/>
+                                </a:rPr>
+                              </m:ctrlPr>
+                            </m:sSubPr>
+                            <m:e>
+                              <m:r>
+                                <a:rPr lang="ko-KR" altLang="en-US" sz="1800" i="1">
+                                  <a:latin typeface="Cambria Math" panose="02040503050406030204" pitchFamily="18" charset="0"/>
+                                </a:rPr>
+                                <m:t>𝛿</m:t>
+                              </m:r>
+                            </m:e>
+                            <m:sub>
+                              <m:r>
+                                <a:rPr lang="ko-KR" altLang="en-US" sz="1800" i="1">
+                                  <a:latin typeface="Cambria Math" panose="02040503050406030204" pitchFamily="18" charset="0"/>
+                                </a:rPr>
+                                <m:t>𝐹𝐿</m:t>
+                              </m:r>
+                            </m:sub>
+                          </m:sSub>
+                        </m:e>
+                      </m:d>
+                      <m:f>
+                        <m:fPr>
+                          <m:ctrlPr>
+                            <a:rPr lang="ko-KR" altLang="en-US" sz="1800" i="1">
+                              <a:solidFill>
+                                <a:srgbClr val="836967"/>
+                              </a:solidFill>
+                              <a:latin typeface="Cambria Math" panose="02040503050406030204" pitchFamily="18" charset="0"/>
+                            </a:rPr>
+                          </m:ctrlPr>
+                        </m:fPr>
+                        <m:num>
+                          <m:sSub>
+                            <m:sSubPr>
+                              <m:ctrlPr>
+                                <a:rPr lang="ko-KR" altLang="en-US" sz="1800" i="1">
+                                  <a:solidFill>
+                                    <a:srgbClr val="836967"/>
+                                  </a:solidFill>
+                                  <a:latin typeface="Cambria Math" panose="02040503050406030204" pitchFamily="18" charset="0"/>
+                                </a:rPr>
+                              </m:ctrlPr>
+                            </m:sSubPr>
+                            <m:e>
+                              <m:r>
+                                <a:rPr lang="ko-KR" altLang="en-US" sz="1800" i="1">
+                                  <a:latin typeface="Cambria Math" panose="02040503050406030204" pitchFamily="18" charset="0"/>
+                                </a:rPr>
+                                <m:t>𝐶</m:t>
+                              </m:r>
+                            </m:e>
+                            <m:sub>
+                              <m:r>
+                                <a:rPr lang="ko-KR" altLang="en-US" sz="1800" i="1">
+                                  <a:latin typeface="Cambria Math" panose="02040503050406030204" pitchFamily="18" charset="0"/>
+                                </a:rPr>
+                                <m:t>𝐹</m:t>
+                              </m:r>
+                            </m:sub>
+                          </m:sSub>
+                        </m:num>
+                        <m:den>
+                          <m:r>
+                            <a:rPr lang="ko-KR" altLang="en-US" sz="1800">
+                              <a:latin typeface="Cambria Math" panose="02040503050406030204" pitchFamily="18" charset="0"/>
+                            </a:rPr>
+                            <m:t>2</m:t>
+                          </m:r>
+                        </m:den>
+                      </m:f>
+                      <m:r>
+                        <a:rPr lang="ko-KR" altLang="en-US" sz="1800">
+                          <a:latin typeface="Cambria Math" panose="02040503050406030204" pitchFamily="18" charset="0"/>
+                        </a:rPr>
+                        <m:t>+</m:t>
+                      </m:r>
+                      <m:r>
+                        <a:rPr lang="ko-KR" altLang="en-US" sz="1800" i="1">
+                          <a:latin typeface="Cambria Math" panose="02040503050406030204" pitchFamily="18" charset="0"/>
+                        </a:rPr>
+                        <m:t>𝑎</m:t>
+                      </m:r>
+                      <m:d>
+                        <m:dPr>
+                          <m:ctrlPr>
+                            <a:rPr lang="ko-KR" altLang="en-US" sz="1800" i="1">
+                              <a:solidFill>
+                                <a:srgbClr val="836967"/>
+                              </a:solidFill>
+                              <a:latin typeface="Cambria Math" panose="02040503050406030204" pitchFamily="18" charset="0"/>
+                            </a:rPr>
+                          </m:ctrlPr>
+                        </m:dPr>
+                        <m:e>
+                          <m:sSub>
+                            <m:sSubPr>
+                              <m:ctrlPr>
+                                <a:rPr lang="ko-KR" altLang="en-US" sz="1800" i="1">
+                                  <a:solidFill>
+                                    <a:srgbClr val="836967"/>
+                                  </a:solidFill>
+                                  <a:latin typeface="Cambria Math" panose="02040503050406030204" pitchFamily="18" charset="0"/>
+                                </a:rPr>
+                              </m:ctrlPr>
+                            </m:sSubPr>
+                            <m:e>
+                              <m:r>
+                                <a:rPr lang="ko-KR" altLang="en-US" sz="1800" i="1">
+                                  <a:latin typeface="Cambria Math" panose="02040503050406030204" pitchFamily="18" charset="0"/>
+                                </a:rPr>
+                                <m:t>𝐹</m:t>
+                              </m:r>
+                            </m:e>
+                            <m:sub>
+                              <m:r>
+                                <a:rPr lang="ko-KR" altLang="en-US" sz="1800" i="1">
+                                  <a:latin typeface="Cambria Math" panose="02040503050406030204" pitchFamily="18" charset="0"/>
+                                </a:rPr>
+                                <m:t>𝑦</m:t>
+                              </m:r>
+                              <m:r>
+                                <a:rPr lang="ko-KR" altLang="en-US" sz="1800">
+                                  <a:latin typeface="Cambria Math" panose="02040503050406030204" pitchFamily="18" charset="0"/>
+                                </a:rPr>
+                                <m:t>,</m:t>
+                              </m:r>
+                              <m:r>
+                                <a:rPr lang="ko-KR" altLang="en-US" sz="1800" i="1">
+                                  <a:latin typeface="Cambria Math" panose="02040503050406030204" pitchFamily="18" charset="0"/>
+                                </a:rPr>
+                                <m:t>𝐹𝑅</m:t>
+                              </m:r>
+                            </m:sub>
+                          </m:sSub>
+                          <m:r>
+                            <a:rPr lang="ko-KR" altLang="en-US" sz="1800" i="1">
+                              <a:latin typeface="Cambria Math" panose="02040503050406030204" pitchFamily="18" charset="0"/>
+                            </a:rPr>
+                            <m:t>𝑐𝑜𝑠</m:t>
+                          </m:r>
+                          <m:sSub>
+                            <m:sSubPr>
+                              <m:ctrlPr>
+                                <a:rPr lang="ko-KR" altLang="en-US" sz="1800" i="1">
+                                  <a:solidFill>
+                                    <a:srgbClr val="836967"/>
+                                  </a:solidFill>
+                                  <a:latin typeface="Cambria Math" panose="02040503050406030204" pitchFamily="18" charset="0"/>
+                                </a:rPr>
+                              </m:ctrlPr>
+                            </m:sSubPr>
+                            <m:e>
+                              <m:r>
+                                <a:rPr lang="ko-KR" altLang="en-US" sz="1800" i="1">
+                                  <a:latin typeface="Cambria Math" panose="02040503050406030204" pitchFamily="18" charset="0"/>
+                                </a:rPr>
+                                <m:t>𝛿</m:t>
+                              </m:r>
+                            </m:e>
+                            <m:sub>
+                              <m:r>
+                                <a:rPr lang="ko-KR" altLang="en-US" sz="1800" i="1">
+                                  <a:latin typeface="Cambria Math" panose="02040503050406030204" pitchFamily="18" charset="0"/>
+                                </a:rPr>
+                                <m:t>𝐹𝑅</m:t>
+                              </m:r>
+                            </m:sub>
+                          </m:sSub>
+                          <m:r>
+                            <a:rPr lang="ko-KR" altLang="en-US" sz="1800">
+                              <a:latin typeface="Cambria Math" panose="02040503050406030204" pitchFamily="18" charset="0"/>
+                            </a:rPr>
+                            <m:t>+</m:t>
+                          </m:r>
+                          <m:sSub>
+                            <m:sSubPr>
+                              <m:ctrlPr>
+                                <a:rPr lang="ko-KR" altLang="en-US" sz="1800" i="1">
+                                  <a:solidFill>
+                                    <a:srgbClr val="836967"/>
+                                  </a:solidFill>
+                                  <a:latin typeface="Cambria Math" panose="02040503050406030204" pitchFamily="18" charset="0"/>
+                                </a:rPr>
+                              </m:ctrlPr>
+                            </m:sSubPr>
+                            <m:e>
+                              <m:r>
+                                <a:rPr lang="ko-KR" altLang="en-US" sz="1800" i="1">
+                                  <a:latin typeface="Cambria Math" panose="02040503050406030204" pitchFamily="18" charset="0"/>
+                                </a:rPr>
+                                <m:t>𝐹</m:t>
+                              </m:r>
+                            </m:e>
+                            <m:sub>
+                              <m:r>
+                                <a:rPr lang="ko-KR" altLang="en-US" sz="1800" i="1">
+                                  <a:latin typeface="Cambria Math" panose="02040503050406030204" pitchFamily="18" charset="0"/>
+                                </a:rPr>
+                                <m:t>𝑦</m:t>
+                              </m:r>
+                              <m:r>
+                                <a:rPr lang="ko-KR" altLang="en-US" sz="1800">
+                                  <a:latin typeface="Cambria Math" panose="02040503050406030204" pitchFamily="18" charset="0"/>
+                                </a:rPr>
+                                <m:t>,</m:t>
+                              </m:r>
+                              <m:r>
+                                <a:rPr lang="ko-KR" altLang="en-US" sz="1800" i="1">
+                                  <a:latin typeface="Cambria Math" panose="02040503050406030204" pitchFamily="18" charset="0"/>
+                                </a:rPr>
+                                <m:t>𝐹𝐿</m:t>
+                              </m:r>
+                            </m:sub>
+                          </m:sSub>
+                          <m:r>
+                            <a:rPr lang="ko-KR" altLang="en-US" sz="1800" i="1">
+                              <a:latin typeface="Cambria Math" panose="02040503050406030204" pitchFamily="18" charset="0"/>
+                            </a:rPr>
+                            <m:t>𝑐𝑜𝑠</m:t>
+                          </m:r>
+                          <m:sSub>
+                            <m:sSubPr>
+                              <m:ctrlPr>
+                                <a:rPr lang="ko-KR" altLang="en-US" sz="1800" i="1">
+                                  <a:solidFill>
+                                    <a:srgbClr val="836967"/>
+                                  </a:solidFill>
+                                  <a:latin typeface="Cambria Math" panose="02040503050406030204" pitchFamily="18" charset="0"/>
+                                </a:rPr>
+                              </m:ctrlPr>
+                            </m:sSubPr>
+                            <m:e>
+                              <m:r>
+                                <a:rPr lang="ko-KR" altLang="en-US" sz="1800" i="1">
+                                  <a:latin typeface="Cambria Math" panose="02040503050406030204" pitchFamily="18" charset="0"/>
+                                </a:rPr>
+                                <m:t>𝛿</m:t>
+                              </m:r>
+                            </m:e>
+                            <m:sub>
+                              <m:r>
+                                <a:rPr lang="ko-KR" altLang="en-US" sz="1800" i="1">
+                                  <a:latin typeface="Cambria Math" panose="02040503050406030204" pitchFamily="18" charset="0"/>
+                                </a:rPr>
+                                <m:t>𝐹𝐿</m:t>
+                              </m:r>
+                            </m:sub>
+                          </m:sSub>
+                        </m:e>
+                      </m:d>
+                      <m:r>
+                        <a:rPr lang="ko-KR" altLang="en-US" sz="1800">
+                          <a:latin typeface="Cambria Math" panose="02040503050406030204" pitchFamily="18" charset="0"/>
+                        </a:rPr>
+                        <m:t>−</m:t>
+                      </m:r>
+                      <m:d>
+                        <m:dPr>
+                          <m:ctrlPr>
+                            <a:rPr lang="ko-KR" altLang="en-US" sz="1800" i="1">
+                              <a:solidFill>
+                                <a:srgbClr val="836967"/>
+                              </a:solidFill>
+                              <a:latin typeface="Cambria Math" panose="02040503050406030204" pitchFamily="18" charset="0"/>
+                            </a:rPr>
+                          </m:ctrlPr>
+                        </m:dPr>
+                        <m:e>
+                          <m:sSub>
+                            <m:sSubPr>
+                              <m:ctrlPr>
+                                <a:rPr lang="ko-KR" altLang="en-US" sz="1800" i="1">
+                                  <a:solidFill>
+                                    <a:srgbClr val="836967"/>
+                                  </a:solidFill>
+                                  <a:latin typeface="Cambria Math" panose="02040503050406030204" pitchFamily="18" charset="0"/>
+                                </a:rPr>
+                              </m:ctrlPr>
+                            </m:sSubPr>
+                            <m:e>
+                              <m:r>
+                                <a:rPr lang="ko-KR" altLang="en-US" sz="1800" i="1">
+                                  <a:latin typeface="Cambria Math" panose="02040503050406030204" pitchFamily="18" charset="0"/>
+                                </a:rPr>
+                                <m:t>𝐹</m:t>
+                              </m:r>
+                            </m:e>
+                            <m:sub>
+                              <m:r>
+                                <a:rPr lang="ko-KR" altLang="en-US" sz="1800" i="1">
+                                  <a:latin typeface="Cambria Math" panose="02040503050406030204" pitchFamily="18" charset="0"/>
+                                </a:rPr>
+                                <m:t>𝑦</m:t>
+                              </m:r>
+                              <m:r>
+                                <a:rPr lang="ko-KR" altLang="en-US" sz="1800">
+                                  <a:latin typeface="Cambria Math" panose="02040503050406030204" pitchFamily="18" charset="0"/>
+                                </a:rPr>
+                                <m:t>,4</m:t>
+                              </m:r>
+                            </m:sub>
+                          </m:sSub>
+                          <m:r>
+                            <a:rPr lang="ko-KR" altLang="en-US" sz="1800">
+                              <a:latin typeface="Cambria Math" panose="02040503050406030204" pitchFamily="18" charset="0"/>
+                            </a:rPr>
+                            <m:t>+</m:t>
+                          </m:r>
+                          <m:sSub>
+                            <m:sSubPr>
+                              <m:ctrlPr>
+                                <a:rPr lang="ko-KR" altLang="en-US" sz="1800" i="1">
+                                  <a:solidFill>
+                                    <a:srgbClr val="836967"/>
+                                  </a:solidFill>
+                                  <a:latin typeface="Cambria Math" panose="02040503050406030204" pitchFamily="18" charset="0"/>
+                                </a:rPr>
+                              </m:ctrlPr>
+                            </m:sSubPr>
+                            <m:e>
+                              <m:r>
+                                <a:rPr lang="ko-KR" altLang="en-US" sz="1800" i="1">
+                                  <a:latin typeface="Cambria Math" panose="02040503050406030204" pitchFamily="18" charset="0"/>
+                                </a:rPr>
+                                <m:t>𝐹</m:t>
+                              </m:r>
+                            </m:e>
+                            <m:sub>
+                              <m:r>
+                                <a:rPr lang="ko-KR" altLang="en-US" sz="1800" i="1">
+                                  <a:latin typeface="Cambria Math" panose="02040503050406030204" pitchFamily="18" charset="0"/>
+                                </a:rPr>
+                                <m:t>𝑦</m:t>
+                              </m:r>
+                              <m:r>
+                                <a:rPr lang="ko-KR" altLang="en-US" sz="1800">
+                                  <a:latin typeface="Cambria Math" panose="02040503050406030204" pitchFamily="18" charset="0"/>
+                                </a:rPr>
+                                <m:t>,3</m:t>
+                              </m:r>
+                            </m:sub>
+                          </m:sSub>
+                        </m:e>
+                      </m:d>
+                    </m:oMath>
+                  </m:oMathPara>
                 </a14:m>
                 <a:endParaRPr lang="ko-KR" altLang="ko-KR" sz="1800" kern="100" dirty="0">
                   <a:latin typeface="Times New Roman" panose="02020603050405020304" pitchFamily="18" charset="0"/>
@@ -21830,7 +24678,7 @@
             </p:txBody>
           </p:sp>
         </mc:Choice>
-        <mc:Fallback xmlns="">
+        <mc:Fallback>
           <p:sp>
             <p:nvSpPr>
               <p:cNvPr id="4" name="내용 개체 틀 2">

--- a/졸업 논문/JCCI 발표.pptx
+++ b/졸업 논문/JCCI 발표.pptx
@@ -247,7 +247,7 @@
           <a:p>
             <a:fld id="{D1DA2BEC-7E6F-47A9-9115-3EED439C6DA5}" type="datetimeFigureOut">
               <a:rPr lang="ko-KR" altLang="en-US" smtClean="0"/>
-              <a:t>2024-04-22</a:t>
+              <a:t>2024-04-23</a:t>
             </a:fld>
             <a:endParaRPr lang="ko-KR" altLang="en-US"/>
           </a:p>
@@ -425,7 +425,7 @@
           <a:p>
             <a:fld id="{BF98C93F-AAD7-4410-AA25-972027873478}" type="datetimeFigureOut">
               <a:rPr lang="ko-KR" altLang="en-US" smtClean="0"/>
-              <a:t>2024-04-22</a:t>
+              <a:t>2024-04-23</a:t>
             </a:fld>
             <a:endParaRPr lang="ko-KR" altLang="en-US"/>
           </a:p>
@@ -8442,8 +8442,8 @@
               </a:fontRef>
             </p:style>
           </p:cxnSp>
-          <mc:AlternateContent xmlns:mc="http://schemas.openxmlformats.org/markup-compatibility/2006">
-            <mc:Choice xmlns:a14="http://schemas.microsoft.com/office/drawing/2010/main" Requires="a14">
+          <mc:AlternateContent xmlns:mc="http://schemas.openxmlformats.org/markup-compatibility/2006" xmlns:a14="http://schemas.microsoft.com/office/drawing/2010/main">
+            <mc:Choice Requires="a14">
               <p:sp>
                 <p:nvSpPr>
                   <p:cNvPr id="41" name="TextBox 40">
@@ -8516,7 +8516,7 @@
                 </p:txBody>
               </p:sp>
             </mc:Choice>
-            <mc:Fallback>
+            <mc:Fallback xmlns="">
               <p:sp>
                 <p:nvSpPr>
                   <p:cNvPr id="41" name="TextBox 40">
@@ -9956,8 +9956,8 @@
           </p:sp>
         </mc:Fallback>
       </mc:AlternateContent>
-      <mc:AlternateContent xmlns:mc="http://schemas.openxmlformats.org/markup-compatibility/2006">
-        <mc:Choice xmlns:a14="http://schemas.microsoft.com/office/drawing/2010/main" Requires="a14">
+      <mc:AlternateContent xmlns:mc="http://schemas.openxmlformats.org/markup-compatibility/2006" xmlns:a14="http://schemas.microsoft.com/office/drawing/2010/main">
+        <mc:Choice Requires="a14">
           <p:sp>
             <p:nvSpPr>
               <p:cNvPr id="5" name="TextBox 4">
@@ -10251,7 +10251,7 @@
             </p:txBody>
           </p:sp>
         </mc:Choice>
-        <mc:Fallback>
+        <mc:Fallback xmlns="">
           <p:sp>
             <p:nvSpPr>
               <p:cNvPr id="5" name="TextBox 4">
@@ -10353,8 +10353,8 @@
           </a:p>
         </p:txBody>
       </p:sp>
-      <mc:AlternateContent xmlns:mc="http://schemas.openxmlformats.org/markup-compatibility/2006">
-        <mc:Choice xmlns:a14="http://schemas.microsoft.com/office/drawing/2010/main" Requires="a14">
+      <mc:AlternateContent xmlns:mc="http://schemas.openxmlformats.org/markup-compatibility/2006" xmlns:a14="http://schemas.microsoft.com/office/drawing/2010/main">
+        <mc:Choice Requires="a14">
           <p:sp>
             <p:nvSpPr>
               <p:cNvPr id="8" name="TextBox 7">
@@ -10441,7 +10441,7 @@
             </p:txBody>
           </p:sp>
         </mc:Choice>
-        <mc:Fallback>
+        <mc:Fallback xmlns="">
           <p:sp>
             <p:nvSpPr>
               <p:cNvPr id="8" name="TextBox 7">
@@ -10538,8 +10538,8 @@
           </a:p>
         </p:txBody>
       </p:sp>
-      <mc:AlternateContent xmlns:mc="http://schemas.openxmlformats.org/markup-compatibility/2006">
-        <mc:Choice xmlns:a14="http://schemas.microsoft.com/office/drawing/2010/main" Requires="a14">
+      <mc:AlternateContent xmlns:mc="http://schemas.openxmlformats.org/markup-compatibility/2006" xmlns:a14="http://schemas.microsoft.com/office/drawing/2010/main">
+        <mc:Choice Requires="a14">
           <p:sp>
             <p:nvSpPr>
               <p:cNvPr id="6" name="TextBox 5">
@@ -10790,7 +10790,7 @@
             </p:txBody>
           </p:sp>
         </mc:Choice>
-        <mc:Fallback>
+        <mc:Fallback xmlns="">
           <p:sp>
             <p:nvSpPr>
               <p:cNvPr id="6" name="TextBox 5">
@@ -10944,8 +10944,8 @@
           </a:p>
         </p:txBody>
       </p:sp>
-      <mc:AlternateContent xmlns:mc="http://schemas.openxmlformats.org/markup-compatibility/2006">
-        <mc:Choice xmlns:a14="http://schemas.microsoft.com/office/drawing/2010/main" Requires="a14">
+      <mc:AlternateContent xmlns:mc="http://schemas.openxmlformats.org/markup-compatibility/2006" xmlns:a14="http://schemas.microsoft.com/office/drawing/2010/main">
+        <mc:Choice Requires="a14">
           <p:sp>
             <p:nvSpPr>
               <p:cNvPr id="11" name="TextBox 10">
@@ -11063,7 +11063,7 @@
             </p:txBody>
           </p:sp>
         </mc:Choice>
-        <mc:Fallback>
+        <mc:Fallback xmlns="">
           <p:sp>
             <p:nvSpPr>
               <p:cNvPr id="11" name="TextBox 10">
@@ -11108,8 +11108,8 @@
           </p:sp>
         </mc:Fallback>
       </mc:AlternateContent>
-      <mc:AlternateContent xmlns:mc="http://schemas.openxmlformats.org/markup-compatibility/2006">
-        <mc:Choice xmlns:a14="http://schemas.microsoft.com/office/drawing/2010/main" Requires="a14">
+      <mc:AlternateContent xmlns:mc="http://schemas.openxmlformats.org/markup-compatibility/2006" xmlns:a14="http://schemas.microsoft.com/office/drawing/2010/main">
+        <mc:Choice Requires="a14">
           <p:sp>
             <p:nvSpPr>
               <p:cNvPr id="15" name="TextBox 14">
@@ -11180,7 +11180,7 @@
             </p:txBody>
           </p:sp>
         </mc:Choice>
-        <mc:Fallback>
+        <mc:Fallback xmlns="">
           <p:sp>
             <p:nvSpPr>
               <p:cNvPr id="15" name="TextBox 14">
@@ -11225,8 +11225,8 @@
           </p:sp>
         </mc:Fallback>
       </mc:AlternateContent>
-      <mc:AlternateContent xmlns:mc="http://schemas.openxmlformats.org/markup-compatibility/2006">
-        <mc:Choice xmlns:a14="http://schemas.microsoft.com/office/drawing/2010/main" Requires="a14">
+      <mc:AlternateContent xmlns:mc="http://schemas.openxmlformats.org/markup-compatibility/2006" xmlns:a14="http://schemas.microsoft.com/office/drawing/2010/main">
+        <mc:Choice Requires="a14">
           <p:sp>
             <p:nvSpPr>
               <p:cNvPr id="16" name="TextBox 15">
@@ -11303,7 +11303,7 @@
             </p:txBody>
           </p:sp>
         </mc:Choice>
-        <mc:Fallback>
+        <mc:Fallback xmlns="">
           <p:sp>
             <p:nvSpPr>
               <p:cNvPr id="16" name="TextBox 15">
@@ -13381,8 +13381,8 @@
           </a:p>
         </p:txBody>
       </p:sp>
-      <mc:AlternateContent xmlns:mc="http://schemas.openxmlformats.org/markup-compatibility/2006">
-        <mc:Choice xmlns:a14="http://schemas.microsoft.com/office/drawing/2010/main" Requires="a14">
+      <mc:AlternateContent xmlns:mc="http://schemas.openxmlformats.org/markup-compatibility/2006" xmlns:a14="http://schemas.microsoft.com/office/drawing/2010/main">
+        <mc:Choice Requires="a14">
           <p:sp>
             <p:nvSpPr>
               <p:cNvPr id="48" name="내용 개체 틀 2">
@@ -13865,7 +13865,7 @@
             </p:txBody>
           </p:sp>
         </mc:Choice>
-        <mc:Fallback>
+        <mc:Fallback xmlns="">
           <p:sp>
             <p:nvSpPr>
               <p:cNvPr id="48" name="내용 개체 틀 2">
@@ -17249,8 +17249,8 @@
           </a:p>
         </p:txBody>
       </p:sp>
-      <mc:AlternateContent xmlns:mc="http://schemas.openxmlformats.org/markup-compatibility/2006">
-        <mc:Choice xmlns:a14="http://schemas.microsoft.com/office/drawing/2010/main" Requires="a14">
+      <mc:AlternateContent xmlns:mc="http://schemas.openxmlformats.org/markup-compatibility/2006" xmlns:a14="http://schemas.microsoft.com/office/drawing/2010/main">
+        <mc:Choice Requires="a14">
           <p:sp>
             <p:nvSpPr>
               <p:cNvPr id="48" name="내용 개체 틀 2">
@@ -17663,7 +17663,7 @@
             </p:txBody>
           </p:sp>
         </mc:Choice>
-        <mc:Fallback>
+        <mc:Fallback xmlns="">
           <p:sp>
             <p:nvSpPr>
               <p:cNvPr id="48" name="내용 개체 틀 2">
@@ -22102,8 +22102,8 @@
           </a:p>
         </p:txBody>
       </p:sp>
-      <mc:AlternateContent xmlns:mc="http://schemas.openxmlformats.org/markup-compatibility/2006">
-        <mc:Choice xmlns:a14="http://schemas.microsoft.com/office/drawing/2010/main" Requires="a14">
+      <mc:AlternateContent xmlns:mc="http://schemas.openxmlformats.org/markup-compatibility/2006" xmlns:a14="http://schemas.microsoft.com/office/drawing/2010/main">
+        <mc:Choice Requires="a14">
           <p:sp>
             <p:nvSpPr>
               <p:cNvPr id="48" name="내용 개체 틀 2">
@@ -22606,7 +22606,7 @@
             </p:txBody>
           </p:sp>
         </mc:Choice>
-        <mc:Fallback>
+        <mc:Fallback xmlns="">
           <p:sp>
             <p:nvSpPr>
               <p:cNvPr id="48" name="내용 개체 틀 2">
@@ -23202,8 +23202,8 @@
           </a:p>
         </p:txBody>
       </p:sp>
-      <mc:AlternateContent xmlns:mc="http://schemas.openxmlformats.org/markup-compatibility/2006">
-        <mc:Choice xmlns:a14="http://schemas.microsoft.com/office/drawing/2010/main" Requires="a14">
+      <mc:AlternateContent xmlns:mc="http://schemas.openxmlformats.org/markup-compatibility/2006" xmlns:a14="http://schemas.microsoft.com/office/drawing/2010/main">
+        <mc:Choice Requires="a14">
           <p:sp>
             <p:nvSpPr>
               <p:cNvPr id="4" name="내용 개체 틀 2">
@@ -24678,7 +24678,7 @@
             </p:txBody>
           </p:sp>
         </mc:Choice>
-        <mc:Fallback>
+        <mc:Fallback xmlns="">
           <p:sp>
             <p:nvSpPr>
               <p:cNvPr id="4" name="내용 개체 틀 2">

--- a/졸업 논문/JCCI 발표.pptx
+++ b/졸업 논문/JCCI 발표.pptx
@@ -247,7 +247,7 @@
           <a:p>
             <a:fld id="{D1DA2BEC-7E6F-47A9-9115-3EED439C6DA5}" type="datetimeFigureOut">
               <a:rPr lang="ko-KR" altLang="en-US" smtClean="0"/>
-              <a:t>2024-04-23</a:t>
+              <a:t>2024-05-13</a:t>
             </a:fld>
             <a:endParaRPr lang="ko-KR" altLang="en-US"/>
           </a:p>
@@ -425,7 +425,7 @@
           <a:p>
             <a:fld id="{BF98C93F-AAD7-4410-AA25-972027873478}" type="datetimeFigureOut">
               <a:rPr lang="ko-KR" altLang="en-US" smtClean="0"/>
-              <a:t>2024-04-23</a:t>
+              <a:t>2024-05-13</a:t>
             </a:fld>
             <a:endParaRPr lang="ko-KR" altLang="en-US"/>
           </a:p>
@@ -14608,7 +14608,7 @@
         </p:blipFill>
         <p:spPr>
           <a:xfrm>
-            <a:off x="4362038" y="3830635"/>
+            <a:off x="4364526" y="3830635"/>
             <a:ext cx="1614681" cy="718459"/>
           </a:xfrm>
           <a:prstGeom prst="rect">

--- a/졸업 논문/JCCI 발표.pptx
+++ b/졸업 논문/JCCI 발표.pptx
@@ -247,7 +247,7 @@
           <a:p>
             <a:fld id="{D1DA2BEC-7E6F-47A9-9115-3EED439C6DA5}" type="datetimeFigureOut">
               <a:rPr lang="ko-KR" altLang="en-US" smtClean="0"/>
-              <a:t>2024-05-13</a:t>
+              <a:t>2024-05-15</a:t>
             </a:fld>
             <a:endParaRPr lang="ko-KR" altLang="en-US"/>
           </a:p>
@@ -425,7 +425,7 @@
           <a:p>
             <a:fld id="{BF98C93F-AAD7-4410-AA25-972027873478}" type="datetimeFigureOut">
               <a:rPr lang="ko-KR" altLang="en-US" smtClean="0"/>
-              <a:t>2024-05-13</a:t>
+              <a:t>2024-05-15</a:t>
             </a:fld>
             <a:endParaRPr lang="ko-KR" altLang="en-US"/>
           </a:p>
@@ -16847,10 +16847,10 @@
         </p:nvGrpSpPr>
         <p:grpSpPr>
           <a:xfrm>
-            <a:off x="2060622" y="2981459"/>
-            <a:ext cx="8674466" cy="3276111"/>
-            <a:chOff x="2636134" y="2392722"/>
-            <a:chExt cx="9555866" cy="3872634"/>
+            <a:off x="2032047" y="2908782"/>
+            <a:ext cx="8674466" cy="3348788"/>
+            <a:chOff x="2636134" y="2306812"/>
+            <a:chExt cx="9555866" cy="3958544"/>
           </a:xfrm>
         </p:grpSpPr>
         <p:pic>
@@ -17019,8 +17019,8 @@
           </p:blipFill>
           <p:spPr>
             <a:xfrm>
-              <a:off x="2636135" y="2392722"/>
-              <a:ext cx="2432729" cy="1860806"/>
+              <a:off x="2636134" y="2306812"/>
+              <a:ext cx="2432728" cy="1860806"/>
             </a:xfrm>
             <a:prstGeom prst="rect">
               <a:avLst/>
@@ -17050,8 +17050,8 @@
           </p:nvCxnSpPr>
           <p:spPr>
             <a:xfrm flipH="1" flipV="1">
-              <a:off x="5068864" y="3323126"/>
-              <a:ext cx="1930116" cy="629557"/>
+              <a:off x="5068862" y="3237215"/>
+              <a:ext cx="1930117" cy="715468"/>
             </a:xfrm>
             <a:prstGeom prst="straightConnector1">
               <a:avLst/>

--- a/졸업 논문/JCCI 발표.pptx
+++ b/졸업 논문/JCCI 발표.pptx
@@ -247,7 +247,7 @@
           <a:p>
             <a:fld id="{D1DA2BEC-7E6F-47A9-9115-3EED439C6DA5}" type="datetimeFigureOut">
               <a:rPr lang="ko-KR" altLang="en-US" smtClean="0"/>
-              <a:t>2024-05-15</a:t>
+              <a:t>2024-05-17</a:t>
             </a:fld>
             <a:endParaRPr lang="ko-KR" altLang="en-US"/>
           </a:p>
@@ -425,7 +425,7 @@
           <a:p>
             <a:fld id="{BF98C93F-AAD7-4410-AA25-972027873478}" type="datetimeFigureOut">
               <a:rPr lang="ko-KR" altLang="en-US" smtClean="0"/>
-              <a:t>2024-05-15</a:t>
+              <a:t>2024-05-17</a:t>
             </a:fld>
             <a:endParaRPr lang="ko-KR" altLang="en-US"/>
           </a:p>
@@ -14361,41 +14361,6 @@
           </a:ln>
         </p:spPr>
       </p:pic>
-      <p:pic>
-        <p:nvPicPr>
-          <p:cNvPr id="8" name="그림 7">
-            <a:extLst>
-              <a:ext uri="{FF2B5EF4-FFF2-40B4-BE49-F238E27FC236}">
-                <a16:creationId xmlns:a16="http://schemas.microsoft.com/office/drawing/2014/main" id="{ED0D6549-CFAD-C109-5C82-81AA30B7E514}"/>
-              </a:ext>
-            </a:extLst>
-          </p:cNvPr>
-          <p:cNvPicPr>
-            <a:picLocks noChangeAspect="1"/>
-          </p:cNvPicPr>
-          <p:nvPr/>
-        </p:nvPicPr>
-        <p:blipFill>
-          <a:blip r:embed="rId5"/>
-          <a:stretch>
-            <a:fillRect/>
-          </a:stretch>
-        </p:blipFill>
-        <p:spPr>
-          <a:xfrm>
-            <a:off x="4364526" y="3830635"/>
-            <a:ext cx="4596811" cy="2461725"/>
-          </a:xfrm>
-          <a:prstGeom prst="rect">
-            <a:avLst/>
-          </a:prstGeom>
-          <a:ln>
-            <a:solidFill>
-              <a:schemeClr val="tx1"/>
-            </a:solidFill>
-          </a:ln>
-        </p:spPr>
-      </p:pic>
       <p:sp>
         <p:nvSpPr>
           <p:cNvPr id="9" name="직사각형 8">
@@ -14586,41 +14551,97 @@
           </a:fontRef>
         </p:style>
       </p:cxnSp>
-      <p:pic>
-        <p:nvPicPr>
-          <p:cNvPr id="16" name="그림 15">
+      <p:grpSp>
+        <p:nvGrpSpPr>
+          <p:cNvPr id="4" name="그룹 3">
             <a:extLst>
               <a:ext uri="{FF2B5EF4-FFF2-40B4-BE49-F238E27FC236}">
-                <a16:creationId xmlns:a16="http://schemas.microsoft.com/office/drawing/2014/main" id="{1A058F42-9161-C024-9F82-1BB609AB6859}"/>
+                <a16:creationId xmlns:a16="http://schemas.microsoft.com/office/drawing/2014/main" id="{3A3390D8-24FF-748B-70C1-85BB09FB93C0}"/>
               </a:ext>
             </a:extLst>
           </p:cNvPr>
-          <p:cNvPicPr>
-            <a:picLocks noChangeAspect="1"/>
-          </p:cNvPicPr>
+          <p:cNvGrpSpPr/>
           <p:nvPr/>
-        </p:nvPicPr>
-        <p:blipFill>
-          <a:blip r:embed="rId6"/>
-          <a:stretch>
-            <a:fillRect/>
-          </a:stretch>
-        </p:blipFill>
-        <p:spPr>
+        </p:nvGrpSpPr>
+        <p:grpSpPr>
           <a:xfrm>
             <a:off x="4364526" y="3830635"/>
-            <a:ext cx="1614681" cy="718459"/>
+            <a:ext cx="4596811" cy="2461725"/>
+            <a:chOff x="4364526" y="3830635"/>
+            <a:chExt cx="4596811" cy="2461725"/>
           </a:xfrm>
-          <a:prstGeom prst="rect">
-            <a:avLst/>
-          </a:prstGeom>
-          <a:ln>
-            <a:solidFill>
-              <a:schemeClr val="tx1"/>
-            </a:solidFill>
-          </a:ln>
-        </p:spPr>
-      </p:pic>
+        </p:grpSpPr>
+        <p:pic>
+          <p:nvPicPr>
+            <p:cNvPr id="8" name="그림 7">
+              <a:extLst>
+                <a:ext uri="{FF2B5EF4-FFF2-40B4-BE49-F238E27FC236}">
+                  <a16:creationId xmlns:a16="http://schemas.microsoft.com/office/drawing/2014/main" id="{ED0D6549-CFAD-C109-5C82-81AA30B7E514}"/>
+                </a:ext>
+              </a:extLst>
+            </p:cNvPr>
+            <p:cNvPicPr>
+              <a:picLocks noChangeAspect="1"/>
+            </p:cNvPicPr>
+            <p:nvPr/>
+          </p:nvPicPr>
+          <p:blipFill>
+            <a:blip r:embed="rId5"/>
+            <a:stretch>
+              <a:fillRect/>
+            </a:stretch>
+          </p:blipFill>
+          <p:spPr>
+            <a:xfrm>
+              <a:off x="4364526" y="3830635"/>
+              <a:ext cx="4596811" cy="2461725"/>
+            </a:xfrm>
+            <a:prstGeom prst="rect">
+              <a:avLst/>
+            </a:prstGeom>
+            <a:ln>
+              <a:solidFill>
+                <a:schemeClr val="tx1"/>
+              </a:solidFill>
+            </a:ln>
+          </p:spPr>
+        </p:pic>
+        <p:pic>
+          <p:nvPicPr>
+            <p:cNvPr id="16" name="그림 15">
+              <a:extLst>
+                <a:ext uri="{FF2B5EF4-FFF2-40B4-BE49-F238E27FC236}">
+                  <a16:creationId xmlns:a16="http://schemas.microsoft.com/office/drawing/2014/main" id="{1A058F42-9161-C024-9F82-1BB609AB6859}"/>
+                </a:ext>
+              </a:extLst>
+            </p:cNvPr>
+            <p:cNvPicPr>
+              <a:picLocks noChangeAspect="1"/>
+            </p:cNvPicPr>
+            <p:nvPr/>
+          </p:nvPicPr>
+          <p:blipFill>
+            <a:blip r:embed="rId6"/>
+            <a:stretch>
+              <a:fillRect/>
+            </a:stretch>
+          </p:blipFill>
+          <p:spPr>
+            <a:xfrm>
+              <a:off x="4364526" y="3830635"/>
+              <a:ext cx="1614681" cy="718459"/>
+            </a:xfrm>
+            <a:prstGeom prst="rect">
+              <a:avLst/>
+            </a:prstGeom>
+            <a:ln>
+              <a:solidFill>
+                <a:schemeClr val="tx1"/>
+              </a:solidFill>
+            </a:ln>
+          </p:spPr>
+        </p:pic>
+      </p:grpSp>
     </p:spTree>
     <p:extLst>
       <p:ext uri="{BB962C8B-B14F-4D97-AF65-F5344CB8AC3E}">
